--- a/レイアウトに関する要求.pptx
+++ b/レイアウトに関する要求.pptx
@@ -13,6 +13,8 @@
     <p:sldId id="260" r:id="rId7"/>
     <p:sldId id="259" r:id="rId8"/>
     <p:sldId id="263" r:id="rId9"/>
+    <p:sldId id="265" r:id="rId10"/>
+    <p:sldId id="266" r:id="rId11"/>
   </p:sldIdLst>
   <p:sldSz cx="9144000" cy="6858000" type="screen4x3"/>
   <p:notesSz cx="6858000" cy="9144000"/>
@@ -3820,15 +3822,7 @@
                 <a:ea typeface="メイリオ" panose="020B0604030504040204" pitchFamily="50" charset="-128"/>
                 <a:cs typeface="メイリオ" panose="020B0604030504040204" pitchFamily="50" charset="-128"/>
               </a:rPr>
-              <a:t>参考：現行</a:t>
-            </a:r>
-            <a:r>
-              <a:rPr lang="ja-JP" altLang="en-US" sz="3200" dirty="0" smtClean="0">
-                <a:latin typeface="メイリオ" panose="020B0604030504040204" pitchFamily="50" charset="-128"/>
-                <a:ea typeface="メイリオ" panose="020B0604030504040204" pitchFamily="50" charset="-128"/>
-                <a:cs typeface="メイリオ" panose="020B0604030504040204" pitchFamily="50" charset="-128"/>
-              </a:rPr>
-              <a:t>のレイアウト </a:t>
+              <a:t>参考：現行のレイアウト </a:t>
             </a:r>
             <a:r>
               <a:rPr lang="en-US" altLang="ja-JP" sz="3200" dirty="0" smtClean="0">
@@ -3892,6 +3886,516 @@
     <p:extLst>
       <p:ext uri="{BB962C8B-B14F-4D97-AF65-F5344CB8AC3E}">
         <p14:creationId xmlns:p14="http://schemas.microsoft.com/office/powerpoint/2010/main" val="4050434682"/>
+      </p:ext>
+    </p:extLst>
+  </p:cSld>
+  <p:clrMapOvr>
+    <a:masterClrMapping/>
+  </p:clrMapOvr>
+</p:sld>
+</file>
+
+<file path=ppt/slides/slide10.xml><?xml version="1.0" encoding="utf-8"?>
+<p:sld xmlns:a="http://schemas.openxmlformats.org/drawingml/2006/main" xmlns:r="http://schemas.openxmlformats.org/officeDocument/2006/relationships" xmlns:p="http://schemas.openxmlformats.org/presentationml/2006/main">
+  <p:cSld>
+    <p:spTree>
+      <p:nvGrpSpPr>
+        <p:cNvPr id="1" name=""/>
+        <p:cNvGrpSpPr/>
+        <p:nvPr/>
+      </p:nvGrpSpPr>
+      <p:grpSpPr>
+        <a:xfrm>
+          <a:off x="0" y="0"/>
+          <a:ext cx="0" cy="0"/>
+          <a:chOff x="0" y="0"/>
+          <a:chExt cx="0" cy="0"/>
+        </a:xfrm>
+      </p:grpSpPr>
+      <p:sp>
+        <p:nvSpPr>
+          <p:cNvPr id="2" name="タイトル 1"/>
+          <p:cNvSpPr>
+            <a:spLocks noGrp="1"/>
+          </p:cNvSpPr>
+          <p:nvPr>
+            <p:ph type="title"/>
+          </p:nvPr>
+        </p:nvSpPr>
+        <p:spPr/>
+        <p:txBody>
+          <a:bodyPr>
+            <a:noAutofit/>
+          </a:bodyPr>
+          <a:lstStyle/>
+          <a:p>
+            <a:r>
+              <a:rPr kumimoji="1" lang="ja-JP" altLang="en-US" sz="3200" dirty="0" smtClean="0"/>
+              <a:t>例 </a:t>
+            </a:r>
+            <a:r>
+              <a:rPr kumimoji="1" lang="en-US" altLang="ja-JP" sz="3200" dirty="0" smtClean="0"/>
+              <a:t>(108,144)</a:t>
+            </a:r>
+            <a:r>
+              <a:rPr kumimoji="1" lang="ja-JP" altLang="en-US" sz="3200" dirty="0" smtClean="0"/>
+              <a:t>の格子から</a:t>
+            </a:r>
+            <a:r>
+              <a:rPr kumimoji="1" lang="en-US" altLang="ja-JP" sz="3200" dirty="0" smtClean="0"/>
+              <a:t>iPhone4(606,808</a:t>
+            </a:r>
+            <a:r>
+              <a:rPr kumimoji="1" lang="ja-JP" altLang="en-US" sz="3200" dirty="0" smtClean="0"/>
+              <a:t>へ</a:t>
+            </a:r>
+            <a:r>
+              <a:rPr kumimoji="1" lang="en-US" altLang="ja-JP" sz="3200" dirty="0" smtClean="0"/>
+              <a:t>)</a:t>
+            </a:r>
+            <a:endParaRPr kumimoji="1" lang="ja-JP" altLang="en-US" sz="3200" dirty="0"/>
+          </a:p>
+        </p:txBody>
+      </p:sp>
+      <mc:AlternateContent xmlns:mc="http://schemas.openxmlformats.org/markup-compatibility/2006">
+        <mc:Choice xmlns:a14="http://schemas.microsoft.com/office/drawing/2010/main" Requires="a14">
+          <p:sp>
+            <p:nvSpPr>
+              <p:cNvPr id="3" name="コンテンツ プレースホルダー 2"/>
+              <p:cNvSpPr>
+                <a:spLocks noGrp="1"/>
+              </p:cNvSpPr>
+              <p:nvPr>
+                <p:ph idx="1"/>
+              </p:nvPr>
+            </p:nvSpPr>
+            <p:spPr/>
+            <p:txBody>
+              <a:bodyPr/>
+              <a:lstStyle/>
+              <a:p>
+                <a:r>
+                  <a:rPr kumimoji="1" lang="en-US" altLang="ja-JP" dirty="0" smtClean="0"/>
+                  <a:t>cell</a:t>
+                </a:r>
+                <a:r>
+                  <a:rPr kumimoji="1" lang="ja-JP" altLang="en-US" dirty="0" smtClean="0"/>
+                  <a:t>の大きさ</a:t>
+                </a:r>
+                <a:r>
+                  <a:rPr lang="ja-JP" altLang="en-US" dirty="0" smtClean="0"/>
+                  <a:t> </a:t>
+                </a:r>
+                <a:r>
+                  <a:rPr lang="en-US" altLang="ja-JP" dirty="0" smtClean="0"/>
+                  <a:t>= </a:t>
+                </a:r>
+                <a14:m>
+                  <m:oMath xmlns:m="http://schemas.openxmlformats.org/officeDocument/2006/math">
+                    <m:d>
+                      <m:dPr>
+                        <m:ctrlPr>
+                          <a:rPr lang="en-US" altLang="ja-JP" b="0" i="1" smtClean="0">
+                            <a:latin typeface="Cambria Math"/>
+                          </a:rPr>
+                        </m:ctrlPr>
+                      </m:dPr>
+                      <m:e>
+                        <m:f>
+                          <m:fPr>
+                            <m:ctrlPr>
+                              <a:rPr lang="en-US" altLang="ja-JP" b="0" i="1" smtClean="0">
+                                <a:latin typeface="Cambria Math"/>
+                              </a:rPr>
+                            </m:ctrlPr>
+                          </m:fPr>
+                          <m:num>
+                            <m:r>
+                              <a:rPr lang="en-US" altLang="ja-JP" b="0" i="1" smtClean="0">
+                                <a:latin typeface="Cambria Math"/>
+                              </a:rPr>
+                              <m:t>606</m:t>
+                            </m:r>
+                          </m:num>
+                          <m:den>
+                            <m:r>
+                              <a:rPr lang="en-US" altLang="ja-JP" b="0" i="1" smtClean="0">
+                                <a:latin typeface="Cambria Math"/>
+                              </a:rPr>
+                              <m:t>108</m:t>
+                            </m:r>
+                          </m:den>
+                        </m:f>
+                        <m:r>
+                          <a:rPr lang="en-US" altLang="ja-JP" b="0" i="1" smtClean="0">
+                            <a:latin typeface="Cambria Math"/>
+                          </a:rPr>
+                          <m:t>,</m:t>
+                        </m:r>
+                        <m:f>
+                          <m:fPr>
+                            <m:ctrlPr>
+                              <a:rPr lang="en-US" altLang="ja-JP" b="0" i="1" smtClean="0">
+                                <a:latin typeface="Cambria Math"/>
+                              </a:rPr>
+                            </m:ctrlPr>
+                          </m:fPr>
+                          <m:num>
+                            <m:r>
+                              <a:rPr lang="en-US" altLang="ja-JP" b="0" i="1" smtClean="0">
+                                <a:latin typeface="Cambria Math"/>
+                              </a:rPr>
+                              <m:t>808</m:t>
+                            </m:r>
+                          </m:num>
+                          <m:den>
+                            <m:r>
+                              <a:rPr lang="en-US" altLang="ja-JP" b="0" i="1" smtClean="0">
+                                <a:latin typeface="Cambria Math"/>
+                              </a:rPr>
+                              <m:t>144</m:t>
+                            </m:r>
+                          </m:den>
+                        </m:f>
+                      </m:e>
+                    </m:d>
+                  </m:oMath>
+                </a14:m>
+                <a:endParaRPr lang="en-US" altLang="ja-JP" b="0" dirty="0" smtClean="0"/>
+              </a:p>
+              <a:p>
+                <a:r>
+                  <a:rPr lang="en-US" altLang="ja-JP" dirty="0" smtClean="0"/>
+                  <a:t>cell</a:t>
+                </a:r>
+                <a:r>
+                  <a:rPr lang="ja-JP" altLang="en-US" dirty="0" smtClean="0"/>
+                  <a:t>上で 位置</a:t>
+                </a:r>
+                <a:r>
+                  <a:rPr lang="en-US" altLang="ja-JP" dirty="0" smtClean="0"/>
+                  <a:t>(46,9), </a:t>
+                </a:r>
+                <a:r>
+                  <a:rPr lang="ja-JP" altLang="en-US" dirty="0" smtClean="0"/>
+                  <a:t>大きさ</a:t>
+                </a:r>
+                <a:r>
+                  <a:rPr lang="en-US" altLang="ja-JP" dirty="0" smtClean="0"/>
+                  <a:t>(4,3)</a:t>
+                </a:r>
+                <a:r>
+                  <a:rPr lang="ja-JP" altLang="en-US" dirty="0" smtClean="0"/>
+                  <a:t>の場合</a:t>
+                </a:r>
+                <a:endParaRPr lang="en-US" altLang="ja-JP" dirty="0" smtClean="0"/>
+              </a:p>
+              <a:p>
+                <a:pPr lvl="1"/>
+                <a:r>
+                  <a:rPr lang="ja-JP" altLang="en-US" dirty="0" smtClean="0"/>
+                  <a:t>画面上での位置</a:t>
+                </a:r>
+                <a:r>
+                  <a:rPr lang="en-US" altLang="ja-JP" dirty="0" smtClean="0"/>
+                  <a:t>(map</a:t>
+                </a:r>
+                <a:r>
+                  <a:rPr lang="ja-JP" altLang="en-US" dirty="0" smtClean="0"/>
+                  <a:t>左上からの相対位置）</a:t>
+                </a:r>
+                <a:endParaRPr lang="en-US" altLang="ja-JP" dirty="0" smtClean="0"/>
+              </a:p>
+              <a:p>
+                <a:pPr lvl="2"/>
+                <a:r>
+                  <a:rPr lang="en-US" altLang="ja-JP" dirty="0" smtClean="0"/>
+                  <a:t> </a:t>
+                </a:r>
+                <a14:m>
+                  <m:oMath xmlns:m="http://schemas.openxmlformats.org/officeDocument/2006/math">
+                    <m:d>
+                      <m:dPr>
+                        <m:ctrlPr>
+                          <a:rPr lang="en-US" altLang="ja-JP" b="0" i="1" smtClean="0">
+                            <a:latin typeface="Cambria Math"/>
+                          </a:rPr>
+                        </m:ctrlPr>
+                      </m:dPr>
+                      <m:e>
+                        <m:d>
+                          <m:dPr>
+                            <m:begChr m:val="⌊"/>
+                            <m:endChr m:val="⌋"/>
+                            <m:ctrlPr>
+                              <a:rPr lang="en-US" altLang="ja-JP" b="0" i="1" smtClean="0">
+                                <a:latin typeface="Cambria Math"/>
+                              </a:rPr>
+                            </m:ctrlPr>
+                          </m:dPr>
+                          <m:e>
+                            <m:f>
+                              <m:fPr>
+                                <m:ctrlPr>
+                                  <a:rPr lang="en-US" altLang="ja-JP" i="1">
+                                    <a:latin typeface="Cambria Math"/>
+                                  </a:rPr>
+                                </m:ctrlPr>
+                              </m:fPr>
+                              <m:num>
+                                <m:r>
+                                  <a:rPr lang="en-US" altLang="ja-JP" i="1">
+                                    <a:latin typeface="Cambria Math"/>
+                                  </a:rPr>
+                                  <m:t>606∗46 </m:t>
+                                </m:r>
+                              </m:num>
+                              <m:den>
+                                <m:r>
+                                  <a:rPr lang="en-US" altLang="ja-JP" i="1">
+                                    <a:latin typeface="Cambria Math"/>
+                                  </a:rPr>
+                                  <m:t>108</m:t>
+                                </m:r>
+                              </m:den>
+                            </m:f>
+                          </m:e>
+                        </m:d>
+                        <m:r>
+                          <a:rPr lang="en-US" altLang="ja-JP" b="0" i="0" smtClean="0">
+                            <a:latin typeface="Cambria Math"/>
+                          </a:rPr>
+                          <m:t>,</m:t>
+                        </m:r>
+                        <m:d>
+                          <m:dPr>
+                            <m:begChr m:val="⌊"/>
+                            <m:endChr m:val="⌋"/>
+                            <m:ctrlPr>
+                              <a:rPr lang="en-US" altLang="ja-JP" b="0" i="1" smtClean="0">
+                                <a:latin typeface="Cambria Math"/>
+                              </a:rPr>
+                            </m:ctrlPr>
+                          </m:dPr>
+                          <m:e>
+                            <m:f>
+                              <m:fPr>
+                                <m:ctrlPr>
+                                  <a:rPr lang="en-US" altLang="ja-JP" i="1">
+                                    <a:latin typeface="Cambria Math"/>
+                                  </a:rPr>
+                                </m:ctrlPr>
+                              </m:fPr>
+                              <m:num>
+                                <m:r>
+                                  <a:rPr lang="en-US" altLang="ja-JP">
+                                    <a:latin typeface="Cambria Math"/>
+                                  </a:rPr>
+                                  <m:t>808∗9</m:t>
+                                </m:r>
+                              </m:num>
+                              <m:den>
+                                <m:r>
+                                  <a:rPr lang="en-US" altLang="ja-JP">
+                                    <a:latin typeface="Cambria Math"/>
+                                  </a:rPr>
+                                  <m:t>14</m:t>
+                                </m:r>
+                                <m:r>
+                                  <a:rPr lang="en-US" altLang="ja-JP" b="0" i="1" smtClean="0">
+                                    <a:latin typeface="Cambria Math"/>
+                                  </a:rPr>
+                                  <m:t>4</m:t>
+                                </m:r>
+                              </m:den>
+                            </m:f>
+                          </m:e>
+                        </m:d>
+                      </m:e>
+                    </m:d>
+                    <m:r>
+                      <a:rPr lang="en-US" altLang="ja-JP" b="0" i="1" smtClean="0">
+                        <a:latin typeface="Cambria Math"/>
+                      </a:rPr>
+                      <m:t>=</m:t>
+                    </m:r>
+                    <m:d>
+                      <m:dPr>
+                        <m:ctrlPr>
+                          <a:rPr lang="en-US" altLang="ja-JP" b="0" i="1" smtClean="0">
+                            <a:latin typeface="Cambria Math"/>
+                          </a:rPr>
+                        </m:ctrlPr>
+                      </m:dPr>
+                      <m:e>
+                        <m:r>
+                          <a:rPr lang="en-US" altLang="ja-JP" b="0" i="1" smtClean="0">
+                            <a:latin typeface="Cambria Math"/>
+                          </a:rPr>
+                          <m:t>258, 50</m:t>
+                        </m:r>
+                      </m:e>
+                    </m:d>
+                  </m:oMath>
+                </a14:m>
+                <a:endParaRPr kumimoji="1" lang="en-US" altLang="ja-JP" dirty="0" smtClean="0"/>
+              </a:p>
+              <a:p>
+                <a:pPr lvl="1"/>
+                <a:r>
+                  <a:rPr lang="ja-JP" altLang="en-US" dirty="0" smtClean="0"/>
+                  <a:t>大きさ</a:t>
+                </a:r>
+                <a:endParaRPr lang="en-US" altLang="ja-JP" dirty="0" smtClean="0"/>
+              </a:p>
+              <a:p>
+                <a:pPr lvl="2"/>
+                <a14:m>
+                  <m:oMath xmlns:m="http://schemas.openxmlformats.org/officeDocument/2006/math">
+                    <m:d>
+                      <m:dPr>
+                        <m:ctrlPr>
+                          <a:rPr kumimoji="1" lang="en-US" altLang="ja-JP" b="0" i="1" smtClean="0">
+                            <a:latin typeface="Cambria Math"/>
+                          </a:rPr>
+                        </m:ctrlPr>
+                      </m:dPr>
+                      <m:e>
+                        <m:d>
+                          <m:dPr>
+                            <m:begChr m:val="⌈"/>
+                            <m:endChr m:val="⌉"/>
+                            <m:ctrlPr>
+                              <a:rPr kumimoji="1" lang="en-US" altLang="ja-JP" b="0" i="1" smtClean="0">
+                                <a:latin typeface="Cambria Math"/>
+                              </a:rPr>
+                            </m:ctrlPr>
+                          </m:dPr>
+                          <m:e>
+                            <m:f>
+                              <m:fPr>
+                                <m:ctrlPr>
+                                  <a:rPr lang="en-US" altLang="ja-JP" i="1">
+                                    <a:latin typeface="Cambria Math"/>
+                                  </a:rPr>
+                                </m:ctrlPr>
+                              </m:fPr>
+                              <m:num>
+                                <m:r>
+                                  <a:rPr lang="en-US" altLang="ja-JP" i="1">
+                                    <a:latin typeface="Cambria Math"/>
+                                  </a:rPr>
+                                  <m:t>606∗4</m:t>
+                                </m:r>
+                              </m:num>
+                              <m:den>
+                                <m:r>
+                                  <a:rPr lang="en-US" altLang="ja-JP" i="1">
+                                    <a:latin typeface="Cambria Math"/>
+                                  </a:rPr>
+                                  <m:t>108</m:t>
+                                </m:r>
+                              </m:den>
+                            </m:f>
+                          </m:e>
+                        </m:d>
+                        <m:r>
+                          <a:rPr kumimoji="1" lang="en-US" altLang="ja-JP" b="0" i="1" smtClean="0">
+                            <a:latin typeface="Cambria Math"/>
+                          </a:rPr>
+                          <m:t>,</m:t>
+                        </m:r>
+                        <m:d>
+                          <m:dPr>
+                            <m:begChr m:val="⌈"/>
+                            <m:endChr m:val="⌉"/>
+                            <m:ctrlPr>
+                              <a:rPr kumimoji="1" lang="en-US" altLang="ja-JP" b="0" i="1" smtClean="0">
+                                <a:latin typeface="Cambria Math"/>
+                              </a:rPr>
+                            </m:ctrlPr>
+                          </m:dPr>
+                          <m:e>
+                            <m:f>
+                              <m:fPr>
+                                <m:ctrlPr>
+                                  <a:rPr lang="en-US" altLang="ja-JP" i="1">
+                                    <a:latin typeface="Cambria Math"/>
+                                  </a:rPr>
+                                </m:ctrlPr>
+                              </m:fPr>
+                              <m:num>
+                                <m:r>
+                                  <a:rPr lang="en-US" altLang="ja-JP" i="1">
+                                    <a:latin typeface="Cambria Math"/>
+                                  </a:rPr>
+                                  <m:t>808∗3</m:t>
+                                </m:r>
+                              </m:num>
+                              <m:den>
+                                <m:r>
+                                  <a:rPr lang="en-US" altLang="ja-JP" i="1">
+                                    <a:latin typeface="Cambria Math"/>
+                                  </a:rPr>
+                                  <m:t>144</m:t>
+                                </m:r>
+                              </m:den>
+                            </m:f>
+                          </m:e>
+                        </m:d>
+                      </m:e>
+                    </m:d>
+                    <m:r>
+                      <a:rPr kumimoji="1" lang="en-US" altLang="ja-JP" b="0" i="1" smtClean="0">
+                        <a:latin typeface="Cambria Math"/>
+                      </a:rPr>
+                      <m:t>=(23,17)</m:t>
+                    </m:r>
+                  </m:oMath>
+                </a14:m>
+                <a:endParaRPr kumimoji="1" lang="en-US" altLang="ja-JP" dirty="0" smtClean="0"/>
+              </a:p>
+            </p:txBody>
+          </p:sp>
+        </mc:Choice>
+        <mc:Fallback>
+          <p:sp>
+            <p:nvSpPr>
+              <p:cNvPr id="3" name="コンテンツ プレースホルダー 2"/>
+              <p:cNvSpPr>
+                <a:spLocks noGrp="1" noRot="1" noChangeAspect="1" noMove="1" noResize="1" noEditPoints="1" noAdjustHandles="1" noChangeArrowheads="1" noChangeShapeType="1" noTextEdit="1"/>
+              </p:cNvSpPr>
+              <p:nvPr>
+                <p:ph idx="1"/>
+              </p:nvPr>
+            </p:nvSpPr>
+            <p:spPr>
+              <a:blipFill rotWithShape="1">
+                <a:blip r:embed="rId2"/>
+                <a:stretch>
+                  <a:fillRect l="-1630"/>
+                </a:stretch>
+              </a:blipFill>
+            </p:spPr>
+            <p:txBody>
+              <a:bodyPr/>
+              <a:lstStyle/>
+              <a:p>
+                <a:r>
+                  <a:rPr lang="ja-JP" altLang="en-US">
+                    <a:noFill/>
+                  </a:rPr>
+                  <a:t> </a:t>
+                </a:r>
+              </a:p>
+            </p:txBody>
+          </p:sp>
+        </mc:Fallback>
+      </mc:AlternateContent>
+    </p:spTree>
+    <p:extLst>
+      <p:ext uri="{BB962C8B-B14F-4D97-AF65-F5344CB8AC3E}">
+        <p14:creationId xmlns:p14="http://schemas.microsoft.com/office/powerpoint/2010/main" val="3485869779"/>
       </p:ext>
     </p:extLst>
   </p:cSld>
@@ -3955,10 +4459,18 @@
           <a:lstStyle/>
           <a:p>
             <a:r>
-              <a:rPr kumimoji="1" lang="ja-JP" altLang="en-US" dirty="0" smtClean="0"/>
+              <a:rPr kumimoji="1" lang="ja-JP" altLang="en-US" dirty="0" smtClean="0">
+                <a:latin typeface="メイリオ" panose="020B0604030504040204" pitchFamily="50" charset="-128"/>
+                <a:ea typeface="メイリオ" panose="020B0604030504040204" pitchFamily="50" charset="-128"/>
+                <a:cs typeface="メイリオ" panose="020B0604030504040204" pitchFamily="50" charset="-128"/>
+              </a:rPr>
               <a:t>画面レイアウトに関する要求</a:t>
             </a:r>
-            <a:endParaRPr kumimoji="1" lang="ja-JP" altLang="en-US" dirty="0"/>
+            <a:endParaRPr kumimoji="1" lang="ja-JP" altLang="en-US" dirty="0">
+              <a:latin typeface="メイリオ" panose="020B0604030504040204" pitchFamily="50" charset="-128"/>
+              <a:ea typeface="メイリオ" panose="020B0604030504040204" pitchFamily="50" charset="-128"/>
+              <a:cs typeface="メイリオ" panose="020B0604030504040204" pitchFamily="50" charset="-128"/>
+            </a:endParaRPr>
           </a:p>
         </p:txBody>
       </p:sp>
@@ -8787,6 +9299,805 @@
     <p:extLst>
       <p:ext uri="{BB962C8B-B14F-4D97-AF65-F5344CB8AC3E}">
         <p14:creationId xmlns:p14="http://schemas.microsoft.com/office/powerpoint/2010/main" val="2315762559"/>
+      </p:ext>
+    </p:extLst>
+  </p:cSld>
+  <p:clrMapOvr>
+    <a:masterClrMapping/>
+  </p:clrMapOvr>
+</p:sld>
+</file>
+
+<file path=ppt/slides/slide9.xml><?xml version="1.0" encoding="utf-8"?>
+<p:sld xmlns:a="http://schemas.openxmlformats.org/drawingml/2006/main" xmlns:r="http://schemas.openxmlformats.org/officeDocument/2006/relationships" xmlns:p="http://schemas.openxmlformats.org/presentationml/2006/main">
+  <p:cSld>
+    <p:spTree>
+      <p:nvGrpSpPr>
+        <p:cNvPr id="1" name=""/>
+        <p:cNvGrpSpPr/>
+        <p:nvPr/>
+      </p:nvGrpSpPr>
+      <p:grpSpPr>
+        <a:xfrm>
+          <a:off x="0" y="0"/>
+          <a:ext cx="0" cy="0"/>
+          <a:chOff x="0" y="0"/>
+          <a:chExt cx="0" cy="0"/>
+        </a:xfrm>
+      </p:grpSpPr>
+      <p:sp>
+        <p:nvSpPr>
+          <p:cNvPr id="2" name="タイトル 1"/>
+          <p:cNvSpPr>
+            <a:spLocks noGrp="1"/>
+          </p:cNvSpPr>
+          <p:nvPr>
+            <p:ph type="title"/>
+          </p:nvPr>
+        </p:nvSpPr>
+        <p:spPr/>
+        <p:txBody>
+          <a:bodyPr>
+            <a:normAutofit fontScale="90000"/>
+          </a:bodyPr>
+          <a:lstStyle/>
+          <a:p>
+            <a:r>
+              <a:rPr lang="ja-JP" altLang="en-US" dirty="0" smtClean="0"/>
+              <a:t>格子によるレイアウトデータを</a:t>
+            </a:r>
+            <a:r>
+              <a:rPr lang="en-US" altLang="ja-JP" dirty="0" smtClean="0"/>
+              <a:t/>
+            </a:r>
+            <a:br>
+              <a:rPr lang="en-US" altLang="ja-JP" dirty="0" smtClean="0"/>
+            </a:br>
+            <a:r>
+              <a:rPr lang="ja-JP" altLang="en-US" dirty="0"/>
+              <a:t>解像度に合わせる</a:t>
+            </a:r>
+            <a:endParaRPr kumimoji="1" lang="ja-JP" altLang="en-US" dirty="0"/>
+          </a:p>
+        </p:txBody>
+      </p:sp>
+      <mc:AlternateContent xmlns:mc="http://schemas.openxmlformats.org/markup-compatibility/2006">
+        <mc:Choice xmlns:a14="http://schemas.microsoft.com/office/drawing/2010/main" Requires="a14">
+          <p:sp>
+            <p:nvSpPr>
+              <p:cNvPr id="5" name="コンテンツ プレースホルダー 4"/>
+              <p:cNvSpPr>
+                <a:spLocks noGrp="1"/>
+              </p:cNvSpPr>
+              <p:nvPr>
+                <p:ph idx="1"/>
+              </p:nvPr>
+            </p:nvSpPr>
+            <p:spPr>
+              <a:xfrm>
+                <a:off x="457200" y="1600200"/>
+                <a:ext cx="8229600" cy="4997152"/>
+              </a:xfrm>
+            </p:spPr>
+            <p:txBody>
+              <a:bodyPr>
+                <a:normAutofit fontScale="85000" lnSpcReduction="20000"/>
+              </a:bodyPr>
+              <a:lstStyle/>
+              <a:p>
+                <a:r>
+                  <a:rPr kumimoji="1" lang="ja-JP" altLang="en-US" dirty="0" smtClean="0"/>
+                  <a:t>格子数に関する変数</a:t>
+                </a:r>
+                <a:endParaRPr kumimoji="1" lang="en-US" altLang="ja-JP" dirty="0" smtClean="0"/>
+              </a:p>
+              <a:p>
+                <a:pPr lvl="1"/>
+                <a:r>
+                  <a:rPr lang="en-US" altLang="ja-JP" dirty="0"/>
+                  <a:t> </a:t>
+                </a:r>
+                <a:r>
+                  <a:rPr lang="ja-JP" altLang="en-US" dirty="0"/>
+                  <a:t>横の格子数</a:t>
+                </a:r>
+                <a:r>
+                  <a:rPr lang="ja-JP" altLang="en-US" dirty="0" smtClean="0"/>
+                  <a:t>を </a:t>
+                </a:r>
+                <a:r>
+                  <a:rPr lang="en-US" altLang="ja-JP" dirty="0" err="1" smtClean="0"/>
+                  <a:t>cw</a:t>
+                </a:r>
+                <a:r>
+                  <a:rPr lang="en-US" altLang="ja-JP" dirty="0" smtClean="0"/>
+                  <a:t>, </a:t>
+                </a:r>
+                <a:r>
+                  <a:rPr lang="ja-JP" altLang="en-US" dirty="0" smtClean="0"/>
+                  <a:t>縦の格子数を </a:t>
+                </a:r>
+                <a:r>
+                  <a:rPr lang="en-US" altLang="ja-JP" dirty="0" err="1" smtClean="0"/>
+                  <a:t>ch</a:t>
+                </a:r>
+                <a:r>
+                  <a:rPr lang="ja-JP" altLang="en-US" dirty="0"/>
+                  <a:t> </a:t>
+                </a:r>
+                <a:r>
+                  <a:rPr lang="ja-JP" altLang="en-US" dirty="0" smtClean="0"/>
+                  <a:t>とする</a:t>
+                </a:r>
+                <a:endParaRPr lang="en-US" altLang="ja-JP" dirty="0" smtClean="0"/>
+              </a:p>
+              <a:p>
+                <a:r>
+                  <a:rPr lang="ja-JP" altLang="en-US" dirty="0" smtClean="0"/>
+                  <a:t>画面解像度</a:t>
+                </a:r>
+                <a:r>
+                  <a:rPr lang="en-US" altLang="ja-JP" dirty="0" smtClean="0"/>
+                  <a:t> </a:t>
+                </a:r>
+                <a:r>
+                  <a:rPr lang="ja-JP" altLang="en-US" dirty="0" smtClean="0"/>
+                  <a:t>に関する変数</a:t>
+                </a:r>
+                <a:endParaRPr lang="en-US" altLang="ja-JP" dirty="0" smtClean="0"/>
+              </a:p>
+              <a:p>
+                <a:pPr lvl="1"/>
+                <a:r>
+                  <a:rPr lang="en-US" altLang="ja-JP" dirty="0" smtClean="0"/>
+                  <a:t> </a:t>
+                </a:r>
+                <a:r>
+                  <a:rPr lang="ja-JP" altLang="en-US" dirty="0" smtClean="0"/>
+                  <a:t>横 </a:t>
+                </a:r>
+                <a:r>
+                  <a:rPr lang="en-US" altLang="ja-JP" dirty="0" err="1" smtClean="0"/>
+                  <a:t>rw</a:t>
+                </a:r>
+                <a:r>
+                  <a:rPr lang="en-US" altLang="ja-JP" dirty="0" smtClean="0"/>
+                  <a:t> (pixels) x </a:t>
+                </a:r>
+                <a:r>
+                  <a:rPr lang="ja-JP" altLang="en-US" dirty="0" smtClean="0"/>
+                  <a:t>縦 </a:t>
+                </a:r>
+                <a:r>
+                  <a:rPr lang="en-US" altLang="ja-JP" dirty="0" err="1" smtClean="0"/>
+                  <a:t>rh</a:t>
+                </a:r>
+                <a:r>
+                  <a:rPr lang="en-US" altLang="ja-JP" dirty="0" smtClean="0"/>
+                  <a:t> </a:t>
+                </a:r>
+                <a:r>
+                  <a:rPr lang="en-US" altLang="ja-JP" dirty="0"/>
+                  <a:t>(pixels</a:t>
+                </a:r>
+                <a:r>
+                  <a:rPr lang="en-US" altLang="ja-JP" dirty="0" smtClean="0"/>
+                  <a:t>)</a:t>
+                </a:r>
+                <a:br>
+                  <a:rPr lang="en-US" altLang="ja-JP" dirty="0" smtClean="0"/>
+                </a:br>
+                <a:endParaRPr lang="en-US" altLang="ja-JP" dirty="0" smtClean="0"/>
+              </a:p>
+              <a:p>
+                <a:r>
+                  <a:rPr lang="en-US" altLang="ja-JP" dirty="0"/>
+                  <a:t>1</a:t>
+                </a:r>
+                <a:r>
+                  <a:rPr lang="ja-JP" altLang="en-US" dirty="0" err="1"/>
+                  <a:t>つの</a:t>
+                </a:r>
+                <a:r>
+                  <a:rPr lang="ja-JP" altLang="en-US" dirty="0"/>
+                  <a:t>格子</a:t>
+                </a:r>
+                <a:r>
+                  <a:rPr lang="ja-JP" altLang="en-US" dirty="0" smtClean="0"/>
+                  <a:t>の大きさ</a:t>
+                </a:r>
+                <a:endParaRPr lang="en-US" altLang="ja-JP" dirty="0" smtClean="0"/>
+              </a:p>
+              <a:p>
+                <a:pPr lvl="1"/>
+                <a14:m>
+                  <m:oMath xmlns:m="http://schemas.openxmlformats.org/officeDocument/2006/math">
+                    <m:r>
+                      <a:rPr kumimoji="1" lang="ja-JP" altLang="en-US" b="0" i="1" smtClean="0">
+                        <a:latin typeface="Cambria Math"/>
+                      </a:rPr>
+                      <m:t>幅</m:t>
+                    </m:r>
+                    <m:r>
+                      <a:rPr kumimoji="1" lang="en-US" altLang="ja-JP" b="0" i="1" smtClean="0">
+                        <a:latin typeface="Cambria Math"/>
+                      </a:rPr>
+                      <m:t> </m:t>
+                    </m:r>
+                    <m:r>
+                      <a:rPr kumimoji="1" lang="en-US" altLang="ja-JP" b="0" i="1" smtClean="0">
+                        <a:latin typeface="Cambria Math"/>
+                      </a:rPr>
+                      <m:t>𝑐𝑒𝑙</m:t>
+                    </m:r>
+                    <m:sSub>
+                      <m:sSubPr>
+                        <m:ctrlPr>
+                          <a:rPr kumimoji="1" lang="en-US" altLang="ja-JP" b="0" i="1" smtClean="0">
+                            <a:latin typeface="Cambria Math"/>
+                          </a:rPr>
+                        </m:ctrlPr>
+                      </m:sSubPr>
+                      <m:e>
+                        <m:r>
+                          <a:rPr kumimoji="1" lang="en-US" altLang="ja-JP" b="0" i="1" smtClean="0">
+                            <a:latin typeface="Cambria Math"/>
+                          </a:rPr>
+                          <m:t>𝑙</m:t>
+                        </m:r>
+                      </m:e>
+                      <m:sub>
+                        <m:r>
+                          <a:rPr kumimoji="1" lang="en-US" altLang="ja-JP" b="0" i="1" smtClean="0">
+                            <a:latin typeface="Cambria Math"/>
+                          </a:rPr>
+                          <m:t>𝑤𝑖𝑑𝑡h</m:t>
+                        </m:r>
+                      </m:sub>
+                    </m:sSub>
+                    <m:r>
+                      <a:rPr kumimoji="1" lang="en-US" altLang="ja-JP" b="0" i="1" smtClean="0">
+                        <a:latin typeface="Cambria Math"/>
+                      </a:rPr>
+                      <m:t>=</m:t>
+                    </m:r>
+                    <m:f>
+                      <m:fPr>
+                        <m:ctrlPr>
+                          <a:rPr kumimoji="1" lang="en-US" altLang="ja-JP" b="0" i="1" smtClean="0">
+                            <a:latin typeface="Cambria Math"/>
+                          </a:rPr>
+                        </m:ctrlPr>
+                      </m:fPr>
+                      <m:num>
+                        <m:r>
+                          <a:rPr kumimoji="1" lang="en-US" altLang="ja-JP" i="1" smtClean="0">
+                            <a:latin typeface="Cambria Math"/>
+                          </a:rPr>
+                          <m:t>𝑟</m:t>
+                        </m:r>
+                        <m:r>
+                          <a:rPr kumimoji="1" lang="en-US" altLang="ja-JP" b="0" i="1" smtClean="0">
+                            <a:latin typeface="Cambria Math"/>
+                          </a:rPr>
+                          <m:t>𝑤</m:t>
+                        </m:r>
+                      </m:num>
+                      <m:den>
+                        <m:r>
+                          <a:rPr kumimoji="1" lang="en-US" altLang="ja-JP" b="0" i="1" smtClean="0">
+                            <a:latin typeface="Cambria Math"/>
+                          </a:rPr>
+                          <m:t>𝑐𝑤</m:t>
+                        </m:r>
+                      </m:den>
+                    </m:f>
+                  </m:oMath>
+                </a14:m>
+                <a:r>
+                  <a:rPr kumimoji="1" lang="ja-JP" altLang="en-US" dirty="0" smtClean="0"/>
+                  <a:t> </a:t>
+                </a:r>
+                <a:r>
+                  <a:rPr kumimoji="1" lang="en-US" altLang="ja-JP" dirty="0" smtClean="0"/>
+                  <a:t>pixel,  </a:t>
+                </a:r>
+                <a:r>
+                  <a:rPr lang="ja-JP" altLang="en-US" dirty="0" smtClean="0"/>
+                  <a:t>高さ </a:t>
+                </a:r>
+                <a14:m>
+                  <m:oMath xmlns:m="http://schemas.openxmlformats.org/officeDocument/2006/math">
+                    <m:r>
+                      <a:rPr lang="en-US" altLang="ja-JP" i="1">
+                        <a:latin typeface="Cambria Math"/>
+                      </a:rPr>
+                      <m:t>𝑐𝑒𝑙</m:t>
+                    </m:r>
+                    <m:sSub>
+                      <m:sSubPr>
+                        <m:ctrlPr>
+                          <a:rPr lang="en-US" altLang="ja-JP" i="1">
+                            <a:latin typeface="Cambria Math"/>
+                          </a:rPr>
+                        </m:ctrlPr>
+                      </m:sSubPr>
+                      <m:e>
+                        <m:r>
+                          <a:rPr lang="en-US" altLang="ja-JP" i="1">
+                            <a:latin typeface="Cambria Math"/>
+                          </a:rPr>
+                          <m:t>𝑙</m:t>
+                        </m:r>
+                      </m:e>
+                      <m:sub>
+                        <m:r>
+                          <a:rPr lang="en-US" altLang="ja-JP" b="0" i="1" smtClean="0">
+                            <a:latin typeface="Cambria Math"/>
+                          </a:rPr>
+                          <m:t>h𝑒𝑖𝑔h𝑡</m:t>
+                        </m:r>
+                      </m:sub>
+                    </m:sSub>
+                    <m:r>
+                      <a:rPr lang="en-US" altLang="ja-JP" i="1">
+                        <a:latin typeface="Cambria Math"/>
+                      </a:rPr>
+                      <m:t>=</m:t>
+                    </m:r>
+                    <m:f>
+                      <m:fPr>
+                        <m:ctrlPr>
+                          <a:rPr lang="en-US" altLang="ja-JP" b="0" i="1" smtClean="0">
+                            <a:latin typeface="Cambria Math"/>
+                          </a:rPr>
+                        </m:ctrlPr>
+                      </m:fPr>
+                      <m:num>
+                        <m:r>
+                          <a:rPr lang="en-US" altLang="ja-JP" b="0" i="1" smtClean="0">
+                            <a:latin typeface="Cambria Math"/>
+                          </a:rPr>
+                          <m:t>𝑟h</m:t>
+                        </m:r>
+                      </m:num>
+                      <m:den>
+                        <m:r>
+                          <a:rPr lang="en-US" altLang="ja-JP" b="0" i="1" smtClean="0">
+                            <a:latin typeface="Cambria Math"/>
+                          </a:rPr>
+                          <m:t>𝑐h</m:t>
+                        </m:r>
+                      </m:den>
+                    </m:f>
+                  </m:oMath>
+                </a14:m>
+                <a:r>
+                  <a:rPr kumimoji="1" lang="en-US" altLang="ja-JP" dirty="0" smtClean="0"/>
+                  <a:t> pixel</a:t>
+                </a:r>
+              </a:p>
+              <a:p>
+                <a:pPr lvl="1"/>
+                <a:r>
+                  <a:rPr lang="ja-JP" altLang="en-US" dirty="0"/>
+                  <a:t>この時点で</a:t>
+                </a:r>
+                <a:r>
+                  <a:rPr lang="ja-JP" altLang="en-US" dirty="0" smtClean="0"/>
+                  <a:t>は整数値でなくてよい</a:t>
+                </a:r>
+                <a:endParaRPr kumimoji="1" lang="en-US" altLang="ja-JP" dirty="0" smtClean="0"/>
+              </a:p>
+              <a:p>
+                <a:r>
+                  <a:rPr kumimoji="1" lang="ja-JP" altLang="en-US" dirty="0" smtClean="0"/>
+                  <a:t>各</a:t>
+                </a:r>
+                <a:r>
+                  <a:rPr kumimoji="1" lang="en-US" altLang="ja-JP" dirty="0" smtClean="0"/>
+                  <a:t>cell</a:t>
+                </a:r>
+                <a:r>
+                  <a:rPr kumimoji="1" lang="ja-JP" altLang="en-US" dirty="0" smtClean="0"/>
+                  <a:t>の</a:t>
+                </a:r>
+                <a:r>
+                  <a:rPr lang="en-US" altLang="ja-JP" dirty="0" smtClean="0"/>
+                  <a:t>poster</a:t>
+                </a:r>
+                <a:r>
+                  <a:rPr lang="ja-JP" altLang="en-US" dirty="0"/>
+                  <a:t>アイコンの位置</a:t>
+                </a:r>
+                <a:r>
+                  <a:rPr lang="ja-JP" altLang="en-US" dirty="0" smtClean="0"/>
+                  <a:t>と大きさ</a:t>
+                </a:r>
+                <a:endParaRPr kumimoji="1" lang="en-US" altLang="ja-JP" dirty="0" smtClean="0"/>
+              </a:p>
+              <a:p>
+                <a:pPr lvl="1"/>
+                <a:r>
+                  <a:rPr lang="en-US" altLang="ja-JP" dirty="0"/>
+                  <a:t> </a:t>
+                </a:r>
+                <a:r>
+                  <a:rPr lang="ja-JP" altLang="en-US" dirty="0" smtClean="0"/>
+                  <a:t>格子上の位置 </a:t>
+                </a:r>
+                <a:r>
+                  <a:rPr lang="en-US" altLang="ja-JP" dirty="0" smtClean="0"/>
+                  <a:t>(</a:t>
+                </a:r>
+                <a:r>
+                  <a:rPr lang="en-US" altLang="ja-JP" dirty="0" err="1" smtClean="0"/>
+                  <a:t>x,y</a:t>
+                </a:r>
+                <a:r>
+                  <a:rPr lang="en-US" altLang="ja-JP" dirty="0" smtClean="0"/>
+                  <a:t>), </a:t>
+                </a:r>
+                <a:r>
+                  <a:rPr lang="ja-JP" altLang="en-US" dirty="0" smtClean="0"/>
+                  <a:t>大きさが </a:t>
+                </a:r>
+                <a:r>
+                  <a:rPr lang="en-US" altLang="ja-JP" dirty="0" smtClean="0"/>
+                  <a:t>(</a:t>
+                </a:r>
+                <a:r>
+                  <a:rPr lang="en-US" altLang="ja-JP" dirty="0" err="1" smtClean="0"/>
+                  <a:t>w,h</a:t>
+                </a:r>
+                <a:r>
+                  <a:rPr lang="en-US" altLang="ja-JP" dirty="0" smtClean="0"/>
+                  <a:t>)</a:t>
+                </a:r>
+                <a:r>
+                  <a:rPr lang="ja-JP" altLang="en-US" dirty="0" smtClean="0"/>
+                  <a:t>の時</a:t>
+                </a:r>
+                <a:r>
+                  <a:rPr lang="en-US" altLang="ja-JP" dirty="0" smtClean="0"/>
+                  <a:t>,  </a:t>
+                </a:r>
+                <a:r>
+                  <a:rPr lang="ja-JP" altLang="en-US" dirty="0" smtClean="0"/>
+                  <a:t>画面上の位置は </a:t>
+                </a:r>
+                <a14:m>
+                  <m:oMath xmlns:m="http://schemas.openxmlformats.org/officeDocument/2006/math">
+                    <m:r>
+                      <a:rPr lang="en-US" altLang="ja-JP" b="0" i="0" smtClean="0">
+                        <a:latin typeface="Cambria Math"/>
+                      </a:rPr>
+                      <m:t>(</m:t>
+                    </m:r>
+                    <m:d>
+                      <m:dPr>
+                        <m:begChr m:val="⌊"/>
+                        <m:endChr m:val="⌋"/>
+                        <m:ctrlPr>
+                          <a:rPr lang="en-US" altLang="ja-JP" b="0" i="1" smtClean="0">
+                            <a:latin typeface="Cambria Math"/>
+                          </a:rPr>
+                        </m:ctrlPr>
+                      </m:dPr>
+                      <m:e>
+                        <m:r>
+                          <a:rPr lang="en-US" altLang="ja-JP" i="1">
+                            <a:latin typeface="Cambria Math"/>
+                          </a:rPr>
+                          <m:t>𝑥</m:t>
+                        </m:r>
+                        <m:r>
+                          <a:rPr lang="en-US" altLang="ja-JP" i="1">
+                            <a:latin typeface="Cambria Math"/>
+                          </a:rPr>
+                          <m:t>∗</m:t>
+                        </m:r>
+                        <m:r>
+                          <a:rPr lang="en-US" altLang="ja-JP" i="1">
+                            <a:latin typeface="Cambria Math"/>
+                          </a:rPr>
+                          <m:t>𝑐𝑒𝑙</m:t>
+                        </m:r>
+                        <m:sSub>
+                          <m:sSubPr>
+                            <m:ctrlPr>
+                              <a:rPr lang="en-US" altLang="ja-JP" i="1">
+                                <a:latin typeface="Cambria Math"/>
+                              </a:rPr>
+                            </m:ctrlPr>
+                          </m:sSubPr>
+                          <m:e>
+                            <m:r>
+                              <a:rPr lang="en-US" altLang="ja-JP" i="1">
+                                <a:latin typeface="Cambria Math"/>
+                              </a:rPr>
+                              <m:t>𝑙</m:t>
+                            </m:r>
+                          </m:e>
+                          <m:sub>
+                            <m:r>
+                              <a:rPr lang="en-US" altLang="ja-JP" i="1">
+                                <a:latin typeface="Cambria Math"/>
+                              </a:rPr>
+                              <m:t>𝑤𝑖𝑑𝑡h</m:t>
+                            </m:r>
+                          </m:sub>
+                        </m:sSub>
+                      </m:e>
+                    </m:d>
+                    <m:r>
+                      <a:rPr lang="en-US" altLang="ja-JP" b="0" i="1" smtClean="0">
+                        <a:latin typeface="Cambria Math"/>
+                      </a:rPr>
+                      <m:t>,</m:t>
+                    </m:r>
+                    <m:d>
+                      <m:dPr>
+                        <m:begChr m:val="⌊"/>
+                        <m:endChr m:val="⌋"/>
+                        <m:ctrlPr>
+                          <a:rPr lang="en-US" altLang="ja-JP" i="1">
+                            <a:latin typeface="Cambria Math"/>
+                          </a:rPr>
+                        </m:ctrlPr>
+                      </m:dPr>
+                      <m:e>
+                        <m:r>
+                          <a:rPr lang="en-US" altLang="ja-JP" b="0" i="1" smtClean="0">
+                            <a:latin typeface="Cambria Math"/>
+                          </a:rPr>
+                          <m:t>𝑦</m:t>
+                        </m:r>
+                        <m:r>
+                          <a:rPr lang="en-US" altLang="ja-JP" i="1">
+                            <a:latin typeface="Cambria Math"/>
+                          </a:rPr>
+                          <m:t>∗</m:t>
+                        </m:r>
+                        <m:r>
+                          <a:rPr lang="en-US" altLang="ja-JP" i="1">
+                            <a:latin typeface="Cambria Math"/>
+                          </a:rPr>
+                          <m:t>𝑐𝑒𝑙</m:t>
+                        </m:r>
+                        <m:sSub>
+                          <m:sSubPr>
+                            <m:ctrlPr>
+                              <a:rPr lang="en-US" altLang="ja-JP" i="1">
+                                <a:latin typeface="Cambria Math"/>
+                              </a:rPr>
+                            </m:ctrlPr>
+                          </m:sSubPr>
+                          <m:e>
+                            <m:r>
+                              <a:rPr lang="en-US" altLang="ja-JP" i="1">
+                                <a:latin typeface="Cambria Math"/>
+                              </a:rPr>
+                              <m:t>𝑙</m:t>
+                            </m:r>
+                          </m:e>
+                          <m:sub>
+                            <m:r>
+                              <a:rPr lang="en-US" altLang="ja-JP" b="0" i="1" smtClean="0">
+                                <a:latin typeface="Cambria Math"/>
+                              </a:rPr>
+                              <m:t>h𝑒𝑖𝑔h𝑡</m:t>
+                            </m:r>
+                          </m:sub>
+                        </m:sSub>
+                      </m:e>
+                    </m:d>
+                  </m:oMath>
+                </a14:m>
+                <a:r>
+                  <a:rPr lang="en-US" altLang="ja-JP" dirty="0" smtClean="0"/>
+                  <a:t>)</a:t>
+                </a:r>
+                <a:r>
+                  <a:rPr lang="ja-JP" altLang="en-US" dirty="0" smtClean="0"/>
+                  <a:t>と</a:t>
+                </a:r>
+                <a:r>
+                  <a:rPr lang="en-US" altLang="ja-JP" dirty="0" smtClean="0"/>
+                  <a:t/>
+                </a:r>
+                <a:br>
+                  <a:rPr lang="en-US" altLang="ja-JP" dirty="0" smtClean="0"/>
+                </a:br>
+                <a:r>
+                  <a:rPr lang="ja-JP" altLang="en-US" dirty="0" smtClean="0"/>
+                  <a:t>大きさは </a:t>
+                </a:r>
+                <a14:m>
+                  <m:oMath xmlns:m="http://schemas.openxmlformats.org/officeDocument/2006/math">
+                    <m:r>
+                      <a:rPr lang="en-US" altLang="ja-JP" b="0" i="1" smtClean="0">
+                        <a:latin typeface="Cambria Math"/>
+                      </a:rPr>
+                      <m:t>(</m:t>
+                    </m:r>
+                    <m:d>
+                      <m:dPr>
+                        <m:begChr m:val="⌈"/>
+                        <m:endChr m:val="⌉"/>
+                        <m:ctrlPr>
+                          <a:rPr lang="en-US" altLang="ja-JP" b="0" i="1" smtClean="0">
+                            <a:latin typeface="Cambria Math"/>
+                          </a:rPr>
+                        </m:ctrlPr>
+                      </m:dPr>
+                      <m:e>
+                        <m:r>
+                          <a:rPr lang="en-US" altLang="ja-JP" b="0" i="1" smtClean="0">
+                            <a:latin typeface="Cambria Math"/>
+                          </a:rPr>
+                          <m:t>𝑤</m:t>
+                        </m:r>
+                        <m:r>
+                          <a:rPr lang="en-US" altLang="ja-JP" b="0" i="1" smtClean="0">
+                            <a:latin typeface="Cambria Math"/>
+                          </a:rPr>
+                          <m:t>∗</m:t>
+                        </m:r>
+                        <m:r>
+                          <a:rPr lang="en-US" altLang="ja-JP" b="0" i="1" smtClean="0">
+                            <a:latin typeface="Cambria Math"/>
+                          </a:rPr>
+                          <m:t>𝑐𝑒𝑙</m:t>
+                        </m:r>
+                        <m:sSub>
+                          <m:sSubPr>
+                            <m:ctrlPr>
+                              <a:rPr lang="en-US" altLang="ja-JP" b="0" i="1" smtClean="0">
+                                <a:latin typeface="Cambria Math"/>
+                              </a:rPr>
+                            </m:ctrlPr>
+                          </m:sSubPr>
+                          <m:e>
+                            <m:r>
+                              <a:rPr lang="en-US" altLang="ja-JP" b="0" i="1" smtClean="0">
+                                <a:latin typeface="Cambria Math"/>
+                              </a:rPr>
+                              <m:t>𝑙</m:t>
+                            </m:r>
+                          </m:e>
+                          <m:sub>
+                            <m:r>
+                              <a:rPr lang="en-US" altLang="ja-JP" b="0" i="1" smtClean="0">
+                                <a:latin typeface="Cambria Math"/>
+                              </a:rPr>
+                              <m:t>𝑤𝑖𝑑𝑡h</m:t>
+                            </m:r>
+                          </m:sub>
+                        </m:sSub>
+                      </m:e>
+                    </m:d>
+                    <m:r>
+                      <a:rPr lang="en-US" altLang="ja-JP" b="0" i="1" smtClean="0">
+                        <a:latin typeface="Cambria Math"/>
+                      </a:rPr>
+                      <m:t>,</m:t>
+                    </m:r>
+                    <m:d>
+                      <m:dPr>
+                        <m:begChr m:val="⌈"/>
+                        <m:endChr m:val="⌉"/>
+                        <m:ctrlPr>
+                          <a:rPr lang="en-US" altLang="ja-JP" i="1">
+                            <a:latin typeface="Cambria Math"/>
+                          </a:rPr>
+                        </m:ctrlPr>
+                      </m:dPr>
+                      <m:e>
+                        <m:r>
+                          <a:rPr lang="en-US" altLang="ja-JP" b="0" i="1" smtClean="0">
+                            <a:latin typeface="Cambria Math"/>
+                          </a:rPr>
+                          <m:t>h</m:t>
+                        </m:r>
+                        <m:r>
+                          <a:rPr lang="en-US" altLang="ja-JP" i="1">
+                            <a:latin typeface="Cambria Math"/>
+                          </a:rPr>
+                          <m:t>∗</m:t>
+                        </m:r>
+                        <m:r>
+                          <a:rPr lang="en-US" altLang="ja-JP" i="1">
+                            <a:latin typeface="Cambria Math"/>
+                          </a:rPr>
+                          <m:t>𝑐𝑒𝑙</m:t>
+                        </m:r>
+                        <m:sSub>
+                          <m:sSubPr>
+                            <m:ctrlPr>
+                              <a:rPr lang="en-US" altLang="ja-JP" i="1">
+                                <a:latin typeface="Cambria Math"/>
+                              </a:rPr>
+                            </m:ctrlPr>
+                          </m:sSubPr>
+                          <m:e>
+                            <m:r>
+                              <a:rPr lang="en-US" altLang="ja-JP" i="1">
+                                <a:latin typeface="Cambria Math"/>
+                              </a:rPr>
+                              <m:t>𝑙</m:t>
+                            </m:r>
+                          </m:e>
+                          <m:sub>
+                            <m:r>
+                              <a:rPr lang="en-US" altLang="ja-JP" b="0" i="1" smtClean="0">
+                                <a:latin typeface="Cambria Math"/>
+                              </a:rPr>
+                              <m:t>h𝑒𝑖𝑔h𝑡</m:t>
+                            </m:r>
+                          </m:sub>
+                        </m:sSub>
+                      </m:e>
+                    </m:d>
+                    <m:r>
+                      <a:rPr lang="en-US" altLang="ja-JP" b="0" i="1" smtClean="0">
+                        <a:latin typeface="Cambria Math"/>
+                      </a:rPr>
+                      <m:t>)</m:t>
+                    </m:r>
+                  </m:oMath>
+                </a14:m>
+                <a:r>
+                  <a:rPr lang="ja-JP" altLang="en-US" dirty="0" smtClean="0"/>
+                  <a:t>となる。</a:t>
+                </a:r>
+                <a:endParaRPr lang="en-US" altLang="ja-JP" dirty="0" smtClean="0"/>
+              </a:p>
+            </p:txBody>
+          </p:sp>
+        </mc:Choice>
+        <mc:Fallback>
+          <p:sp>
+            <p:nvSpPr>
+              <p:cNvPr id="5" name="コンテンツ プレースホルダー 4"/>
+              <p:cNvSpPr>
+                <a:spLocks noGrp="1" noRot="1" noChangeAspect="1" noMove="1" noResize="1" noEditPoints="1" noAdjustHandles="1" noChangeArrowheads="1" noChangeShapeType="1" noTextEdit="1"/>
+              </p:cNvSpPr>
+              <p:nvPr>
+                <p:ph idx="1"/>
+              </p:nvPr>
+            </p:nvSpPr>
+            <p:spPr>
+              <a:xfrm>
+                <a:off x="457200" y="1600200"/>
+                <a:ext cx="8229600" cy="4997152"/>
+              </a:xfrm>
+              <a:blipFill rotWithShape="1">
+                <a:blip r:embed="rId2"/>
+                <a:stretch>
+                  <a:fillRect l="-1185" t="-3053"/>
+                </a:stretch>
+              </a:blipFill>
+            </p:spPr>
+            <p:txBody>
+              <a:bodyPr/>
+              <a:lstStyle/>
+              <a:p>
+                <a:r>
+                  <a:rPr lang="ja-JP" altLang="en-US">
+                    <a:noFill/>
+                  </a:rPr>
+                  <a:t> </a:t>
+                </a:r>
+              </a:p>
+            </p:txBody>
+          </p:sp>
+        </mc:Fallback>
+      </mc:AlternateContent>
+    </p:spTree>
+    <p:extLst>
+      <p:ext uri="{BB962C8B-B14F-4D97-AF65-F5344CB8AC3E}">
+        <p14:creationId xmlns:p14="http://schemas.microsoft.com/office/powerpoint/2010/main" val="123947138"/>
       </p:ext>
     </p:extLst>
   </p:cSld>

--- a/レイアウトに関する要求.pptx
+++ b/レイアウトに関する要求.pptx
@@ -8,13 +8,14 @@
     <p:sldId id="256" r:id="rId2"/>
     <p:sldId id="262" r:id="rId3"/>
     <p:sldId id="264" r:id="rId4"/>
-    <p:sldId id="261" r:id="rId5"/>
-    <p:sldId id="258" r:id="rId6"/>
-    <p:sldId id="260" r:id="rId7"/>
-    <p:sldId id="259" r:id="rId8"/>
-    <p:sldId id="263" r:id="rId9"/>
-    <p:sldId id="265" r:id="rId10"/>
-    <p:sldId id="266" r:id="rId11"/>
+    <p:sldId id="260" r:id="rId5"/>
+    <p:sldId id="259" r:id="rId6"/>
+    <p:sldId id="263" r:id="rId7"/>
+    <p:sldId id="265" r:id="rId8"/>
+    <p:sldId id="266" r:id="rId9"/>
+    <p:sldId id="267" r:id="rId10"/>
+    <p:sldId id="268" r:id="rId11"/>
+    <p:sldId id="269" r:id="rId12"/>
   </p:sldIdLst>
   <p:sldSz cx="9144000" cy="6858000" type="screen4x3"/>
   <p:notesSz cx="6858000" cy="9144000"/>
@@ -3741,7 +3742,11 @@
           <a:p>
             <a:r>
               <a:rPr kumimoji="1" lang="en-US" altLang="ja-JP" dirty="0" smtClean="0"/>
-              <a:t>960 </a:t>
+              <a:t>960</a:t>
+            </a:r>
+            <a:r>
+              <a:rPr kumimoji="1" lang="en-US" altLang="ja-JP" dirty="0" smtClean="0"/>
+              <a:t> </a:t>
             </a:r>
             <a:r>
               <a:rPr kumimoji="1" lang="en-US" altLang="ja-JP" dirty="0" err="1" smtClean="0"/>
@@ -3914,7 +3919,231 @@
       </p:grpSpPr>
       <p:sp>
         <p:nvSpPr>
-          <p:cNvPr id="2" name="タイトル 1"/>
+          <p:cNvPr id="4" name="正方形/長方形 3"/>
+          <p:cNvSpPr/>
+          <p:nvPr/>
+        </p:nvSpPr>
+        <p:spPr>
+          <a:xfrm>
+            <a:off x="1088584" y="1412776"/>
+            <a:ext cx="3384376" cy="5256584"/>
+          </a:xfrm>
+          <a:prstGeom prst="rect">
+            <a:avLst/>
+          </a:prstGeom>
+        </p:spPr>
+        <p:style>
+          <a:lnRef idx="2">
+            <a:schemeClr val="accent1"/>
+          </a:lnRef>
+          <a:fillRef idx="1">
+            <a:schemeClr val="lt1"/>
+          </a:fillRef>
+          <a:effectRef idx="0">
+            <a:schemeClr val="accent1"/>
+          </a:effectRef>
+          <a:fontRef idx="minor">
+            <a:schemeClr val="dk1"/>
+          </a:fontRef>
+        </p:style>
+        <p:txBody>
+          <a:bodyPr rtlCol="0" anchor="ctr"/>
+          <a:lstStyle/>
+          <a:p>
+            <a:pPr algn="ctr"/>
+            <a:endParaRPr kumimoji="1" lang="ja-JP" altLang="en-US"/>
+          </a:p>
+        </p:txBody>
+      </p:sp>
+      <p:sp>
+        <p:nvSpPr>
+          <p:cNvPr id="6" name="正方形/長方形 5"/>
+          <p:cNvSpPr/>
+          <p:nvPr/>
+        </p:nvSpPr>
+        <p:spPr>
+          <a:xfrm>
+            <a:off x="1088584" y="1988840"/>
+            <a:ext cx="3384376" cy="4032448"/>
+          </a:xfrm>
+          <a:prstGeom prst="rect">
+            <a:avLst/>
+          </a:prstGeom>
+          <a:solidFill>
+            <a:schemeClr val="accent3">
+              <a:lumMod val="40000"/>
+              <a:lumOff val="60000"/>
+            </a:schemeClr>
+          </a:solidFill>
+        </p:spPr>
+        <p:style>
+          <a:lnRef idx="2">
+            <a:schemeClr val="accent1">
+              <a:shade val="50000"/>
+            </a:schemeClr>
+          </a:lnRef>
+          <a:fillRef idx="1">
+            <a:schemeClr val="accent1"/>
+          </a:fillRef>
+          <a:effectRef idx="0">
+            <a:schemeClr val="accent1"/>
+          </a:effectRef>
+          <a:fontRef idx="minor">
+            <a:schemeClr val="lt1"/>
+          </a:fontRef>
+        </p:style>
+        <p:txBody>
+          <a:bodyPr rtlCol="0" anchor="ctr"/>
+          <a:lstStyle/>
+          <a:p>
+            <a:pPr algn="ctr"/>
+            <a:r>
+              <a:rPr kumimoji="1" lang="en-US" altLang="ja-JP" dirty="0" smtClean="0">
+                <a:solidFill>
+                  <a:schemeClr val="tx1"/>
+                </a:solidFill>
+              </a:rPr>
+              <a:t>600x800</a:t>
+            </a:r>
+            <a:endParaRPr kumimoji="1" lang="ja-JP" altLang="en-US" dirty="0">
+              <a:solidFill>
+                <a:schemeClr val="tx1"/>
+              </a:solidFill>
+            </a:endParaRPr>
+          </a:p>
+        </p:txBody>
+      </p:sp>
+      <p:sp>
+        <p:nvSpPr>
+          <p:cNvPr id="7" name="正方形/長方形 6"/>
+          <p:cNvSpPr/>
+          <p:nvPr/>
+        </p:nvSpPr>
+        <p:spPr>
+          <a:xfrm>
+            <a:off x="1088584" y="5373216"/>
+            <a:ext cx="3384376" cy="720080"/>
+          </a:xfrm>
+          <a:prstGeom prst="rect">
+            <a:avLst/>
+          </a:prstGeom>
+          <a:solidFill>
+            <a:srgbClr val="E46C0A">
+              <a:alpha val="47843"/>
+            </a:srgbClr>
+          </a:solidFill>
+        </p:spPr>
+        <p:style>
+          <a:lnRef idx="2">
+            <a:schemeClr val="accent1">
+              <a:shade val="50000"/>
+            </a:schemeClr>
+          </a:lnRef>
+          <a:fillRef idx="1">
+            <a:schemeClr val="accent1"/>
+          </a:fillRef>
+          <a:effectRef idx="0">
+            <a:schemeClr val="accent1"/>
+          </a:effectRef>
+          <a:fontRef idx="minor">
+            <a:schemeClr val="lt1"/>
+          </a:fontRef>
+        </p:style>
+        <p:txBody>
+          <a:bodyPr rtlCol="0" anchor="ctr"/>
+          <a:lstStyle/>
+          <a:p>
+            <a:pPr algn="ctr"/>
+            <a:r>
+              <a:rPr lang="ja-JP" altLang="en-US" dirty="0"/>
+              <a:t>基本</a:t>
+            </a:r>
+            <a:r>
+              <a:rPr lang="ja-JP" altLang="en-US" dirty="0" smtClean="0"/>
+              <a:t>情報表示ウインドウ </a:t>
+            </a:r>
+            <a:r>
+              <a:rPr lang="en-US" altLang="ja-JP" dirty="0" smtClean="0"/>
+              <a:t>100px</a:t>
+            </a:r>
+            <a:endParaRPr kumimoji="1" lang="ja-JP" altLang="en-US" dirty="0"/>
+          </a:p>
+        </p:txBody>
+      </p:sp>
+      <p:cxnSp>
+        <p:nvCxnSpPr>
+          <p:cNvPr id="12" name="直線矢印コネクタ 11"/>
+          <p:cNvCxnSpPr/>
+          <p:nvPr/>
+        </p:nvCxnSpPr>
+        <p:spPr>
+          <a:xfrm>
+            <a:off x="899592" y="1412776"/>
+            <a:ext cx="0" cy="5256584"/>
+          </a:xfrm>
+          <a:prstGeom prst="straightConnector1">
+            <a:avLst/>
+          </a:prstGeom>
+          <a:ln w="57150">
+            <a:solidFill>
+              <a:srgbClr val="FFC000"/>
+            </a:solidFill>
+            <a:headEnd type="arrow" w="med" len="med"/>
+            <a:tailEnd type="arrow" w="med" len="med"/>
+          </a:ln>
+        </p:spPr>
+        <p:style>
+          <a:lnRef idx="1">
+            <a:schemeClr val="accent1"/>
+          </a:lnRef>
+          <a:fillRef idx="0">
+            <a:schemeClr val="accent1"/>
+          </a:fillRef>
+          <a:effectRef idx="0">
+            <a:schemeClr val="accent1"/>
+          </a:effectRef>
+          <a:fontRef idx="minor">
+            <a:schemeClr val="tx1"/>
+          </a:fontRef>
+        </p:style>
+      </p:cxnSp>
+      <p:sp>
+        <p:nvSpPr>
+          <p:cNvPr id="14" name="テキスト ボックス 13"/>
+          <p:cNvSpPr txBox="1"/>
+          <p:nvPr/>
+        </p:nvSpPr>
+        <p:spPr>
+          <a:xfrm>
+            <a:off x="35496" y="3784394"/>
+            <a:ext cx="805220" cy="369332"/>
+          </a:xfrm>
+          <a:prstGeom prst="rect">
+            <a:avLst/>
+          </a:prstGeom>
+          <a:noFill/>
+        </p:spPr>
+        <p:txBody>
+          <a:bodyPr wrap="none" rtlCol="0">
+            <a:spAutoFit/>
+          </a:bodyPr>
+          <a:lstStyle/>
+          <a:p>
+            <a:r>
+              <a:rPr kumimoji="1" lang="en-US" altLang="ja-JP" dirty="0" smtClean="0"/>
+              <a:t>960 </a:t>
+            </a:r>
+            <a:r>
+              <a:rPr kumimoji="1" lang="en-US" altLang="ja-JP" dirty="0" err="1" smtClean="0"/>
+              <a:t>px</a:t>
+            </a:r>
+            <a:endParaRPr kumimoji="1" lang="ja-JP" altLang="en-US" dirty="0"/>
+          </a:p>
+        </p:txBody>
+      </p:sp>
+      <p:sp>
+        <p:nvSpPr>
+          <p:cNvPr id="16" name="タイトル 15"/>
           <p:cNvSpPr>
             <a:spLocks noGrp="1"/>
           </p:cNvSpPr>
@@ -3922,480 +4151,1074 @@
             <p:ph type="title"/>
           </p:nvPr>
         </p:nvSpPr>
-        <p:spPr/>
+        <p:spPr>
+          <a:xfrm>
+            <a:off x="124201" y="260648"/>
+            <a:ext cx="8336231" cy="346050"/>
+          </a:xfrm>
+        </p:spPr>
         <p:txBody>
           <a:bodyPr>
             <a:noAutofit/>
           </a:bodyPr>
           <a:lstStyle/>
           <a:p>
-            <a:r>
-              <a:rPr kumimoji="1" lang="ja-JP" altLang="en-US" sz="3200" dirty="0" smtClean="0"/>
-              <a:t>例 </a:t>
-            </a:r>
-            <a:r>
-              <a:rPr kumimoji="1" lang="en-US" altLang="ja-JP" sz="3200" dirty="0" smtClean="0"/>
-              <a:t>(108,144)</a:t>
-            </a:r>
-            <a:r>
-              <a:rPr kumimoji="1" lang="ja-JP" altLang="en-US" sz="3200" dirty="0" smtClean="0"/>
-              <a:t>の格子から</a:t>
-            </a:r>
-            <a:r>
-              <a:rPr kumimoji="1" lang="en-US" altLang="ja-JP" sz="3200" dirty="0" smtClean="0"/>
-              <a:t>iPhone4(606,808</a:t>
-            </a:r>
-            <a:r>
-              <a:rPr kumimoji="1" lang="ja-JP" altLang="en-US" sz="3200" dirty="0" smtClean="0"/>
-              <a:t>へ</a:t>
-            </a:r>
-            <a:r>
-              <a:rPr kumimoji="1" lang="en-US" altLang="ja-JP" sz="3200" dirty="0" smtClean="0"/>
-              <a:t>)</a:t>
-            </a:r>
-            <a:endParaRPr kumimoji="1" lang="ja-JP" altLang="en-US" sz="3200" dirty="0"/>
-          </a:p>
-        </p:txBody>
-      </p:sp>
-      <mc:AlternateContent xmlns:mc="http://schemas.openxmlformats.org/markup-compatibility/2006">
-        <mc:Choice xmlns:a14="http://schemas.microsoft.com/office/drawing/2010/main" Requires="a14">
-          <p:sp>
-            <p:nvSpPr>
-              <p:cNvPr id="3" name="コンテンツ プレースホルダー 2"/>
-              <p:cNvSpPr>
-                <a:spLocks noGrp="1"/>
-              </p:cNvSpPr>
-              <p:nvPr>
-                <p:ph idx="1"/>
-              </p:nvPr>
-            </p:nvSpPr>
-            <p:spPr/>
-            <p:txBody>
-              <a:bodyPr/>
-              <a:lstStyle/>
-              <a:p>
-                <a:r>
-                  <a:rPr kumimoji="1" lang="en-US" altLang="ja-JP" dirty="0" smtClean="0"/>
-                  <a:t>cell</a:t>
-                </a:r>
-                <a:r>
-                  <a:rPr kumimoji="1" lang="ja-JP" altLang="en-US" dirty="0" smtClean="0"/>
-                  <a:t>の大きさ</a:t>
-                </a:r>
-                <a:r>
-                  <a:rPr lang="ja-JP" altLang="en-US" dirty="0" smtClean="0"/>
-                  <a:t> </a:t>
-                </a:r>
-                <a:r>
-                  <a:rPr lang="en-US" altLang="ja-JP" dirty="0" smtClean="0"/>
-                  <a:t>= </a:t>
-                </a:r>
-                <a14:m>
-                  <m:oMath xmlns:m="http://schemas.openxmlformats.org/officeDocument/2006/math">
-                    <m:d>
-                      <m:dPr>
-                        <m:ctrlPr>
-                          <a:rPr lang="en-US" altLang="ja-JP" b="0" i="1" smtClean="0">
-                            <a:latin typeface="Cambria Math"/>
-                          </a:rPr>
-                        </m:ctrlPr>
-                      </m:dPr>
-                      <m:e>
-                        <m:f>
-                          <m:fPr>
-                            <m:ctrlPr>
-                              <a:rPr lang="en-US" altLang="ja-JP" b="0" i="1" smtClean="0">
-                                <a:latin typeface="Cambria Math"/>
-                              </a:rPr>
-                            </m:ctrlPr>
-                          </m:fPr>
-                          <m:num>
-                            <m:r>
-                              <a:rPr lang="en-US" altLang="ja-JP" b="0" i="1" smtClean="0">
-                                <a:latin typeface="Cambria Math"/>
-                              </a:rPr>
-                              <m:t>606</m:t>
-                            </m:r>
-                          </m:num>
-                          <m:den>
-                            <m:r>
-                              <a:rPr lang="en-US" altLang="ja-JP" b="0" i="1" smtClean="0">
-                                <a:latin typeface="Cambria Math"/>
-                              </a:rPr>
-                              <m:t>108</m:t>
-                            </m:r>
-                          </m:den>
-                        </m:f>
-                        <m:r>
-                          <a:rPr lang="en-US" altLang="ja-JP" b="0" i="1" smtClean="0">
-                            <a:latin typeface="Cambria Math"/>
-                          </a:rPr>
-                          <m:t>,</m:t>
-                        </m:r>
-                        <m:f>
-                          <m:fPr>
-                            <m:ctrlPr>
-                              <a:rPr lang="en-US" altLang="ja-JP" b="0" i="1" smtClean="0">
-                                <a:latin typeface="Cambria Math"/>
-                              </a:rPr>
-                            </m:ctrlPr>
-                          </m:fPr>
-                          <m:num>
-                            <m:r>
-                              <a:rPr lang="en-US" altLang="ja-JP" b="0" i="1" smtClean="0">
-                                <a:latin typeface="Cambria Math"/>
-                              </a:rPr>
-                              <m:t>808</m:t>
-                            </m:r>
-                          </m:num>
-                          <m:den>
-                            <m:r>
-                              <a:rPr lang="en-US" altLang="ja-JP" b="0" i="1" smtClean="0">
-                                <a:latin typeface="Cambria Math"/>
-                              </a:rPr>
-                              <m:t>144</m:t>
-                            </m:r>
-                          </m:den>
-                        </m:f>
-                      </m:e>
-                    </m:d>
-                  </m:oMath>
-                </a14:m>
-                <a:endParaRPr lang="en-US" altLang="ja-JP" b="0" dirty="0" smtClean="0"/>
-              </a:p>
-              <a:p>
-                <a:r>
-                  <a:rPr lang="en-US" altLang="ja-JP" dirty="0" smtClean="0"/>
-                  <a:t>cell</a:t>
-                </a:r>
-                <a:r>
-                  <a:rPr lang="ja-JP" altLang="en-US" dirty="0" smtClean="0"/>
-                  <a:t>上で 位置</a:t>
-                </a:r>
-                <a:r>
-                  <a:rPr lang="en-US" altLang="ja-JP" dirty="0" smtClean="0"/>
-                  <a:t>(46,9), </a:t>
-                </a:r>
-                <a:r>
-                  <a:rPr lang="ja-JP" altLang="en-US" dirty="0" smtClean="0"/>
-                  <a:t>大きさ</a:t>
-                </a:r>
-                <a:r>
-                  <a:rPr lang="en-US" altLang="ja-JP" dirty="0" smtClean="0"/>
-                  <a:t>(4,3)</a:t>
-                </a:r>
-                <a:r>
-                  <a:rPr lang="ja-JP" altLang="en-US" dirty="0" smtClean="0"/>
-                  <a:t>の場合</a:t>
-                </a:r>
-                <a:endParaRPr lang="en-US" altLang="ja-JP" dirty="0" smtClean="0"/>
-              </a:p>
-              <a:p>
-                <a:pPr lvl="1"/>
-                <a:r>
-                  <a:rPr lang="ja-JP" altLang="en-US" dirty="0" smtClean="0"/>
-                  <a:t>画面上での位置</a:t>
-                </a:r>
-                <a:r>
-                  <a:rPr lang="en-US" altLang="ja-JP" dirty="0" smtClean="0"/>
-                  <a:t>(map</a:t>
-                </a:r>
-                <a:r>
-                  <a:rPr lang="ja-JP" altLang="en-US" dirty="0" smtClean="0"/>
-                  <a:t>左上からの相対位置）</a:t>
-                </a:r>
-                <a:endParaRPr lang="en-US" altLang="ja-JP" dirty="0" smtClean="0"/>
-              </a:p>
-              <a:p>
-                <a:pPr lvl="2"/>
-                <a:r>
-                  <a:rPr lang="en-US" altLang="ja-JP" dirty="0" smtClean="0"/>
-                  <a:t> </a:t>
-                </a:r>
-                <a14:m>
-                  <m:oMath xmlns:m="http://schemas.openxmlformats.org/officeDocument/2006/math">
-                    <m:d>
-                      <m:dPr>
-                        <m:ctrlPr>
-                          <a:rPr lang="en-US" altLang="ja-JP" b="0" i="1" smtClean="0">
-                            <a:latin typeface="Cambria Math"/>
-                          </a:rPr>
-                        </m:ctrlPr>
-                      </m:dPr>
-                      <m:e>
-                        <m:d>
-                          <m:dPr>
-                            <m:begChr m:val="⌊"/>
-                            <m:endChr m:val="⌋"/>
-                            <m:ctrlPr>
-                              <a:rPr lang="en-US" altLang="ja-JP" b="0" i="1" smtClean="0">
-                                <a:latin typeface="Cambria Math"/>
-                              </a:rPr>
-                            </m:ctrlPr>
-                          </m:dPr>
-                          <m:e>
-                            <m:f>
-                              <m:fPr>
-                                <m:ctrlPr>
-                                  <a:rPr lang="en-US" altLang="ja-JP" i="1">
-                                    <a:latin typeface="Cambria Math"/>
-                                  </a:rPr>
-                                </m:ctrlPr>
-                              </m:fPr>
-                              <m:num>
-                                <m:r>
-                                  <a:rPr lang="en-US" altLang="ja-JP" i="1">
-                                    <a:latin typeface="Cambria Math"/>
-                                  </a:rPr>
-                                  <m:t>606∗46 </m:t>
-                                </m:r>
-                              </m:num>
-                              <m:den>
-                                <m:r>
-                                  <a:rPr lang="en-US" altLang="ja-JP" i="1">
-                                    <a:latin typeface="Cambria Math"/>
-                                  </a:rPr>
-                                  <m:t>108</m:t>
-                                </m:r>
-                              </m:den>
-                            </m:f>
-                          </m:e>
-                        </m:d>
-                        <m:r>
-                          <a:rPr lang="en-US" altLang="ja-JP" b="0" i="0" smtClean="0">
-                            <a:latin typeface="Cambria Math"/>
-                          </a:rPr>
-                          <m:t>,</m:t>
-                        </m:r>
-                        <m:d>
-                          <m:dPr>
-                            <m:begChr m:val="⌊"/>
-                            <m:endChr m:val="⌋"/>
-                            <m:ctrlPr>
-                              <a:rPr lang="en-US" altLang="ja-JP" b="0" i="1" smtClean="0">
-                                <a:latin typeface="Cambria Math"/>
-                              </a:rPr>
-                            </m:ctrlPr>
-                          </m:dPr>
-                          <m:e>
-                            <m:f>
-                              <m:fPr>
-                                <m:ctrlPr>
-                                  <a:rPr lang="en-US" altLang="ja-JP" i="1">
-                                    <a:latin typeface="Cambria Math"/>
-                                  </a:rPr>
-                                </m:ctrlPr>
-                              </m:fPr>
-                              <m:num>
-                                <m:r>
-                                  <a:rPr lang="en-US" altLang="ja-JP">
-                                    <a:latin typeface="Cambria Math"/>
-                                  </a:rPr>
-                                  <m:t>808∗9</m:t>
-                                </m:r>
-                              </m:num>
-                              <m:den>
-                                <m:r>
-                                  <a:rPr lang="en-US" altLang="ja-JP">
-                                    <a:latin typeface="Cambria Math"/>
-                                  </a:rPr>
-                                  <m:t>14</m:t>
-                                </m:r>
-                                <m:r>
-                                  <a:rPr lang="en-US" altLang="ja-JP" b="0" i="1" smtClean="0">
-                                    <a:latin typeface="Cambria Math"/>
-                                  </a:rPr>
-                                  <m:t>4</m:t>
-                                </m:r>
-                              </m:den>
-                            </m:f>
-                          </m:e>
-                        </m:d>
-                      </m:e>
-                    </m:d>
-                    <m:r>
-                      <a:rPr lang="en-US" altLang="ja-JP" b="0" i="1" smtClean="0">
-                        <a:latin typeface="Cambria Math"/>
-                      </a:rPr>
-                      <m:t>=</m:t>
-                    </m:r>
-                    <m:d>
-                      <m:dPr>
-                        <m:ctrlPr>
-                          <a:rPr lang="en-US" altLang="ja-JP" b="0" i="1" smtClean="0">
-                            <a:latin typeface="Cambria Math"/>
-                          </a:rPr>
-                        </m:ctrlPr>
-                      </m:dPr>
-                      <m:e>
-                        <m:r>
-                          <a:rPr lang="en-US" altLang="ja-JP" b="0" i="1" smtClean="0">
-                            <a:latin typeface="Cambria Math"/>
-                          </a:rPr>
-                          <m:t>258, 50</m:t>
-                        </m:r>
-                      </m:e>
-                    </m:d>
-                  </m:oMath>
-                </a14:m>
-                <a:endParaRPr kumimoji="1" lang="en-US" altLang="ja-JP" dirty="0" smtClean="0"/>
-              </a:p>
-              <a:p>
-                <a:pPr lvl="1"/>
-                <a:r>
-                  <a:rPr lang="ja-JP" altLang="en-US" dirty="0" smtClean="0"/>
-                  <a:t>大きさ</a:t>
-                </a:r>
-                <a:endParaRPr lang="en-US" altLang="ja-JP" dirty="0" smtClean="0"/>
-              </a:p>
-              <a:p>
-                <a:pPr lvl="2"/>
-                <a14:m>
-                  <m:oMath xmlns:m="http://schemas.openxmlformats.org/officeDocument/2006/math">
-                    <m:d>
-                      <m:dPr>
-                        <m:ctrlPr>
-                          <a:rPr kumimoji="1" lang="en-US" altLang="ja-JP" b="0" i="1" smtClean="0">
-                            <a:latin typeface="Cambria Math"/>
-                          </a:rPr>
-                        </m:ctrlPr>
-                      </m:dPr>
-                      <m:e>
-                        <m:d>
-                          <m:dPr>
-                            <m:begChr m:val="⌈"/>
-                            <m:endChr m:val="⌉"/>
-                            <m:ctrlPr>
-                              <a:rPr kumimoji="1" lang="en-US" altLang="ja-JP" b="0" i="1" smtClean="0">
-                                <a:latin typeface="Cambria Math"/>
-                              </a:rPr>
-                            </m:ctrlPr>
-                          </m:dPr>
-                          <m:e>
-                            <m:f>
-                              <m:fPr>
-                                <m:ctrlPr>
-                                  <a:rPr lang="en-US" altLang="ja-JP" i="1">
-                                    <a:latin typeface="Cambria Math"/>
-                                  </a:rPr>
-                                </m:ctrlPr>
-                              </m:fPr>
-                              <m:num>
-                                <m:r>
-                                  <a:rPr lang="en-US" altLang="ja-JP" i="1">
-                                    <a:latin typeface="Cambria Math"/>
-                                  </a:rPr>
-                                  <m:t>606∗4</m:t>
-                                </m:r>
-                              </m:num>
-                              <m:den>
-                                <m:r>
-                                  <a:rPr lang="en-US" altLang="ja-JP" i="1">
-                                    <a:latin typeface="Cambria Math"/>
-                                  </a:rPr>
-                                  <m:t>108</m:t>
-                                </m:r>
-                              </m:den>
-                            </m:f>
-                          </m:e>
-                        </m:d>
-                        <m:r>
-                          <a:rPr kumimoji="1" lang="en-US" altLang="ja-JP" b="0" i="1" smtClean="0">
-                            <a:latin typeface="Cambria Math"/>
-                          </a:rPr>
-                          <m:t>,</m:t>
-                        </m:r>
-                        <m:d>
-                          <m:dPr>
-                            <m:begChr m:val="⌈"/>
-                            <m:endChr m:val="⌉"/>
-                            <m:ctrlPr>
-                              <a:rPr kumimoji="1" lang="en-US" altLang="ja-JP" b="0" i="1" smtClean="0">
-                                <a:latin typeface="Cambria Math"/>
-                              </a:rPr>
-                            </m:ctrlPr>
-                          </m:dPr>
-                          <m:e>
-                            <m:f>
-                              <m:fPr>
-                                <m:ctrlPr>
-                                  <a:rPr lang="en-US" altLang="ja-JP" i="1">
-                                    <a:latin typeface="Cambria Math"/>
-                                  </a:rPr>
-                                </m:ctrlPr>
-                              </m:fPr>
-                              <m:num>
-                                <m:r>
-                                  <a:rPr lang="en-US" altLang="ja-JP" i="1">
-                                    <a:latin typeface="Cambria Math"/>
-                                  </a:rPr>
-                                  <m:t>808∗3</m:t>
-                                </m:r>
-                              </m:num>
-                              <m:den>
-                                <m:r>
-                                  <a:rPr lang="en-US" altLang="ja-JP" i="1">
-                                    <a:latin typeface="Cambria Math"/>
-                                  </a:rPr>
-                                  <m:t>144</m:t>
-                                </m:r>
-                              </m:den>
-                            </m:f>
-                          </m:e>
-                        </m:d>
-                      </m:e>
-                    </m:d>
-                    <m:r>
-                      <a:rPr kumimoji="1" lang="en-US" altLang="ja-JP" b="0" i="1" smtClean="0">
-                        <a:latin typeface="Cambria Math"/>
-                      </a:rPr>
-                      <m:t>=(23,17)</m:t>
-                    </m:r>
-                  </m:oMath>
-                </a14:m>
-                <a:endParaRPr kumimoji="1" lang="en-US" altLang="ja-JP" dirty="0" smtClean="0"/>
-              </a:p>
-            </p:txBody>
-          </p:sp>
-        </mc:Choice>
-        <mc:Fallback>
-          <p:sp>
-            <p:nvSpPr>
-              <p:cNvPr id="3" name="コンテンツ プレースホルダー 2"/>
-              <p:cNvSpPr>
-                <a:spLocks noGrp="1" noRot="1" noChangeAspect="1" noMove="1" noResize="1" noEditPoints="1" noAdjustHandles="1" noChangeArrowheads="1" noChangeShapeType="1" noTextEdit="1"/>
-              </p:cNvSpPr>
-              <p:nvPr>
-                <p:ph idx="1"/>
-              </p:nvPr>
-            </p:nvSpPr>
-            <p:spPr>
-              <a:blipFill rotWithShape="1">
-                <a:blip r:embed="rId2"/>
-                <a:stretch>
-                  <a:fillRect l="-1630"/>
-                </a:stretch>
-              </a:blipFill>
-            </p:spPr>
-            <p:txBody>
-              <a:bodyPr/>
-              <a:lstStyle/>
-              <a:p>
-                <a:r>
-                  <a:rPr lang="ja-JP" altLang="en-US">
-                    <a:noFill/>
-                  </a:rPr>
-                  <a:t> </a:t>
-                </a:r>
-              </a:p>
-            </p:txBody>
-          </p:sp>
-        </mc:Fallback>
-      </mc:AlternateContent>
+            <a:pPr algn="l"/>
+            <a:r>
+              <a:rPr kumimoji="1" lang="ja-JP" altLang="en-US" sz="3200" dirty="0" smtClean="0">
+                <a:latin typeface="メイリオ" panose="020B0604030504040204" pitchFamily="50" charset="-128"/>
+                <a:ea typeface="メイリオ" panose="020B0604030504040204" pitchFamily="50" charset="-128"/>
+                <a:cs typeface="メイリオ" panose="020B0604030504040204" pitchFamily="50" charset="-128"/>
+              </a:rPr>
+              <a:t>例①　</a:t>
+            </a:r>
+            <a:r>
+              <a:rPr kumimoji="1" lang="en-US" altLang="ja-JP" sz="3200" dirty="0" smtClean="0">
+                <a:latin typeface="メイリオ" panose="020B0604030504040204" pitchFamily="50" charset="-128"/>
+                <a:ea typeface="メイリオ" panose="020B0604030504040204" pitchFamily="50" charset="-128"/>
+                <a:cs typeface="メイリオ" panose="020B0604030504040204" pitchFamily="50" charset="-128"/>
+              </a:rPr>
+              <a:t>nexus 7 (16:10) </a:t>
+            </a:r>
+            <a:endParaRPr kumimoji="1" lang="ja-JP" altLang="en-US" sz="3200" dirty="0">
+              <a:latin typeface="メイリオ" panose="020B0604030504040204" pitchFamily="50" charset="-128"/>
+              <a:ea typeface="メイリオ" panose="020B0604030504040204" pitchFamily="50" charset="-128"/>
+              <a:cs typeface="メイリオ" panose="020B0604030504040204" pitchFamily="50" charset="-128"/>
+            </a:endParaRPr>
+          </a:p>
+        </p:txBody>
+      </p:sp>
+      <p:sp>
+        <p:nvSpPr>
+          <p:cNvPr id="17" name="テキスト ボックス 16"/>
+          <p:cNvSpPr txBox="1"/>
+          <p:nvPr/>
+        </p:nvSpPr>
+        <p:spPr>
+          <a:xfrm>
+            <a:off x="4897538" y="1929606"/>
+            <a:ext cx="3850926" cy="923330"/>
+          </a:xfrm>
+          <a:prstGeom prst="rect">
+            <a:avLst/>
+          </a:prstGeom>
+          <a:noFill/>
+        </p:spPr>
+        <p:txBody>
+          <a:bodyPr wrap="none" rtlCol="0">
+            <a:spAutoFit/>
+          </a:bodyPr>
+          <a:lstStyle/>
+          <a:p>
+            <a:r>
+              <a:rPr lang="ja-JP" altLang="en-US" dirty="0"/>
+              <a:t>検索</a:t>
+            </a:r>
+            <a:r>
+              <a:rPr lang="ja-JP" altLang="en-US" dirty="0" smtClean="0"/>
+              <a:t>バー</a:t>
+            </a:r>
+            <a:r>
+              <a:rPr lang="ja-JP" altLang="en-US" dirty="0"/>
+              <a:t>の</a:t>
+            </a:r>
+            <a:r>
+              <a:rPr lang="ja-JP" altLang="en-US" dirty="0" smtClean="0"/>
+              <a:t>高さを </a:t>
+            </a:r>
+            <a:r>
+              <a:rPr lang="en-US" altLang="ja-JP" dirty="0" smtClean="0"/>
+              <a:t>α = 55px </a:t>
+            </a:r>
+            <a:r>
+              <a:rPr lang="ja-JP" altLang="en-US" dirty="0" smtClean="0"/>
+              <a:t>とする</a:t>
+            </a:r>
+            <a:endParaRPr lang="en-US" altLang="ja-JP" dirty="0" smtClean="0"/>
+          </a:p>
+          <a:p>
+            <a:r>
+              <a:rPr lang="ja-JP" altLang="en-US" dirty="0" smtClean="0"/>
+              <a:t>タブバーの高さを </a:t>
+            </a:r>
+            <a:r>
+              <a:rPr lang="en-US" altLang="ja-JP" dirty="0" smtClean="0"/>
+              <a:t>β = 100px</a:t>
+            </a:r>
+            <a:r>
+              <a:rPr lang="ja-JP" altLang="en-US" dirty="0" smtClean="0"/>
+              <a:t>と</a:t>
+            </a:r>
+            <a:r>
+              <a:rPr lang="ja-JP" altLang="en-US" dirty="0" smtClean="0"/>
+              <a:t>する</a:t>
+            </a:r>
+            <a:endParaRPr lang="en-US" altLang="ja-JP" dirty="0" smtClean="0"/>
+          </a:p>
+          <a:p>
+            <a:r>
+              <a:rPr lang="ja-JP" altLang="en-US" dirty="0"/>
+              <a:t>ステータスバーの高さ</a:t>
+            </a:r>
+            <a:r>
+              <a:rPr lang="ja-JP" altLang="en-US" dirty="0" smtClean="0"/>
+              <a:t>を </a:t>
+            </a:r>
+            <a:r>
+              <a:rPr lang="en-US" altLang="ja-JP" dirty="0" smtClean="0"/>
+              <a:t>γ = </a:t>
+            </a:r>
+            <a:r>
+              <a:rPr lang="en-US" altLang="ja-JP" dirty="0" smtClean="0"/>
+              <a:t>5px </a:t>
+            </a:r>
+            <a:r>
+              <a:rPr lang="ja-JP" altLang="en-US" dirty="0" smtClean="0"/>
+              <a:t>とする</a:t>
+            </a:r>
+            <a:endParaRPr kumimoji="1" lang="ja-JP" altLang="en-US" dirty="0"/>
+          </a:p>
+        </p:txBody>
+      </p:sp>
+      <p:sp>
+        <p:nvSpPr>
+          <p:cNvPr id="13" name="正方形/長方形 12"/>
+          <p:cNvSpPr/>
+          <p:nvPr/>
+        </p:nvSpPr>
+        <p:spPr>
+          <a:xfrm>
+            <a:off x="1088584" y="6093296"/>
+            <a:ext cx="3384376" cy="576064"/>
+          </a:xfrm>
+          <a:prstGeom prst="rect">
+            <a:avLst/>
+          </a:prstGeom>
+        </p:spPr>
+        <p:style>
+          <a:lnRef idx="2">
+            <a:schemeClr val="dk1">
+              <a:shade val="50000"/>
+            </a:schemeClr>
+          </a:lnRef>
+          <a:fillRef idx="1">
+            <a:schemeClr val="dk1"/>
+          </a:fillRef>
+          <a:effectRef idx="0">
+            <a:schemeClr val="dk1"/>
+          </a:effectRef>
+          <a:fontRef idx="minor">
+            <a:schemeClr val="lt1"/>
+          </a:fontRef>
+        </p:style>
+        <p:txBody>
+          <a:bodyPr rtlCol="0" anchor="ctr"/>
+          <a:lstStyle/>
+          <a:p>
+            <a:pPr algn="ctr"/>
+            <a:r>
+              <a:rPr lang="ja-JP" altLang="en-US" dirty="0" smtClean="0">
+                <a:solidFill>
+                  <a:schemeClr val="bg1"/>
+                </a:solidFill>
+              </a:rPr>
+              <a:t>タブバー </a:t>
+            </a:r>
+            <a:r>
+              <a:rPr lang="en-US" altLang="ja-JP" dirty="0" smtClean="0">
+                <a:solidFill>
+                  <a:schemeClr val="bg1"/>
+                </a:solidFill>
+              </a:rPr>
+              <a:t>100px</a:t>
+            </a:r>
+            <a:r>
+              <a:rPr lang="ja-JP" altLang="en-US" dirty="0" smtClean="0">
+                <a:solidFill>
+                  <a:schemeClr val="bg1"/>
+                </a:solidFill>
+              </a:rPr>
+              <a:t>  </a:t>
+            </a:r>
+            <a:endParaRPr kumimoji="1" lang="ja-JP" altLang="en-US" dirty="0">
+              <a:solidFill>
+                <a:schemeClr val="bg1"/>
+              </a:solidFill>
+            </a:endParaRPr>
+          </a:p>
+        </p:txBody>
+      </p:sp>
+      <p:sp>
+        <p:nvSpPr>
+          <p:cNvPr id="8" name="テキスト ボックス 7"/>
+          <p:cNvSpPr txBox="1"/>
+          <p:nvPr/>
+        </p:nvSpPr>
+        <p:spPr>
+          <a:xfrm>
+            <a:off x="4638854" y="3283243"/>
+            <a:ext cx="4028667" cy="1754326"/>
+          </a:xfrm>
+          <a:prstGeom prst="rect">
+            <a:avLst/>
+          </a:prstGeom>
+          <a:noFill/>
+        </p:spPr>
+        <p:txBody>
+          <a:bodyPr wrap="none" rtlCol="0">
+            <a:spAutoFit/>
+          </a:bodyPr>
+          <a:lstStyle/>
+          <a:p>
+            <a:pPr marL="0" lvl="1"/>
+            <a:r>
+              <a:rPr lang="ja-JP" altLang="en-US" dirty="0" smtClean="0"/>
+              <a:t>マップ高さ </a:t>
+            </a:r>
+            <a:r>
+              <a:rPr lang="en-US" altLang="ja-JP" dirty="0" smtClean="0"/>
+              <a:t>= min{floor((960 – </a:t>
+            </a:r>
+            <a:r>
+              <a:rPr lang="en-US" altLang="ja-JP" dirty="0" smtClean="0"/>
+              <a:t>160)/</a:t>
+            </a:r>
+            <a:r>
+              <a:rPr lang="en-US" altLang="ja-JP" dirty="0" smtClean="0"/>
+              <a:t>4)*4, </a:t>
+            </a:r>
+            <a:br>
+              <a:rPr lang="en-US" altLang="ja-JP" dirty="0" smtClean="0"/>
+            </a:br>
+            <a:r>
+              <a:rPr lang="en-US" altLang="ja-JP" dirty="0" smtClean="0"/>
+              <a:t>                               floor(600/6)*8}</a:t>
+            </a:r>
+            <a:br>
+              <a:rPr lang="en-US" altLang="ja-JP" dirty="0" smtClean="0"/>
+            </a:br>
+            <a:r>
+              <a:rPr lang="en-US" altLang="ja-JP" dirty="0" smtClean="0"/>
+              <a:t>                    = </a:t>
+            </a:r>
+            <a:r>
+              <a:rPr lang="en-US" altLang="ja-JP" dirty="0" smtClean="0"/>
+              <a:t>min{800, </a:t>
+            </a:r>
+            <a:r>
+              <a:rPr lang="en-US" altLang="ja-JP" dirty="0" smtClean="0"/>
+              <a:t>800}</a:t>
+            </a:r>
+          </a:p>
+          <a:p>
+            <a:pPr marL="0" lvl="1"/>
+            <a:r>
+              <a:rPr lang="en-US" altLang="ja-JP" dirty="0"/>
+              <a:t> </a:t>
+            </a:r>
+            <a:r>
+              <a:rPr lang="en-US" altLang="ja-JP" dirty="0" smtClean="0"/>
+              <a:t>                   = 800</a:t>
+            </a:r>
+          </a:p>
+          <a:p>
+            <a:pPr marL="0" lvl="1"/>
+            <a:endParaRPr lang="en-US" altLang="ja-JP" dirty="0"/>
+          </a:p>
+          <a:p>
+            <a:pPr marL="0" lvl="1"/>
+            <a:r>
+              <a:rPr lang="ja-JP" altLang="en-US" dirty="0" smtClean="0"/>
+              <a:t>マップ幅 </a:t>
+            </a:r>
+            <a:r>
+              <a:rPr lang="en-US" altLang="ja-JP" dirty="0" smtClean="0"/>
+              <a:t>= 800 * 3 / 4 = 600</a:t>
+            </a:r>
+            <a:endParaRPr lang="en-US" altLang="ja-JP" dirty="0"/>
+          </a:p>
+        </p:txBody>
+      </p:sp>
+      <p:cxnSp>
+        <p:nvCxnSpPr>
+          <p:cNvPr id="18" name="直線矢印コネクタ 17"/>
+          <p:cNvCxnSpPr/>
+          <p:nvPr/>
+        </p:nvCxnSpPr>
+        <p:spPr>
+          <a:xfrm flipH="1">
+            <a:off x="1043608" y="1300161"/>
+            <a:ext cx="3384376" cy="0"/>
+          </a:xfrm>
+          <a:prstGeom prst="straightConnector1">
+            <a:avLst/>
+          </a:prstGeom>
+          <a:ln w="57150">
+            <a:solidFill>
+              <a:srgbClr val="FFC000"/>
+            </a:solidFill>
+            <a:headEnd type="arrow" w="med" len="med"/>
+            <a:tailEnd type="arrow" w="med" len="med"/>
+          </a:ln>
+        </p:spPr>
+        <p:style>
+          <a:lnRef idx="1">
+            <a:schemeClr val="accent1"/>
+          </a:lnRef>
+          <a:fillRef idx="0">
+            <a:schemeClr val="accent1"/>
+          </a:fillRef>
+          <a:effectRef idx="0">
+            <a:schemeClr val="accent1"/>
+          </a:effectRef>
+          <a:fontRef idx="minor">
+            <a:schemeClr val="tx1"/>
+          </a:fontRef>
+        </p:style>
+      </p:cxnSp>
+      <p:sp>
+        <p:nvSpPr>
+          <p:cNvPr id="5" name="正方形/長方形 4"/>
+          <p:cNvSpPr/>
+          <p:nvPr/>
+        </p:nvSpPr>
+        <p:spPr>
+          <a:xfrm>
+            <a:off x="1088584" y="1628800"/>
+            <a:ext cx="3384376" cy="576064"/>
+          </a:xfrm>
+          <a:prstGeom prst="rect">
+            <a:avLst/>
+          </a:prstGeom>
+        </p:spPr>
+        <p:style>
+          <a:lnRef idx="2">
+            <a:schemeClr val="accent1">
+              <a:shade val="50000"/>
+            </a:schemeClr>
+          </a:lnRef>
+          <a:fillRef idx="1">
+            <a:schemeClr val="accent1"/>
+          </a:fillRef>
+          <a:effectRef idx="0">
+            <a:schemeClr val="accent1"/>
+          </a:effectRef>
+          <a:fontRef idx="minor">
+            <a:schemeClr val="lt1"/>
+          </a:fontRef>
+        </p:style>
+        <p:txBody>
+          <a:bodyPr rtlCol="0" anchor="ctr"/>
+          <a:lstStyle/>
+          <a:p>
+            <a:pPr algn="ctr"/>
+            <a:r>
+              <a:rPr kumimoji="1" lang="ja-JP" altLang="en-US" dirty="0" smtClean="0"/>
+              <a:t>検索バー</a:t>
+            </a:r>
+            <a:r>
+              <a:rPr kumimoji="1" lang="en-US" altLang="ja-JP" dirty="0" smtClean="0"/>
+              <a:t> 55px</a:t>
+            </a:r>
+            <a:endParaRPr kumimoji="1" lang="ja-JP" altLang="en-US" dirty="0"/>
+          </a:p>
+        </p:txBody>
+      </p:sp>
     </p:spTree>
     <p:extLst>
       <p:ext uri="{BB962C8B-B14F-4D97-AF65-F5344CB8AC3E}">
-        <p14:creationId xmlns:p14="http://schemas.microsoft.com/office/powerpoint/2010/main" val="3485869779"/>
+        <p14:creationId xmlns:p14="http://schemas.microsoft.com/office/powerpoint/2010/main" val="2760734963"/>
+      </p:ext>
+    </p:extLst>
+  </p:cSld>
+  <p:clrMapOvr>
+    <a:masterClrMapping/>
+  </p:clrMapOvr>
+</p:sld>
+</file>
+
+<file path=ppt/slides/slide11.xml><?xml version="1.0" encoding="utf-8"?>
+<p:sld xmlns:a="http://schemas.openxmlformats.org/drawingml/2006/main" xmlns:r="http://schemas.openxmlformats.org/officeDocument/2006/relationships" xmlns:p="http://schemas.openxmlformats.org/presentationml/2006/main">
+  <p:cSld>
+    <p:spTree>
+      <p:nvGrpSpPr>
+        <p:cNvPr id="1" name=""/>
+        <p:cNvGrpSpPr/>
+        <p:nvPr/>
+      </p:nvGrpSpPr>
+      <p:grpSpPr>
+        <a:xfrm>
+          <a:off x="0" y="0"/>
+          <a:ext cx="0" cy="0"/>
+          <a:chOff x="0" y="0"/>
+          <a:chExt cx="0" cy="0"/>
+        </a:xfrm>
+      </p:grpSpPr>
+      <p:sp>
+        <p:nvSpPr>
+          <p:cNvPr id="6" name="正方形/長方形 5"/>
+          <p:cNvSpPr/>
+          <p:nvPr/>
+        </p:nvSpPr>
+        <p:spPr>
+          <a:xfrm>
+            <a:off x="1313194" y="2388976"/>
+            <a:ext cx="2892841" cy="3287930"/>
+          </a:xfrm>
+          <a:prstGeom prst="rect">
+            <a:avLst/>
+          </a:prstGeom>
+          <a:solidFill>
+            <a:schemeClr val="accent3">
+              <a:lumMod val="40000"/>
+              <a:lumOff val="60000"/>
+            </a:schemeClr>
+          </a:solidFill>
+        </p:spPr>
+        <p:style>
+          <a:lnRef idx="2">
+            <a:schemeClr val="accent1">
+              <a:shade val="50000"/>
+            </a:schemeClr>
+          </a:lnRef>
+          <a:fillRef idx="1">
+            <a:schemeClr val="accent1"/>
+          </a:fillRef>
+          <a:effectRef idx="0">
+            <a:schemeClr val="accent1"/>
+          </a:effectRef>
+          <a:fontRef idx="minor">
+            <a:schemeClr val="lt1"/>
+          </a:fontRef>
+        </p:style>
+        <p:txBody>
+          <a:bodyPr rtlCol="0" anchor="ctr"/>
+          <a:lstStyle/>
+          <a:p>
+            <a:pPr algn="ctr"/>
+            <a:r>
+              <a:rPr lang="en-US" altLang="ja-JP" dirty="0" smtClean="0">
+                <a:solidFill>
+                  <a:schemeClr val="tx1"/>
+                </a:solidFill>
+              </a:rPr>
+              <a:t>(824x618)</a:t>
+            </a:r>
+            <a:endParaRPr kumimoji="1" lang="ja-JP" altLang="en-US" dirty="0">
+              <a:solidFill>
+                <a:schemeClr val="tx1"/>
+              </a:solidFill>
+            </a:endParaRPr>
+          </a:p>
+        </p:txBody>
+      </p:sp>
+      <p:sp>
+        <p:nvSpPr>
+          <p:cNvPr id="7" name="正方形/長方形 6"/>
+          <p:cNvSpPr/>
+          <p:nvPr/>
+        </p:nvSpPr>
+        <p:spPr>
+          <a:xfrm>
+            <a:off x="1078036" y="4725144"/>
+            <a:ext cx="3421956" cy="951762"/>
+          </a:xfrm>
+          <a:prstGeom prst="rect">
+            <a:avLst/>
+          </a:prstGeom>
+          <a:solidFill>
+            <a:srgbClr val="E46C0A">
+              <a:alpha val="52941"/>
+            </a:srgbClr>
+          </a:solidFill>
+        </p:spPr>
+        <p:style>
+          <a:lnRef idx="2">
+            <a:schemeClr val="accent1">
+              <a:shade val="50000"/>
+            </a:schemeClr>
+          </a:lnRef>
+          <a:fillRef idx="1">
+            <a:schemeClr val="accent1"/>
+          </a:fillRef>
+          <a:effectRef idx="0">
+            <a:schemeClr val="accent1"/>
+          </a:effectRef>
+          <a:fontRef idx="minor">
+            <a:schemeClr val="lt1"/>
+          </a:fontRef>
+        </p:style>
+        <p:txBody>
+          <a:bodyPr rtlCol="0" anchor="ctr"/>
+          <a:lstStyle/>
+          <a:p>
+            <a:pPr algn="ctr"/>
+            <a:r>
+              <a:rPr lang="ja-JP" altLang="en-US" dirty="0">
+                <a:solidFill>
+                  <a:schemeClr val="tx1"/>
+                </a:solidFill>
+              </a:rPr>
+              <a:t>基本情報</a:t>
+            </a:r>
+            <a:r>
+              <a:rPr lang="ja-JP" altLang="en-US" dirty="0" smtClean="0">
+                <a:solidFill>
+                  <a:schemeClr val="tx1"/>
+                </a:solidFill>
+              </a:rPr>
+              <a:t>表示ウインドウ</a:t>
+            </a:r>
+            <a:endParaRPr lang="en-US" altLang="ja-JP" dirty="0" smtClean="0">
+              <a:solidFill>
+                <a:schemeClr val="tx1"/>
+              </a:solidFill>
+            </a:endParaRPr>
+          </a:p>
+          <a:p>
+            <a:pPr algn="ctr"/>
+            <a:r>
+              <a:rPr kumimoji="1" lang="en-US" altLang="ja-JP" dirty="0" smtClean="0">
+                <a:solidFill>
+                  <a:schemeClr val="tx1"/>
+                </a:solidFill>
+              </a:rPr>
+              <a:t>100px</a:t>
+            </a:r>
+          </a:p>
+        </p:txBody>
+      </p:sp>
+      <p:sp>
+        <p:nvSpPr>
+          <p:cNvPr id="14" name="テキスト ボックス 13"/>
+          <p:cNvSpPr txBox="1"/>
+          <p:nvPr/>
+        </p:nvSpPr>
+        <p:spPr>
+          <a:xfrm>
+            <a:off x="22364" y="4169384"/>
+            <a:ext cx="922240" cy="369332"/>
+          </a:xfrm>
+          <a:prstGeom prst="rect">
+            <a:avLst/>
+          </a:prstGeom>
+          <a:noFill/>
+        </p:spPr>
+        <p:txBody>
+          <a:bodyPr wrap="none" rtlCol="0">
+            <a:spAutoFit/>
+          </a:bodyPr>
+          <a:lstStyle/>
+          <a:p>
+            <a:r>
+              <a:rPr kumimoji="1" lang="en-US" altLang="ja-JP" dirty="0" smtClean="0"/>
+              <a:t>1024 </a:t>
+            </a:r>
+            <a:r>
+              <a:rPr kumimoji="1" lang="en-US" altLang="ja-JP" dirty="0" err="1" smtClean="0"/>
+              <a:t>px</a:t>
+            </a:r>
+            <a:endParaRPr kumimoji="1" lang="ja-JP" altLang="en-US" dirty="0"/>
+          </a:p>
+        </p:txBody>
+      </p:sp>
+      <p:sp>
+        <p:nvSpPr>
+          <p:cNvPr id="16" name="タイトル 15"/>
+          <p:cNvSpPr>
+            <a:spLocks noGrp="1"/>
+          </p:cNvSpPr>
+          <p:nvPr>
+            <p:ph type="title"/>
+          </p:nvPr>
+        </p:nvSpPr>
+        <p:spPr>
+          <a:xfrm>
+            <a:off x="52193" y="202630"/>
+            <a:ext cx="6211682" cy="850106"/>
+          </a:xfrm>
+        </p:spPr>
+        <p:txBody>
+          <a:bodyPr>
+            <a:noAutofit/>
+          </a:bodyPr>
+          <a:lstStyle/>
+          <a:p>
+            <a:pPr algn="l"/>
+            <a:r>
+              <a:rPr lang="ja-JP" altLang="en-US" sz="3200" dirty="0" smtClean="0">
+                <a:latin typeface="メイリオ" panose="020B0604030504040204" pitchFamily="50" charset="-128"/>
+                <a:ea typeface="メイリオ" panose="020B0604030504040204" pitchFamily="50" charset="-128"/>
+                <a:cs typeface="メイリオ" panose="020B0604030504040204" pitchFamily="50" charset="-128"/>
+              </a:rPr>
+              <a:t>例② </a:t>
+            </a:r>
+            <a:r>
+              <a:rPr lang="en-US" altLang="ja-JP" sz="3200" dirty="0" smtClean="0">
+                <a:latin typeface="メイリオ" panose="020B0604030504040204" pitchFamily="50" charset="-128"/>
+                <a:ea typeface="メイリオ" panose="020B0604030504040204" pitchFamily="50" charset="-128"/>
+                <a:cs typeface="メイリオ" panose="020B0604030504040204" pitchFamily="50" charset="-128"/>
+              </a:rPr>
+              <a:t>Retina iPad (4:3)</a:t>
+            </a:r>
+            <a:endParaRPr kumimoji="1" lang="ja-JP" altLang="en-US" sz="3200" dirty="0">
+              <a:latin typeface="メイリオ" panose="020B0604030504040204" pitchFamily="50" charset="-128"/>
+              <a:ea typeface="メイリオ" panose="020B0604030504040204" pitchFamily="50" charset="-128"/>
+              <a:cs typeface="メイリオ" panose="020B0604030504040204" pitchFamily="50" charset="-128"/>
+            </a:endParaRPr>
+          </a:p>
+        </p:txBody>
+      </p:sp>
+      <p:sp>
+        <p:nvSpPr>
+          <p:cNvPr id="5" name="正方形/長方形 4"/>
+          <p:cNvSpPr/>
+          <p:nvPr/>
+        </p:nvSpPr>
+        <p:spPr>
+          <a:xfrm>
+            <a:off x="1097170" y="1772816"/>
+            <a:ext cx="3384376" cy="576064"/>
+          </a:xfrm>
+          <a:prstGeom prst="rect">
+            <a:avLst/>
+          </a:prstGeom>
+        </p:spPr>
+        <p:style>
+          <a:lnRef idx="2">
+            <a:schemeClr val="accent1">
+              <a:shade val="50000"/>
+            </a:schemeClr>
+          </a:lnRef>
+          <a:fillRef idx="1">
+            <a:schemeClr val="accent1"/>
+          </a:fillRef>
+          <a:effectRef idx="0">
+            <a:schemeClr val="accent1"/>
+          </a:effectRef>
+          <a:fontRef idx="minor">
+            <a:schemeClr val="lt1"/>
+          </a:fontRef>
+        </p:style>
+        <p:txBody>
+          <a:bodyPr rtlCol="0" anchor="ctr"/>
+          <a:lstStyle/>
+          <a:p>
+            <a:pPr algn="ctr"/>
+            <a:r>
+              <a:rPr kumimoji="1" lang="ja-JP" altLang="en-US" dirty="0" smtClean="0"/>
+              <a:t>検索バー</a:t>
+            </a:r>
+            <a:r>
+              <a:rPr kumimoji="1" lang="en-US" altLang="ja-JP" dirty="0" smtClean="0"/>
+              <a:t> 100px</a:t>
+            </a:r>
+            <a:endParaRPr kumimoji="1" lang="ja-JP" altLang="en-US" dirty="0"/>
+          </a:p>
+        </p:txBody>
+      </p:sp>
+      <p:cxnSp>
+        <p:nvCxnSpPr>
+          <p:cNvPr id="13" name="直線矢印コネクタ 12"/>
+          <p:cNvCxnSpPr/>
+          <p:nvPr/>
+        </p:nvCxnSpPr>
+        <p:spPr>
+          <a:xfrm>
+            <a:off x="971600" y="1797766"/>
+            <a:ext cx="0" cy="4351549"/>
+          </a:xfrm>
+          <a:prstGeom prst="straightConnector1">
+            <a:avLst/>
+          </a:prstGeom>
+          <a:ln w="57150">
+            <a:solidFill>
+              <a:srgbClr val="FFC000"/>
+            </a:solidFill>
+            <a:headEnd type="arrow" w="med" len="med"/>
+            <a:tailEnd type="arrow" w="med" len="med"/>
+          </a:ln>
+        </p:spPr>
+        <p:style>
+          <a:lnRef idx="1">
+            <a:schemeClr val="accent1"/>
+          </a:lnRef>
+          <a:fillRef idx="0">
+            <a:schemeClr val="accent1"/>
+          </a:fillRef>
+          <a:effectRef idx="0">
+            <a:schemeClr val="accent1"/>
+          </a:effectRef>
+          <a:fontRef idx="minor">
+            <a:schemeClr val="tx1"/>
+          </a:fontRef>
+        </p:style>
+      </p:cxnSp>
+      <p:sp>
+        <p:nvSpPr>
+          <p:cNvPr id="2" name="テキスト ボックス 1"/>
+          <p:cNvSpPr txBox="1"/>
+          <p:nvPr/>
+        </p:nvSpPr>
+        <p:spPr>
+          <a:xfrm>
+            <a:off x="5843991" y="332655"/>
+            <a:ext cx="3220753" cy="461665"/>
+          </a:xfrm>
+          <a:prstGeom prst="rect">
+            <a:avLst/>
+          </a:prstGeom>
+          <a:noFill/>
+        </p:spPr>
+        <p:txBody>
+          <a:bodyPr wrap="none" rtlCol="0">
+            <a:spAutoFit/>
+          </a:bodyPr>
+          <a:lstStyle/>
+          <a:p>
+            <a:r>
+              <a:rPr kumimoji="1" lang="ja-JP" altLang="en-US" sz="2400" dirty="0" smtClean="0"/>
+              <a:t>例として </a:t>
+            </a:r>
+            <a:r>
+              <a:rPr lang="en-US" altLang="ja-JP" sz="2400" dirty="0" smtClean="0"/>
+              <a:t>1024 x 768 </a:t>
+            </a:r>
+            <a:r>
+              <a:rPr lang="ja-JP" altLang="en-US" sz="2400" dirty="0" smtClean="0"/>
+              <a:t>で。</a:t>
+            </a:r>
+            <a:endParaRPr kumimoji="1" lang="ja-JP" altLang="en-US" sz="2400" dirty="0"/>
+          </a:p>
+        </p:txBody>
+      </p:sp>
+      <p:sp>
+        <p:nvSpPr>
+          <p:cNvPr id="19" name="正方形/長方形 18"/>
+          <p:cNvSpPr/>
+          <p:nvPr/>
+        </p:nvSpPr>
+        <p:spPr>
+          <a:xfrm>
+            <a:off x="1078036" y="2373830"/>
+            <a:ext cx="3384376" cy="3775485"/>
+          </a:xfrm>
+          <a:prstGeom prst="rect">
+            <a:avLst/>
+          </a:prstGeom>
+          <a:noFill/>
+          <a:ln w="38100"/>
+        </p:spPr>
+        <p:style>
+          <a:lnRef idx="2">
+            <a:schemeClr val="accent1"/>
+          </a:lnRef>
+          <a:fillRef idx="1">
+            <a:schemeClr val="lt1"/>
+          </a:fillRef>
+          <a:effectRef idx="0">
+            <a:schemeClr val="accent1"/>
+          </a:effectRef>
+          <a:fontRef idx="minor">
+            <a:schemeClr val="dk1"/>
+          </a:fontRef>
+        </p:style>
+        <p:txBody>
+          <a:bodyPr rtlCol="0" anchor="ctr"/>
+          <a:lstStyle/>
+          <a:p>
+            <a:pPr algn="ctr"/>
+            <a:endParaRPr kumimoji="1" lang="ja-JP" altLang="en-US"/>
+          </a:p>
+        </p:txBody>
+      </p:sp>
+      <p:sp>
+        <p:nvSpPr>
+          <p:cNvPr id="33" name="正方形/長方形 32"/>
+          <p:cNvSpPr/>
+          <p:nvPr/>
+        </p:nvSpPr>
+        <p:spPr>
+          <a:xfrm>
+            <a:off x="1086285" y="5683965"/>
+            <a:ext cx="3384376" cy="481339"/>
+          </a:xfrm>
+          <a:prstGeom prst="rect">
+            <a:avLst/>
+          </a:prstGeom>
+        </p:spPr>
+        <p:style>
+          <a:lnRef idx="2">
+            <a:schemeClr val="dk1">
+              <a:shade val="50000"/>
+            </a:schemeClr>
+          </a:lnRef>
+          <a:fillRef idx="1">
+            <a:schemeClr val="dk1"/>
+          </a:fillRef>
+          <a:effectRef idx="0">
+            <a:schemeClr val="dk1"/>
+          </a:effectRef>
+          <a:fontRef idx="minor">
+            <a:schemeClr val="lt1"/>
+          </a:fontRef>
+        </p:style>
+        <p:txBody>
+          <a:bodyPr rtlCol="0" anchor="ctr"/>
+          <a:lstStyle/>
+          <a:p>
+            <a:pPr algn="ctr"/>
+            <a:r>
+              <a:rPr lang="ja-JP" altLang="en-US" dirty="0" smtClean="0"/>
+              <a:t>タブバー </a:t>
+            </a:r>
+            <a:r>
+              <a:rPr lang="en-US" altLang="ja-JP" dirty="0" smtClean="0"/>
+              <a:t>: 100 </a:t>
+            </a:r>
+            <a:r>
+              <a:rPr lang="en-US" altLang="ja-JP" dirty="0" err="1" smtClean="0"/>
+              <a:t>px</a:t>
+            </a:r>
+            <a:endParaRPr kumimoji="1" lang="ja-JP" altLang="en-US" dirty="0"/>
+          </a:p>
+        </p:txBody>
+      </p:sp>
+      <p:sp>
+        <p:nvSpPr>
+          <p:cNvPr id="20" name="テキスト ボックス 19"/>
+          <p:cNvSpPr txBox="1"/>
+          <p:nvPr/>
+        </p:nvSpPr>
+        <p:spPr>
+          <a:xfrm>
+            <a:off x="4859085" y="1313654"/>
+            <a:ext cx="3555973" cy="646331"/>
+          </a:xfrm>
+          <a:prstGeom prst="rect">
+            <a:avLst/>
+          </a:prstGeom>
+          <a:noFill/>
+        </p:spPr>
+        <p:txBody>
+          <a:bodyPr wrap="none" rtlCol="0">
+            <a:spAutoFit/>
+          </a:bodyPr>
+          <a:lstStyle/>
+          <a:p>
+            <a:r>
+              <a:rPr lang="ja-JP" altLang="en-US" dirty="0"/>
+              <a:t>検索</a:t>
+            </a:r>
+            <a:r>
+              <a:rPr lang="ja-JP" altLang="en-US" dirty="0" smtClean="0"/>
+              <a:t>バー</a:t>
+            </a:r>
+            <a:r>
+              <a:rPr lang="ja-JP" altLang="en-US" dirty="0"/>
+              <a:t>の</a:t>
+            </a:r>
+            <a:r>
+              <a:rPr lang="ja-JP" altLang="en-US" dirty="0" smtClean="0"/>
+              <a:t>高さを </a:t>
+            </a:r>
+            <a:r>
+              <a:rPr lang="en-US" altLang="ja-JP" dirty="0" smtClean="0"/>
+              <a:t>α = 100px </a:t>
+            </a:r>
+            <a:r>
+              <a:rPr lang="ja-JP" altLang="en-US" dirty="0" smtClean="0"/>
+              <a:t>とする</a:t>
+            </a:r>
+            <a:endParaRPr lang="en-US" altLang="ja-JP" dirty="0" smtClean="0"/>
+          </a:p>
+          <a:p>
+            <a:r>
+              <a:rPr lang="ja-JP" altLang="en-US" dirty="0" smtClean="0"/>
+              <a:t>タブバーの高さを </a:t>
+            </a:r>
+            <a:r>
+              <a:rPr lang="en-US" altLang="ja-JP" dirty="0" smtClean="0"/>
+              <a:t>β = 100px</a:t>
+            </a:r>
+            <a:r>
+              <a:rPr lang="ja-JP" altLang="en-US" dirty="0" smtClean="0"/>
+              <a:t>とする</a:t>
+            </a:r>
+            <a:endParaRPr kumimoji="1" lang="ja-JP" altLang="en-US" dirty="0"/>
+          </a:p>
+        </p:txBody>
+      </p:sp>
+      <p:cxnSp>
+        <p:nvCxnSpPr>
+          <p:cNvPr id="24" name="直線矢印コネクタ 23"/>
+          <p:cNvCxnSpPr/>
+          <p:nvPr/>
+        </p:nvCxnSpPr>
+        <p:spPr>
+          <a:xfrm flipH="1">
+            <a:off x="1097170" y="1685151"/>
+            <a:ext cx="3384376" cy="0"/>
+          </a:xfrm>
+          <a:prstGeom prst="straightConnector1">
+            <a:avLst/>
+          </a:prstGeom>
+          <a:ln w="57150">
+            <a:solidFill>
+              <a:srgbClr val="FFC000"/>
+            </a:solidFill>
+            <a:headEnd type="arrow" w="med" len="med"/>
+            <a:tailEnd type="arrow" w="med" len="med"/>
+          </a:ln>
+        </p:spPr>
+        <p:style>
+          <a:lnRef idx="1">
+            <a:schemeClr val="accent1"/>
+          </a:lnRef>
+          <a:fillRef idx="0">
+            <a:schemeClr val="accent1"/>
+          </a:fillRef>
+          <a:effectRef idx="0">
+            <a:schemeClr val="accent1"/>
+          </a:effectRef>
+          <a:fontRef idx="minor">
+            <a:schemeClr val="tx1"/>
+          </a:fontRef>
+        </p:style>
+      </p:cxnSp>
+      <p:sp>
+        <p:nvSpPr>
+          <p:cNvPr id="25" name="テキスト ボックス 24"/>
+          <p:cNvSpPr txBox="1"/>
+          <p:nvPr/>
+        </p:nvSpPr>
+        <p:spPr>
+          <a:xfrm>
+            <a:off x="2389753" y="1294258"/>
+            <a:ext cx="805220" cy="369332"/>
+          </a:xfrm>
+          <a:prstGeom prst="rect">
+            <a:avLst/>
+          </a:prstGeom>
+          <a:noFill/>
+        </p:spPr>
+        <p:txBody>
+          <a:bodyPr wrap="none" rtlCol="0">
+            <a:spAutoFit/>
+          </a:bodyPr>
+          <a:lstStyle/>
+          <a:p>
+            <a:r>
+              <a:rPr kumimoji="1" lang="en-US" altLang="ja-JP" dirty="0" smtClean="0"/>
+              <a:t>768 </a:t>
+            </a:r>
+            <a:r>
+              <a:rPr kumimoji="1" lang="en-US" altLang="ja-JP" dirty="0" err="1" smtClean="0"/>
+              <a:t>px</a:t>
+            </a:r>
+            <a:endParaRPr kumimoji="1" lang="ja-JP" altLang="en-US" dirty="0"/>
+          </a:p>
+        </p:txBody>
+      </p:sp>
+      <p:sp>
+        <p:nvSpPr>
+          <p:cNvPr id="26" name="テキスト ボックス 25"/>
+          <p:cNvSpPr txBox="1"/>
+          <p:nvPr/>
+        </p:nvSpPr>
+        <p:spPr>
+          <a:xfrm>
+            <a:off x="4499992" y="2439286"/>
+            <a:ext cx="4410182" cy="1754326"/>
+          </a:xfrm>
+          <a:prstGeom prst="rect">
+            <a:avLst/>
+          </a:prstGeom>
+          <a:noFill/>
+        </p:spPr>
+        <p:txBody>
+          <a:bodyPr wrap="none" rtlCol="0">
+            <a:spAutoFit/>
+          </a:bodyPr>
+          <a:lstStyle/>
+          <a:p>
+            <a:pPr marL="0" lvl="1"/>
+            <a:r>
+              <a:rPr lang="ja-JP" altLang="en-US" dirty="0" smtClean="0"/>
+              <a:t>マップ高さ </a:t>
+            </a:r>
+            <a:r>
+              <a:rPr lang="en-US" altLang="ja-JP" dirty="0" smtClean="0"/>
+              <a:t>= min{ floor((1024</a:t>
+            </a:r>
+            <a:r>
+              <a:rPr lang="ja-JP" altLang="en-US" dirty="0" smtClean="0"/>
+              <a:t> </a:t>
+            </a:r>
+            <a:r>
+              <a:rPr lang="en-US" altLang="ja-JP" dirty="0"/>
+              <a:t>– </a:t>
+            </a:r>
+            <a:r>
+              <a:rPr lang="en-US" altLang="ja-JP" dirty="0" smtClean="0"/>
+              <a:t>200) / </a:t>
+            </a:r>
+            <a:r>
+              <a:rPr lang="en-US" altLang="ja-JP" dirty="0"/>
+              <a:t>4</a:t>
+            </a:r>
+            <a:r>
+              <a:rPr lang="en-US" altLang="ja-JP" dirty="0" smtClean="0"/>
+              <a:t>) * 4, </a:t>
+            </a:r>
+            <a:br>
+              <a:rPr lang="en-US" altLang="ja-JP" dirty="0" smtClean="0"/>
+            </a:br>
+            <a:r>
+              <a:rPr lang="en-US" altLang="ja-JP" dirty="0" smtClean="0"/>
+              <a:t>                               floor(768/6)*8}</a:t>
+            </a:r>
+            <a:br>
+              <a:rPr lang="en-US" altLang="ja-JP" dirty="0" smtClean="0"/>
+            </a:br>
+            <a:r>
+              <a:rPr lang="en-US" altLang="ja-JP" dirty="0" smtClean="0"/>
+              <a:t>                    = min{824, 1024}</a:t>
+            </a:r>
+          </a:p>
+          <a:p>
+            <a:pPr marL="0" lvl="1"/>
+            <a:r>
+              <a:rPr lang="en-US" altLang="ja-JP" dirty="0"/>
+              <a:t> </a:t>
+            </a:r>
+            <a:r>
+              <a:rPr lang="en-US" altLang="ja-JP" dirty="0" smtClean="0"/>
+              <a:t>                   = 824</a:t>
+            </a:r>
+          </a:p>
+          <a:p>
+            <a:pPr marL="0" lvl="1"/>
+            <a:endParaRPr lang="en-US" altLang="ja-JP" dirty="0"/>
+          </a:p>
+          <a:p>
+            <a:pPr marL="0" lvl="1"/>
+            <a:r>
+              <a:rPr lang="ja-JP" altLang="en-US" dirty="0" smtClean="0"/>
+              <a:t>マップ幅 </a:t>
+            </a:r>
+            <a:r>
+              <a:rPr lang="en-US" altLang="ja-JP" dirty="0" smtClean="0"/>
+              <a:t>= 800 * 3 / 4 = 618</a:t>
+            </a:r>
+            <a:endParaRPr lang="en-US" altLang="ja-JP" dirty="0"/>
+          </a:p>
+        </p:txBody>
+      </p:sp>
+    </p:spTree>
+    <p:extLst>
+      <p:ext uri="{BB962C8B-B14F-4D97-AF65-F5344CB8AC3E}">
+        <p14:creationId xmlns:p14="http://schemas.microsoft.com/office/powerpoint/2010/main" val="1251737706"/>
       </p:ext>
     </p:extLst>
   </p:cSld>
@@ -4514,18 +5337,24 @@
       </p:sp>
       <p:sp>
         <p:nvSpPr>
-          <p:cNvPr id="4" name="正方形/長方形 3"/>
+          <p:cNvPr id="5" name="正方形/長方形 4"/>
           <p:cNvSpPr/>
           <p:nvPr/>
         </p:nvSpPr>
         <p:spPr>
           <a:xfrm>
-            <a:off x="755576" y="1484784"/>
-            <a:ext cx="3384376" cy="576064"/>
+            <a:off x="755576" y="2060848"/>
+            <a:ext cx="3384376" cy="4032448"/>
           </a:xfrm>
           <a:prstGeom prst="rect">
             <a:avLst/>
           </a:prstGeom>
+          <a:solidFill>
+            <a:schemeClr val="accent3">
+              <a:lumMod val="40000"/>
+              <a:lumOff val="60000"/>
+            </a:schemeClr>
+          </a:solidFill>
         </p:spPr>
         <p:style>
           <a:lnRef idx="2">
@@ -4549,55 +5378,95 @@
           <a:p>
             <a:pPr algn="ctr"/>
             <a:r>
-              <a:rPr kumimoji="1" lang="ja-JP" altLang="en-US" dirty="0" smtClean="0"/>
-              <a:t>検索バー</a:t>
-            </a:r>
-            <a:r>
-              <a:rPr kumimoji="1" lang="en-US" altLang="ja-JP" dirty="0" smtClean="0"/>
-              <a:t>  </a:t>
+              <a:rPr lang="ja-JP" altLang="en-US" dirty="0">
+                <a:solidFill>
+                  <a:schemeClr val="tx1"/>
+                </a:solidFill>
+              </a:rPr>
+              <a:t>マップ</a:t>
+            </a:r>
+            <a:r>
+              <a:rPr lang="ja-JP" altLang="en-US" dirty="0" smtClean="0">
+                <a:solidFill>
+                  <a:schemeClr val="tx1"/>
+                </a:solidFill>
+              </a:rPr>
+              <a:t>の縦横比</a:t>
+            </a:r>
+            <a:endParaRPr lang="en-US" altLang="ja-JP" dirty="0" smtClean="0">
+              <a:solidFill>
+                <a:schemeClr val="tx1"/>
+              </a:solidFill>
+            </a:endParaRPr>
+          </a:p>
+          <a:p>
+            <a:pPr algn="ctr"/>
+            <a:r>
+              <a:rPr lang="ja-JP" altLang="en-US" dirty="0" smtClean="0">
+                <a:solidFill>
+                  <a:schemeClr val="tx1"/>
+                </a:solidFill>
+              </a:rPr>
+              <a:t>縦</a:t>
+            </a:r>
+            <a:r>
+              <a:rPr lang="en-US" altLang="ja-JP" dirty="0">
+                <a:solidFill>
+                  <a:schemeClr val="tx1"/>
+                </a:solidFill>
+              </a:rPr>
+              <a:t> </a:t>
             </a:r>
             <a:r>
               <a:rPr lang="en-US" altLang="ja-JP" dirty="0" smtClean="0">
                 <a:solidFill>
-                  <a:schemeClr val="accent2">
-                    <a:lumMod val="40000"/>
-                    <a:lumOff val="60000"/>
-                  </a:schemeClr>
+                  <a:schemeClr val="tx1"/>
                 </a:solidFill>
               </a:rPr>
-              <a:t>α</a:t>
-            </a:r>
-            <a:r>
-              <a:rPr lang="en-US" altLang="ja-JP" dirty="0" smtClean="0"/>
-              <a:t> </a:t>
-            </a:r>
-            <a:r>
-              <a:rPr kumimoji="1" lang="en-US" altLang="ja-JP" dirty="0" err="1" smtClean="0"/>
-              <a:t>px</a:t>
-            </a:r>
-            <a:endParaRPr kumimoji="1" lang="ja-JP" altLang="en-US" dirty="0"/>
-          </a:p>
-        </p:txBody>
-      </p:sp>
-      <p:sp>
-        <p:nvSpPr>
-          <p:cNvPr id="5" name="正方形/長方形 4"/>
+              <a:t>: </a:t>
+            </a:r>
+            <a:r>
+              <a:rPr lang="ja-JP" altLang="en-US" dirty="0" smtClean="0">
+                <a:solidFill>
+                  <a:schemeClr val="tx1"/>
+                </a:solidFill>
+              </a:rPr>
+              <a:t>横 </a:t>
+            </a:r>
+            <a:r>
+              <a:rPr lang="en-US" altLang="ja-JP" dirty="0" smtClean="0">
+                <a:solidFill>
+                  <a:schemeClr val="tx1"/>
+                </a:solidFill>
+              </a:rPr>
+              <a:t>= 4 : 3 </a:t>
+            </a:r>
+            <a:endParaRPr kumimoji="1" lang="ja-JP" altLang="en-US" dirty="0">
+              <a:solidFill>
+                <a:schemeClr val="tx1"/>
+              </a:solidFill>
+            </a:endParaRPr>
+          </a:p>
+        </p:txBody>
+      </p:sp>
+      <p:sp>
+        <p:nvSpPr>
+          <p:cNvPr id="6" name="正方形/長方形 5"/>
           <p:cNvSpPr/>
           <p:nvPr/>
         </p:nvSpPr>
         <p:spPr>
           <a:xfrm>
-            <a:off x="755576" y="2060848"/>
-            <a:ext cx="3384376" cy="4032448"/>
+            <a:off x="755576" y="5445224"/>
+            <a:ext cx="3384376" cy="720080"/>
           </a:xfrm>
           <a:prstGeom prst="rect">
             <a:avLst/>
           </a:prstGeom>
           <a:solidFill>
-            <a:schemeClr val="accent3">
-              <a:lumMod val="40000"/>
-              <a:lumOff val="60000"/>
-            </a:schemeClr>
+            <a:srgbClr val="E46C0A">
+              <a:alpha val="47843"/>
+            </a:srgbClr>
           </a:solidFill>
         </p:spPr>
         <p:style>
@@ -4622,119 +5491,6 @@
           <a:p>
             <a:pPr algn="ctr"/>
             <a:r>
-              <a:rPr lang="ja-JP" altLang="en-US" dirty="0">
-                <a:solidFill>
-                  <a:schemeClr val="tx1"/>
-                </a:solidFill>
-              </a:rPr>
-              <a:t>マップ</a:t>
-            </a:r>
-            <a:r>
-              <a:rPr lang="ja-JP" altLang="en-US" dirty="0" smtClean="0">
-                <a:solidFill>
-                  <a:schemeClr val="tx1"/>
-                </a:solidFill>
-              </a:rPr>
-              <a:t>の縦横比</a:t>
-            </a:r>
-            <a:endParaRPr lang="en-US" altLang="ja-JP" dirty="0" smtClean="0">
-              <a:solidFill>
-                <a:schemeClr val="tx1"/>
-              </a:solidFill>
-            </a:endParaRPr>
-          </a:p>
-          <a:p>
-            <a:pPr algn="ctr"/>
-            <a:r>
-              <a:rPr lang="ja-JP" altLang="en-US" dirty="0" smtClean="0">
-                <a:solidFill>
-                  <a:schemeClr val="tx1"/>
-                </a:solidFill>
-              </a:rPr>
-              <a:t>縦</a:t>
-            </a:r>
-            <a:r>
-              <a:rPr lang="en-US" altLang="ja-JP" dirty="0">
-                <a:solidFill>
-                  <a:schemeClr val="tx1"/>
-                </a:solidFill>
-              </a:rPr>
-              <a:t> </a:t>
-            </a:r>
-            <a:r>
-              <a:rPr lang="en-US" altLang="ja-JP" dirty="0" smtClean="0">
-                <a:solidFill>
-                  <a:schemeClr val="tx1"/>
-                </a:solidFill>
-              </a:rPr>
-              <a:t>: </a:t>
-            </a:r>
-            <a:r>
-              <a:rPr lang="ja-JP" altLang="en-US" dirty="0" smtClean="0">
-                <a:solidFill>
-                  <a:schemeClr val="tx1"/>
-                </a:solidFill>
-              </a:rPr>
-              <a:t>横 </a:t>
-            </a:r>
-            <a:r>
-              <a:rPr lang="en-US" altLang="ja-JP" dirty="0" smtClean="0">
-                <a:solidFill>
-                  <a:schemeClr val="tx1"/>
-                </a:solidFill>
-              </a:rPr>
-              <a:t>= 4 : 3 </a:t>
-            </a:r>
-            <a:endParaRPr kumimoji="1" lang="ja-JP" altLang="en-US" dirty="0">
-              <a:solidFill>
-                <a:schemeClr val="tx1"/>
-              </a:solidFill>
-            </a:endParaRPr>
-          </a:p>
-        </p:txBody>
-      </p:sp>
-      <p:sp>
-        <p:nvSpPr>
-          <p:cNvPr id="6" name="正方形/長方形 5"/>
-          <p:cNvSpPr/>
-          <p:nvPr/>
-        </p:nvSpPr>
-        <p:spPr>
-          <a:xfrm>
-            <a:off x="755576" y="5445224"/>
-            <a:ext cx="3384376" cy="720080"/>
-          </a:xfrm>
-          <a:prstGeom prst="rect">
-            <a:avLst/>
-          </a:prstGeom>
-          <a:solidFill>
-            <a:srgbClr val="E46C0A">
-              <a:alpha val="47843"/>
-            </a:srgbClr>
-          </a:solidFill>
-        </p:spPr>
-        <p:style>
-          <a:lnRef idx="2">
-            <a:schemeClr val="accent1">
-              <a:shade val="50000"/>
-            </a:schemeClr>
-          </a:lnRef>
-          <a:fillRef idx="1">
-            <a:schemeClr val="accent1"/>
-          </a:fillRef>
-          <a:effectRef idx="0">
-            <a:schemeClr val="accent1"/>
-          </a:effectRef>
-          <a:fontRef idx="minor">
-            <a:schemeClr val="lt1"/>
-          </a:fontRef>
-        </p:style>
-        <p:txBody>
-          <a:bodyPr rtlCol="0" anchor="ctr"/>
-          <a:lstStyle/>
-          <a:p>
-            <a:pPr algn="ctr"/>
-            <a:r>
               <a:rPr lang="ja-JP" altLang="en-US" dirty="0"/>
               <a:t>基本</a:t>
             </a:r>
@@ -4932,8 +5688,8 @@
           </a:p>
         </p:txBody>
       </p:sp>
-      <mc:AlternateContent xmlns:mc="http://schemas.openxmlformats.org/markup-compatibility/2006" xmlns:a14="http://schemas.microsoft.com/office/drawing/2010/main">
-        <mc:Choice Requires="a14">
+      <mc:AlternateContent xmlns:mc="http://schemas.openxmlformats.org/markup-compatibility/2006">
+        <mc:Choice xmlns:a14="http://schemas.microsoft.com/office/drawing/2010/main" Requires="a14">
           <p:sp>
             <p:nvSpPr>
               <p:cNvPr id="12" name="テキスト ボックス 11"/>
@@ -4943,7 +5699,7 @@
             <p:spPr>
               <a:xfrm>
                 <a:off x="4139952" y="1280198"/>
-                <a:ext cx="4878259" cy="5219762"/>
+                <a:ext cx="4878259" cy="5329151"/>
               </a:xfrm>
               <a:prstGeom prst="rect">
                 <a:avLst/>
@@ -5143,11 +5899,11 @@
                 </a:r>
                 <a:r>
                   <a:rPr lang="en-US" altLang="ja-JP" dirty="0"/>
-                  <a:t>h – (α + β </a:t>
+                  <a:t>h – (α + </a:t>
                 </a:r>
                 <a:r>
                   <a:rPr lang="en-US" altLang="ja-JP" dirty="0" smtClean="0"/>
-                  <a:t>) </a:t>
+                  <a:t>β + γ) </a:t>
                 </a:r>
                 <a:r>
                   <a:rPr lang="ja-JP" altLang="en-US" dirty="0" smtClean="0"/>
@@ -5273,6 +6029,18 @@
                                     <a:latin typeface="Cambria Math"/>
                                   </a:rPr>
                                   <m:t>𝛽</m:t>
+                                </m:r>
+                                <m:r>
+                                  <a:rPr lang="en-US" altLang="ja-JP" b="0" i="1" dirty="0" smtClean="0">
+                                    <a:latin typeface="Cambria Math"/>
+                                  </a:rPr>
+                                  <m:t>+</m:t>
+                                </m:r>
+                                <m:r>
+                                  <a:rPr lang="en-US" altLang="ja-JP" b="0" i="1" dirty="0" smtClean="0">
+                                    <a:latin typeface="Cambria Math"/>
+                                  </a:rPr>
+                                  <m:t>𝛾</m:t>
                                 </m:r>
                               </m:e>
                             </m:d>
@@ -5416,7 +6184,7 @@
             </p:txBody>
           </p:sp>
         </mc:Choice>
-        <mc:Fallback xmlns="">
+        <mc:Fallback>
           <p:sp>
             <p:nvSpPr>
               <p:cNvPr id="12" name="テキスト ボックス 11"/>
@@ -5428,7 +6196,7 @@
             <p:spPr>
               <a:xfrm>
                 <a:off x="4139952" y="1280198"/>
-                <a:ext cx="4878259" cy="5219762"/>
+                <a:ext cx="4878259" cy="5329151"/>
               </a:xfrm>
               <a:prstGeom prst="rect">
                 <a:avLst/>
@@ -5436,7 +6204,7 @@
               <a:blipFill rotWithShape="1">
                 <a:blip r:embed="rId2"/>
                 <a:stretch>
-                  <a:fillRect l="-750" t="-935" r="-625" b="-935"/>
+                  <a:fillRect l="-750" t="-915" r="-625"/>
                 </a:stretch>
               </a:blipFill>
             </p:spPr>
@@ -5686,6 +6454,119 @@
               <a:t>均等になるように</a:t>
             </a:r>
             <a:endParaRPr kumimoji="1" lang="ja-JP" altLang="en-US" sz="900" dirty="0"/>
+          </a:p>
+        </p:txBody>
+      </p:sp>
+      <p:sp>
+        <p:nvSpPr>
+          <p:cNvPr id="4" name="正方形/長方形 3"/>
+          <p:cNvSpPr/>
+          <p:nvPr/>
+        </p:nvSpPr>
+        <p:spPr>
+          <a:xfrm>
+            <a:off x="755576" y="1700808"/>
+            <a:ext cx="3384376" cy="576064"/>
+          </a:xfrm>
+          <a:prstGeom prst="rect">
+            <a:avLst/>
+          </a:prstGeom>
+        </p:spPr>
+        <p:style>
+          <a:lnRef idx="2">
+            <a:schemeClr val="accent1">
+              <a:shade val="50000"/>
+            </a:schemeClr>
+          </a:lnRef>
+          <a:fillRef idx="1">
+            <a:schemeClr val="accent1"/>
+          </a:fillRef>
+          <a:effectRef idx="0">
+            <a:schemeClr val="accent1"/>
+          </a:effectRef>
+          <a:fontRef idx="minor">
+            <a:schemeClr val="lt1"/>
+          </a:fontRef>
+        </p:style>
+        <p:txBody>
+          <a:bodyPr rtlCol="0" anchor="ctr"/>
+          <a:lstStyle/>
+          <a:p>
+            <a:pPr algn="ctr"/>
+            <a:r>
+              <a:rPr kumimoji="1" lang="ja-JP" altLang="en-US" dirty="0" smtClean="0"/>
+              <a:t>検索バー</a:t>
+            </a:r>
+            <a:r>
+              <a:rPr kumimoji="1" lang="en-US" altLang="ja-JP" dirty="0" smtClean="0"/>
+              <a:t>  </a:t>
+            </a:r>
+            <a:r>
+              <a:rPr lang="en-US" altLang="ja-JP" dirty="0" smtClean="0">
+                <a:solidFill>
+                  <a:schemeClr val="accent2">
+                    <a:lumMod val="40000"/>
+                    <a:lumOff val="60000"/>
+                  </a:schemeClr>
+                </a:solidFill>
+              </a:rPr>
+              <a:t>α</a:t>
+            </a:r>
+            <a:r>
+              <a:rPr lang="en-US" altLang="ja-JP" dirty="0" smtClean="0"/>
+              <a:t> </a:t>
+            </a:r>
+            <a:r>
+              <a:rPr kumimoji="1" lang="en-US" altLang="ja-JP" dirty="0" err="1" smtClean="0"/>
+              <a:t>px</a:t>
+            </a:r>
+            <a:endParaRPr kumimoji="1" lang="ja-JP" altLang="en-US" dirty="0"/>
+          </a:p>
+        </p:txBody>
+      </p:sp>
+      <p:sp>
+        <p:nvSpPr>
+          <p:cNvPr id="8" name="テキスト ボックス 7"/>
+          <p:cNvSpPr txBox="1"/>
+          <p:nvPr/>
+        </p:nvSpPr>
+        <p:spPr>
+          <a:xfrm>
+            <a:off x="1608666" y="1412776"/>
+            <a:ext cx="1451166" cy="276999"/>
+          </a:xfrm>
+          <a:prstGeom prst="rect">
+            <a:avLst/>
+          </a:prstGeom>
+          <a:noFill/>
+        </p:spPr>
+        <p:txBody>
+          <a:bodyPr wrap="none" rtlCol="0">
+            <a:spAutoFit/>
+          </a:bodyPr>
+          <a:lstStyle/>
+          <a:p>
+            <a:r>
+              <a:rPr lang="ja-JP" altLang="en-US" sz="1200" dirty="0" smtClean="0"/>
+              <a:t>ステータスバー </a:t>
+            </a:r>
+            <a:r>
+              <a:rPr lang="en-US" altLang="ja-JP" sz="1200" dirty="0" smtClean="0">
+                <a:solidFill>
+                  <a:srgbClr val="FF0000"/>
+                </a:solidFill>
+              </a:rPr>
+              <a:t>γ</a:t>
+            </a:r>
+            <a:r>
+              <a:rPr lang="en-US" altLang="ja-JP" sz="1200" dirty="0" smtClean="0"/>
+              <a:t> </a:t>
+            </a:r>
+            <a:r>
+              <a:rPr lang="en-US" altLang="ja-JP" sz="1200" dirty="0" err="1" smtClean="0"/>
+              <a:t>px</a:t>
+            </a:r>
+            <a:endParaRPr kumimoji="1" lang="ja-JP" altLang="en-US" sz="1200" dirty="0"/>
           </a:p>
         </p:txBody>
       </p:sp>
@@ -5857,14 +6738,61 @@
       </p:grpSpPr>
       <p:sp>
         <p:nvSpPr>
-          <p:cNvPr id="4" name="正方形/長方形 3"/>
+          <p:cNvPr id="16" name="タイトル 15"/>
+          <p:cNvSpPr>
+            <a:spLocks noGrp="1"/>
+          </p:cNvSpPr>
+          <p:nvPr>
+            <p:ph type="title"/>
+          </p:nvPr>
+        </p:nvSpPr>
+        <p:spPr>
+          <a:xfrm>
+            <a:off x="52193" y="202630"/>
+            <a:ext cx="5527919" cy="850106"/>
+          </a:xfrm>
+        </p:spPr>
+        <p:txBody>
+          <a:bodyPr>
+            <a:noAutofit/>
+          </a:bodyPr>
+          <a:lstStyle/>
+          <a:p>
+            <a:pPr algn="l"/>
+            <a:r>
+              <a:rPr lang="ja-JP" altLang="en-US" sz="3200" dirty="0" smtClean="0">
+                <a:latin typeface="メイリオ" panose="020B0604030504040204" pitchFamily="50" charset="-128"/>
+                <a:ea typeface="メイリオ" panose="020B0604030504040204" pitchFamily="50" charset="-128"/>
+                <a:cs typeface="メイリオ" panose="020B0604030504040204" pitchFamily="50" charset="-128"/>
+              </a:rPr>
+              <a:t> </a:t>
+            </a:r>
+            <a:r>
+              <a:rPr lang="en-US" altLang="ja-JP" sz="3200" dirty="0" smtClean="0">
+                <a:latin typeface="メイリオ" panose="020B0604030504040204" pitchFamily="50" charset="-128"/>
+                <a:ea typeface="メイリオ" panose="020B0604030504040204" pitchFamily="50" charset="-128"/>
+                <a:cs typeface="メイリオ" panose="020B0604030504040204" pitchFamily="50" charset="-128"/>
+              </a:rPr>
+              <a:t>iPhone4 (3:2)</a:t>
+            </a:r>
+            <a:endParaRPr kumimoji="1" lang="ja-JP" altLang="en-US" sz="3200" dirty="0">
+              <a:latin typeface="メイリオ" panose="020B0604030504040204" pitchFamily="50" charset="-128"/>
+              <a:ea typeface="メイリオ" panose="020B0604030504040204" pitchFamily="50" charset="-128"/>
+              <a:cs typeface="メイリオ" panose="020B0604030504040204" pitchFamily="50" charset="-128"/>
+            </a:endParaRPr>
+          </a:p>
+        </p:txBody>
+      </p:sp>
+      <p:sp>
+        <p:nvSpPr>
+          <p:cNvPr id="17" name="正方形/長方形 16"/>
           <p:cNvSpPr/>
           <p:nvPr/>
         </p:nvSpPr>
         <p:spPr>
           <a:xfrm>
-            <a:off x="1088584" y="1412776"/>
-            <a:ext cx="3384376" cy="5256584"/>
+            <a:off x="971600" y="1540563"/>
+            <a:ext cx="3384376" cy="5056789"/>
           </a:xfrm>
           <a:prstGeom prst="rect">
             <a:avLst/>
@@ -5895,18 +6823,24 @@
       </p:sp>
       <p:sp>
         <p:nvSpPr>
-          <p:cNvPr id="5" name="正方形/長方形 4"/>
+          <p:cNvPr id="20" name="正方形/長方形 19"/>
           <p:cNvSpPr/>
           <p:nvPr/>
         </p:nvSpPr>
         <p:spPr>
           <a:xfrm>
-            <a:off x="1088584" y="1412776"/>
-            <a:ext cx="3384376" cy="576064"/>
+            <a:off x="1142648" y="2116627"/>
+            <a:ext cx="2997304" cy="3760645"/>
           </a:xfrm>
           <a:prstGeom prst="rect">
             <a:avLst/>
           </a:prstGeom>
+          <a:solidFill>
+            <a:schemeClr val="accent3">
+              <a:lumMod val="40000"/>
+              <a:lumOff val="60000"/>
+            </a:schemeClr>
+          </a:solidFill>
         </p:spPr>
         <p:style>
           <a:lnRef idx="2">
@@ -5930,36 +6864,538 @@
           <a:p>
             <a:pPr algn="ctr"/>
             <a:r>
-              <a:rPr kumimoji="1" lang="ja-JP" altLang="en-US" dirty="0" smtClean="0"/>
-              <a:t>検索バー</a:t>
-            </a:r>
-            <a:r>
-              <a:rPr kumimoji="1" lang="en-US" altLang="ja-JP" dirty="0" smtClean="0"/>
-              <a:t> 55px</a:t>
-            </a:r>
-            <a:endParaRPr kumimoji="1" lang="ja-JP" altLang="en-US" dirty="0"/>
-          </a:p>
-        </p:txBody>
-      </p:sp>
-      <p:sp>
-        <p:nvSpPr>
-          <p:cNvPr id="6" name="正方形/長方形 5"/>
+              <a:rPr lang="en-US" altLang="ja-JP" dirty="0" smtClean="0">
+                <a:solidFill>
+                  <a:schemeClr val="tx1"/>
+                </a:solidFill>
+              </a:rPr>
+              <a:t>380 * 285</a:t>
+            </a:r>
+            <a:endParaRPr kumimoji="1" lang="ja-JP" altLang="en-US" dirty="0">
+              <a:solidFill>
+                <a:schemeClr val="tx1"/>
+              </a:solidFill>
+            </a:endParaRPr>
+          </a:p>
+        </p:txBody>
+      </p:sp>
+      <p:sp>
+        <p:nvSpPr>
+          <p:cNvPr id="24" name="正方形/長方形 23"/>
           <p:cNvSpPr/>
           <p:nvPr/>
         </p:nvSpPr>
         <p:spPr>
           <a:xfrm>
-            <a:off x="1088584" y="1988840"/>
-            <a:ext cx="3384376" cy="4032448"/>
+            <a:off x="971600" y="5877272"/>
+            <a:ext cx="3384376" cy="720080"/>
+          </a:xfrm>
+          <a:prstGeom prst="rect">
+            <a:avLst/>
+          </a:prstGeom>
+        </p:spPr>
+        <p:style>
+          <a:lnRef idx="2">
+            <a:schemeClr val="dk1">
+              <a:shade val="50000"/>
+            </a:schemeClr>
+          </a:lnRef>
+          <a:fillRef idx="1">
+            <a:schemeClr val="dk1"/>
+          </a:fillRef>
+          <a:effectRef idx="0">
+            <a:schemeClr val="dk1"/>
+          </a:effectRef>
+          <a:fontRef idx="minor">
+            <a:schemeClr val="lt1"/>
+          </a:fontRef>
+        </p:style>
+        <p:txBody>
+          <a:bodyPr rtlCol="0" anchor="ctr"/>
+          <a:lstStyle/>
+          <a:p>
+            <a:pPr algn="ctr"/>
+            <a:r>
+              <a:rPr kumimoji="1" lang="ja-JP" altLang="en-US" dirty="0" smtClean="0">
+                <a:solidFill>
+                  <a:schemeClr val="bg1"/>
+                </a:solidFill>
+              </a:rPr>
+              <a:t>タブバー </a:t>
+            </a:r>
+            <a:r>
+              <a:rPr kumimoji="1" lang="en-US" altLang="ja-JP" dirty="0" smtClean="0">
+                <a:solidFill>
+                  <a:schemeClr val="bg1"/>
+                </a:solidFill>
+              </a:rPr>
+              <a:t>48px</a:t>
+            </a:r>
+            <a:endParaRPr kumimoji="1" lang="ja-JP" altLang="en-US" dirty="0">
+              <a:solidFill>
+                <a:schemeClr val="bg1"/>
+              </a:solidFill>
+            </a:endParaRPr>
+          </a:p>
+        </p:txBody>
+      </p:sp>
+      <p:cxnSp>
+        <p:nvCxnSpPr>
+          <p:cNvPr id="28" name="直線矢印コネクタ 27"/>
+          <p:cNvCxnSpPr/>
+          <p:nvPr/>
+        </p:nvCxnSpPr>
+        <p:spPr>
+          <a:xfrm>
+            <a:off x="782608" y="1540563"/>
+            <a:ext cx="0" cy="5049978"/>
+          </a:xfrm>
+          <a:prstGeom prst="straightConnector1">
+            <a:avLst/>
+          </a:prstGeom>
+          <a:ln w="57150">
+            <a:solidFill>
+              <a:srgbClr val="FFC000"/>
+            </a:solidFill>
+            <a:headEnd type="arrow" w="med" len="med"/>
+            <a:tailEnd type="arrow" w="med" len="med"/>
+          </a:ln>
+        </p:spPr>
+        <p:style>
+          <a:lnRef idx="1">
+            <a:schemeClr val="accent1"/>
+          </a:lnRef>
+          <a:fillRef idx="0">
+            <a:schemeClr val="accent1"/>
+          </a:fillRef>
+          <a:effectRef idx="0">
+            <a:schemeClr val="accent1"/>
+          </a:effectRef>
+          <a:fontRef idx="minor">
+            <a:schemeClr val="tx1"/>
+          </a:fontRef>
+        </p:style>
+      </p:cxnSp>
+      <p:sp>
+        <p:nvSpPr>
+          <p:cNvPr id="31" name="テキスト ボックス 30"/>
+          <p:cNvSpPr txBox="1"/>
+          <p:nvPr/>
+        </p:nvSpPr>
+        <p:spPr>
+          <a:xfrm>
+            <a:off x="-22612" y="3772811"/>
+            <a:ext cx="805220" cy="369332"/>
+          </a:xfrm>
+          <a:prstGeom prst="rect">
+            <a:avLst/>
+          </a:prstGeom>
+          <a:noFill/>
+        </p:spPr>
+        <p:txBody>
+          <a:bodyPr wrap="none" rtlCol="0">
+            <a:spAutoFit/>
+          </a:bodyPr>
+          <a:lstStyle/>
+          <a:p>
+            <a:r>
+              <a:rPr lang="en-US" altLang="ja-JP" dirty="0" smtClean="0"/>
+              <a:t>480</a:t>
+            </a:r>
+            <a:r>
+              <a:rPr kumimoji="1" lang="en-US" altLang="ja-JP" dirty="0" smtClean="0"/>
+              <a:t> </a:t>
+            </a:r>
+            <a:r>
+              <a:rPr kumimoji="1" lang="en-US" altLang="ja-JP" dirty="0" err="1" smtClean="0"/>
+              <a:t>px</a:t>
+            </a:r>
+            <a:endParaRPr kumimoji="1" lang="ja-JP" altLang="en-US" dirty="0"/>
+          </a:p>
+        </p:txBody>
+      </p:sp>
+      <p:cxnSp>
+        <p:nvCxnSpPr>
+          <p:cNvPr id="34" name="直線矢印コネクタ 33"/>
+          <p:cNvCxnSpPr/>
+          <p:nvPr/>
+        </p:nvCxnSpPr>
+        <p:spPr>
+          <a:xfrm>
+            <a:off x="1142648" y="5877272"/>
+            <a:ext cx="0" cy="713269"/>
+          </a:xfrm>
+          <a:prstGeom prst="straightConnector1">
+            <a:avLst/>
+          </a:prstGeom>
+          <a:ln w="57150">
+            <a:solidFill>
+              <a:srgbClr val="FF0000"/>
+            </a:solidFill>
+            <a:headEnd type="arrow" w="med" len="med"/>
+            <a:tailEnd type="arrow" w="med" len="med"/>
+          </a:ln>
+        </p:spPr>
+        <p:style>
+          <a:lnRef idx="1">
+            <a:schemeClr val="accent1"/>
+          </a:lnRef>
+          <a:fillRef idx="0">
+            <a:schemeClr val="accent1"/>
+          </a:fillRef>
+          <a:effectRef idx="0">
+            <a:schemeClr val="accent1"/>
+          </a:effectRef>
+          <a:fontRef idx="minor">
+            <a:schemeClr val="tx1"/>
+          </a:fontRef>
+        </p:style>
+      </p:cxnSp>
+      <p:sp>
+        <p:nvSpPr>
+          <p:cNvPr id="21" name="テキスト ボックス 20"/>
+          <p:cNvSpPr txBox="1"/>
+          <p:nvPr/>
+        </p:nvSpPr>
+        <p:spPr>
+          <a:xfrm>
+            <a:off x="4716016" y="1085835"/>
+            <a:ext cx="4141775" cy="1107996"/>
+          </a:xfrm>
+          <a:prstGeom prst="rect">
+            <a:avLst/>
+          </a:prstGeom>
+          <a:noFill/>
+        </p:spPr>
+        <p:txBody>
+          <a:bodyPr wrap="none" rtlCol="0">
+            <a:spAutoFit/>
+          </a:bodyPr>
+          <a:lstStyle/>
+          <a:p>
+            <a:r>
+              <a:rPr lang="ja-JP" altLang="en-US" dirty="0"/>
+              <a:t>検索</a:t>
+            </a:r>
+            <a:r>
+              <a:rPr lang="ja-JP" altLang="en-US" dirty="0" smtClean="0"/>
+              <a:t>バー</a:t>
+            </a:r>
+            <a:r>
+              <a:rPr lang="ja-JP" altLang="en-US" dirty="0"/>
+              <a:t>の</a:t>
+            </a:r>
+            <a:r>
+              <a:rPr lang="ja-JP" altLang="en-US" dirty="0" smtClean="0"/>
+              <a:t>高さを </a:t>
+            </a:r>
+            <a:r>
+              <a:rPr lang="en-US" altLang="ja-JP" dirty="0" smtClean="0"/>
+              <a:t>α = </a:t>
+            </a:r>
+            <a:r>
+              <a:rPr lang="en-US" altLang="ja-JP" dirty="0" smtClean="0"/>
+              <a:t>32px </a:t>
+            </a:r>
+            <a:r>
+              <a:rPr lang="ja-JP" altLang="en-US" dirty="0" smtClean="0"/>
+              <a:t>とする</a:t>
+            </a:r>
+            <a:endParaRPr lang="en-US" altLang="ja-JP" dirty="0" smtClean="0"/>
+          </a:p>
+          <a:p>
+            <a:r>
+              <a:rPr lang="ja-JP" altLang="en-US" dirty="0" smtClean="0"/>
+              <a:t>タブバーの高さを </a:t>
+            </a:r>
+            <a:r>
+              <a:rPr lang="en-US" altLang="ja-JP" dirty="0" smtClean="0"/>
+              <a:t>β = </a:t>
+            </a:r>
+            <a:r>
+              <a:rPr lang="en-US" altLang="ja-JP" dirty="0" smtClean="0"/>
+              <a:t>48px</a:t>
+            </a:r>
+            <a:r>
+              <a:rPr lang="ja-JP" altLang="en-US" dirty="0" smtClean="0"/>
+              <a:t>と</a:t>
+            </a:r>
+            <a:r>
+              <a:rPr lang="ja-JP" altLang="en-US" dirty="0" smtClean="0"/>
+              <a:t>する</a:t>
+            </a:r>
+            <a:endParaRPr lang="en-US" altLang="ja-JP" dirty="0" smtClean="0"/>
+          </a:p>
+          <a:p>
+            <a:r>
+              <a:rPr lang="ja-JP" altLang="en-US" dirty="0" smtClean="0"/>
+              <a:t>ステータスバー</a:t>
+            </a:r>
+            <a:r>
+              <a:rPr lang="ja-JP" altLang="en-US" dirty="0"/>
+              <a:t>の高さ</a:t>
+            </a:r>
+            <a:r>
+              <a:rPr lang="ja-JP" altLang="en-US" dirty="0" smtClean="0"/>
+              <a:t>を </a:t>
+            </a:r>
+            <a:r>
+              <a:rPr lang="en-US" altLang="ja-JP" dirty="0" smtClean="0"/>
+              <a:t>γ = 20px</a:t>
+            </a:r>
+            <a:r>
+              <a:rPr lang="ja-JP" altLang="en-US" dirty="0" smtClean="0"/>
+              <a:t>とする</a:t>
+            </a:r>
+            <a:endParaRPr lang="en-US" altLang="ja-JP" dirty="0" smtClean="0"/>
+          </a:p>
+          <a:p>
+            <a:r>
+              <a:rPr lang="en-US" altLang="ja-JP" sz="1200" dirty="0"/>
+              <a:t>(</a:t>
+            </a:r>
+            <a:r>
+              <a:rPr lang="en-US" altLang="ja-JP" sz="1200" dirty="0">
+                <a:hlinkClick r:id="rId2"/>
+              </a:rPr>
+              <a:t>http://</a:t>
+            </a:r>
+            <a:r>
+              <a:rPr lang="en-US" altLang="ja-JP" sz="1200" dirty="0" smtClean="0">
+                <a:hlinkClick r:id="rId2"/>
+              </a:rPr>
+              <a:t>iphone-tora.sakura.ne.jp/iphone_screenname.html</a:t>
+            </a:r>
+            <a:r>
+              <a:rPr lang="ja-JP" altLang="en-US" sz="1200" dirty="0" smtClean="0"/>
+              <a:t>より</a:t>
+            </a:r>
+            <a:r>
+              <a:rPr lang="en-US" altLang="ja-JP" sz="1200" dirty="0" smtClean="0"/>
+              <a:t>)</a:t>
+            </a:r>
+            <a:endParaRPr kumimoji="1" lang="ja-JP" altLang="en-US" sz="1200" dirty="0"/>
+          </a:p>
+        </p:txBody>
+      </p:sp>
+      <p:cxnSp>
+        <p:nvCxnSpPr>
+          <p:cNvPr id="22" name="直線矢印コネクタ 21"/>
+          <p:cNvCxnSpPr/>
+          <p:nvPr/>
+        </p:nvCxnSpPr>
+        <p:spPr>
+          <a:xfrm flipH="1">
+            <a:off x="971600" y="1334824"/>
+            <a:ext cx="3384376" cy="0"/>
+          </a:xfrm>
+          <a:prstGeom prst="straightConnector1">
+            <a:avLst/>
+          </a:prstGeom>
+          <a:ln w="57150">
+            <a:solidFill>
+              <a:srgbClr val="FFC000"/>
+            </a:solidFill>
+            <a:headEnd type="arrow" w="med" len="med"/>
+            <a:tailEnd type="arrow" w="med" len="med"/>
+          </a:ln>
+        </p:spPr>
+        <p:style>
+          <a:lnRef idx="1">
+            <a:schemeClr val="accent1"/>
+          </a:lnRef>
+          <a:fillRef idx="0">
+            <a:schemeClr val="accent1"/>
+          </a:fillRef>
+          <a:effectRef idx="0">
+            <a:schemeClr val="accent1"/>
+          </a:effectRef>
+          <a:fontRef idx="minor">
+            <a:schemeClr val="tx1"/>
+          </a:fontRef>
+        </p:style>
+      </p:cxnSp>
+      <p:sp>
+        <p:nvSpPr>
+          <p:cNvPr id="23" name="テキスト ボックス 22"/>
+          <p:cNvSpPr txBox="1"/>
+          <p:nvPr/>
+        </p:nvSpPr>
+        <p:spPr>
+          <a:xfrm>
+            <a:off x="2261178" y="964545"/>
+            <a:ext cx="805220" cy="369332"/>
+          </a:xfrm>
+          <a:prstGeom prst="rect">
+            <a:avLst/>
+          </a:prstGeom>
+          <a:noFill/>
+        </p:spPr>
+        <p:txBody>
+          <a:bodyPr wrap="none" rtlCol="0">
+            <a:spAutoFit/>
+          </a:bodyPr>
+          <a:lstStyle/>
+          <a:p>
+            <a:r>
+              <a:rPr kumimoji="1" lang="en-US" altLang="ja-JP" dirty="0" smtClean="0"/>
+              <a:t>320 </a:t>
+            </a:r>
+            <a:r>
+              <a:rPr kumimoji="1" lang="en-US" altLang="ja-JP" dirty="0" err="1" smtClean="0"/>
+              <a:t>px</a:t>
+            </a:r>
+            <a:endParaRPr kumimoji="1" lang="ja-JP" altLang="en-US" dirty="0"/>
+          </a:p>
+        </p:txBody>
+      </p:sp>
+      <p:sp>
+        <p:nvSpPr>
+          <p:cNvPr id="27" name="テキスト ボックス 26"/>
+          <p:cNvSpPr txBox="1"/>
+          <p:nvPr/>
+        </p:nvSpPr>
+        <p:spPr>
+          <a:xfrm>
+            <a:off x="4499992" y="2439286"/>
+            <a:ext cx="4195379" cy="1754326"/>
+          </a:xfrm>
+          <a:prstGeom prst="rect">
+            <a:avLst/>
+          </a:prstGeom>
+          <a:noFill/>
+        </p:spPr>
+        <p:txBody>
+          <a:bodyPr wrap="none" rtlCol="0">
+            <a:spAutoFit/>
+          </a:bodyPr>
+          <a:lstStyle/>
+          <a:p>
+            <a:pPr marL="0" lvl="1"/>
+            <a:r>
+              <a:rPr lang="ja-JP" altLang="en-US" dirty="0" smtClean="0"/>
+              <a:t>マップ高さ </a:t>
+            </a:r>
+            <a:r>
+              <a:rPr lang="en-US" altLang="ja-JP" dirty="0" smtClean="0"/>
+              <a:t>= min{ floor</a:t>
+            </a:r>
+            <a:r>
+              <a:rPr lang="en-US" altLang="ja-JP" dirty="0" smtClean="0"/>
+              <a:t>((480 </a:t>
+            </a:r>
+            <a:r>
+              <a:rPr lang="en-US" altLang="ja-JP" dirty="0"/>
+              <a:t>- </a:t>
+            </a:r>
+            <a:r>
+              <a:rPr lang="en-US" altLang="ja-JP" dirty="0" smtClean="0"/>
+              <a:t>100) </a:t>
+            </a:r>
+            <a:r>
+              <a:rPr lang="en-US" altLang="ja-JP" dirty="0" smtClean="0"/>
+              <a:t>/ </a:t>
+            </a:r>
+            <a:r>
+              <a:rPr lang="en-US" altLang="ja-JP" dirty="0"/>
+              <a:t>4</a:t>
+            </a:r>
+            <a:r>
+              <a:rPr lang="en-US" altLang="ja-JP" dirty="0" smtClean="0"/>
+              <a:t>) *4, </a:t>
+            </a:r>
+            <a:br>
+              <a:rPr lang="en-US" altLang="ja-JP" dirty="0" smtClean="0"/>
+            </a:br>
+            <a:r>
+              <a:rPr lang="en-US" altLang="ja-JP" dirty="0" smtClean="0"/>
+              <a:t>		</a:t>
+            </a:r>
+            <a:r>
+              <a:rPr lang="en-US" altLang="ja-JP" dirty="0" smtClean="0"/>
+              <a:t>floor(320/6</a:t>
+            </a:r>
+            <a:r>
+              <a:rPr lang="en-US" altLang="ja-JP" dirty="0" smtClean="0"/>
+              <a:t>)*8}</a:t>
+            </a:r>
+            <a:br>
+              <a:rPr lang="en-US" altLang="ja-JP" dirty="0" smtClean="0"/>
+            </a:br>
+            <a:r>
+              <a:rPr lang="en-US" altLang="ja-JP" dirty="0" smtClean="0"/>
+              <a:t>                    = </a:t>
+            </a:r>
+            <a:r>
+              <a:rPr lang="en-US" altLang="ja-JP" dirty="0" smtClean="0"/>
+              <a:t>min{380, 424}</a:t>
+            </a:r>
+            <a:endParaRPr lang="en-US" altLang="ja-JP" dirty="0" smtClean="0"/>
+          </a:p>
+          <a:p>
+            <a:pPr marL="0" lvl="1"/>
+            <a:r>
+              <a:rPr lang="en-US" altLang="ja-JP" dirty="0"/>
+              <a:t> </a:t>
+            </a:r>
+            <a:r>
+              <a:rPr lang="en-US" altLang="ja-JP" dirty="0" smtClean="0"/>
+              <a:t>                   = </a:t>
+            </a:r>
+            <a:r>
+              <a:rPr lang="en-US" altLang="ja-JP" dirty="0" smtClean="0"/>
+              <a:t>380</a:t>
+            </a:r>
+            <a:endParaRPr lang="en-US" altLang="ja-JP" dirty="0" smtClean="0"/>
+          </a:p>
+          <a:p>
+            <a:pPr marL="0" lvl="1"/>
+            <a:endParaRPr lang="en-US" altLang="ja-JP" dirty="0" smtClean="0"/>
+          </a:p>
+          <a:p>
+            <a:pPr marL="0" lvl="1"/>
+            <a:r>
+              <a:rPr lang="ja-JP" altLang="en-US" dirty="0" smtClean="0"/>
+              <a:t>マップ幅 </a:t>
+            </a:r>
+            <a:r>
+              <a:rPr lang="en-US" altLang="ja-JP" dirty="0" smtClean="0"/>
+              <a:t>= </a:t>
+            </a:r>
+            <a:r>
+              <a:rPr lang="en-US" altLang="ja-JP" dirty="0" smtClean="0"/>
+              <a:t>380 </a:t>
+            </a:r>
+            <a:r>
+              <a:rPr lang="en-US" altLang="ja-JP" dirty="0" smtClean="0"/>
+              <a:t>* 3 / 4 = </a:t>
+            </a:r>
+            <a:r>
+              <a:rPr lang="en-US" altLang="ja-JP" dirty="0" smtClean="0"/>
+              <a:t>285</a:t>
+            </a:r>
+            <a:endParaRPr lang="en-US" altLang="ja-JP" dirty="0"/>
+          </a:p>
+        </p:txBody>
+      </p:sp>
+      <p:sp>
+        <p:nvSpPr>
+          <p:cNvPr id="29" name="正方形/長方形 28"/>
+          <p:cNvSpPr/>
+          <p:nvPr/>
+        </p:nvSpPr>
+        <p:spPr>
+          <a:xfrm>
+            <a:off x="971600" y="4581128"/>
+            <a:ext cx="3384376" cy="1296144"/>
           </a:xfrm>
           <a:prstGeom prst="rect">
             <a:avLst/>
           </a:prstGeom>
           <a:solidFill>
-            <a:schemeClr val="accent3">
-              <a:lumMod val="40000"/>
-              <a:lumOff val="60000"/>
-            </a:schemeClr>
+            <a:srgbClr val="E46C0A">
+              <a:alpha val="49020"/>
+            </a:srgbClr>
           </a:solidFill>
         </p:spPr>
         <p:style>
@@ -5984,12 +7420,36 @@
           <a:p>
             <a:pPr algn="ctr"/>
             <a:r>
+              <a:rPr kumimoji="1" lang="ja-JP" altLang="en-US" dirty="0" smtClean="0">
+                <a:solidFill>
+                  <a:schemeClr val="tx1"/>
+                </a:solidFill>
+              </a:rPr>
+              <a:t>基本情報表示ウインドウ</a:t>
+            </a:r>
+            <a:endParaRPr kumimoji="1" lang="en-US" altLang="ja-JP" dirty="0" smtClean="0">
+              <a:solidFill>
+                <a:schemeClr val="tx1"/>
+              </a:solidFill>
+            </a:endParaRPr>
+          </a:p>
+          <a:p>
+            <a:pPr algn="ctr"/>
+            <a:r>
               <a:rPr kumimoji="1" lang="en-US" altLang="ja-JP" dirty="0" smtClean="0">
                 <a:solidFill>
                   <a:schemeClr val="tx1"/>
                 </a:solidFill>
               </a:rPr>
-              <a:t>600x800</a:t>
+              <a:t>100</a:t>
+            </a:r>
+            <a:r>
+              <a:rPr lang="en-US" altLang="ja-JP" dirty="0" smtClean="0">
+                <a:solidFill>
+                  <a:schemeClr val="tx1"/>
+                </a:solidFill>
+              </a:rPr>
+              <a:t>px</a:t>
             </a:r>
             <a:endParaRPr kumimoji="1" lang="ja-JP" altLang="en-US" dirty="0">
               <a:solidFill>
@@ -6001,23 +7461,18 @@
       </p:sp>
       <p:sp>
         <p:nvSpPr>
-          <p:cNvPr id="7" name="正方形/長方形 6"/>
+          <p:cNvPr id="18" name="正方形/長方形 17"/>
           <p:cNvSpPr/>
           <p:nvPr/>
         </p:nvSpPr>
         <p:spPr>
           <a:xfrm>
-            <a:off x="1088584" y="5373216"/>
-            <a:ext cx="3384376" cy="720080"/>
+            <a:off x="971600" y="1772816"/>
+            <a:ext cx="3384376" cy="576064"/>
           </a:xfrm>
           <a:prstGeom prst="rect">
             <a:avLst/>
           </a:prstGeom>
-          <a:solidFill>
-            <a:srgbClr val="E46C0A">
-              <a:alpha val="47843"/>
-            </a:srgbClr>
-          </a:solidFill>
         </p:spPr>
         <p:style>
           <a:lnRef idx="2">
@@ -6042,387 +7497,24 @@
             <a:pPr algn="ctr"/>
             <a:r>
               <a:rPr lang="ja-JP" altLang="en-US" dirty="0"/>
-              <a:t>基本</a:t>
+              <a:t>検索</a:t>
             </a:r>
             <a:r>
               <a:rPr lang="ja-JP" altLang="en-US" dirty="0" smtClean="0"/>
-              <a:t>情報表示ウインドウ </a:t>
+              <a:t>バー </a:t>
             </a:r>
             <a:r>
               <a:rPr lang="en-US" altLang="ja-JP" dirty="0" smtClean="0"/>
-              <a:t>100px</a:t>
+              <a:t>32px</a:t>
             </a:r>
             <a:endParaRPr kumimoji="1" lang="ja-JP" altLang="en-US" dirty="0"/>
           </a:p>
         </p:txBody>
       </p:sp>
-      <p:cxnSp>
-        <p:nvCxnSpPr>
-          <p:cNvPr id="12" name="直線矢印コネクタ 11"/>
-          <p:cNvCxnSpPr/>
-          <p:nvPr/>
-        </p:nvCxnSpPr>
-        <p:spPr>
-          <a:xfrm>
-            <a:off x="899592" y="1412776"/>
-            <a:ext cx="0" cy="5256584"/>
-          </a:xfrm>
-          <a:prstGeom prst="straightConnector1">
-            <a:avLst/>
-          </a:prstGeom>
-          <a:ln w="57150">
-            <a:solidFill>
-              <a:srgbClr val="FFC000"/>
-            </a:solidFill>
-            <a:headEnd type="arrow" w="med" len="med"/>
-            <a:tailEnd type="arrow" w="med" len="med"/>
-          </a:ln>
-        </p:spPr>
-        <p:style>
-          <a:lnRef idx="1">
-            <a:schemeClr val="accent1"/>
-          </a:lnRef>
-          <a:fillRef idx="0">
-            <a:schemeClr val="accent1"/>
-          </a:fillRef>
-          <a:effectRef idx="0">
-            <a:schemeClr val="accent1"/>
-          </a:effectRef>
-          <a:fontRef idx="minor">
-            <a:schemeClr val="tx1"/>
-          </a:fontRef>
-        </p:style>
-      </p:cxnSp>
-      <p:sp>
-        <p:nvSpPr>
-          <p:cNvPr id="14" name="テキスト ボックス 13"/>
-          <p:cNvSpPr txBox="1"/>
-          <p:nvPr/>
-        </p:nvSpPr>
-        <p:spPr>
-          <a:xfrm>
-            <a:off x="35496" y="3784394"/>
-            <a:ext cx="805220" cy="369332"/>
-          </a:xfrm>
-          <a:prstGeom prst="rect">
-            <a:avLst/>
-          </a:prstGeom>
-          <a:noFill/>
-        </p:spPr>
-        <p:txBody>
-          <a:bodyPr wrap="none" rtlCol="0">
-            <a:spAutoFit/>
-          </a:bodyPr>
-          <a:lstStyle/>
-          <a:p>
-            <a:r>
-              <a:rPr kumimoji="1" lang="en-US" altLang="ja-JP" dirty="0" smtClean="0"/>
-              <a:t>960 </a:t>
-            </a:r>
-            <a:r>
-              <a:rPr kumimoji="1" lang="en-US" altLang="ja-JP" dirty="0" err="1" smtClean="0"/>
-              <a:t>px</a:t>
-            </a:r>
-            <a:endParaRPr kumimoji="1" lang="ja-JP" altLang="en-US" dirty="0"/>
-          </a:p>
-        </p:txBody>
-      </p:sp>
-      <p:sp>
-        <p:nvSpPr>
-          <p:cNvPr id="16" name="タイトル 15"/>
-          <p:cNvSpPr>
-            <a:spLocks noGrp="1"/>
-          </p:cNvSpPr>
-          <p:nvPr>
-            <p:ph type="title"/>
-          </p:nvPr>
-        </p:nvSpPr>
-        <p:spPr>
-          <a:xfrm>
-            <a:off x="124201" y="260648"/>
-            <a:ext cx="8336231" cy="346050"/>
-          </a:xfrm>
-        </p:spPr>
-        <p:txBody>
-          <a:bodyPr>
-            <a:noAutofit/>
-          </a:bodyPr>
-          <a:lstStyle/>
-          <a:p>
-            <a:pPr algn="l"/>
-            <a:r>
-              <a:rPr kumimoji="1" lang="ja-JP" altLang="en-US" sz="3200" dirty="0" smtClean="0">
-                <a:latin typeface="メイリオ" panose="020B0604030504040204" pitchFamily="50" charset="-128"/>
-                <a:ea typeface="メイリオ" panose="020B0604030504040204" pitchFamily="50" charset="-128"/>
-                <a:cs typeface="メイリオ" panose="020B0604030504040204" pitchFamily="50" charset="-128"/>
-              </a:rPr>
-              <a:t>例①　</a:t>
-            </a:r>
-            <a:r>
-              <a:rPr kumimoji="1" lang="en-US" altLang="ja-JP" sz="3200" dirty="0" smtClean="0">
-                <a:latin typeface="メイリオ" panose="020B0604030504040204" pitchFamily="50" charset="-128"/>
-                <a:ea typeface="メイリオ" panose="020B0604030504040204" pitchFamily="50" charset="-128"/>
-                <a:cs typeface="メイリオ" panose="020B0604030504040204" pitchFamily="50" charset="-128"/>
-              </a:rPr>
-              <a:t>nexus 7 (16:10) </a:t>
-            </a:r>
-            <a:endParaRPr kumimoji="1" lang="ja-JP" altLang="en-US" sz="3200" dirty="0">
-              <a:latin typeface="メイリオ" panose="020B0604030504040204" pitchFamily="50" charset="-128"/>
-              <a:ea typeface="メイリオ" panose="020B0604030504040204" pitchFamily="50" charset="-128"/>
-              <a:cs typeface="メイリオ" panose="020B0604030504040204" pitchFamily="50" charset="-128"/>
-            </a:endParaRPr>
-          </a:p>
-        </p:txBody>
-      </p:sp>
-      <p:sp>
-        <p:nvSpPr>
-          <p:cNvPr id="17" name="テキスト ボックス 16"/>
-          <p:cNvSpPr txBox="1"/>
-          <p:nvPr/>
-        </p:nvSpPr>
-        <p:spPr>
-          <a:xfrm>
-            <a:off x="5142910" y="2132856"/>
-            <a:ext cx="3438955" cy="646331"/>
-          </a:xfrm>
-          <a:prstGeom prst="rect">
-            <a:avLst/>
-          </a:prstGeom>
-          <a:noFill/>
-        </p:spPr>
-        <p:txBody>
-          <a:bodyPr wrap="none" rtlCol="0">
-            <a:spAutoFit/>
-          </a:bodyPr>
-          <a:lstStyle/>
-          <a:p>
-            <a:r>
-              <a:rPr lang="ja-JP" altLang="en-US" dirty="0"/>
-              <a:t>検索</a:t>
-            </a:r>
-            <a:r>
-              <a:rPr lang="ja-JP" altLang="en-US" dirty="0" smtClean="0"/>
-              <a:t>バー</a:t>
-            </a:r>
-            <a:r>
-              <a:rPr lang="ja-JP" altLang="en-US" dirty="0"/>
-              <a:t>の</a:t>
-            </a:r>
-            <a:r>
-              <a:rPr lang="ja-JP" altLang="en-US" dirty="0" smtClean="0"/>
-              <a:t>高さを </a:t>
-            </a:r>
-            <a:r>
-              <a:rPr lang="en-US" altLang="ja-JP" dirty="0" smtClean="0"/>
-              <a:t>α = 55px </a:t>
-            </a:r>
-            <a:r>
-              <a:rPr lang="ja-JP" altLang="en-US" dirty="0" smtClean="0"/>
-              <a:t>とする</a:t>
-            </a:r>
-            <a:endParaRPr lang="en-US" altLang="ja-JP" dirty="0" smtClean="0"/>
-          </a:p>
-          <a:p>
-            <a:r>
-              <a:rPr lang="ja-JP" altLang="en-US" dirty="0" smtClean="0"/>
-              <a:t>タブバーの高さを </a:t>
-            </a:r>
-            <a:r>
-              <a:rPr lang="en-US" altLang="ja-JP" dirty="0" smtClean="0"/>
-              <a:t>β = 100px</a:t>
-            </a:r>
-            <a:r>
-              <a:rPr lang="ja-JP" altLang="en-US" dirty="0" smtClean="0"/>
-              <a:t>とする</a:t>
-            </a:r>
-            <a:endParaRPr kumimoji="1" lang="ja-JP" altLang="en-US" dirty="0"/>
-          </a:p>
-        </p:txBody>
-      </p:sp>
-      <p:sp>
-        <p:nvSpPr>
-          <p:cNvPr id="13" name="正方形/長方形 12"/>
-          <p:cNvSpPr/>
-          <p:nvPr/>
-        </p:nvSpPr>
-        <p:spPr>
-          <a:xfrm>
-            <a:off x="1088584" y="6093296"/>
-            <a:ext cx="3384376" cy="576064"/>
-          </a:xfrm>
-          <a:prstGeom prst="rect">
-            <a:avLst/>
-          </a:prstGeom>
-        </p:spPr>
-        <p:style>
-          <a:lnRef idx="2">
-            <a:schemeClr val="dk1">
-              <a:shade val="50000"/>
-            </a:schemeClr>
-          </a:lnRef>
-          <a:fillRef idx="1">
-            <a:schemeClr val="dk1"/>
-          </a:fillRef>
-          <a:effectRef idx="0">
-            <a:schemeClr val="dk1"/>
-          </a:effectRef>
-          <a:fontRef idx="minor">
-            <a:schemeClr val="lt1"/>
-          </a:fontRef>
-        </p:style>
-        <p:txBody>
-          <a:bodyPr rtlCol="0" anchor="ctr"/>
-          <a:lstStyle/>
-          <a:p>
-            <a:pPr algn="ctr"/>
-            <a:r>
-              <a:rPr lang="ja-JP" altLang="en-US" dirty="0" smtClean="0">
-                <a:solidFill>
-                  <a:schemeClr val="bg1"/>
-                </a:solidFill>
-              </a:rPr>
-              <a:t>タブバー </a:t>
-            </a:r>
-            <a:r>
-              <a:rPr lang="en-US" altLang="ja-JP" dirty="0" smtClean="0">
-                <a:solidFill>
-                  <a:schemeClr val="bg1"/>
-                </a:solidFill>
-              </a:rPr>
-              <a:t>100px</a:t>
-            </a:r>
-            <a:r>
-              <a:rPr lang="ja-JP" altLang="en-US" dirty="0" smtClean="0">
-                <a:solidFill>
-                  <a:schemeClr val="bg1"/>
-                </a:solidFill>
-              </a:rPr>
-              <a:t>  </a:t>
-            </a:r>
-            <a:endParaRPr kumimoji="1" lang="ja-JP" altLang="en-US" dirty="0">
-              <a:solidFill>
-                <a:schemeClr val="bg1"/>
-              </a:solidFill>
-            </a:endParaRPr>
-          </a:p>
-        </p:txBody>
-      </p:sp>
-      <p:sp>
-        <p:nvSpPr>
-          <p:cNvPr id="8" name="テキスト ボックス 7"/>
-          <p:cNvSpPr txBox="1"/>
-          <p:nvPr/>
-        </p:nvSpPr>
-        <p:spPr>
-          <a:xfrm>
-            <a:off x="4638854" y="3283243"/>
-            <a:ext cx="4028667" cy="1754326"/>
-          </a:xfrm>
-          <a:prstGeom prst="rect">
-            <a:avLst/>
-          </a:prstGeom>
-          <a:noFill/>
-        </p:spPr>
-        <p:txBody>
-          <a:bodyPr wrap="none" rtlCol="0">
-            <a:spAutoFit/>
-          </a:bodyPr>
-          <a:lstStyle/>
-          <a:p>
-            <a:pPr marL="0" lvl="1"/>
-            <a:r>
-              <a:rPr lang="ja-JP" altLang="en-US" dirty="0" smtClean="0"/>
-              <a:t>マップ高さ </a:t>
-            </a:r>
-            <a:r>
-              <a:rPr lang="en-US" altLang="ja-JP" dirty="0" smtClean="0"/>
-              <a:t>= min{floor((960 – 155)/4)*4, </a:t>
-            </a:r>
-            <a:br>
-              <a:rPr lang="en-US" altLang="ja-JP" dirty="0" smtClean="0"/>
-            </a:br>
-            <a:r>
-              <a:rPr lang="en-US" altLang="ja-JP" dirty="0" smtClean="0"/>
-              <a:t>                               floor(600/6)*8}</a:t>
-            </a:r>
-            <a:br>
-              <a:rPr lang="en-US" altLang="ja-JP" dirty="0" smtClean="0"/>
-            </a:br>
-            <a:r>
-              <a:rPr lang="en-US" altLang="ja-JP" dirty="0" smtClean="0"/>
-              <a:t>                    = min{804, 800}</a:t>
-            </a:r>
-          </a:p>
-          <a:p>
-            <a:pPr marL="0" lvl="1"/>
-            <a:r>
-              <a:rPr lang="en-US" altLang="ja-JP" dirty="0"/>
-              <a:t> </a:t>
-            </a:r>
-            <a:r>
-              <a:rPr lang="en-US" altLang="ja-JP" dirty="0" smtClean="0"/>
-              <a:t>                   = 800</a:t>
-            </a:r>
-          </a:p>
-          <a:p>
-            <a:pPr marL="0" lvl="1"/>
-            <a:endParaRPr lang="en-US" altLang="ja-JP" dirty="0"/>
-          </a:p>
-          <a:p>
-            <a:pPr marL="0" lvl="1"/>
-            <a:r>
-              <a:rPr lang="ja-JP" altLang="en-US" dirty="0" smtClean="0"/>
-              <a:t>マップ幅 </a:t>
-            </a:r>
-            <a:r>
-              <a:rPr lang="en-US" altLang="ja-JP" dirty="0" smtClean="0"/>
-              <a:t>= 800 * 3 / 4 = 600</a:t>
-            </a:r>
-            <a:endParaRPr lang="en-US" altLang="ja-JP" dirty="0"/>
-          </a:p>
-        </p:txBody>
-      </p:sp>
-      <p:cxnSp>
-        <p:nvCxnSpPr>
-          <p:cNvPr id="18" name="直線矢印コネクタ 17"/>
-          <p:cNvCxnSpPr/>
-          <p:nvPr/>
-        </p:nvCxnSpPr>
-        <p:spPr>
-          <a:xfrm flipH="1">
-            <a:off x="1043608" y="1300161"/>
-            <a:ext cx="3384376" cy="0"/>
-          </a:xfrm>
-          <a:prstGeom prst="straightConnector1">
-            <a:avLst/>
-          </a:prstGeom>
-          <a:ln w="57150">
-            <a:solidFill>
-              <a:srgbClr val="FFC000"/>
-            </a:solidFill>
-            <a:headEnd type="arrow" w="med" len="med"/>
-            <a:tailEnd type="arrow" w="med" len="med"/>
-          </a:ln>
-        </p:spPr>
-        <p:style>
-          <a:lnRef idx="1">
-            <a:schemeClr val="accent1"/>
-          </a:lnRef>
-          <a:fillRef idx="0">
-            <a:schemeClr val="accent1"/>
-          </a:fillRef>
-          <a:effectRef idx="0">
-            <a:schemeClr val="accent1"/>
-          </a:effectRef>
-          <a:fontRef idx="minor">
-            <a:schemeClr val="tx1"/>
-          </a:fontRef>
-        </p:style>
-      </p:cxnSp>
     </p:spTree>
     <p:extLst>
       <p:ext uri="{BB962C8B-B14F-4D97-AF65-F5344CB8AC3E}">
-        <p14:creationId xmlns:p14="http://schemas.microsoft.com/office/powerpoint/2010/main" val="1365854936"/>
+        <p14:creationId xmlns:p14="http://schemas.microsoft.com/office/powerpoint/2010/main" val="1781221394"/>
       </p:ext>
     </p:extLst>
   </p:cSld>
@@ -6451,14 +7543,99 @@
       </p:grpSpPr>
       <p:sp>
         <p:nvSpPr>
-          <p:cNvPr id="6" name="正方形/長方形 5"/>
+          <p:cNvPr id="16" name="タイトル 15"/>
+          <p:cNvSpPr>
+            <a:spLocks noGrp="1"/>
+          </p:cNvSpPr>
+          <p:nvPr>
+            <p:ph type="title"/>
+          </p:nvPr>
+        </p:nvSpPr>
+        <p:spPr>
+          <a:xfrm>
+            <a:off x="52193" y="202630"/>
+            <a:ext cx="6247999" cy="346050"/>
+          </a:xfrm>
+        </p:spPr>
+        <p:txBody>
+          <a:bodyPr>
+            <a:noAutofit/>
+          </a:bodyPr>
+          <a:lstStyle/>
+          <a:p>
+            <a:pPr algn="l"/>
+            <a:r>
+              <a:rPr lang="en-US" altLang="ja-JP" sz="3200" dirty="0" smtClean="0">
+                <a:latin typeface="メイリオ" panose="020B0604030504040204" pitchFamily="50" charset="-128"/>
+                <a:ea typeface="メイリオ" panose="020B0604030504040204" pitchFamily="50" charset="-128"/>
+                <a:cs typeface="メイリオ" panose="020B0604030504040204" pitchFamily="50" charset="-128"/>
+              </a:rPr>
+              <a:t>iPhone </a:t>
+            </a:r>
+            <a:r>
+              <a:rPr lang="en-US" altLang="ja-JP" sz="3200" dirty="0" smtClean="0">
+                <a:latin typeface="メイリオ" panose="020B0604030504040204" pitchFamily="50" charset="-128"/>
+                <a:ea typeface="メイリオ" panose="020B0604030504040204" pitchFamily="50" charset="-128"/>
+                <a:cs typeface="メイリオ" panose="020B0604030504040204" pitchFamily="50" charset="-128"/>
+              </a:rPr>
+              <a:t>5 (16:9)</a:t>
+            </a:r>
+            <a:endParaRPr kumimoji="1" lang="ja-JP" altLang="en-US" sz="3200" dirty="0">
+              <a:latin typeface="メイリオ" panose="020B0604030504040204" pitchFamily="50" charset="-128"/>
+              <a:ea typeface="メイリオ" panose="020B0604030504040204" pitchFamily="50" charset="-128"/>
+              <a:cs typeface="メイリオ" panose="020B0604030504040204" pitchFamily="50" charset="-128"/>
+            </a:endParaRPr>
+          </a:p>
+        </p:txBody>
+      </p:sp>
+      <p:sp>
+        <p:nvSpPr>
+          <p:cNvPr id="12" name="正方形/長方形 11"/>
           <p:cNvSpPr/>
           <p:nvPr/>
         </p:nvSpPr>
         <p:spPr>
           <a:xfrm>
-            <a:off x="1313194" y="2388976"/>
-            <a:ext cx="2892841" cy="3287930"/>
+            <a:off x="1304608" y="1268760"/>
+            <a:ext cx="3384376" cy="5256584"/>
+          </a:xfrm>
+          <a:prstGeom prst="rect">
+            <a:avLst/>
+          </a:prstGeom>
+        </p:spPr>
+        <p:style>
+          <a:lnRef idx="2">
+            <a:schemeClr val="accent1"/>
+          </a:lnRef>
+          <a:fillRef idx="1">
+            <a:schemeClr val="lt1"/>
+          </a:fillRef>
+          <a:effectRef idx="0">
+            <a:schemeClr val="accent1"/>
+          </a:effectRef>
+          <a:fontRef idx="minor">
+            <a:schemeClr val="dk1"/>
+          </a:fontRef>
+        </p:style>
+        <p:txBody>
+          <a:bodyPr rtlCol="0" anchor="ctr"/>
+          <a:lstStyle/>
+          <a:p>
+            <a:pPr algn="ctr"/>
+            <a:endParaRPr kumimoji="1" lang="ja-JP" altLang="en-US"/>
+          </a:p>
+        </p:txBody>
+      </p:sp>
+      <p:sp>
+        <p:nvSpPr>
+          <p:cNvPr id="18" name="正方形/長方形 17"/>
+          <p:cNvSpPr/>
+          <p:nvPr/>
+        </p:nvSpPr>
+        <p:spPr>
+          <a:xfrm>
+            <a:off x="1403648" y="1844824"/>
+            <a:ext cx="3178084" cy="3454007"/>
           </a:xfrm>
           <a:prstGeom prst="rect">
             <a:avLst/>
@@ -6492,12 +7669,12 @@
           <a:p>
             <a:pPr algn="ctr"/>
             <a:r>
-              <a:rPr lang="en-US" altLang="ja-JP" dirty="0" smtClean="0">
+              <a:rPr kumimoji="1" lang="en-US" altLang="ja-JP" dirty="0" smtClean="0">
                 <a:solidFill>
                   <a:schemeClr val="tx1"/>
                 </a:solidFill>
               </a:rPr>
-              <a:t>(824x618)</a:t>
+              <a:t>424 * 318</a:t>
             </a:r>
             <a:endParaRPr kumimoji="1" lang="ja-JP" altLang="en-US" dirty="0">
               <a:solidFill>
@@ -6509,21 +7686,144 @@
       </p:sp>
       <p:sp>
         <p:nvSpPr>
-          <p:cNvPr id="7" name="正方形/長方形 6"/>
+          <p:cNvPr id="20" name="正方形/長方形 19"/>
           <p:cNvSpPr/>
           <p:nvPr/>
         </p:nvSpPr>
         <p:spPr>
           <a:xfrm>
-            <a:off x="1078036" y="4956826"/>
-            <a:ext cx="3354490" cy="720080"/>
+            <a:off x="1304608" y="5805264"/>
+            <a:ext cx="3384376" cy="720080"/>
+          </a:xfrm>
+          <a:prstGeom prst="rect">
+            <a:avLst/>
+          </a:prstGeom>
+        </p:spPr>
+        <p:style>
+          <a:lnRef idx="2">
+            <a:schemeClr val="dk1">
+              <a:shade val="50000"/>
+            </a:schemeClr>
+          </a:lnRef>
+          <a:fillRef idx="1">
+            <a:schemeClr val="dk1"/>
+          </a:fillRef>
+          <a:effectRef idx="0">
+            <a:schemeClr val="dk1"/>
+          </a:effectRef>
+          <a:fontRef idx="minor">
+            <a:schemeClr val="lt1"/>
+          </a:fontRef>
+        </p:style>
+        <p:txBody>
+          <a:bodyPr rtlCol="0" anchor="ctr"/>
+          <a:lstStyle/>
+          <a:p>
+            <a:pPr algn="ctr"/>
+            <a:r>
+              <a:rPr lang="ja-JP" altLang="en-US" dirty="0" smtClean="0"/>
+              <a:t>タブバー </a:t>
+            </a:r>
+            <a:r>
+              <a:rPr lang="en-US" altLang="ja-JP" dirty="0" smtClean="0"/>
+              <a:t>48 </a:t>
+            </a:r>
+            <a:r>
+              <a:rPr lang="en-US" altLang="ja-JP" dirty="0" err="1" smtClean="0"/>
+              <a:t>px</a:t>
+            </a:r>
+            <a:endParaRPr kumimoji="1" lang="ja-JP" altLang="en-US" dirty="0"/>
+          </a:p>
+        </p:txBody>
+      </p:sp>
+      <p:cxnSp>
+        <p:nvCxnSpPr>
+          <p:cNvPr id="23" name="直線矢印コネクタ 22"/>
+          <p:cNvCxnSpPr/>
+          <p:nvPr/>
+        </p:nvCxnSpPr>
+        <p:spPr>
+          <a:xfrm>
+            <a:off x="1115616" y="1268760"/>
+            <a:ext cx="0" cy="5256584"/>
+          </a:xfrm>
+          <a:prstGeom prst="straightConnector1">
+            <a:avLst/>
+          </a:prstGeom>
+          <a:ln w="57150">
+            <a:solidFill>
+              <a:srgbClr val="FF0000"/>
+            </a:solidFill>
+            <a:headEnd type="arrow" w="med" len="med"/>
+            <a:tailEnd type="arrow" w="med" len="med"/>
+          </a:ln>
+        </p:spPr>
+        <p:style>
+          <a:lnRef idx="1">
+            <a:schemeClr val="accent1"/>
+          </a:lnRef>
+          <a:fillRef idx="0">
+            <a:schemeClr val="accent1"/>
+          </a:fillRef>
+          <a:effectRef idx="0">
+            <a:schemeClr val="accent1"/>
+          </a:effectRef>
+          <a:fontRef idx="minor">
+            <a:schemeClr val="tx1"/>
+          </a:fontRef>
+        </p:style>
+      </p:cxnSp>
+      <p:sp>
+        <p:nvSpPr>
+          <p:cNvPr id="24" name="テキスト ボックス 23"/>
+          <p:cNvSpPr txBox="1"/>
+          <p:nvPr/>
+        </p:nvSpPr>
+        <p:spPr>
+          <a:xfrm>
+            <a:off x="251520" y="3640378"/>
+            <a:ext cx="805220" cy="369332"/>
+          </a:xfrm>
+          <a:prstGeom prst="rect">
+            <a:avLst/>
+          </a:prstGeom>
+          <a:noFill/>
+        </p:spPr>
+        <p:txBody>
+          <a:bodyPr wrap="none" rtlCol="0">
+            <a:spAutoFit/>
+          </a:bodyPr>
+          <a:lstStyle/>
+          <a:p>
+            <a:r>
+              <a:rPr kumimoji="1" lang="en-US" altLang="ja-JP" dirty="0" smtClean="0"/>
+              <a:t>568 </a:t>
+            </a:r>
+            <a:r>
+              <a:rPr kumimoji="1" lang="en-US" altLang="ja-JP" dirty="0" err="1" smtClean="0"/>
+              <a:t>px</a:t>
+            </a:r>
+            <a:endParaRPr kumimoji="1" lang="ja-JP" altLang="en-US" dirty="0"/>
+          </a:p>
+        </p:txBody>
+      </p:sp>
+      <p:sp>
+        <p:nvSpPr>
+          <p:cNvPr id="27" name="正方形/長方形 26"/>
+          <p:cNvSpPr/>
+          <p:nvPr/>
+        </p:nvSpPr>
+        <p:spPr>
+          <a:xfrm>
+            <a:off x="1304608" y="4509120"/>
+            <a:ext cx="3384376" cy="1296144"/>
           </a:xfrm>
           <a:prstGeom prst="rect">
             <a:avLst/>
           </a:prstGeom>
           <a:solidFill>
             <a:srgbClr val="E46C0A">
-              <a:alpha val="52941"/>
+              <a:alpha val="49020"/>
             </a:srgbClr>
           </a:solidFill>
         </p:spPr>
@@ -6549,22 +7849,14 @@
           <a:p>
             <a:pPr algn="ctr"/>
             <a:r>
-              <a:rPr lang="ja-JP" altLang="en-US" dirty="0">
+              <a:rPr kumimoji="1" lang="ja-JP" altLang="en-US" dirty="0" smtClean="0">
                 <a:solidFill>
                   <a:schemeClr val="tx1"/>
                 </a:solidFill>
               </a:rPr>
-              <a:t>基本情報</a:t>
-            </a:r>
-            <a:r>
-              <a:rPr lang="ja-JP" altLang="en-US" dirty="0" smtClean="0">
-                <a:solidFill>
-                  <a:schemeClr val="tx1"/>
-                </a:solidFill>
-              </a:rPr>
-              <a:t>表示ウインドウ</a:t>
-            </a:r>
-            <a:endParaRPr lang="en-US" altLang="ja-JP" dirty="0" smtClean="0">
+              <a:t>基本情報表示ウインドウ</a:t>
+            </a:r>
+            <a:endParaRPr kumimoji="1" lang="en-US" altLang="ja-JP" dirty="0" smtClean="0">
               <a:solidFill>
                 <a:schemeClr val="tx1"/>
               </a:solidFill>
@@ -6578,21 +7870,71 @@
                   <a:schemeClr val="tx1"/>
                 </a:solidFill>
               </a:rPr>
-              <a:t>100px</a:t>
-            </a:r>
-          </a:p>
-        </p:txBody>
-      </p:sp>
-      <p:sp>
-        <p:nvSpPr>
-          <p:cNvPr id="14" name="テキスト ボックス 13"/>
+              <a:t>100</a:t>
+            </a:r>
+            <a:r>
+              <a:rPr lang="en-US" altLang="ja-JP" dirty="0" smtClean="0">
+                <a:solidFill>
+                  <a:schemeClr val="tx1"/>
+                </a:solidFill>
+              </a:rPr>
+              <a:t>px</a:t>
+            </a:r>
+            <a:endParaRPr kumimoji="1" lang="ja-JP" altLang="en-US" dirty="0">
+              <a:solidFill>
+                <a:schemeClr val="tx1"/>
+              </a:solidFill>
+            </a:endParaRPr>
+          </a:p>
+        </p:txBody>
+      </p:sp>
+      <p:cxnSp>
+        <p:nvCxnSpPr>
+          <p:cNvPr id="15" name="直線矢印コネクタ 14"/>
+          <p:cNvCxnSpPr/>
+          <p:nvPr/>
+        </p:nvCxnSpPr>
+        <p:spPr>
+          <a:xfrm flipH="1">
+            <a:off x="1331640" y="1134983"/>
+            <a:ext cx="3384376" cy="0"/>
+          </a:xfrm>
+          <a:prstGeom prst="straightConnector1">
+            <a:avLst/>
+          </a:prstGeom>
+          <a:ln w="57150">
+            <a:solidFill>
+              <a:srgbClr val="FFC000"/>
+            </a:solidFill>
+            <a:headEnd type="arrow" w="med" len="med"/>
+            <a:tailEnd type="arrow" w="med" len="med"/>
+          </a:ln>
+        </p:spPr>
+        <p:style>
+          <a:lnRef idx="1">
+            <a:schemeClr val="accent1"/>
+          </a:lnRef>
+          <a:fillRef idx="0">
+            <a:schemeClr val="accent1"/>
+          </a:fillRef>
+          <a:effectRef idx="0">
+            <a:schemeClr val="accent1"/>
+          </a:effectRef>
+          <a:fontRef idx="minor">
+            <a:schemeClr val="tx1"/>
+          </a:fontRef>
+        </p:style>
+      </p:cxnSp>
+      <p:sp>
+        <p:nvSpPr>
+          <p:cNvPr id="19" name="テキスト ボックス 18"/>
           <p:cNvSpPr txBox="1"/>
           <p:nvPr/>
         </p:nvSpPr>
         <p:spPr>
           <a:xfrm>
-            <a:off x="22364" y="4169384"/>
-            <a:ext cx="922240" cy="369332"/>
+            <a:off x="2621218" y="764704"/>
+            <a:ext cx="805220" cy="369332"/>
           </a:xfrm>
           <a:prstGeom prst="rect">
             <a:avLst/>
@@ -6606,8 +7948,8 @@
           <a:lstStyle/>
           <a:p>
             <a:r>
-              <a:rPr kumimoji="1" lang="en-US" altLang="ja-JP" dirty="0" smtClean="0"/>
-              <a:t>1024 </a:t>
+              <a:rPr lang="en-US" altLang="ja-JP" dirty="0" smtClean="0"/>
+              <a:t>320 </a:t>
             </a:r>
             <a:r>
               <a:rPr kumimoji="1" lang="en-US" altLang="ja-JP" dirty="0" err="1" smtClean="0"/>
@@ -6619,60 +7961,234 @@
       </p:sp>
       <p:sp>
         <p:nvSpPr>
-          <p:cNvPr id="16" name="タイトル 15"/>
-          <p:cNvSpPr>
-            <a:spLocks noGrp="1"/>
-          </p:cNvSpPr>
-          <p:nvPr>
-            <p:ph type="title"/>
-          </p:nvPr>
+          <p:cNvPr id="28" name="テキスト ボックス 27"/>
+          <p:cNvSpPr txBox="1"/>
+          <p:nvPr/>
         </p:nvSpPr>
         <p:spPr>
           <a:xfrm>
-            <a:off x="52193" y="202630"/>
-            <a:ext cx="6211682" cy="850106"/>
-          </a:xfrm>
-        </p:spPr>
-        <p:txBody>
-          <a:bodyPr>
-            <a:noAutofit/>
+            <a:off x="5036906" y="1322165"/>
+            <a:ext cx="3915046" cy="923330"/>
+          </a:xfrm>
+          <a:prstGeom prst="rect">
+            <a:avLst/>
+          </a:prstGeom>
+          <a:noFill/>
+        </p:spPr>
+        <p:txBody>
+          <a:bodyPr wrap="none" rtlCol="0">
+            <a:spAutoFit/>
           </a:bodyPr>
           <a:lstStyle/>
           <a:p>
-            <a:pPr algn="l"/>
-            <a:r>
-              <a:rPr lang="ja-JP" altLang="en-US" sz="3200" dirty="0" smtClean="0">
-                <a:latin typeface="メイリオ" panose="020B0604030504040204" pitchFamily="50" charset="-128"/>
-                <a:ea typeface="メイリオ" panose="020B0604030504040204" pitchFamily="50" charset="-128"/>
-                <a:cs typeface="メイリオ" panose="020B0604030504040204" pitchFamily="50" charset="-128"/>
-              </a:rPr>
-              <a:t>例② </a:t>
-            </a:r>
-            <a:r>
-              <a:rPr lang="en-US" altLang="ja-JP" sz="3200" dirty="0" smtClean="0">
-                <a:latin typeface="メイリオ" panose="020B0604030504040204" pitchFamily="50" charset="-128"/>
-                <a:ea typeface="メイリオ" panose="020B0604030504040204" pitchFamily="50" charset="-128"/>
-                <a:cs typeface="メイリオ" panose="020B0604030504040204" pitchFamily="50" charset="-128"/>
-              </a:rPr>
-              <a:t>Retina iPad (4:3)</a:t>
-            </a:r>
-            <a:endParaRPr kumimoji="1" lang="ja-JP" altLang="en-US" sz="3200" dirty="0">
-              <a:latin typeface="メイリオ" panose="020B0604030504040204" pitchFamily="50" charset="-128"/>
-              <a:ea typeface="メイリオ" panose="020B0604030504040204" pitchFamily="50" charset="-128"/>
-              <a:cs typeface="メイリオ" panose="020B0604030504040204" pitchFamily="50" charset="-128"/>
-            </a:endParaRPr>
-          </a:p>
-        </p:txBody>
-      </p:sp>
-      <p:sp>
-        <p:nvSpPr>
-          <p:cNvPr id="5" name="正方形/長方形 4"/>
+            <a:r>
+              <a:rPr lang="ja-JP" altLang="en-US" dirty="0"/>
+              <a:t>検索</a:t>
+            </a:r>
+            <a:r>
+              <a:rPr lang="ja-JP" altLang="en-US" dirty="0" smtClean="0"/>
+              <a:t>バー</a:t>
+            </a:r>
+            <a:r>
+              <a:rPr lang="ja-JP" altLang="en-US" dirty="0"/>
+              <a:t>の</a:t>
+            </a:r>
+            <a:r>
+              <a:rPr lang="ja-JP" altLang="en-US" dirty="0" smtClean="0"/>
+              <a:t>高さを </a:t>
+            </a:r>
+            <a:r>
+              <a:rPr lang="en-US" altLang="ja-JP" dirty="0" smtClean="0"/>
+              <a:t>α = </a:t>
+            </a:r>
+            <a:r>
+              <a:rPr lang="en-US" altLang="ja-JP" dirty="0" smtClean="0"/>
+              <a:t>32px </a:t>
+            </a:r>
+            <a:r>
+              <a:rPr lang="ja-JP" altLang="en-US" dirty="0" smtClean="0"/>
+              <a:t>とする</a:t>
+            </a:r>
+            <a:endParaRPr lang="en-US" altLang="ja-JP" dirty="0" smtClean="0"/>
+          </a:p>
+          <a:p>
+            <a:r>
+              <a:rPr lang="ja-JP" altLang="en-US" dirty="0" smtClean="0"/>
+              <a:t>タブバーの高さを </a:t>
+            </a:r>
+            <a:r>
+              <a:rPr lang="en-US" altLang="ja-JP" dirty="0" smtClean="0"/>
+              <a:t>β = </a:t>
+            </a:r>
+            <a:r>
+              <a:rPr lang="en-US" altLang="ja-JP" dirty="0" smtClean="0"/>
+              <a:t>48px</a:t>
+            </a:r>
+            <a:r>
+              <a:rPr lang="ja-JP" altLang="en-US" dirty="0" smtClean="0"/>
+              <a:t>と</a:t>
+            </a:r>
+            <a:r>
+              <a:rPr lang="ja-JP" altLang="en-US" dirty="0" smtClean="0"/>
+              <a:t>する</a:t>
+            </a:r>
+            <a:endParaRPr lang="en-US" altLang="ja-JP" dirty="0" smtClean="0"/>
+          </a:p>
+          <a:p>
+            <a:r>
+              <a:rPr kumimoji="1" lang="ja-JP" altLang="en-US" dirty="0"/>
+              <a:t>ステータスバーの高さ</a:t>
+            </a:r>
+            <a:r>
+              <a:rPr kumimoji="1" lang="ja-JP" altLang="en-US" dirty="0" smtClean="0"/>
+              <a:t>を </a:t>
+            </a:r>
+            <a:r>
+              <a:rPr kumimoji="1" lang="en-US" altLang="ja-JP" dirty="0" smtClean="0"/>
+              <a:t>γ = 20px</a:t>
+            </a:r>
+            <a:r>
+              <a:rPr kumimoji="1" lang="ja-JP" altLang="en-US" dirty="0" smtClean="0"/>
+              <a:t>とする</a:t>
+            </a:r>
+            <a:endParaRPr kumimoji="1" lang="ja-JP" altLang="en-US" dirty="0"/>
+          </a:p>
+        </p:txBody>
+      </p:sp>
+      <p:sp>
+        <p:nvSpPr>
+          <p:cNvPr id="29" name="テキスト ボックス 28"/>
+          <p:cNvSpPr txBox="1"/>
+          <p:nvPr/>
+        </p:nvSpPr>
+        <p:spPr>
+          <a:xfrm>
+            <a:off x="4856511" y="2464258"/>
+            <a:ext cx="3897221" cy="1477328"/>
+          </a:xfrm>
+          <a:prstGeom prst="rect">
+            <a:avLst/>
+          </a:prstGeom>
+          <a:noFill/>
+        </p:spPr>
+        <p:txBody>
+          <a:bodyPr wrap="none" rtlCol="0">
+            <a:spAutoFit/>
+          </a:bodyPr>
+          <a:lstStyle/>
+          <a:p>
+            <a:pPr marL="0" lvl="1"/>
+            <a:r>
+              <a:rPr lang="ja-JP" altLang="en-US" dirty="0" smtClean="0"/>
+              <a:t>マップ高さ </a:t>
+            </a:r>
+            <a:r>
+              <a:rPr lang="en-US" altLang="ja-JP" dirty="0" smtClean="0"/>
+              <a:t>= min{floor</a:t>
+            </a:r>
+            <a:r>
+              <a:rPr lang="en-US" altLang="ja-JP" dirty="0" smtClean="0"/>
+              <a:t>((568-100)/</a:t>
+            </a:r>
+            <a:r>
+              <a:rPr lang="en-US" altLang="ja-JP" dirty="0" smtClean="0"/>
+              <a:t>4)*4},</a:t>
+            </a:r>
+          </a:p>
+          <a:p>
+            <a:pPr marL="0" lvl="1"/>
+            <a:r>
+              <a:rPr lang="en-US" altLang="ja-JP" dirty="0"/>
+              <a:t> </a:t>
+            </a:r>
+            <a:r>
+              <a:rPr lang="en-US" altLang="ja-JP" dirty="0" smtClean="0"/>
+              <a:t>                              </a:t>
+            </a:r>
+            <a:r>
+              <a:rPr lang="en-US" altLang="ja-JP" dirty="0" smtClean="0"/>
+              <a:t>floor(320/6</a:t>
+            </a:r>
+            <a:r>
+              <a:rPr lang="en-US" altLang="ja-JP" dirty="0" smtClean="0"/>
+              <a:t>)*8}</a:t>
+            </a:r>
+            <a:br>
+              <a:rPr lang="en-US" altLang="ja-JP" dirty="0" smtClean="0"/>
+            </a:br>
+            <a:r>
+              <a:rPr lang="en-US" altLang="ja-JP" dirty="0" smtClean="0"/>
+              <a:t>                    = </a:t>
+            </a:r>
+            <a:r>
+              <a:rPr lang="en-US" altLang="ja-JP" dirty="0" smtClean="0"/>
+              <a:t>min{468, 424}</a:t>
+            </a:r>
+            <a:endParaRPr lang="en-US" altLang="ja-JP" dirty="0" smtClean="0"/>
+          </a:p>
+          <a:p>
+            <a:pPr marL="0" lvl="1"/>
+            <a:r>
+              <a:rPr lang="en-US" altLang="ja-JP" dirty="0"/>
+              <a:t> </a:t>
+            </a:r>
+            <a:r>
+              <a:rPr lang="en-US" altLang="ja-JP" dirty="0" smtClean="0"/>
+              <a:t>                   = </a:t>
+            </a:r>
+            <a:r>
+              <a:rPr lang="en-US" altLang="ja-JP" dirty="0" smtClean="0"/>
+              <a:t>424</a:t>
+            </a:r>
+            <a:endParaRPr lang="en-US" altLang="ja-JP" dirty="0" smtClean="0"/>
+          </a:p>
+          <a:p>
+            <a:pPr marL="0" lvl="1"/>
+            <a:r>
+              <a:rPr lang="ja-JP" altLang="en-US" dirty="0" smtClean="0"/>
+              <a:t>マップ幅 </a:t>
+            </a:r>
+            <a:r>
+              <a:rPr lang="en-US" altLang="ja-JP" dirty="0" smtClean="0"/>
+              <a:t>= </a:t>
+            </a:r>
+            <a:r>
+              <a:rPr lang="en-US" altLang="ja-JP" dirty="0" smtClean="0"/>
+              <a:t>424 </a:t>
+            </a:r>
+            <a:r>
+              <a:rPr lang="en-US" altLang="ja-JP" dirty="0" smtClean="0"/>
+              <a:t>* </a:t>
+            </a:r>
+            <a:r>
+              <a:rPr lang="en-US" altLang="ja-JP" dirty="0"/>
+              <a:t>3</a:t>
+            </a:r>
+            <a:r>
+              <a:rPr lang="en-US" altLang="ja-JP" dirty="0" smtClean="0"/>
+              <a:t> </a:t>
+            </a:r>
+            <a:r>
+              <a:rPr lang="en-US" altLang="ja-JP" dirty="0" smtClean="0"/>
+              <a:t>/ 4 = </a:t>
+            </a:r>
+            <a:r>
+              <a:rPr lang="en-US" altLang="ja-JP" dirty="0" smtClean="0"/>
+              <a:t>318</a:t>
+            </a:r>
+            <a:endParaRPr lang="en-US" altLang="ja-JP" dirty="0"/>
+          </a:p>
+        </p:txBody>
+      </p:sp>
+      <p:sp>
+        <p:nvSpPr>
+          <p:cNvPr id="17" name="正方形/長方形 16"/>
           <p:cNvSpPr/>
           <p:nvPr/>
         </p:nvSpPr>
         <p:spPr>
           <a:xfrm>
-            <a:off x="1097170" y="1797766"/>
+            <a:off x="1304608" y="1556792"/>
             <a:ext cx="3384376" cy="576064"/>
           </a:xfrm>
           <a:prstGeom prst="rect">
@@ -6701,419 +8217,25 @@
           <a:p>
             <a:pPr algn="ctr"/>
             <a:r>
-              <a:rPr kumimoji="1" lang="ja-JP" altLang="en-US" dirty="0" smtClean="0"/>
-              <a:t>検索バー</a:t>
-            </a:r>
-            <a:r>
-              <a:rPr kumimoji="1" lang="en-US" altLang="ja-JP" dirty="0" smtClean="0"/>
-              <a:t> 100px</a:t>
-            </a:r>
-            <a:endParaRPr kumimoji="1" lang="ja-JP" altLang="en-US" dirty="0"/>
-          </a:p>
-        </p:txBody>
-      </p:sp>
-      <p:cxnSp>
-        <p:nvCxnSpPr>
-          <p:cNvPr id="13" name="直線矢印コネクタ 12"/>
-          <p:cNvCxnSpPr/>
-          <p:nvPr/>
-        </p:nvCxnSpPr>
-        <p:spPr>
-          <a:xfrm>
-            <a:off x="971600" y="1797766"/>
-            <a:ext cx="0" cy="4351549"/>
-          </a:xfrm>
-          <a:prstGeom prst="straightConnector1">
-            <a:avLst/>
-          </a:prstGeom>
-          <a:ln w="57150">
-            <a:solidFill>
-              <a:srgbClr val="FFC000"/>
-            </a:solidFill>
-            <a:headEnd type="arrow" w="med" len="med"/>
-            <a:tailEnd type="arrow" w="med" len="med"/>
-          </a:ln>
-        </p:spPr>
-        <p:style>
-          <a:lnRef idx="1">
-            <a:schemeClr val="accent1"/>
-          </a:lnRef>
-          <a:fillRef idx="0">
-            <a:schemeClr val="accent1"/>
-          </a:fillRef>
-          <a:effectRef idx="0">
-            <a:schemeClr val="accent1"/>
-          </a:effectRef>
-          <a:fontRef idx="minor">
-            <a:schemeClr val="tx1"/>
-          </a:fontRef>
-        </p:style>
-      </p:cxnSp>
-      <p:sp>
-        <p:nvSpPr>
-          <p:cNvPr id="2" name="テキスト ボックス 1"/>
-          <p:cNvSpPr txBox="1"/>
-          <p:nvPr/>
-        </p:nvSpPr>
-        <p:spPr>
-          <a:xfrm>
-            <a:off x="5843991" y="332655"/>
-            <a:ext cx="3220753" cy="461665"/>
-          </a:xfrm>
-          <a:prstGeom prst="rect">
-            <a:avLst/>
-          </a:prstGeom>
-          <a:noFill/>
-        </p:spPr>
-        <p:txBody>
-          <a:bodyPr wrap="none" rtlCol="0">
-            <a:spAutoFit/>
-          </a:bodyPr>
-          <a:lstStyle/>
-          <a:p>
-            <a:r>
-              <a:rPr kumimoji="1" lang="ja-JP" altLang="en-US" sz="2400" dirty="0" smtClean="0"/>
-              <a:t>例として </a:t>
-            </a:r>
-            <a:r>
-              <a:rPr lang="en-US" altLang="ja-JP" sz="2400" dirty="0" smtClean="0"/>
-              <a:t>1024 x 768 </a:t>
-            </a:r>
-            <a:r>
-              <a:rPr lang="ja-JP" altLang="en-US" sz="2400" dirty="0" smtClean="0"/>
-              <a:t>で。</a:t>
-            </a:r>
-            <a:endParaRPr kumimoji="1" lang="ja-JP" altLang="en-US" sz="2400" dirty="0"/>
-          </a:p>
-        </p:txBody>
-      </p:sp>
-      <p:sp>
-        <p:nvSpPr>
-          <p:cNvPr id="19" name="正方形/長方形 18"/>
-          <p:cNvSpPr/>
-          <p:nvPr/>
-        </p:nvSpPr>
-        <p:spPr>
-          <a:xfrm>
-            <a:off x="1078036" y="2373830"/>
-            <a:ext cx="3384376" cy="3775485"/>
-          </a:xfrm>
-          <a:prstGeom prst="rect">
-            <a:avLst/>
-          </a:prstGeom>
-          <a:noFill/>
-          <a:ln w="38100"/>
-        </p:spPr>
-        <p:style>
-          <a:lnRef idx="2">
-            <a:schemeClr val="accent1"/>
-          </a:lnRef>
-          <a:fillRef idx="1">
-            <a:schemeClr val="lt1"/>
-          </a:fillRef>
-          <a:effectRef idx="0">
-            <a:schemeClr val="accent1"/>
-          </a:effectRef>
-          <a:fontRef idx="minor">
-            <a:schemeClr val="dk1"/>
-          </a:fontRef>
-        </p:style>
-        <p:txBody>
-          <a:bodyPr rtlCol="0" anchor="ctr"/>
-          <a:lstStyle/>
-          <a:p>
-            <a:pPr algn="ctr"/>
-            <a:endParaRPr kumimoji="1" lang="ja-JP" altLang="en-US"/>
-          </a:p>
-        </p:txBody>
-      </p:sp>
-      <p:sp>
-        <p:nvSpPr>
-          <p:cNvPr id="33" name="正方形/長方形 32"/>
-          <p:cNvSpPr/>
-          <p:nvPr/>
-        </p:nvSpPr>
-        <p:spPr>
-          <a:xfrm>
-            <a:off x="1086285" y="5683965"/>
-            <a:ext cx="3384376" cy="481339"/>
-          </a:xfrm>
-          <a:prstGeom prst="rect">
-            <a:avLst/>
-          </a:prstGeom>
-        </p:spPr>
-        <p:style>
-          <a:lnRef idx="2">
-            <a:schemeClr val="dk1">
-              <a:shade val="50000"/>
-            </a:schemeClr>
-          </a:lnRef>
-          <a:fillRef idx="1">
-            <a:schemeClr val="dk1"/>
-          </a:fillRef>
-          <a:effectRef idx="0">
-            <a:schemeClr val="dk1"/>
-          </a:effectRef>
-          <a:fontRef idx="minor">
-            <a:schemeClr val="lt1"/>
-          </a:fontRef>
-        </p:style>
-        <p:txBody>
-          <a:bodyPr rtlCol="0" anchor="ctr"/>
-          <a:lstStyle/>
-          <a:p>
-            <a:pPr algn="ctr"/>
-            <a:r>
-              <a:rPr lang="ja-JP" altLang="en-US" dirty="0" smtClean="0"/>
-              <a:t>タブバー </a:t>
-            </a:r>
-            <a:r>
-              <a:rPr lang="en-US" altLang="ja-JP" dirty="0" smtClean="0"/>
-              <a:t>: 100 </a:t>
-            </a:r>
-            <a:r>
-              <a:rPr lang="en-US" altLang="ja-JP" dirty="0" err="1" smtClean="0"/>
-              <a:t>px</a:t>
-            </a:r>
-            <a:endParaRPr kumimoji="1" lang="ja-JP" altLang="en-US" dirty="0"/>
-          </a:p>
-        </p:txBody>
-      </p:sp>
-      <p:sp>
-        <p:nvSpPr>
-          <p:cNvPr id="20" name="テキスト ボックス 19"/>
-          <p:cNvSpPr txBox="1"/>
-          <p:nvPr/>
-        </p:nvSpPr>
-        <p:spPr>
-          <a:xfrm>
-            <a:off x="4859085" y="1313654"/>
-            <a:ext cx="3555973" cy="646331"/>
-          </a:xfrm>
-          <a:prstGeom prst="rect">
-            <a:avLst/>
-          </a:prstGeom>
-          <a:noFill/>
-        </p:spPr>
-        <p:txBody>
-          <a:bodyPr wrap="none" rtlCol="0">
-            <a:spAutoFit/>
-          </a:bodyPr>
-          <a:lstStyle/>
-          <a:p>
-            <a:r>
               <a:rPr lang="ja-JP" altLang="en-US" dirty="0"/>
               <a:t>検索</a:t>
             </a:r>
             <a:r>
               <a:rPr lang="ja-JP" altLang="en-US" dirty="0" smtClean="0"/>
-              <a:t>バー</a:t>
-            </a:r>
-            <a:r>
-              <a:rPr lang="ja-JP" altLang="en-US" dirty="0"/>
-              <a:t>の</a:t>
-            </a:r>
-            <a:r>
-              <a:rPr lang="ja-JP" altLang="en-US" dirty="0" smtClean="0"/>
-              <a:t>高さを </a:t>
+              <a:t>バー </a:t>
             </a:r>
             <a:r>
               <a:rPr lang="en-US" altLang="ja-JP" dirty="0" smtClean="0"/>
-              <a:t>α = 100px </a:t>
-            </a:r>
-            <a:r>
-              <a:rPr lang="ja-JP" altLang="en-US" dirty="0" smtClean="0"/>
-              <a:t>とする</a:t>
-            </a:r>
-            <a:endParaRPr lang="en-US" altLang="ja-JP" dirty="0" smtClean="0"/>
-          </a:p>
-          <a:p>
-            <a:r>
-              <a:rPr lang="ja-JP" altLang="en-US" dirty="0" smtClean="0"/>
-              <a:t>タブバーの高さを </a:t>
-            </a:r>
-            <a:r>
-              <a:rPr lang="en-US" altLang="ja-JP" dirty="0" smtClean="0"/>
-              <a:t>β = 100px</a:t>
-            </a:r>
-            <a:r>
-              <a:rPr lang="ja-JP" altLang="en-US" dirty="0" smtClean="0"/>
-              <a:t>とする</a:t>
+              <a:t>32px</a:t>
             </a:r>
             <a:endParaRPr kumimoji="1" lang="ja-JP" altLang="en-US" dirty="0"/>
-          </a:p>
-        </p:txBody>
-      </p:sp>
-      <p:cxnSp>
-        <p:nvCxnSpPr>
-          <p:cNvPr id="24" name="直線矢印コネクタ 23"/>
-          <p:cNvCxnSpPr/>
-          <p:nvPr/>
-        </p:nvCxnSpPr>
-        <p:spPr>
-          <a:xfrm flipH="1">
-            <a:off x="1097170" y="1685151"/>
-            <a:ext cx="3384376" cy="0"/>
-          </a:xfrm>
-          <a:prstGeom prst="straightConnector1">
-            <a:avLst/>
-          </a:prstGeom>
-          <a:ln w="57150">
-            <a:solidFill>
-              <a:srgbClr val="FFC000"/>
-            </a:solidFill>
-            <a:headEnd type="arrow" w="med" len="med"/>
-            <a:tailEnd type="arrow" w="med" len="med"/>
-          </a:ln>
-        </p:spPr>
-        <p:style>
-          <a:lnRef idx="1">
-            <a:schemeClr val="accent1"/>
-          </a:lnRef>
-          <a:fillRef idx="0">
-            <a:schemeClr val="accent1"/>
-          </a:fillRef>
-          <a:effectRef idx="0">
-            <a:schemeClr val="accent1"/>
-          </a:effectRef>
-          <a:fontRef idx="minor">
-            <a:schemeClr val="tx1"/>
-          </a:fontRef>
-        </p:style>
-      </p:cxnSp>
-      <p:sp>
-        <p:nvSpPr>
-          <p:cNvPr id="25" name="テキスト ボックス 24"/>
-          <p:cNvSpPr txBox="1"/>
-          <p:nvPr/>
-        </p:nvSpPr>
-        <p:spPr>
-          <a:xfrm>
-            <a:off x="2389753" y="1294258"/>
-            <a:ext cx="805220" cy="369332"/>
-          </a:xfrm>
-          <a:prstGeom prst="rect">
-            <a:avLst/>
-          </a:prstGeom>
-          <a:noFill/>
-        </p:spPr>
-        <p:txBody>
-          <a:bodyPr wrap="none" rtlCol="0">
-            <a:spAutoFit/>
-          </a:bodyPr>
-          <a:lstStyle/>
-          <a:p>
-            <a:r>
-              <a:rPr kumimoji="1" lang="en-US" altLang="ja-JP" dirty="0" smtClean="0"/>
-              <a:t>768 </a:t>
-            </a:r>
-            <a:r>
-              <a:rPr kumimoji="1" lang="en-US" altLang="ja-JP" dirty="0" err="1" smtClean="0"/>
-              <a:t>px</a:t>
-            </a:r>
-            <a:endParaRPr kumimoji="1" lang="ja-JP" altLang="en-US" dirty="0"/>
-          </a:p>
-        </p:txBody>
-      </p:sp>
-      <p:sp>
-        <p:nvSpPr>
-          <p:cNvPr id="26" name="テキスト ボックス 25"/>
-          <p:cNvSpPr txBox="1"/>
-          <p:nvPr/>
-        </p:nvSpPr>
-        <p:spPr>
-          <a:xfrm>
-            <a:off x="4499992" y="2439286"/>
-            <a:ext cx="4410182" cy="1754326"/>
-          </a:xfrm>
-          <a:prstGeom prst="rect">
-            <a:avLst/>
-          </a:prstGeom>
-          <a:noFill/>
-        </p:spPr>
-        <p:txBody>
-          <a:bodyPr wrap="none" rtlCol="0">
-            <a:spAutoFit/>
-          </a:bodyPr>
-          <a:lstStyle/>
-          <a:p>
-            <a:pPr marL="0" lvl="1"/>
-            <a:r>
-              <a:rPr lang="ja-JP" altLang="en-US" dirty="0" smtClean="0"/>
-              <a:t>マップ高さ </a:t>
-            </a:r>
-            <a:r>
-              <a:rPr lang="en-US" altLang="ja-JP" dirty="0" smtClean="0"/>
-              <a:t>= min{ floor((1024</a:t>
-            </a:r>
-            <a:r>
-              <a:rPr lang="ja-JP" altLang="en-US" dirty="0" smtClean="0"/>
-              <a:t> </a:t>
-            </a:r>
-            <a:r>
-              <a:rPr lang="en-US" altLang="ja-JP" dirty="0"/>
-              <a:t>– </a:t>
-            </a:r>
-            <a:r>
-              <a:rPr lang="en-US" altLang="ja-JP" dirty="0" smtClean="0"/>
-              <a:t>200) / </a:t>
-            </a:r>
-            <a:r>
-              <a:rPr lang="en-US" altLang="ja-JP" dirty="0"/>
-              <a:t>4</a:t>
-            </a:r>
-            <a:r>
-              <a:rPr lang="en-US" altLang="ja-JP" dirty="0" smtClean="0"/>
-              <a:t>) * 4, </a:t>
-            </a:r>
-            <a:br>
-              <a:rPr lang="en-US" altLang="ja-JP" dirty="0" smtClean="0"/>
-            </a:br>
-            <a:r>
-              <a:rPr lang="en-US" altLang="ja-JP" dirty="0" smtClean="0"/>
-              <a:t>                               floor(768/6)*8}</a:t>
-            </a:r>
-            <a:br>
-              <a:rPr lang="en-US" altLang="ja-JP" dirty="0" smtClean="0"/>
-            </a:br>
-            <a:r>
-              <a:rPr lang="en-US" altLang="ja-JP" dirty="0" smtClean="0"/>
-              <a:t>                    = min{824, 1024}</a:t>
-            </a:r>
-          </a:p>
-          <a:p>
-            <a:pPr marL="0" lvl="1"/>
-            <a:r>
-              <a:rPr lang="en-US" altLang="ja-JP" dirty="0"/>
-              <a:t> </a:t>
-            </a:r>
-            <a:r>
-              <a:rPr lang="en-US" altLang="ja-JP" dirty="0" smtClean="0"/>
-              <a:t>                   = 824</a:t>
-            </a:r>
-          </a:p>
-          <a:p>
-            <a:pPr marL="0" lvl="1"/>
-            <a:endParaRPr lang="en-US" altLang="ja-JP" dirty="0"/>
-          </a:p>
-          <a:p>
-            <a:pPr marL="0" lvl="1"/>
-            <a:r>
-              <a:rPr lang="ja-JP" altLang="en-US" dirty="0" smtClean="0"/>
-              <a:t>マップ幅 </a:t>
-            </a:r>
-            <a:r>
-              <a:rPr lang="en-US" altLang="ja-JP" dirty="0" smtClean="0"/>
-              <a:t>= 800 * 3 / 4 = 618</a:t>
-            </a:r>
-            <a:endParaRPr lang="en-US" altLang="ja-JP" dirty="0"/>
           </a:p>
         </p:txBody>
       </p:sp>
     </p:spTree>
     <p:extLst>
       <p:ext uri="{BB962C8B-B14F-4D97-AF65-F5344CB8AC3E}">
-        <p14:creationId xmlns:p14="http://schemas.microsoft.com/office/powerpoint/2010/main" val="2523560537"/>
+        <p14:creationId xmlns:p14="http://schemas.microsoft.com/office/powerpoint/2010/main" val="732172312"/>
       </p:ext>
     </p:extLst>
   </p:cSld>
@@ -7153,7 +8275,7 @@
         <p:spPr>
           <a:xfrm>
             <a:off x="52193" y="202630"/>
-            <a:ext cx="5527919" cy="850106"/>
+            <a:ext cx="6247999" cy="346050"/>
           </a:xfrm>
         </p:spPr>
         <p:txBody>
@@ -7164,12 +8286,12 @@
           <a:p>
             <a:pPr algn="l"/>
             <a:r>
-              <a:rPr lang="ja-JP" altLang="en-US" sz="3200" dirty="0" smtClean="0">
+              <a:rPr lang="en-US" altLang="ja-JP" sz="3200" dirty="0" err="1" smtClean="0">
                 <a:latin typeface="メイリオ" panose="020B0604030504040204" pitchFamily="50" charset="-128"/>
                 <a:ea typeface="メイリオ" panose="020B0604030504040204" pitchFamily="50" charset="-128"/>
                 <a:cs typeface="メイリオ" panose="020B0604030504040204" pitchFamily="50" charset="-128"/>
               </a:rPr>
-              <a:t>例③ </a:t>
+              <a:t>Xperia</a:t>
             </a:r>
             <a:r>
               <a:rPr lang="en-US" altLang="ja-JP" sz="3200" dirty="0" smtClean="0">
@@ -7177,7 +8299,15 @@
                 <a:ea typeface="メイリオ" panose="020B0604030504040204" pitchFamily="50" charset="-128"/>
                 <a:cs typeface="メイリオ" panose="020B0604030504040204" pitchFamily="50" charset="-128"/>
               </a:rPr>
-              <a:t>iPhone4 (3:2)</a:t>
+              <a:t> </a:t>
+            </a:r>
+            <a:r>
+              <a:rPr lang="en-US" altLang="ja-JP" sz="3200" dirty="0" smtClean="0">
+                <a:latin typeface="メイリオ" panose="020B0604030504040204" pitchFamily="50" charset="-128"/>
+                <a:ea typeface="メイリオ" panose="020B0604030504040204" pitchFamily="50" charset="-128"/>
+                <a:cs typeface="メイリオ" panose="020B0604030504040204" pitchFamily="50" charset="-128"/>
+              </a:rPr>
+              <a:t>UL SOL22 (16:9)</a:t>
             </a:r>
             <a:endParaRPr kumimoji="1" lang="ja-JP" altLang="en-US" sz="3200" dirty="0">
               <a:latin typeface="メイリオ" panose="020B0604030504040204" pitchFamily="50" charset="-128"/>
@@ -7189,52 +8319,14 @@
       </p:sp>
       <p:sp>
         <p:nvSpPr>
-          <p:cNvPr id="2" name="テキスト ボックス 1"/>
-          <p:cNvSpPr txBox="1"/>
-          <p:nvPr/>
-        </p:nvSpPr>
-        <p:spPr>
-          <a:xfrm>
-            <a:off x="5004048" y="332656"/>
-            <a:ext cx="3065263" cy="461665"/>
-          </a:xfrm>
-          <a:prstGeom prst="rect">
-            <a:avLst/>
-          </a:prstGeom>
-          <a:noFill/>
-        </p:spPr>
-        <p:txBody>
-          <a:bodyPr wrap="none" rtlCol="0">
-            <a:spAutoFit/>
-          </a:bodyPr>
-          <a:lstStyle/>
-          <a:p>
-            <a:r>
-              <a:rPr kumimoji="1" lang="ja-JP" altLang="en-US" sz="2400" dirty="0" smtClean="0"/>
-              <a:t>例として </a:t>
-            </a:r>
-            <a:r>
-              <a:rPr lang="en-US" altLang="ja-JP" sz="2400" dirty="0" smtClean="0"/>
-              <a:t>960 x 640 </a:t>
-            </a:r>
-            <a:r>
-              <a:rPr lang="ja-JP" altLang="en-US" sz="2400" dirty="0" smtClean="0"/>
-              <a:t>で。</a:t>
-            </a:r>
-            <a:endParaRPr kumimoji="1" lang="ja-JP" altLang="en-US" sz="2400" dirty="0"/>
-          </a:p>
-        </p:txBody>
-      </p:sp>
-      <p:sp>
-        <p:nvSpPr>
-          <p:cNvPr id="17" name="正方形/長方形 16"/>
+          <p:cNvPr id="12" name="正方形/長方形 11"/>
           <p:cNvSpPr/>
           <p:nvPr/>
         </p:nvSpPr>
         <p:spPr>
           <a:xfrm>
-            <a:off x="971600" y="1540563"/>
-            <a:ext cx="3384376" cy="5056789"/>
+            <a:off x="1304608" y="1268760"/>
+            <a:ext cx="3384376" cy="5256584"/>
           </a:xfrm>
           <a:prstGeom prst="rect">
             <a:avLst/>
@@ -7271,12 +8363,18 @@
         </p:nvSpPr>
         <p:spPr>
           <a:xfrm>
-            <a:off x="971600" y="1540563"/>
-            <a:ext cx="3384376" cy="576064"/>
+            <a:off x="1304608" y="2060848"/>
+            <a:ext cx="3384376" cy="3384376"/>
           </a:xfrm>
           <a:prstGeom prst="rect">
             <a:avLst/>
           </a:prstGeom>
+          <a:solidFill>
+            <a:schemeClr val="accent3">
+              <a:lumMod val="40000"/>
+              <a:lumOff val="60000"/>
+            </a:schemeClr>
+          </a:solidFill>
         </p:spPr>
         <p:style>
           <a:lnRef idx="2">
@@ -7299,19 +8397,11 @@
           <a:lstStyle/>
           <a:p>
             <a:pPr algn="ctr"/>
-            <a:r>
-              <a:rPr lang="ja-JP" altLang="en-US" dirty="0"/>
-              <a:t>検索</a:t>
-            </a:r>
-            <a:r>
-              <a:rPr lang="ja-JP" altLang="en-US" dirty="0" smtClean="0"/>
-              <a:t>バー </a:t>
-            </a:r>
-            <a:r>
-              <a:rPr lang="en-US" altLang="ja-JP" dirty="0" smtClean="0"/>
-              <a:t>50px</a:t>
-            </a:r>
-            <a:endParaRPr kumimoji="1" lang="ja-JP" altLang="en-US" dirty="0"/>
+            <a:endParaRPr kumimoji="1" lang="ja-JP" altLang="en-US" dirty="0">
+              <a:solidFill>
+                <a:schemeClr val="tx1"/>
+              </a:solidFill>
+            </a:endParaRPr>
           </a:p>
         </p:txBody>
       </p:sp>
@@ -7323,17 +8413,139 @@
         </p:nvSpPr>
         <p:spPr>
           <a:xfrm>
-            <a:off x="1043608" y="2116627"/>
-            <a:ext cx="3240360" cy="3760645"/>
+            <a:off x="1304608" y="5805264"/>
+            <a:ext cx="3384376" cy="720080"/>
+          </a:xfrm>
+          <a:prstGeom prst="rect">
+            <a:avLst/>
+          </a:prstGeom>
+        </p:spPr>
+        <p:style>
+          <a:lnRef idx="2">
+            <a:schemeClr val="dk1">
+              <a:shade val="50000"/>
+            </a:schemeClr>
+          </a:lnRef>
+          <a:fillRef idx="1">
+            <a:schemeClr val="dk1"/>
+          </a:fillRef>
+          <a:effectRef idx="0">
+            <a:schemeClr val="dk1"/>
+          </a:effectRef>
+          <a:fontRef idx="minor">
+            <a:schemeClr val="lt1"/>
+          </a:fontRef>
+        </p:style>
+        <p:txBody>
+          <a:bodyPr rtlCol="0" anchor="ctr"/>
+          <a:lstStyle/>
+          <a:p>
+            <a:pPr algn="ctr"/>
+            <a:r>
+              <a:rPr lang="ja-JP" altLang="en-US" dirty="0" smtClean="0"/>
+              <a:t>タブバー </a:t>
+            </a:r>
+            <a:r>
+              <a:rPr lang="en-US" altLang="ja-JP" dirty="0" smtClean="0"/>
+              <a:t>48 </a:t>
+            </a:r>
+            <a:r>
+              <a:rPr lang="en-US" altLang="ja-JP" dirty="0" err="1" smtClean="0"/>
+              <a:t>px</a:t>
+            </a:r>
+            <a:endParaRPr kumimoji="1" lang="ja-JP" altLang="en-US" dirty="0"/>
+          </a:p>
+        </p:txBody>
+      </p:sp>
+      <p:cxnSp>
+        <p:nvCxnSpPr>
+          <p:cNvPr id="23" name="直線矢印コネクタ 22"/>
+          <p:cNvCxnSpPr/>
+          <p:nvPr/>
+        </p:nvCxnSpPr>
+        <p:spPr>
+          <a:xfrm>
+            <a:off x="1115616" y="1268760"/>
+            <a:ext cx="0" cy="5256584"/>
+          </a:xfrm>
+          <a:prstGeom prst="straightConnector1">
+            <a:avLst/>
+          </a:prstGeom>
+          <a:ln w="57150">
+            <a:solidFill>
+              <a:srgbClr val="FF0000"/>
+            </a:solidFill>
+            <a:headEnd type="arrow" w="med" len="med"/>
+            <a:tailEnd type="arrow" w="med" len="med"/>
+          </a:ln>
+        </p:spPr>
+        <p:style>
+          <a:lnRef idx="1">
+            <a:schemeClr val="accent1"/>
+          </a:lnRef>
+          <a:fillRef idx="0">
+            <a:schemeClr val="accent1"/>
+          </a:fillRef>
+          <a:effectRef idx="0">
+            <a:schemeClr val="accent1"/>
+          </a:effectRef>
+          <a:fontRef idx="minor">
+            <a:schemeClr val="tx1"/>
+          </a:fontRef>
+        </p:style>
+      </p:cxnSp>
+      <p:sp>
+        <p:nvSpPr>
+          <p:cNvPr id="24" name="テキスト ボックス 23"/>
+          <p:cNvSpPr txBox="1"/>
+          <p:nvPr/>
+        </p:nvSpPr>
+        <p:spPr>
+          <a:xfrm>
+            <a:off x="179512" y="3640378"/>
+            <a:ext cx="805220" cy="369332"/>
+          </a:xfrm>
+          <a:prstGeom prst="rect">
+            <a:avLst/>
+          </a:prstGeom>
+          <a:noFill/>
+        </p:spPr>
+        <p:txBody>
+          <a:bodyPr wrap="none" rtlCol="0">
+            <a:spAutoFit/>
+          </a:bodyPr>
+          <a:lstStyle/>
+          <a:p>
+            <a:r>
+              <a:rPr kumimoji="1" lang="en-US" altLang="ja-JP" dirty="0" smtClean="0"/>
+              <a:t>640 </a:t>
+            </a:r>
+            <a:r>
+              <a:rPr kumimoji="1" lang="en-US" altLang="ja-JP" dirty="0" err="1" smtClean="0"/>
+              <a:t>px</a:t>
+            </a:r>
+            <a:endParaRPr kumimoji="1" lang="ja-JP" altLang="en-US" dirty="0"/>
+          </a:p>
+        </p:txBody>
+      </p:sp>
+      <p:sp>
+        <p:nvSpPr>
+          <p:cNvPr id="27" name="正方形/長方形 26"/>
+          <p:cNvSpPr/>
+          <p:nvPr/>
+        </p:nvSpPr>
+        <p:spPr>
+          <a:xfrm>
+            <a:off x="1304608" y="5085184"/>
+            <a:ext cx="3384376" cy="720080"/>
           </a:xfrm>
           <a:prstGeom prst="rect">
             <a:avLst/>
           </a:prstGeom>
           <a:solidFill>
-            <a:schemeClr val="accent3">
-              <a:lumMod val="40000"/>
-              <a:lumOff val="60000"/>
-            </a:schemeClr>
+            <a:srgbClr val="E46C0A">
+              <a:alpha val="49020"/>
+            </a:srgbClr>
           </a:solidFill>
         </p:spPr>
         <p:style>
@@ -7358,12 +8570,44 @@
           <a:p>
             <a:pPr algn="ctr"/>
             <a:r>
+              <a:rPr kumimoji="1" lang="ja-JP" altLang="en-US" dirty="0" smtClean="0">
+                <a:solidFill>
+                  <a:schemeClr val="tx1"/>
+                </a:solidFill>
+              </a:rPr>
+              <a:t>基本情報表示ウインドウ</a:t>
+            </a:r>
+            <a:endParaRPr kumimoji="1" lang="en-US" altLang="ja-JP" dirty="0" smtClean="0">
+              <a:solidFill>
+                <a:schemeClr val="tx1"/>
+              </a:solidFill>
+            </a:endParaRPr>
+          </a:p>
+          <a:p>
+            <a:pPr algn="ctr"/>
+            <a:r>
               <a:rPr lang="en-US" altLang="ja-JP" dirty="0" smtClean="0">
                 <a:solidFill>
                   <a:schemeClr val="tx1"/>
                 </a:solidFill>
               </a:rPr>
-              <a:t>808x606</a:t>
+              <a:t>1</a:t>
+            </a:r>
+            <a:r>
+              <a:rPr kumimoji="1" lang="en-US" altLang="ja-JP" dirty="0" smtClean="0">
+                <a:solidFill>
+                  <a:schemeClr val="tx1"/>
+                </a:solidFill>
+              </a:rPr>
+              <a:t>00</a:t>
+            </a:r>
+            <a:r>
+              <a:rPr lang="en-US" altLang="ja-JP" dirty="0" smtClean="0">
+                <a:solidFill>
+                  <a:schemeClr val="tx1"/>
+                </a:solidFill>
+              </a:rPr>
+              <a:t>px</a:t>
             </a:r>
             <a:endParaRPr kumimoji="1" lang="ja-JP" altLang="en-US" dirty="0">
               <a:solidFill>
@@ -7373,76 +8617,16 @@
           </a:p>
         </p:txBody>
       </p:sp>
-      <p:sp>
-        <p:nvSpPr>
-          <p:cNvPr id="24" name="正方形/長方形 23"/>
-          <p:cNvSpPr/>
-          <p:nvPr/>
-        </p:nvSpPr>
-        <p:spPr>
-          <a:xfrm>
-            <a:off x="971600" y="5877272"/>
-            <a:ext cx="3384376" cy="720080"/>
-          </a:xfrm>
-          <a:prstGeom prst="rect">
-            <a:avLst/>
-          </a:prstGeom>
-        </p:spPr>
-        <p:style>
-          <a:lnRef idx="2">
-            <a:schemeClr val="dk1">
-              <a:shade val="50000"/>
-            </a:schemeClr>
-          </a:lnRef>
-          <a:fillRef idx="1">
-            <a:schemeClr val="dk1"/>
-          </a:fillRef>
-          <a:effectRef idx="0">
-            <a:schemeClr val="dk1"/>
-          </a:effectRef>
-          <a:fontRef idx="minor">
-            <a:schemeClr val="lt1"/>
-          </a:fontRef>
-        </p:style>
-        <p:txBody>
-          <a:bodyPr rtlCol="0" anchor="ctr"/>
-          <a:lstStyle/>
-          <a:p>
-            <a:pPr algn="ctr"/>
-            <a:r>
-              <a:rPr kumimoji="1" lang="ja-JP" altLang="en-US" dirty="0" smtClean="0">
-                <a:solidFill>
-                  <a:schemeClr val="bg1"/>
-                </a:solidFill>
-              </a:rPr>
-              <a:t>タブバー </a:t>
-            </a:r>
-            <a:r>
-              <a:rPr kumimoji="1" lang="en-US" altLang="ja-JP" dirty="0" smtClean="0">
-                <a:solidFill>
-                  <a:schemeClr val="bg1"/>
-                </a:solidFill>
-              </a:rPr>
-              <a:t>100px</a:t>
-            </a:r>
-            <a:endParaRPr kumimoji="1" lang="ja-JP" altLang="en-US" dirty="0">
-              <a:solidFill>
-                <a:schemeClr val="bg1"/>
-              </a:solidFill>
-            </a:endParaRPr>
-          </a:p>
-        </p:txBody>
-      </p:sp>
       <p:cxnSp>
         <p:nvCxnSpPr>
-          <p:cNvPr id="28" name="直線矢印コネクタ 27"/>
+          <p:cNvPr id="15" name="直線矢印コネクタ 14"/>
           <p:cNvCxnSpPr/>
           <p:nvPr/>
         </p:nvCxnSpPr>
         <p:spPr>
-          <a:xfrm>
-            <a:off x="782608" y="1540563"/>
-            <a:ext cx="0" cy="5049978"/>
+          <a:xfrm flipH="1">
+            <a:off x="1331640" y="1134983"/>
+            <a:ext cx="3384376" cy="0"/>
           </a:xfrm>
           <a:prstGeom prst="straightConnector1">
             <a:avLst/>
@@ -7472,13 +8656,13 @@
       </p:cxnSp>
       <p:sp>
         <p:nvSpPr>
-          <p:cNvPr id="31" name="テキスト ボックス 30"/>
+          <p:cNvPr id="19" name="テキスト ボックス 18"/>
           <p:cNvSpPr txBox="1"/>
           <p:nvPr/>
         </p:nvSpPr>
         <p:spPr>
           <a:xfrm>
-            <a:off x="-22612" y="3772811"/>
+            <a:off x="2621218" y="764704"/>
             <a:ext cx="805220" cy="369332"/>
           </a:xfrm>
           <a:prstGeom prst="rect">
@@ -7494,7 +8678,7 @@
           <a:p>
             <a:r>
               <a:rPr kumimoji="1" lang="en-US" altLang="ja-JP" dirty="0" smtClean="0"/>
-              <a:t>960 </a:t>
+              <a:t>360 </a:t>
             </a:r>
             <a:r>
               <a:rPr kumimoji="1" lang="en-US" altLang="ja-JP" dirty="0" err="1" smtClean="0"/>
@@ -7504,53 +8688,16 @@
           </a:p>
         </p:txBody>
       </p:sp>
-      <p:cxnSp>
-        <p:nvCxnSpPr>
-          <p:cNvPr id="34" name="直線矢印コネクタ 33"/>
-          <p:cNvCxnSpPr/>
-          <p:nvPr/>
-        </p:nvCxnSpPr>
-        <p:spPr>
-          <a:xfrm>
-            <a:off x="1142648" y="5877272"/>
-            <a:ext cx="0" cy="713269"/>
-          </a:xfrm>
-          <a:prstGeom prst="straightConnector1">
-            <a:avLst/>
-          </a:prstGeom>
-          <a:ln w="57150">
-            <a:solidFill>
-              <a:srgbClr val="FF0000"/>
-            </a:solidFill>
-            <a:headEnd type="arrow" w="med" len="med"/>
-            <a:tailEnd type="arrow" w="med" len="med"/>
-          </a:ln>
-        </p:spPr>
-        <p:style>
-          <a:lnRef idx="1">
-            <a:schemeClr val="accent1"/>
-          </a:lnRef>
-          <a:fillRef idx="0">
-            <a:schemeClr val="accent1"/>
-          </a:fillRef>
-          <a:effectRef idx="0">
-            <a:schemeClr val="accent1"/>
-          </a:effectRef>
-          <a:fontRef idx="minor">
-            <a:schemeClr val="tx1"/>
-          </a:fontRef>
-        </p:style>
-      </p:cxnSp>
-      <p:sp>
-        <p:nvSpPr>
-          <p:cNvPr id="21" name="テキスト ボックス 20"/>
+      <p:sp>
+        <p:nvSpPr>
+          <p:cNvPr id="28" name="テキスト ボックス 27"/>
           <p:cNvSpPr txBox="1"/>
           <p:nvPr/>
         </p:nvSpPr>
         <p:spPr>
           <a:xfrm>
             <a:off x="5036906" y="1322165"/>
-            <a:ext cx="3413307" cy="646331"/>
+            <a:ext cx="3915046" cy="923330"/>
           </a:xfrm>
           <a:prstGeom prst="rect">
             <a:avLst/>
@@ -7565,94 +8712,60 @@
           <a:p>
             <a:r>
               <a:rPr lang="ja-JP" altLang="en-US" dirty="0"/>
-              <a:t>検索</a:t>
-            </a:r>
-            <a:r>
-              <a:rPr lang="ja-JP" altLang="en-US" dirty="0" smtClean="0"/>
-              <a:t>バー</a:t>
+              <a:t>検索バーの高さを </a:t>
+            </a:r>
+            <a:r>
+              <a:rPr lang="en-US" altLang="ja-JP" dirty="0"/>
+              <a:t>α = 32px </a:t>
             </a:r>
             <a:r>
               <a:rPr lang="ja-JP" altLang="en-US" dirty="0"/>
-              <a:t>の</a:t>
-            </a:r>
-            <a:r>
-              <a:rPr lang="ja-JP" altLang="en-US" dirty="0" smtClean="0"/>
-              <a:t>高さを </a:t>
-            </a:r>
-            <a:r>
-              <a:rPr lang="en-US" altLang="ja-JP" dirty="0" smtClean="0"/>
-              <a:t>α = 50px </a:t>
-            </a:r>
-            <a:r>
-              <a:rPr lang="ja-JP" altLang="en-US" dirty="0" smtClean="0"/>
               <a:t>とする</a:t>
             </a:r>
-            <a:endParaRPr lang="en-US" altLang="ja-JP" dirty="0" smtClean="0"/>
-          </a:p>
-          <a:p>
-            <a:r>
-              <a:rPr lang="ja-JP" altLang="en-US" dirty="0" smtClean="0"/>
+            <a:endParaRPr lang="en-US" altLang="ja-JP" dirty="0"/>
+          </a:p>
+          <a:p>
+            <a:r>
+              <a:rPr lang="ja-JP" altLang="en-US" dirty="0"/>
               <a:t>タブバーの高さを </a:t>
             </a:r>
             <a:r>
-              <a:rPr lang="en-US" altLang="ja-JP" dirty="0" smtClean="0"/>
-              <a:t>β = 100px</a:t>
-            </a:r>
-            <a:r>
-              <a:rPr lang="ja-JP" altLang="en-US" dirty="0" smtClean="0"/>
+              <a:rPr lang="en-US" altLang="ja-JP" dirty="0"/>
+              <a:t>β = 48px</a:t>
+            </a:r>
+            <a:r>
+              <a:rPr lang="ja-JP" altLang="en-US" dirty="0"/>
               <a:t>とする</a:t>
             </a:r>
-            <a:endParaRPr kumimoji="1" lang="ja-JP" altLang="en-US" dirty="0"/>
-          </a:p>
-        </p:txBody>
-      </p:sp>
-      <p:cxnSp>
-        <p:nvCxnSpPr>
-          <p:cNvPr id="22" name="直線矢印コネクタ 21"/>
-          <p:cNvCxnSpPr/>
-          <p:nvPr/>
-        </p:nvCxnSpPr>
-        <p:spPr>
-          <a:xfrm flipH="1">
-            <a:off x="971600" y="1334824"/>
-            <a:ext cx="3384376" cy="0"/>
-          </a:xfrm>
-          <a:prstGeom prst="straightConnector1">
-            <a:avLst/>
-          </a:prstGeom>
-          <a:ln w="57150">
-            <a:solidFill>
-              <a:srgbClr val="FFC000"/>
-            </a:solidFill>
-            <a:headEnd type="arrow" w="med" len="med"/>
-            <a:tailEnd type="arrow" w="med" len="med"/>
-          </a:ln>
-        </p:spPr>
-        <p:style>
-          <a:lnRef idx="1">
-            <a:schemeClr val="accent1"/>
-          </a:lnRef>
-          <a:fillRef idx="0">
-            <a:schemeClr val="accent1"/>
-          </a:fillRef>
-          <a:effectRef idx="0">
-            <a:schemeClr val="accent1"/>
-          </a:effectRef>
-          <a:fontRef idx="minor">
-            <a:schemeClr val="tx1"/>
-          </a:fontRef>
-        </p:style>
-      </p:cxnSp>
-      <p:sp>
-        <p:nvSpPr>
-          <p:cNvPr id="23" name="テキスト ボックス 22"/>
+            <a:endParaRPr lang="en-US" altLang="ja-JP" dirty="0"/>
+          </a:p>
+          <a:p>
+            <a:r>
+              <a:rPr lang="ja-JP" altLang="en-US" dirty="0"/>
+              <a:t>ステータスバーの高さを </a:t>
+            </a:r>
+            <a:r>
+              <a:rPr lang="en-US" altLang="ja-JP" dirty="0"/>
+              <a:t>γ = 20px</a:t>
+            </a:r>
+            <a:r>
+              <a:rPr lang="ja-JP" altLang="en-US" dirty="0"/>
+              <a:t>とする</a:t>
+            </a:r>
+            <a:endParaRPr lang="ja-JP" altLang="en-US" dirty="0"/>
+          </a:p>
+        </p:txBody>
+      </p:sp>
+      <p:sp>
+        <p:nvSpPr>
+          <p:cNvPr id="29" name="テキスト ボックス 28"/>
           <p:cNvSpPr txBox="1"/>
           <p:nvPr/>
         </p:nvSpPr>
         <p:spPr>
           <a:xfrm>
-            <a:off x="2261178" y="964545"/>
-            <a:ext cx="805220" cy="369332"/>
+            <a:off x="5004632" y="4149080"/>
+            <a:ext cx="3897221" cy="1477328"/>
           </a:xfrm>
           <a:prstGeom prst="rect">
             <a:avLst/>
@@ -7665,128 +8778,111 @@
           </a:bodyPr>
           <a:lstStyle/>
           <a:p>
-            <a:r>
-              <a:rPr kumimoji="1" lang="en-US" altLang="ja-JP" dirty="0" smtClean="0"/>
-              <a:t>640 </a:t>
-            </a:r>
-            <a:r>
-              <a:rPr kumimoji="1" lang="en-US" altLang="ja-JP" dirty="0" err="1" smtClean="0"/>
-              <a:t>px</a:t>
-            </a:r>
-            <a:endParaRPr kumimoji="1" lang="ja-JP" altLang="en-US" dirty="0"/>
-          </a:p>
-        </p:txBody>
-      </p:sp>
-      <p:sp>
-        <p:nvSpPr>
-          <p:cNvPr id="27" name="テキスト ボックス 26"/>
-          <p:cNvSpPr txBox="1"/>
+            <a:pPr marL="0" lvl="1"/>
+            <a:r>
+              <a:rPr lang="ja-JP" altLang="en-US" dirty="0" smtClean="0"/>
+              <a:t>マップ高さ </a:t>
+            </a:r>
+            <a:r>
+              <a:rPr lang="en-US" altLang="ja-JP" dirty="0" smtClean="0"/>
+              <a:t>= min{floor</a:t>
+            </a:r>
+            <a:r>
+              <a:rPr lang="en-US" altLang="ja-JP" dirty="0" smtClean="0"/>
+              <a:t>((640-100)/</a:t>
+            </a:r>
+            <a:r>
+              <a:rPr lang="en-US" altLang="ja-JP" dirty="0" smtClean="0"/>
+              <a:t>4)*4},</a:t>
+            </a:r>
+          </a:p>
+          <a:p>
+            <a:pPr marL="0" lvl="1"/>
+            <a:r>
+              <a:rPr lang="en-US" altLang="ja-JP" dirty="0"/>
+              <a:t> </a:t>
+            </a:r>
+            <a:r>
+              <a:rPr lang="en-US" altLang="ja-JP" dirty="0" smtClean="0"/>
+              <a:t>                              </a:t>
+            </a:r>
+            <a:r>
+              <a:rPr lang="en-US" altLang="ja-JP" dirty="0" smtClean="0"/>
+              <a:t>floor(360/6</a:t>
+            </a:r>
+            <a:r>
+              <a:rPr lang="en-US" altLang="ja-JP" dirty="0" smtClean="0"/>
+              <a:t>)*8}</a:t>
+            </a:r>
+            <a:br>
+              <a:rPr lang="en-US" altLang="ja-JP" dirty="0" smtClean="0"/>
+            </a:br>
+            <a:r>
+              <a:rPr lang="en-US" altLang="ja-JP" dirty="0" smtClean="0"/>
+              <a:t>                    = </a:t>
+            </a:r>
+            <a:r>
+              <a:rPr lang="en-US" altLang="ja-JP" dirty="0" smtClean="0"/>
+              <a:t>min{540, 480}</a:t>
+            </a:r>
+            <a:endParaRPr lang="en-US" altLang="ja-JP" dirty="0" smtClean="0"/>
+          </a:p>
+          <a:p>
+            <a:pPr marL="0" lvl="1"/>
+            <a:r>
+              <a:rPr lang="en-US" altLang="ja-JP" dirty="0"/>
+              <a:t> </a:t>
+            </a:r>
+            <a:r>
+              <a:rPr lang="en-US" altLang="ja-JP" dirty="0" smtClean="0"/>
+              <a:t>                   = </a:t>
+            </a:r>
+            <a:r>
+              <a:rPr lang="en-US" altLang="ja-JP" dirty="0" smtClean="0"/>
+              <a:t>480</a:t>
+            </a:r>
+            <a:endParaRPr lang="en-US" altLang="ja-JP" dirty="0" smtClean="0"/>
+          </a:p>
+          <a:p>
+            <a:pPr marL="0" lvl="1"/>
+            <a:r>
+              <a:rPr lang="ja-JP" altLang="en-US" dirty="0" smtClean="0"/>
+              <a:t>マップ幅 </a:t>
+            </a:r>
+            <a:r>
+              <a:rPr lang="en-US" altLang="ja-JP" dirty="0" smtClean="0"/>
+              <a:t>= </a:t>
+            </a:r>
+            <a:r>
+              <a:rPr lang="en-US" altLang="ja-JP" dirty="0" smtClean="0"/>
+              <a:t>480 </a:t>
+            </a:r>
+            <a:r>
+              <a:rPr lang="en-US" altLang="ja-JP" dirty="0" smtClean="0"/>
+              <a:t>* 3 / 4 = </a:t>
+            </a:r>
+            <a:r>
+              <a:rPr lang="en-US" altLang="ja-JP" dirty="0" smtClean="0"/>
+              <a:t>360</a:t>
+            </a:r>
+            <a:endParaRPr lang="en-US" altLang="ja-JP" dirty="0"/>
+          </a:p>
+        </p:txBody>
+      </p:sp>
+      <p:sp>
+        <p:nvSpPr>
+          <p:cNvPr id="17" name="正方形/長方形 16"/>
+          <p:cNvSpPr/>
           <p:nvPr/>
         </p:nvSpPr>
         <p:spPr>
           <a:xfrm>
-            <a:off x="4499992" y="2439286"/>
-            <a:ext cx="4195379" cy="1754326"/>
+            <a:off x="1304608" y="1484784"/>
+            <a:ext cx="3384376" cy="576064"/>
           </a:xfrm>
           <a:prstGeom prst="rect">
             <a:avLst/>
           </a:prstGeom>
-          <a:noFill/>
-        </p:spPr>
-        <p:txBody>
-          <a:bodyPr wrap="none" rtlCol="0">
-            <a:spAutoFit/>
-          </a:bodyPr>
-          <a:lstStyle/>
-          <a:p>
-            <a:pPr marL="0" lvl="1"/>
-            <a:r>
-              <a:rPr lang="ja-JP" altLang="en-US" dirty="0" smtClean="0"/>
-              <a:t>マップ高さ </a:t>
-            </a:r>
-            <a:r>
-              <a:rPr lang="en-US" altLang="ja-JP" dirty="0" smtClean="0"/>
-              <a:t>= min{ floor((960 </a:t>
-            </a:r>
-            <a:r>
-              <a:rPr lang="en-US" altLang="ja-JP" dirty="0"/>
-              <a:t>- 150</a:t>
-            </a:r>
-            <a:r>
-              <a:rPr lang="en-US" altLang="ja-JP" dirty="0" smtClean="0"/>
-              <a:t>) / </a:t>
-            </a:r>
-            <a:r>
-              <a:rPr lang="en-US" altLang="ja-JP" dirty="0"/>
-              <a:t>4</a:t>
-            </a:r>
-            <a:r>
-              <a:rPr lang="en-US" altLang="ja-JP" dirty="0" smtClean="0"/>
-              <a:t>) *4, </a:t>
-            </a:r>
-            <a:br>
-              <a:rPr lang="en-US" altLang="ja-JP" dirty="0" smtClean="0"/>
-            </a:br>
-            <a:r>
-              <a:rPr lang="en-US" altLang="ja-JP" dirty="0" smtClean="0"/>
-              <a:t>		floor(640/6)*8}</a:t>
-            </a:r>
-            <a:br>
-              <a:rPr lang="en-US" altLang="ja-JP" dirty="0" smtClean="0"/>
-            </a:br>
-            <a:r>
-              <a:rPr lang="en-US" altLang="ja-JP" dirty="0" smtClean="0"/>
-              <a:t>                    = min{808, 848}</a:t>
-            </a:r>
-          </a:p>
-          <a:p>
-            <a:pPr marL="0" lvl="1"/>
-            <a:r>
-              <a:rPr lang="en-US" altLang="ja-JP" dirty="0"/>
-              <a:t> </a:t>
-            </a:r>
-            <a:r>
-              <a:rPr lang="en-US" altLang="ja-JP" dirty="0" smtClean="0"/>
-              <a:t>                   = 808</a:t>
-            </a:r>
-          </a:p>
-          <a:p>
-            <a:pPr marL="0" lvl="1"/>
-            <a:endParaRPr lang="en-US" altLang="ja-JP" dirty="0" smtClean="0"/>
-          </a:p>
-          <a:p>
-            <a:pPr marL="0" lvl="1"/>
-            <a:r>
-              <a:rPr lang="ja-JP" altLang="en-US" dirty="0" smtClean="0"/>
-              <a:t>マップ幅 </a:t>
-            </a:r>
-            <a:r>
-              <a:rPr lang="en-US" altLang="ja-JP" dirty="0" smtClean="0"/>
-              <a:t>= 808 * 3 / 4 = 606</a:t>
-            </a:r>
-            <a:endParaRPr lang="en-US" altLang="ja-JP" dirty="0"/>
-          </a:p>
-        </p:txBody>
-      </p:sp>
-      <p:sp>
-        <p:nvSpPr>
-          <p:cNvPr id="29" name="正方形/長方形 28"/>
-          <p:cNvSpPr/>
-          <p:nvPr/>
-        </p:nvSpPr>
-        <p:spPr>
-          <a:xfrm>
-            <a:off x="971600" y="5157192"/>
-            <a:ext cx="3384376" cy="720080"/>
-          </a:xfrm>
-          <a:prstGeom prst="rect">
-            <a:avLst/>
-          </a:prstGeom>
-          <a:solidFill>
-            <a:srgbClr val="E46C0A">
-              <a:alpha val="49020"/>
-            </a:srgbClr>
-          </a:solidFill>
         </p:spPr>
         <p:style>
           <a:lnRef idx="2">
@@ -7810,49 +8906,86 @@
           <a:p>
             <a:pPr algn="ctr"/>
             <a:r>
-              <a:rPr kumimoji="1" lang="ja-JP" altLang="en-US" dirty="0" smtClean="0">
-                <a:solidFill>
-                  <a:schemeClr val="tx1"/>
-                </a:solidFill>
-              </a:rPr>
-              <a:t>基本情報表示ウインドウ</a:t>
-            </a:r>
-            <a:endParaRPr kumimoji="1" lang="en-US" altLang="ja-JP" dirty="0" smtClean="0">
-              <a:solidFill>
-                <a:schemeClr val="tx1"/>
-              </a:solidFill>
-            </a:endParaRPr>
-          </a:p>
-          <a:p>
-            <a:pPr algn="ctr"/>
-            <a:r>
-              <a:rPr kumimoji="1" lang="en-US" altLang="ja-JP" dirty="0" smtClean="0">
-                <a:solidFill>
-                  <a:schemeClr val="tx1"/>
-                </a:solidFill>
-              </a:rPr>
-              <a:t>100</a:t>
-            </a:r>
-            <a:r>
-              <a:rPr lang="en-US" altLang="ja-JP" dirty="0" smtClean="0">
-                <a:solidFill>
-                  <a:schemeClr val="tx1"/>
-                </a:solidFill>
-              </a:rPr>
-              <a:t>px</a:t>
-            </a:r>
-            <a:endParaRPr kumimoji="1" lang="ja-JP" altLang="en-US" dirty="0">
-              <a:solidFill>
-                <a:schemeClr val="tx1"/>
-              </a:solidFill>
-            </a:endParaRPr>
+              <a:rPr lang="ja-JP" altLang="en-US" dirty="0"/>
+              <a:t>検索</a:t>
+            </a:r>
+            <a:r>
+              <a:rPr lang="ja-JP" altLang="en-US" dirty="0" smtClean="0"/>
+              <a:t>バー </a:t>
+            </a:r>
+            <a:r>
+              <a:rPr lang="en-US" altLang="ja-JP" dirty="0" smtClean="0"/>
+              <a:t>32px</a:t>
+            </a:r>
+            <a:endParaRPr kumimoji="1" lang="ja-JP" altLang="en-US" dirty="0"/>
+          </a:p>
+        </p:txBody>
+      </p:sp>
+      <p:sp>
+        <p:nvSpPr>
+          <p:cNvPr id="3" name="テキスト ボックス 2"/>
+          <p:cNvSpPr txBox="1"/>
+          <p:nvPr/>
+        </p:nvSpPr>
+        <p:spPr>
+          <a:xfrm>
+            <a:off x="5036906" y="2636912"/>
+            <a:ext cx="3659463" cy="923330"/>
+          </a:xfrm>
+          <a:prstGeom prst="rect">
+            <a:avLst/>
+          </a:prstGeom>
+          <a:noFill/>
+          <a:ln w="28575">
+            <a:solidFill>
+              <a:schemeClr val="tx1"/>
+            </a:solidFill>
+          </a:ln>
+        </p:spPr>
+        <p:txBody>
+          <a:bodyPr wrap="none" rtlCol="0">
+            <a:spAutoFit/>
+          </a:bodyPr>
+          <a:lstStyle/>
+          <a:p>
+            <a:r>
+              <a:rPr lang="ja-JP" altLang="en-US" dirty="0" smtClean="0"/>
+              <a:t>ただし、</a:t>
+            </a:r>
+            <a:r>
+              <a:rPr lang="en-US" altLang="ja-JP" dirty="0" smtClean="0"/>
+              <a:t>android</a:t>
+            </a:r>
+            <a:r>
+              <a:rPr lang="ja-JP" altLang="en-US" dirty="0" smtClean="0"/>
+              <a:t>端末での検索バーと</a:t>
+            </a:r>
+            <a:endParaRPr lang="en-US" altLang="ja-JP" dirty="0" smtClean="0"/>
+          </a:p>
+          <a:p>
+            <a:r>
+              <a:rPr kumimoji="1" lang="ja-JP" altLang="en-US" dirty="0" smtClean="0"/>
+              <a:t>タブバー，ステータスバーの高さは</a:t>
+            </a:r>
+            <a:endParaRPr kumimoji="1" lang="en-US" altLang="ja-JP" dirty="0" smtClean="0"/>
+          </a:p>
+          <a:p>
+            <a:r>
+              <a:rPr lang="ja-JP" altLang="en-US" dirty="0" smtClean="0"/>
+              <a:t>分かりません</a:t>
+            </a:r>
+            <a:r>
+              <a:rPr lang="ja-JP" altLang="en-US" dirty="0"/>
+              <a:t>。</a:t>
+            </a:r>
+            <a:endParaRPr kumimoji="1" lang="ja-JP" altLang="en-US" dirty="0"/>
           </a:p>
         </p:txBody>
       </p:sp>
     </p:spTree>
     <p:extLst>
       <p:ext uri="{BB962C8B-B14F-4D97-AF65-F5344CB8AC3E}">
-        <p14:creationId xmlns:p14="http://schemas.microsoft.com/office/powerpoint/2010/main" val="1781221394"/>
+        <p14:creationId xmlns:p14="http://schemas.microsoft.com/office/powerpoint/2010/main" val="2315762559"/>
       </p:ext>
     </p:extLst>
   </p:cSld>
@@ -7881,1452 +9014,6 @@
       </p:grpSpPr>
       <p:sp>
         <p:nvSpPr>
-          <p:cNvPr id="16" name="タイトル 15"/>
-          <p:cNvSpPr>
-            <a:spLocks noGrp="1"/>
-          </p:cNvSpPr>
-          <p:nvPr>
-            <p:ph type="title"/>
-          </p:nvPr>
-        </p:nvSpPr>
-        <p:spPr>
-          <a:xfrm>
-            <a:off x="52193" y="202630"/>
-            <a:ext cx="6247999" cy="346050"/>
-          </a:xfrm>
-        </p:spPr>
-        <p:txBody>
-          <a:bodyPr>
-            <a:noAutofit/>
-          </a:bodyPr>
-          <a:lstStyle/>
-          <a:p>
-            <a:pPr algn="l"/>
-            <a:r>
-              <a:rPr lang="ja-JP" altLang="en-US" sz="3200" dirty="0" smtClean="0">
-                <a:latin typeface="メイリオ" panose="020B0604030504040204" pitchFamily="50" charset="-128"/>
-                <a:ea typeface="メイリオ" panose="020B0604030504040204" pitchFamily="50" charset="-128"/>
-                <a:cs typeface="メイリオ" panose="020B0604030504040204" pitchFamily="50" charset="-128"/>
-              </a:rPr>
-              <a:t>例④ </a:t>
-            </a:r>
-            <a:r>
-              <a:rPr lang="en-US" altLang="ja-JP" sz="3200" dirty="0" smtClean="0">
-                <a:latin typeface="メイリオ" panose="020B0604030504040204" pitchFamily="50" charset="-128"/>
-                <a:ea typeface="メイリオ" panose="020B0604030504040204" pitchFamily="50" charset="-128"/>
-                <a:cs typeface="メイリオ" panose="020B0604030504040204" pitchFamily="50" charset="-128"/>
-              </a:rPr>
-              <a:t>iPhone 5 (16:9)</a:t>
-            </a:r>
-            <a:endParaRPr kumimoji="1" lang="ja-JP" altLang="en-US" sz="3200" dirty="0">
-              <a:latin typeface="メイリオ" panose="020B0604030504040204" pitchFamily="50" charset="-128"/>
-              <a:ea typeface="メイリオ" panose="020B0604030504040204" pitchFamily="50" charset="-128"/>
-              <a:cs typeface="メイリオ" panose="020B0604030504040204" pitchFamily="50" charset="-128"/>
-            </a:endParaRPr>
-          </a:p>
-        </p:txBody>
-      </p:sp>
-      <p:sp>
-        <p:nvSpPr>
-          <p:cNvPr id="2" name="テキスト ボックス 1"/>
-          <p:cNvSpPr txBox="1"/>
-          <p:nvPr/>
-        </p:nvSpPr>
-        <p:spPr>
-          <a:xfrm>
-            <a:off x="5364088" y="643558"/>
-            <a:ext cx="2669320" cy="461665"/>
-          </a:xfrm>
-          <a:prstGeom prst="rect">
-            <a:avLst/>
-          </a:prstGeom>
-          <a:noFill/>
-        </p:spPr>
-        <p:txBody>
-          <a:bodyPr wrap="none" rtlCol="0">
-            <a:spAutoFit/>
-          </a:bodyPr>
-          <a:lstStyle/>
-          <a:p>
-            <a:r>
-              <a:rPr kumimoji="1" lang="ja-JP" altLang="en-US" sz="2400" dirty="0" smtClean="0"/>
-              <a:t>例として </a:t>
-            </a:r>
-            <a:r>
-              <a:rPr lang="en-US" altLang="ja-JP" sz="2400" dirty="0" smtClean="0"/>
-              <a:t>1136 x 640</a:t>
-            </a:r>
-            <a:endParaRPr kumimoji="1" lang="ja-JP" altLang="en-US" sz="2400" dirty="0"/>
-          </a:p>
-        </p:txBody>
-      </p:sp>
-      <p:sp>
-        <p:nvSpPr>
-          <p:cNvPr id="12" name="正方形/長方形 11"/>
-          <p:cNvSpPr/>
-          <p:nvPr/>
-        </p:nvSpPr>
-        <p:spPr>
-          <a:xfrm>
-            <a:off x="1304608" y="1268760"/>
-            <a:ext cx="3384376" cy="5256584"/>
-          </a:xfrm>
-          <a:prstGeom prst="rect">
-            <a:avLst/>
-          </a:prstGeom>
-        </p:spPr>
-        <p:style>
-          <a:lnRef idx="2">
-            <a:schemeClr val="accent1"/>
-          </a:lnRef>
-          <a:fillRef idx="1">
-            <a:schemeClr val="lt1"/>
-          </a:fillRef>
-          <a:effectRef idx="0">
-            <a:schemeClr val="accent1"/>
-          </a:effectRef>
-          <a:fontRef idx="minor">
-            <a:schemeClr val="dk1"/>
-          </a:fontRef>
-        </p:style>
-        <p:txBody>
-          <a:bodyPr rtlCol="0" anchor="ctr"/>
-          <a:lstStyle/>
-          <a:p>
-            <a:pPr algn="ctr"/>
-            <a:endParaRPr kumimoji="1" lang="ja-JP" altLang="en-US"/>
-          </a:p>
-        </p:txBody>
-      </p:sp>
-      <p:sp>
-        <p:nvSpPr>
-          <p:cNvPr id="17" name="正方形/長方形 16"/>
-          <p:cNvSpPr/>
-          <p:nvPr/>
-        </p:nvSpPr>
-        <p:spPr>
-          <a:xfrm>
-            <a:off x="1304608" y="1268760"/>
-            <a:ext cx="3384376" cy="576064"/>
-          </a:xfrm>
-          <a:prstGeom prst="rect">
-            <a:avLst/>
-          </a:prstGeom>
-        </p:spPr>
-        <p:style>
-          <a:lnRef idx="2">
-            <a:schemeClr val="accent1">
-              <a:shade val="50000"/>
-            </a:schemeClr>
-          </a:lnRef>
-          <a:fillRef idx="1">
-            <a:schemeClr val="accent1"/>
-          </a:fillRef>
-          <a:effectRef idx="0">
-            <a:schemeClr val="accent1"/>
-          </a:effectRef>
-          <a:fontRef idx="minor">
-            <a:schemeClr val="lt1"/>
-          </a:fontRef>
-        </p:style>
-        <p:txBody>
-          <a:bodyPr rtlCol="0" anchor="ctr"/>
-          <a:lstStyle/>
-          <a:p>
-            <a:pPr algn="ctr"/>
-            <a:r>
-              <a:rPr lang="ja-JP" altLang="en-US" dirty="0"/>
-              <a:t>検索</a:t>
-            </a:r>
-            <a:r>
-              <a:rPr lang="ja-JP" altLang="en-US" dirty="0" smtClean="0"/>
-              <a:t>バー </a:t>
-            </a:r>
-            <a:r>
-              <a:rPr lang="en-US" altLang="ja-JP" dirty="0" smtClean="0"/>
-              <a:t>55px</a:t>
-            </a:r>
-            <a:endParaRPr kumimoji="1" lang="ja-JP" altLang="en-US" dirty="0"/>
-          </a:p>
-        </p:txBody>
-      </p:sp>
-      <p:sp>
-        <p:nvSpPr>
-          <p:cNvPr id="18" name="正方形/長方形 17"/>
-          <p:cNvSpPr/>
-          <p:nvPr/>
-        </p:nvSpPr>
-        <p:spPr>
-          <a:xfrm>
-            <a:off x="1403648" y="1844824"/>
-            <a:ext cx="3178084" cy="3454007"/>
-          </a:xfrm>
-          <a:prstGeom prst="rect">
-            <a:avLst/>
-          </a:prstGeom>
-          <a:solidFill>
-            <a:schemeClr val="accent3">
-              <a:lumMod val="40000"/>
-              <a:lumOff val="60000"/>
-            </a:schemeClr>
-          </a:solidFill>
-        </p:spPr>
-        <p:style>
-          <a:lnRef idx="2">
-            <a:schemeClr val="accent1">
-              <a:shade val="50000"/>
-            </a:schemeClr>
-          </a:lnRef>
-          <a:fillRef idx="1">
-            <a:schemeClr val="accent1"/>
-          </a:fillRef>
-          <a:effectRef idx="0">
-            <a:schemeClr val="accent1"/>
-          </a:effectRef>
-          <a:fontRef idx="minor">
-            <a:schemeClr val="lt1"/>
-          </a:fontRef>
-        </p:style>
-        <p:txBody>
-          <a:bodyPr rtlCol="0" anchor="ctr"/>
-          <a:lstStyle/>
-          <a:p>
-            <a:pPr algn="ctr"/>
-            <a:r>
-              <a:rPr kumimoji="1" lang="en-US" altLang="ja-JP" dirty="0" smtClean="0">
-                <a:solidFill>
-                  <a:schemeClr val="tx1"/>
-                </a:solidFill>
-              </a:rPr>
-              <a:t>848 x 636</a:t>
-            </a:r>
-            <a:endParaRPr kumimoji="1" lang="ja-JP" altLang="en-US" dirty="0">
-              <a:solidFill>
-                <a:schemeClr val="tx1"/>
-              </a:solidFill>
-            </a:endParaRPr>
-          </a:p>
-        </p:txBody>
-      </p:sp>
-      <p:sp>
-        <p:nvSpPr>
-          <p:cNvPr id="20" name="正方形/長方形 19"/>
-          <p:cNvSpPr/>
-          <p:nvPr/>
-        </p:nvSpPr>
-        <p:spPr>
-          <a:xfrm>
-            <a:off x="1304608" y="5805264"/>
-            <a:ext cx="3384376" cy="720080"/>
-          </a:xfrm>
-          <a:prstGeom prst="rect">
-            <a:avLst/>
-          </a:prstGeom>
-        </p:spPr>
-        <p:style>
-          <a:lnRef idx="2">
-            <a:schemeClr val="dk1">
-              <a:shade val="50000"/>
-            </a:schemeClr>
-          </a:lnRef>
-          <a:fillRef idx="1">
-            <a:schemeClr val="dk1"/>
-          </a:fillRef>
-          <a:effectRef idx="0">
-            <a:schemeClr val="dk1"/>
-          </a:effectRef>
-          <a:fontRef idx="minor">
-            <a:schemeClr val="lt1"/>
-          </a:fontRef>
-        </p:style>
-        <p:txBody>
-          <a:bodyPr rtlCol="0" anchor="ctr"/>
-          <a:lstStyle/>
-          <a:p>
-            <a:pPr algn="ctr"/>
-            <a:r>
-              <a:rPr lang="ja-JP" altLang="en-US" dirty="0" smtClean="0"/>
-              <a:t>タブバー </a:t>
-            </a:r>
-            <a:r>
-              <a:rPr lang="en-US" altLang="ja-JP" dirty="0" smtClean="0"/>
-              <a:t>100 </a:t>
-            </a:r>
-            <a:r>
-              <a:rPr lang="en-US" altLang="ja-JP" dirty="0" err="1" smtClean="0"/>
-              <a:t>px</a:t>
-            </a:r>
-            <a:endParaRPr kumimoji="1" lang="ja-JP" altLang="en-US" dirty="0"/>
-          </a:p>
-        </p:txBody>
-      </p:sp>
-      <p:cxnSp>
-        <p:nvCxnSpPr>
-          <p:cNvPr id="23" name="直線矢印コネクタ 22"/>
-          <p:cNvCxnSpPr/>
-          <p:nvPr/>
-        </p:nvCxnSpPr>
-        <p:spPr>
-          <a:xfrm>
-            <a:off x="1115616" y="1268760"/>
-            <a:ext cx="0" cy="5256584"/>
-          </a:xfrm>
-          <a:prstGeom prst="straightConnector1">
-            <a:avLst/>
-          </a:prstGeom>
-          <a:ln w="57150">
-            <a:solidFill>
-              <a:srgbClr val="FF0000"/>
-            </a:solidFill>
-            <a:headEnd type="arrow" w="med" len="med"/>
-            <a:tailEnd type="arrow" w="med" len="med"/>
-          </a:ln>
-        </p:spPr>
-        <p:style>
-          <a:lnRef idx="1">
-            <a:schemeClr val="accent1"/>
-          </a:lnRef>
-          <a:fillRef idx="0">
-            <a:schemeClr val="accent1"/>
-          </a:fillRef>
-          <a:effectRef idx="0">
-            <a:schemeClr val="accent1"/>
-          </a:effectRef>
-          <a:fontRef idx="minor">
-            <a:schemeClr val="tx1"/>
-          </a:fontRef>
-        </p:style>
-      </p:cxnSp>
-      <p:sp>
-        <p:nvSpPr>
-          <p:cNvPr id="24" name="テキスト ボックス 23"/>
-          <p:cNvSpPr txBox="1"/>
-          <p:nvPr/>
-        </p:nvSpPr>
-        <p:spPr>
-          <a:xfrm>
-            <a:off x="251520" y="3640378"/>
-            <a:ext cx="922240" cy="369332"/>
-          </a:xfrm>
-          <a:prstGeom prst="rect">
-            <a:avLst/>
-          </a:prstGeom>
-          <a:noFill/>
-        </p:spPr>
-        <p:txBody>
-          <a:bodyPr wrap="none" rtlCol="0">
-            <a:spAutoFit/>
-          </a:bodyPr>
-          <a:lstStyle/>
-          <a:p>
-            <a:r>
-              <a:rPr kumimoji="1" lang="en-US" altLang="ja-JP" dirty="0" smtClean="0"/>
-              <a:t>1136 </a:t>
-            </a:r>
-            <a:r>
-              <a:rPr kumimoji="1" lang="en-US" altLang="ja-JP" dirty="0" err="1" smtClean="0"/>
-              <a:t>px</a:t>
-            </a:r>
-            <a:endParaRPr kumimoji="1" lang="ja-JP" altLang="en-US" dirty="0"/>
-          </a:p>
-        </p:txBody>
-      </p:sp>
-      <p:sp>
-        <p:nvSpPr>
-          <p:cNvPr id="27" name="正方形/長方形 26"/>
-          <p:cNvSpPr/>
-          <p:nvPr/>
-        </p:nvSpPr>
-        <p:spPr>
-          <a:xfrm>
-            <a:off x="1304608" y="5085184"/>
-            <a:ext cx="3384376" cy="720080"/>
-          </a:xfrm>
-          <a:prstGeom prst="rect">
-            <a:avLst/>
-          </a:prstGeom>
-          <a:solidFill>
-            <a:srgbClr val="E46C0A">
-              <a:alpha val="49020"/>
-            </a:srgbClr>
-          </a:solidFill>
-        </p:spPr>
-        <p:style>
-          <a:lnRef idx="2">
-            <a:schemeClr val="accent1">
-              <a:shade val="50000"/>
-            </a:schemeClr>
-          </a:lnRef>
-          <a:fillRef idx="1">
-            <a:schemeClr val="accent1"/>
-          </a:fillRef>
-          <a:effectRef idx="0">
-            <a:schemeClr val="accent1"/>
-          </a:effectRef>
-          <a:fontRef idx="minor">
-            <a:schemeClr val="lt1"/>
-          </a:fontRef>
-        </p:style>
-        <p:txBody>
-          <a:bodyPr rtlCol="0" anchor="ctr"/>
-          <a:lstStyle/>
-          <a:p>
-            <a:pPr algn="ctr"/>
-            <a:r>
-              <a:rPr kumimoji="1" lang="ja-JP" altLang="en-US" dirty="0" smtClean="0">
-                <a:solidFill>
-                  <a:schemeClr val="tx1"/>
-                </a:solidFill>
-              </a:rPr>
-              <a:t>基本情報表示ウインドウ</a:t>
-            </a:r>
-            <a:endParaRPr kumimoji="1" lang="en-US" altLang="ja-JP" dirty="0" smtClean="0">
-              <a:solidFill>
-                <a:schemeClr val="tx1"/>
-              </a:solidFill>
-            </a:endParaRPr>
-          </a:p>
-          <a:p>
-            <a:pPr algn="ctr"/>
-            <a:r>
-              <a:rPr kumimoji="1" lang="en-US" altLang="ja-JP" dirty="0" smtClean="0">
-                <a:solidFill>
-                  <a:schemeClr val="tx1"/>
-                </a:solidFill>
-              </a:rPr>
-              <a:t>100</a:t>
-            </a:r>
-            <a:r>
-              <a:rPr lang="en-US" altLang="ja-JP" dirty="0" smtClean="0">
-                <a:solidFill>
-                  <a:schemeClr val="tx1"/>
-                </a:solidFill>
-              </a:rPr>
-              <a:t>px</a:t>
-            </a:r>
-            <a:endParaRPr kumimoji="1" lang="ja-JP" altLang="en-US" dirty="0">
-              <a:solidFill>
-                <a:schemeClr val="tx1"/>
-              </a:solidFill>
-            </a:endParaRPr>
-          </a:p>
-        </p:txBody>
-      </p:sp>
-      <p:cxnSp>
-        <p:nvCxnSpPr>
-          <p:cNvPr id="15" name="直線矢印コネクタ 14"/>
-          <p:cNvCxnSpPr/>
-          <p:nvPr/>
-        </p:nvCxnSpPr>
-        <p:spPr>
-          <a:xfrm flipH="1">
-            <a:off x="1331640" y="1134983"/>
-            <a:ext cx="3384376" cy="0"/>
-          </a:xfrm>
-          <a:prstGeom prst="straightConnector1">
-            <a:avLst/>
-          </a:prstGeom>
-          <a:ln w="57150">
-            <a:solidFill>
-              <a:srgbClr val="FFC000"/>
-            </a:solidFill>
-            <a:headEnd type="arrow" w="med" len="med"/>
-            <a:tailEnd type="arrow" w="med" len="med"/>
-          </a:ln>
-        </p:spPr>
-        <p:style>
-          <a:lnRef idx="1">
-            <a:schemeClr val="accent1"/>
-          </a:lnRef>
-          <a:fillRef idx="0">
-            <a:schemeClr val="accent1"/>
-          </a:fillRef>
-          <a:effectRef idx="0">
-            <a:schemeClr val="accent1"/>
-          </a:effectRef>
-          <a:fontRef idx="minor">
-            <a:schemeClr val="tx1"/>
-          </a:fontRef>
-        </p:style>
-      </p:cxnSp>
-      <p:sp>
-        <p:nvSpPr>
-          <p:cNvPr id="19" name="テキスト ボックス 18"/>
-          <p:cNvSpPr txBox="1"/>
-          <p:nvPr/>
-        </p:nvSpPr>
-        <p:spPr>
-          <a:xfrm>
-            <a:off x="2621218" y="764704"/>
-            <a:ext cx="805220" cy="369332"/>
-          </a:xfrm>
-          <a:prstGeom prst="rect">
-            <a:avLst/>
-          </a:prstGeom>
-          <a:noFill/>
-        </p:spPr>
-        <p:txBody>
-          <a:bodyPr wrap="none" rtlCol="0">
-            <a:spAutoFit/>
-          </a:bodyPr>
-          <a:lstStyle/>
-          <a:p>
-            <a:r>
-              <a:rPr kumimoji="1" lang="en-US" altLang="ja-JP" dirty="0" smtClean="0"/>
-              <a:t>640 </a:t>
-            </a:r>
-            <a:r>
-              <a:rPr kumimoji="1" lang="en-US" altLang="ja-JP" dirty="0" err="1" smtClean="0"/>
-              <a:t>px</a:t>
-            </a:r>
-            <a:endParaRPr kumimoji="1" lang="ja-JP" altLang="en-US" dirty="0"/>
-          </a:p>
-        </p:txBody>
-      </p:sp>
-      <p:sp>
-        <p:nvSpPr>
-          <p:cNvPr id="28" name="テキスト ボックス 27"/>
-          <p:cNvSpPr txBox="1"/>
-          <p:nvPr/>
-        </p:nvSpPr>
-        <p:spPr>
-          <a:xfrm>
-            <a:off x="5036906" y="1322165"/>
-            <a:ext cx="3413307" cy="646331"/>
-          </a:xfrm>
-          <a:prstGeom prst="rect">
-            <a:avLst/>
-          </a:prstGeom>
-          <a:noFill/>
-        </p:spPr>
-        <p:txBody>
-          <a:bodyPr wrap="none" rtlCol="0">
-            <a:spAutoFit/>
-          </a:bodyPr>
-          <a:lstStyle/>
-          <a:p>
-            <a:r>
-              <a:rPr lang="ja-JP" altLang="en-US" dirty="0"/>
-              <a:t>検索</a:t>
-            </a:r>
-            <a:r>
-              <a:rPr lang="ja-JP" altLang="en-US" dirty="0" smtClean="0"/>
-              <a:t>バー</a:t>
-            </a:r>
-            <a:r>
-              <a:rPr lang="ja-JP" altLang="en-US" dirty="0"/>
-              <a:t>の</a:t>
-            </a:r>
-            <a:r>
-              <a:rPr lang="ja-JP" altLang="en-US" dirty="0" smtClean="0"/>
-              <a:t>高さを </a:t>
-            </a:r>
-            <a:r>
-              <a:rPr lang="en-US" altLang="ja-JP" dirty="0" smtClean="0"/>
-              <a:t>α = 50px </a:t>
-            </a:r>
-            <a:r>
-              <a:rPr lang="ja-JP" altLang="en-US" dirty="0" smtClean="0"/>
-              <a:t>とする</a:t>
-            </a:r>
-            <a:endParaRPr lang="en-US" altLang="ja-JP" dirty="0" smtClean="0"/>
-          </a:p>
-          <a:p>
-            <a:r>
-              <a:rPr lang="ja-JP" altLang="en-US" dirty="0" smtClean="0"/>
-              <a:t>タブバーの高さを </a:t>
-            </a:r>
-            <a:r>
-              <a:rPr lang="en-US" altLang="ja-JP" dirty="0" smtClean="0"/>
-              <a:t>β = 100px</a:t>
-            </a:r>
-            <a:r>
-              <a:rPr lang="ja-JP" altLang="en-US" dirty="0" smtClean="0"/>
-              <a:t>とする</a:t>
-            </a:r>
-            <a:endParaRPr kumimoji="1" lang="ja-JP" altLang="en-US" dirty="0"/>
-          </a:p>
-        </p:txBody>
-      </p:sp>
-      <p:sp>
-        <p:nvSpPr>
-          <p:cNvPr id="29" name="テキスト ボックス 28"/>
-          <p:cNvSpPr txBox="1"/>
-          <p:nvPr/>
-        </p:nvSpPr>
-        <p:spPr>
-          <a:xfrm>
-            <a:off x="4856511" y="2464258"/>
-            <a:ext cx="4014240" cy="1477328"/>
-          </a:xfrm>
-          <a:prstGeom prst="rect">
-            <a:avLst/>
-          </a:prstGeom>
-          <a:noFill/>
-        </p:spPr>
-        <p:txBody>
-          <a:bodyPr wrap="none" rtlCol="0">
-            <a:spAutoFit/>
-          </a:bodyPr>
-          <a:lstStyle/>
-          <a:p>
-            <a:pPr marL="0" lvl="1"/>
-            <a:r>
-              <a:rPr lang="ja-JP" altLang="en-US" dirty="0" smtClean="0"/>
-              <a:t>マップ高さ </a:t>
-            </a:r>
-            <a:r>
-              <a:rPr lang="en-US" altLang="ja-JP" dirty="0" smtClean="0"/>
-              <a:t>= min{floor((1136-150)/4)*4},</a:t>
-            </a:r>
-          </a:p>
-          <a:p>
-            <a:pPr marL="0" lvl="1"/>
-            <a:r>
-              <a:rPr lang="en-US" altLang="ja-JP" dirty="0"/>
-              <a:t> </a:t>
-            </a:r>
-            <a:r>
-              <a:rPr lang="en-US" altLang="ja-JP" dirty="0" smtClean="0"/>
-              <a:t>                              floor(640/6)*8}</a:t>
-            </a:r>
-            <a:br>
-              <a:rPr lang="en-US" altLang="ja-JP" dirty="0" smtClean="0"/>
-            </a:br>
-            <a:r>
-              <a:rPr lang="en-US" altLang="ja-JP" dirty="0" smtClean="0"/>
-              <a:t>                    = min{980, 848}</a:t>
-            </a:r>
-          </a:p>
-          <a:p>
-            <a:pPr marL="0" lvl="1"/>
-            <a:r>
-              <a:rPr lang="en-US" altLang="ja-JP" dirty="0"/>
-              <a:t> </a:t>
-            </a:r>
-            <a:r>
-              <a:rPr lang="en-US" altLang="ja-JP" dirty="0" smtClean="0"/>
-              <a:t>                   = 848</a:t>
-            </a:r>
-          </a:p>
-          <a:p>
-            <a:pPr marL="0" lvl="1"/>
-            <a:r>
-              <a:rPr lang="ja-JP" altLang="en-US" dirty="0" smtClean="0"/>
-              <a:t>マップ幅 </a:t>
-            </a:r>
-            <a:r>
-              <a:rPr lang="en-US" altLang="ja-JP" dirty="0" smtClean="0"/>
-              <a:t>= 848 * 3 / 4 = 636</a:t>
-            </a:r>
-            <a:endParaRPr lang="en-US" altLang="ja-JP" dirty="0"/>
-          </a:p>
-        </p:txBody>
-      </p:sp>
-      <p:sp>
-        <p:nvSpPr>
-          <p:cNvPr id="4" name="角丸四角形吹き出し 3"/>
-          <p:cNvSpPr/>
-          <p:nvPr/>
-        </p:nvSpPr>
-        <p:spPr>
-          <a:xfrm>
-            <a:off x="7236296" y="44624"/>
-            <a:ext cx="1800200" cy="598934"/>
-          </a:xfrm>
-          <a:prstGeom prst="wedgeRoundRectCallout">
-            <a:avLst>
-              <a:gd name="adj1" fmla="val -32555"/>
-              <a:gd name="adj2" fmla="val 66415"/>
-              <a:gd name="adj3" fmla="val 16667"/>
-            </a:avLst>
-          </a:prstGeom>
-        </p:spPr>
-        <p:style>
-          <a:lnRef idx="1">
-            <a:schemeClr val="accent6"/>
-          </a:lnRef>
-          <a:fillRef idx="2">
-            <a:schemeClr val="accent6"/>
-          </a:fillRef>
-          <a:effectRef idx="1">
-            <a:schemeClr val="accent6"/>
-          </a:effectRef>
-          <a:fontRef idx="minor">
-            <a:schemeClr val="dk1"/>
-          </a:fontRef>
-        </p:style>
-        <p:txBody>
-          <a:bodyPr rtlCol="0" anchor="ctr"/>
-          <a:lstStyle/>
-          <a:p>
-            <a:pPr algn="ctr"/>
-            <a:r>
-              <a:rPr kumimoji="1" lang="en-US" altLang="ja-JP" sz="1600" dirty="0" smtClean="0"/>
-              <a:t>16:9</a:t>
-            </a:r>
-            <a:r>
-              <a:rPr kumimoji="1" lang="ja-JP" altLang="en-US" sz="1600" dirty="0" smtClean="0"/>
-              <a:t>なら</a:t>
-            </a:r>
-            <a:r>
-              <a:rPr kumimoji="1" lang="en-US" altLang="ja-JP" sz="1600" dirty="0" smtClean="0"/>
-              <a:t>639</a:t>
-            </a:r>
-            <a:r>
-              <a:rPr kumimoji="1" lang="ja-JP" altLang="en-US" sz="1600" dirty="0" smtClean="0"/>
-              <a:t>の</a:t>
-            </a:r>
-            <a:endParaRPr kumimoji="1" lang="en-US" altLang="ja-JP" sz="1600" dirty="0" smtClean="0"/>
-          </a:p>
-          <a:p>
-            <a:pPr algn="ctr"/>
-            <a:r>
-              <a:rPr lang="ja-JP" altLang="en-US" sz="1600" dirty="0"/>
-              <a:t>はずなのにー</a:t>
-            </a:r>
-            <a:endParaRPr kumimoji="1" lang="ja-JP" altLang="en-US" sz="1600" dirty="0"/>
-          </a:p>
-        </p:txBody>
-      </p:sp>
-    </p:spTree>
-    <p:extLst>
-      <p:ext uri="{BB962C8B-B14F-4D97-AF65-F5344CB8AC3E}">
-        <p14:creationId xmlns:p14="http://schemas.microsoft.com/office/powerpoint/2010/main" val="732172312"/>
-      </p:ext>
-    </p:extLst>
-  </p:cSld>
-  <p:clrMapOvr>
-    <a:masterClrMapping/>
-  </p:clrMapOvr>
-</p:sld>
-</file>
-
-<file path=ppt/slides/slide8.xml><?xml version="1.0" encoding="utf-8"?>
-<p:sld xmlns:a="http://schemas.openxmlformats.org/drawingml/2006/main" xmlns:r="http://schemas.openxmlformats.org/officeDocument/2006/relationships" xmlns:p="http://schemas.openxmlformats.org/presentationml/2006/main">
-  <p:cSld>
-    <p:spTree>
-      <p:nvGrpSpPr>
-        <p:cNvPr id="1" name=""/>
-        <p:cNvGrpSpPr/>
-        <p:nvPr/>
-      </p:nvGrpSpPr>
-      <p:grpSpPr>
-        <a:xfrm>
-          <a:off x="0" y="0"/>
-          <a:ext cx="0" cy="0"/>
-          <a:chOff x="0" y="0"/>
-          <a:chExt cx="0" cy="0"/>
-        </a:xfrm>
-      </p:grpSpPr>
-      <p:sp>
-        <p:nvSpPr>
-          <p:cNvPr id="16" name="タイトル 15"/>
-          <p:cNvSpPr>
-            <a:spLocks noGrp="1"/>
-          </p:cNvSpPr>
-          <p:nvPr>
-            <p:ph type="title"/>
-          </p:nvPr>
-        </p:nvSpPr>
-        <p:spPr>
-          <a:xfrm>
-            <a:off x="52193" y="202630"/>
-            <a:ext cx="6247999" cy="346050"/>
-          </a:xfrm>
-        </p:spPr>
-        <p:txBody>
-          <a:bodyPr>
-            <a:noAutofit/>
-          </a:bodyPr>
-          <a:lstStyle/>
-          <a:p>
-            <a:pPr algn="l"/>
-            <a:r>
-              <a:rPr lang="ja-JP" altLang="en-US" sz="3200" dirty="0" smtClean="0">
-                <a:latin typeface="メイリオ" panose="020B0604030504040204" pitchFamily="50" charset="-128"/>
-                <a:ea typeface="メイリオ" panose="020B0604030504040204" pitchFamily="50" charset="-128"/>
-                <a:cs typeface="メイリオ" panose="020B0604030504040204" pitchFamily="50" charset="-128"/>
-              </a:rPr>
-              <a:t>例</a:t>
-            </a:r>
-            <a:r>
-              <a:rPr lang="ja-JP" altLang="en-US" sz="3200" dirty="0">
-                <a:latin typeface="メイリオ" panose="020B0604030504040204" pitchFamily="50" charset="-128"/>
-                <a:ea typeface="メイリオ" panose="020B0604030504040204" pitchFamily="50" charset="-128"/>
-                <a:cs typeface="メイリオ" panose="020B0604030504040204" pitchFamily="50" charset="-128"/>
-              </a:rPr>
-              <a:t>⑤</a:t>
-            </a:r>
-            <a:r>
-              <a:rPr lang="ja-JP" altLang="en-US" sz="3200" dirty="0" smtClean="0">
-                <a:latin typeface="メイリオ" panose="020B0604030504040204" pitchFamily="50" charset="-128"/>
-                <a:ea typeface="メイリオ" panose="020B0604030504040204" pitchFamily="50" charset="-128"/>
-                <a:cs typeface="メイリオ" panose="020B0604030504040204" pitchFamily="50" charset="-128"/>
-              </a:rPr>
-              <a:t> </a:t>
-            </a:r>
-            <a:r>
-              <a:rPr lang="en-US" altLang="ja-JP" sz="3200" dirty="0" err="1" smtClean="0">
-                <a:latin typeface="メイリオ" panose="020B0604030504040204" pitchFamily="50" charset="-128"/>
-                <a:ea typeface="メイリオ" panose="020B0604030504040204" pitchFamily="50" charset="-128"/>
-                <a:cs typeface="メイリオ" panose="020B0604030504040204" pitchFamily="50" charset="-128"/>
-              </a:rPr>
-              <a:t>Xperia</a:t>
-            </a:r>
-            <a:r>
-              <a:rPr lang="en-US" altLang="ja-JP" sz="3200" dirty="0" smtClean="0">
-                <a:latin typeface="メイリオ" panose="020B0604030504040204" pitchFamily="50" charset="-128"/>
-                <a:ea typeface="メイリオ" panose="020B0604030504040204" pitchFamily="50" charset="-128"/>
-                <a:cs typeface="メイリオ" panose="020B0604030504040204" pitchFamily="50" charset="-128"/>
-              </a:rPr>
-              <a:t> UL SOL22 (16:9)</a:t>
-            </a:r>
-            <a:endParaRPr kumimoji="1" lang="ja-JP" altLang="en-US" sz="3200" dirty="0">
-              <a:latin typeface="メイリオ" panose="020B0604030504040204" pitchFamily="50" charset="-128"/>
-              <a:ea typeface="メイリオ" panose="020B0604030504040204" pitchFamily="50" charset="-128"/>
-              <a:cs typeface="メイリオ" panose="020B0604030504040204" pitchFamily="50" charset="-128"/>
-            </a:endParaRPr>
-          </a:p>
-        </p:txBody>
-      </p:sp>
-      <p:sp>
-        <p:nvSpPr>
-          <p:cNvPr id="2" name="テキスト ボックス 1"/>
-          <p:cNvSpPr txBox="1"/>
-          <p:nvPr/>
-        </p:nvSpPr>
-        <p:spPr>
-          <a:xfrm>
-            <a:off x="5364088" y="643558"/>
-            <a:ext cx="2669320" cy="461665"/>
-          </a:xfrm>
-          <a:prstGeom prst="rect">
-            <a:avLst/>
-          </a:prstGeom>
-          <a:noFill/>
-        </p:spPr>
-        <p:txBody>
-          <a:bodyPr wrap="none" rtlCol="0">
-            <a:spAutoFit/>
-          </a:bodyPr>
-          <a:lstStyle/>
-          <a:p>
-            <a:r>
-              <a:rPr kumimoji="1" lang="ja-JP" altLang="en-US" sz="2400" dirty="0" smtClean="0"/>
-              <a:t>例として </a:t>
-            </a:r>
-            <a:r>
-              <a:rPr lang="en-US" altLang="ja-JP" sz="2400" dirty="0" smtClean="0"/>
-              <a:t>1136 x 640</a:t>
-            </a:r>
-            <a:endParaRPr kumimoji="1" lang="ja-JP" altLang="en-US" sz="2400" dirty="0"/>
-          </a:p>
-        </p:txBody>
-      </p:sp>
-      <p:sp>
-        <p:nvSpPr>
-          <p:cNvPr id="12" name="正方形/長方形 11"/>
-          <p:cNvSpPr/>
-          <p:nvPr/>
-        </p:nvSpPr>
-        <p:spPr>
-          <a:xfrm>
-            <a:off x="1304608" y="1268760"/>
-            <a:ext cx="3384376" cy="5256584"/>
-          </a:xfrm>
-          <a:prstGeom prst="rect">
-            <a:avLst/>
-          </a:prstGeom>
-        </p:spPr>
-        <p:style>
-          <a:lnRef idx="2">
-            <a:schemeClr val="accent1"/>
-          </a:lnRef>
-          <a:fillRef idx="1">
-            <a:schemeClr val="lt1"/>
-          </a:fillRef>
-          <a:effectRef idx="0">
-            <a:schemeClr val="accent1"/>
-          </a:effectRef>
-          <a:fontRef idx="minor">
-            <a:schemeClr val="dk1"/>
-          </a:fontRef>
-        </p:style>
-        <p:txBody>
-          <a:bodyPr rtlCol="0" anchor="ctr"/>
-          <a:lstStyle/>
-          <a:p>
-            <a:pPr algn="ctr"/>
-            <a:endParaRPr kumimoji="1" lang="ja-JP" altLang="en-US"/>
-          </a:p>
-        </p:txBody>
-      </p:sp>
-      <p:sp>
-        <p:nvSpPr>
-          <p:cNvPr id="17" name="正方形/長方形 16"/>
-          <p:cNvSpPr/>
-          <p:nvPr/>
-        </p:nvSpPr>
-        <p:spPr>
-          <a:xfrm>
-            <a:off x="1304608" y="1268760"/>
-            <a:ext cx="3384376" cy="576064"/>
-          </a:xfrm>
-          <a:prstGeom prst="rect">
-            <a:avLst/>
-          </a:prstGeom>
-        </p:spPr>
-        <p:style>
-          <a:lnRef idx="2">
-            <a:schemeClr val="accent1">
-              <a:shade val="50000"/>
-            </a:schemeClr>
-          </a:lnRef>
-          <a:fillRef idx="1">
-            <a:schemeClr val="accent1"/>
-          </a:fillRef>
-          <a:effectRef idx="0">
-            <a:schemeClr val="accent1"/>
-          </a:effectRef>
-          <a:fontRef idx="minor">
-            <a:schemeClr val="lt1"/>
-          </a:fontRef>
-        </p:style>
-        <p:txBody>
-          <a:bodyPr rtlCol="0" anchor="ctr"/>
-          <a:lstStyle/>
-          <a:p>
-            <a:pPr algn="ctr"/>
-            <a:r>
-              <a:rPr lang="ja-JP" altLang="en-US" dirty="0"/>
-              <a:t>検索</a:t>
-            </a:r>
-            <a:r>
-              <a:rPr lang="ja-JP" altLang="en-US" dirty="0" smtClean="0"/>
-              <a:t>バー </a:t>
-            </a:r>
-            <a:r>
-              <a:rPr lang="en-US" altLang="ja-JP" dirty="0" smtClean="0"/>
-              <a:t>100px</a:t>
-            </a:r>
-            <a:endParaRPr kumimoji="1" lang="ja-JP" altLang="en-US" dirty="0"/>
-          </a:p>
-        </p:txBody>
-      </p:sp>
-      <p:sp>
-        <p:nvSpPr>
-          <p:cNvPr id="18" name="正方形/長方形 17"/>
-          <p:cNvSpPr/>
-          <p:nvPr/>
-        </p:nvSpPr>
-        <p:spPr>
-          <a:xfrm>
-            <a:off x="1331640" y="1844824"/>
-            <a:ext cx="3357344" cy="3528392"/>
-          </a:xfrm>
-          <a:prstGeom prst="rect">
-            <a:avLst/>
-          </a:prstGeom>
-          <a:solidFill>
-            <a:schemeClr val="accent3">
-              <a:lumMod val="40000"/>
-              <a:lumOff val="60000"/>
-            </a:schemeClr>
-          </a:solidFill>
-        </p:spPr>
-        <p:style>
-          <a:lnRef idx="2">
-            <a:schemeClr val="accent1">
-              <a:shade val="50000"/>
-            </a:schemeClr>
-          </a:lnRef>
-          <a:fillRef idx="1">
-            <a:schemeClr val="accent1"/>
-          </a:fillRef>
-          <a:effectRef idx="0">
-            <a:schemeClr val="accent1"/>
-          </a:effectRef>
-          <a:fontRef idx="minor">
-            <a:schemeClr val="lt1"/>
-          </a:fontRef>
-        </p:style>
-        <p:txBody>
-          <a:bodyPr rtlCol="0" anchor="ctr"/>
-          <a:lstStyle/>
-          <a:p>
-            <a:pPr algn="ctr"/>
-            <a:r>
-              <a:rPr kumimoji="1" lang="en-US" altLang="ja-JP" dirty="0" smtClean="0">
-                <a:solidFill>
-                  <a:schemeClr val="tx1"/>
-                </a:solidFill>
-              </a:rPr>
-              <a:t>1440 x 1080</a:t>
-            </a:r>
-            <a:endParaRPr kumimoji="1" lang="ja-JP" altLang="en-US" dirty="0">
-              <a:solidFill>
-                <a:schemeClr val="tx1"/>
-              </a:solidFill>
-            </a:endParaRPr>
-          </a:p>
-        </p:txBody>
-      </p:sp>
-      <p:sp>
-        <p:nvSpPr>
-          <p:cNvPr id="20" name="正方形/長方形 19"/>
-          <p:cNvSpPr/>
-          <p:nvPr/>
-        </p:nvSpPr>
-        <p:spPr>
-          <a:xfrm>
-            <a:off x="1304608" y="5805264"/>
-            <a:ext cx="3384376" cy="720080"/>
-          </a:xfrm>
-          <a:prstGeom prst="rect">
-            <a:avLst/>
-          </a:prstGeom>
-        </p:spPr>
-        <p:style>
-          <a:lnRef idx="2">
-            <a:schemeClr val="dk1">
-              <a:shade val="50000"/>
-            </a:schemeClr>
-          </a:lnRef>
-          <a:fillRef idx="1">
-            <a:schemeClr val="dk1"/>
-          </a:fillRef>
-          <a:effectRef idx="0">
-            <a:schemeClr val="dk1"/>
-          </a:effectRef>
-          <a:fontRef idx="minor">
-            <a:schemeClr val="lt1"/>
-          </a:fontRef>
-        </p:style>
-        <p:txBody>
-          <a:bodyPr rtlCol="0" anchor="ctr"/>
-          <a:lstStyle/>
-          <a:p>
-            <a:pPr algn="ctr"/>
-            <a:r>
-              <a:rPr lang="ja-JP" altLang="en-US" dirty="0" smtClean="0"/>
-              <a:t>タブバー </a:t>
-            </a:r>
-            <a:r>
-              <a:rPr lang="en-US" altLang="ja-JP" dirty="0" smtClean="0"/>
-              <a:t>150 </a:t>
-            </a:r>
-            <a:r>
-              <a:rPr lang="en-US" altLang="ja-JP" dirty="0" err="1" smtClean="0"/>
-              <a:t>px</a:t>
-            </a:r>
-            <a:endParaRPr kumimoji="1" lang="ja-JP" altLang="en-US" dirty="0"/>
-          </a:p>
-        </p:txBody>
-      </p:sp>
-      <p:cxnSp>
-        <p:nvCxnSpPr>
-          <p:cNvPr id="23" name="直線矢印コネクタ 22"/>
-          <p:cNvCxnSpPr/>
-          <p:nvPr/>
-        </p:nvCxnSpPr>
-        <p:spPr>
-          <a:xfrm>
-            <a:off x="1115616" y="1268760"/>
-            <a:ext cx="0" cy="5256584"/>
-          </a:xfrm>
-          <a:prstGeom prst="straightConnector1">
-            <a:avLst/>
-          </a:prstGeom>
-          <a:ln w="57150">
-            <a:solidFill>
-              <a:srgbClr val="FF0000"/>
-            </a:solidFill>
-            <a:headEnd type="arrow" w="med" len="med"/>
-            <a:tailEnd type="arrow" w="med" len="med"/>
-          </a:ln>
-        </p:spPr>
-        <p:style>
-          <a:lnRef idx="1">
-            <a:schemeClr val="accent1"/>
-          </a:lnRef>
-          <a:fillRef idx="0">
-            <a:schemeClr val="accent1"/>
-          </a:fillRef>
-          <a:effectRef idx="0">
-            <a:schemeClr val="accent1"/>
-          </a:effectRef>
-          <a:fontRef idx="minor">
-            <a:schemeClr val="tx1"/>
-          </a:fontRef>
-        </p:style>
-      </p:cxnSp>
-      <p:sp>
-        <p:nvSpPr>
-          <p:cNvPr id="24" name="テキスト ボックス 23"/>
-          <p:cNvSpPr txBox="1"/>
-          <p:nvPr/>
-        </p:nvSpPr>
-        <p:spPr>
-          <a:xfrm>
-            <a:off x="179512" y="3640378"/>
-            <a:ext cx="922240" cy="369332"/>
-          </a:xfrm>
-          <a:prstGeom prst="rect">
-            <a:avLst/>
-          </a:prstGeom>
-          <a:noFill/>
-        </p:spPr>
-        <p:txBody>
-          <a:bodyPr wrap="none" rtlCol="0">
-            <a:spAutoFit/>
-          </a:bodyPr>
-          <a:lstStyle/>
-          <a:p>
-            <a:r>
-              <a:rPr kumimoji="1" lang="en-US" altLang="ja-JP" dirty="0" smtClean="0"/>
-              <a:t>1920 </a:t>
-            </a:r>
-            <a:r>
-              <a:rPr kumimoji="1" lang="en-US" altLang="ja-JP" dirty="0" err="1" smtClean="0"/>
-              <a:t>px</a:t>
-            </a:r>
-            <a:endParaRPr kumimoji="1" lang="ja-JP" altLang="en-US" dirty="0"/>
-          </a:p>
-        </p:txBody>
-      </p:sp>
-      <p:sp>
-        <p:nvSpPr>
-          <p:cNvPr id="27" name="正方形/長方形 26"/>
-          <p:cNvSpPr/>
-          <p:nvPr/>
-        </p:nvSpPr>
-        <p:spPr>
-          <a:xfrm>
-            <a:off x="1304608" y="5085184"/>
-            <a:ext cx="3384376" cy="720080"/>
-          </a:xfrm>
-          <a:prstGeom prst="rect">
-            <a:avLst/>
-          </a:prstGeom>
-          <a:solidFill>
-            <a:srgbClr val="E46C0A">
-              <a:alpha val="49020"/>
-            </a:srgbClr>
-          </a:solidFill>
-        </p:spPr>
-        <p:style>
-          <a:lnRef idx="2">
-            <a:schemeClr val="accent1">
-              <a:shade val="50000"/>
-            </a:schemeClr>
-          </a:lnRef>
-          <a:fillRef idx="1">
-            <a:schemeClr val="accent1"/>
-          </a:fillRef>
-          <a:effectRef idx="0">
-            <a:schemeClr val="accent1"/>
-          </a:effectRef>
-          <a:fontRef idx="minor">
-            <a:schemeClr val="lt1"/>
-          </a:fontRef>
-        </p:style>
-        <p:txBody>
-          <a:bodyPr rtlCol="0" anchor="ctr"/>
-          <a:lstStyle/>
-          <a:p>
-            <a:pPr algn="ctr"/>
-            <a:r>
-              <a:rPr kumimoji="1" lang="ja-JP" altLang="en-US" dirty="0" smtClean="0">
-                <a:solidFill>
-                  <a:schemeClr val="tx1"/>
-                </a:solidFill>
-              </a:rPr>
-              <a:t>基本情報表示ウインドウ</a:t>
-            </a:r>
-            <a:endParaRPr kumimoji="1" lang="en-US" altLang="ja-JP" dirty="0" smtClean="0">
-              <a:solidFill>
-                <a:schemeClr val="tx1"/>
-              </a:solidFill>
-            </a:endParaRPr>
-          </a:p>
-          <a:p>
-            <a:pPr algn="ctr"/>
-            <a:r>
-              <a:rPr lang="en-US" altLang="ja-JP" dirty="0">
-                <a:solidFill>
-                  <a:schemeClr val="tx1"/>
-                </a:solidFill>
-              </a:rPr>
-              <a:t>2</a:t>
-            </a:r>
-            <a:r>
-              <a:rPr kumimoji="1" lang="en-US" altLang="ja-JP" dirty="0" smtClean="0">
-                <a:solidFill>
-                  <a:schemeClr val="tx1"/>
-                </a:solidFill>
-              </a:rPr>
-              <a:t>00</a:t>
-            </a:r>
-            <a:r>
-              <a:rPr lang="en-US" altLang="ja-JP" dirty="0" smtClean="0">
-                <a:solidFill>
-                  <a:schemeClr val="tx1"/>
-                </a:solidFill>
-              </a:rPr>
-              <a:t>px</a:t>
-            </a:r>
-            <a:endParaRPr kumimoji="1" lang="ja-JP" altLang="en-US" dirty="0">
-              <a:solidFill>
-                <a:schemeClr val="tx1"/>
-              </a:solidFill>
-            </a:endParaRPr>
-          </a:p>
-        </p:txBody>
-      </p:sp>
-      <p:cxnSp>
-        <p:nvCxnSpPr>
-          <p:cNvPr id="15" name="直線矢印コネクタ 14"/>
-          <p:cNvCxnSpPr/>
-          <p:nvPr/>
-        </p:nvCxnSpPr>
-        <p:spPr>
-          <a:xfrm flipH="1">
-            <a:off x="1331640" y="1134983"/>
-            <a:ext cx="3384376" cy="0"/>
-          </a:xfrm>
-          <a:prstGeom prst="straightConnector1">
-            <a:avLst/>
-          </a:prstGeom>
-          <a:ln w="57150">
-            <a:solidFill>
-              <a:srgbClr val="FFC000"/>
-            </a:solidFill>
-            <a:headEnd type="arrow" w="med" len="med"/>
-            <a:tailEnd type="arrow" w="med" len="med"/>
-          </a:ln>
-        </p:spPr>
-        <p:style>
-          <a:lnRef idx="1">
-            <a:schemeClr val="accent1"/>
-          </a:lnRef>
-          <a:fillRef idx="0">
-            <a:schemeClr val="accent1"/>
-          </a:fillRef>
-          <a:effectRef idx="0">
-            <a:schemeClr val="accent1"/>
-          </a:effectRef>
-          <a:fontRef idx="minor">
-            <a:schemeClr val="tx1"/>
-          </a:fontRef>
-        </p:style>
-      </p:cxnSp>
-      <p:sp>
-        <p:nvSpPr>
-          <p:cNvPr id="19" name="テキスト ボックス 18"/>
-          <p:cNvSpPr txBox="1"/>
-          <p:nvPr/>
-        </p:nvSpPr>
-        <p:spPr>
-          <a:xfrm>
-            <a:off x="2621218" y="764704"/>
-            <a:ext cx="922240" cy="369332"/>
-          </a:xfrm>
-          <a:prstGeom prst="rect">
-            <a:avLst/>
-          </a:prstGeom>
-          <a:noFill/>
-        </p:spPr>
-        <p:txBody>
-          <a:bodyPr wrap="none" rtlCol="0">
-            <a:spAutoFit/>
-          </a:bodyPr>
-          <a:lstStyle/>
-          <a:p>
-            <a:r>
-              <a:rPr kumimoji="1" lang="en-US" altLang="ja-JP" dirty="0" smtClean="0"/>
-              <a:t>1080 </a:t>
-            </a:r>
-            <a:r>
-              <a:rPr kumimoji="1" lang="en-US" altLang="ja-JP" dirty="0" err="1" smtClean="0"/>
-              <a:t>px</a:t>
-            </a:r>
-            <a:endParaRPr kumimoji="1" lang="ja-JP" altLang="en-US" dirty="0"/>
-          </a:p>
-        </p:txBody>
-      </p:sp>
-      <p:sp>
-        <p:nvSpPr>
-          <p:cNvPr id="28" name="テキスト ボックス 27"/>
-          <p:cNvSpPr txBox="1"/>
-          <p:nvPr/>
-        </p:nvSpPr>
-        <p:spPr>
-          <a:xfrm>
-            <a:off x="5036906" y="1322165"/>
-            <a:ext cx="3555973" cy="646331"/>
-          </a:xfrm>
-          <a:prstGeom prst="rect">
-            <a:avLst/>
-          </a:prstGeom>
-          <a:noFill/>
-        </p:spPr>
-        <p:txBody>
-          <a:bodyPr wrap="none" rtlCol="0">
-            <a:spAutoFit/>
-          </a:bodyPr>
-          <a:lstStyle/>
-          <a:p>
-            <a:r>
-              <a:rPr lang="ja-JP" altLang="en-US" dirty="0"/>
-              <a:t>検索</a:t>
-            </a:r>
-            <a:r>
-              <a:rPr lang="ja-JP" altLang="en-US" dirty="0" smtClean="0"/>
-              <a:t>バー</a:t>
-            </a:r>
-            <a:r>
-              <a:rPr lang="ja-JP" altLang="en-US" dirty="0"/>
-              <a:t>の</a:t>
-            </a:r>
-            <a:r>
-              <a:rPr lang="ja-JP" altLang="en-US" dirty="0" smtClean="0"/>
-              <a:t>高さを </a:t>
-            </a:r>
-            <a:r>
-              <a:rPr lang="en-US" altLang="ja-JP" dirty="0" smtClean="0"/>
-              <a:t>α = 100px </a:t>
-            </a:r>
-            <a:r>
-              <a:rPr lang="ja-JP" altLang="en-US" dirty="0" smtClean="0"/>
-              <a:t>とする</a:t>
-            </a:r>
-            <a:endParaRPr lang="en-US" altLang="ja-JP" dirty="0" smtClean="0"/>
-          </a:p>
-          <a:p>
-            <a:r>
-              <a:rPr lang="ja-JP" altLang="en-US" dirty="0" smtClean="0"/>
-              <a:t>タブバーの高さを </a:t>
-            </a:r>
-            <a:r>
-              <a:rPr lang="en-US" altLang="ja-JP" dirty="0" smtClean="0"/>
-              <a:t>β = 150px</a:t>
-            </a:r>
-            <a:r>
-              <a:rPr lang="ja-JP" altLang="en-US" dirty="0" smtClean="0"/>
-              <a:t>とする</a:t>
-            </a:r>
-            <a:endParaRPr kumimoji="1" lang="ja-JP" altLang="en-US" dirty="0"/>
-          </a:p>
-        </p:txBody>
-      </p:sp>
-      <p:sp>
-        <p:nvSpPr>
-          <p:cNvPr id="29" name="テキスト ボックス 28"/>
-          <p:cNvSpPr txBox="1"/>
-          <p:nvPr/>
-        </p:nvSpPr>
-        <p:spPr>
-          <a:xfrm>
-            <a:off x="4856511" y="2464258"/>
-            <a:ext cx="4014240" cy="1477328"/>
-          </a:xfrm>
-          <a:prstGeom prst="rect">
-            <a:avLst/>
-          </a:prstGeom>
-          <a:noFill/>
-        </p:spPr>
-        <p:txBody>
-          <a:bodyPr wrap="none" rtlCol="0">
-            <a:spAutoFit/>
-          </a:bodyPr>
-          <a:lstStyle/>
-          <a:p>
-            <a:pPr marL="0" lvl="1"/>
-            <a:r>
-              <a:rPr lang="ja-JP" altLang="en-US" dirty="0" smtClean="0"/>
-              <a:t>マップ高さ </a:t>
-            </a:r>
-            <a:r>
-              <a:rPr lang="en-US" altLang="ja-JP" dirty="0" smtClean="0"/>
-              <a:t>= min{floor((1920-250)/4)*4},</a:t>
-            </a:r>
-          </a:p>
-          <a:p>
-            <a:pPr marL="0" lvl="1"/>
-            <a:r>
-              <a:rPr lang="en-US" altLang="ja-JP" dirty="0"/>
-              <a:t> </a:t>
-            </a:r>
-            <a:r>
-              <a:rPr lang="en-US" altLang="ja-JP" dirty="0" smtClean="0"/>
-              <a:t>                              floor(1080/6)*8}</a:t>
-            </a:r>
-            <a:br>
-              <a:rPr lang="en-US" altLang="ja-JP" dirty="0" smtClean="0"/>
-            </a:br>
-            <a:r>
-              <a:rPr lang="en-US" altLang="ja-JP" dirty="0" smtClean="0"/>
-              <a:t>                    = min{1668, 1440}</a:t>
-            </a:r>
-          </a:p>
-          <a:p>
-            <a:pPr marL="0" lvl="1"/>
-            <a:r>
-              <a:rPr lang="en-US" altLang="ja-JP" dirty="0"/>
-              <a:t> </a:t>
-            </a:r>
-            <a:r>
-              <a:rPr lang="en-US" altLang="ja-JP" dirty="0" smtClean="0"/>
-              <a:t>                   = 1440</a:t>
-            </a:r>
-          </a:p>
-          <a:p>
-            <a:pPr marL="0" lvl="1"/>
-            <a:r>
-              <a:rPr lang="ja-JP" altLang="en-US" dirty="0" smtClean="0"/>
-              <a:t>マップ幅 </a:t>
-            </a:r>
-            <a:r>
-              <a:rPr lang="en-US" altLang="ja-JP" dirty="0" smtClean="0"/>
-              <a:t>= 1440 * 3 / 4 = 1080</a:t>
-            </a:r>
-            <a:endParaRPr lang="en-US" altLang="ja-JP" dirty="0"/>
-          </a:p>
-        </p:txBody>
-      </p:sp>
-    </p:spTree>
-    <p:extLst>
-      <p:ext uri="{BB962C8B-B14F-4D97-AF65-F5344CB8AC3E}">
-        <p14:creationId xmlns:p14="http://schemas.microsoft.com/office/powerpoint/2010/main" val="2315762559"/>
-      </p:ext>
-    </p:extLst>
-  </p:cSld>
-  <p:clrMapOvr>
-    <a:masterClrMapping/>
-  </p:clrMapOvr>
-</p:sld>
-</file>
-
-<file path=ppt/slides/slide9.xml><?xml version="1.0" encoding="utf-8"?>
-<p:sld xmlns:a="http://schemas.openxmlformats.org/drawingml/2006/main" xmlns:r="http://schemas.openxmlformats.org/officeDocument/2006/relationships" xmlns:p="http://schemas.openxmlformats.org/presentationml/2006/main">
-  <p:cSld>
-    <p:spTree>
-      <p:nvGrpSpPr>
-        <p:cNvPr id="1" name=""/>
-        <p:cNvGrpSpPr/>
-        <p:nvPr/>
-      </p:nvGrpSpPr>
-      <p:grpSpPr>
-        <a:xfrm>
-          <a:off x="0" y="0"/>
-          <a:ext cx="0" cy="0"/>
-          <a:chOff x="0" y="0"/>
-          <a:chExt cx="0" cy="0"/>
-        </a:xfrm>
-      </p:grpSpPr>
-      <p:sp>
-        <p:nvSpPr>
           <p:cNvPr id="2" name="タイトル 1"/>
           <p:cNvSpPr>
             <a:spLocks noGrp="1"/>
@@ -9361,8 +9048,8 @@
           </a:p>
         </p:txBody>
       </p:sp>
-      <mc:AlternateContent xmlns:mc="http://schemas.openxmlformats.org/markup-compatibility/2006">
-        <mc:Choice xmlns:a14="http://schemas.microsoft.com/office/drawing/2010/main" Requires="a14">
+      <mc:AlternateContent xmlns:mc="http://schemas.openxmlformats.org/markup-compatibility/2006" xmlns:a14="http://schemas.microsoft.com/office/drawing/2010/main">
+        <mc:Choice Requires="a14">
           <p:sp>
             <p:nvSpPr>
               <p:cNvPr id="5" name="コンテンツ プレースホルダー 4"/>
@@ -10056,7 +9743,7 @@
             </p:txBody>
           </p:sp>
         </mc:Choice>
-        <mc:Fallback>
+        <mc:Fallback xmlns="">
           <p:sp>
             <p:nvSpPr>
               <p:cNvPr id="5" name="コンテンツ プレースホルダー 4"/>
@@ -10098,6 +9785,590 @@
     <p:extLst>
       <p:ext uri="{BB962C8B-B14F-4D97-AF65-F5344CB8AC3E}">
         <p14:creationId xmlns:p14="http://schemas.microsoft.com/office/powerpoint/2010/main" val="123947138"/>
+      </p:ext>
+    </p:extLst>
+  </p:cSld>
+  <p:clrMapOvr>
+    <a:masterClrMapping/>
+  </p:clrMapOvr>
+</p:sld>
+</file>
+
+<file path=ppt/slides/slide8.xml><?xml version="1.0" encoding="utf-8"?>
+<p:sld xmlns:a="http://schemas.openxmlformats.org/drawingml/2006/main" xmlns:r="http://schemas.openxmlformats.org/officeDocument/2006/relationships" xmlns:p="http://schemas.openxmlformats.org/presentationml/2006/main">
+  <p:cSld>
+    <p:spTree>
+      <p:nvGrpSpPr>
+        <p:cNvPr id="1" name=""/>
+        <p:cNvGrpSpPr/>
+        <p:nvPr/>
+      </p:nvGrpSpPr>
+      <p:grpSpPr>
+        <a:xfrm>
+          <a:off x="0" y="0"/>
+          <a:ext cx="0" cy="0"/>
+          <a:chOff x="0" y="0"/>
+          <a:chExt cx="0" cy="0"/>
+        </a:xfrm>
+      </p:grpSpPr>
+      <p:sp>
+        <p:nvSpPr>
+          <p:cNvPr id="2" name="タイトル 1"/>
+          <p:cNvSpPr>
+            <a:spLocks noGrp="1"/>
+          </p:cNvSpPr>
+          <p:nvPr>
+            <p:ph type="title"/>
+          </p:nvPr>
+        </p:nvSpPr>
+        <p:spPr/>
+        <p:txBody>
+          <a:bodyPr>
+            <a:noAutofit/>
+          </a:bodyPr>
+          <a:lstStyle/>
+          <a:p>
+            <a:r>
+              <a:rPr kumimoji="1" lang="ja-JP" altLang="en-US" sz="3200" dirty="0" smtClean="0"/>
+              <a:t>例 </a:t>
+            </a:r>
+            <a:r>
+              <a:rPr kumimoji="1" lang="en-US" altLang="ja-JP" sz="3200" dirty="0" smtClean="0"/>
+              <a:t>(108,144)</a:t>
+            </a:r>
+            <a:r>
+              <a:rPr kumimoji="1" lang="ja-JP" altLang="en-US" sz="3200" dirty="0" smtClean="0"/>
+              <a:t>の格子から</a:t>
+            </a:r>
+            <a:r>
+              <a:rPr kumimoji="1" lang="en-US" altLang="ja-JP" sz="3200" dirty="0" smtClean="0"/>
+              <a:t>iPhone4(606,808</a:t>
+            </a:r>
+            <a:r>
+              <a:rPr kumimoji="1" lang="ja-JP" altLang="en-US" sz="3200" dirty="0" smtClean="0"/>
+              <a:t>へ</a:t>
+            </a:r>
+            <a:r>
+              <a:rPr kumimoji="1" lang="en-US" altLang="ja-JP" sz="3200" dirty="0" smtClean="0"/>
+              <a:t>)</a:t>
+            </a:r>
+            <a:endParaRPr kumimoji="1" lang="ja-JP" altLang="en-US" sz="3200" dirty="0"/>
+          </a:p>
+        </p:txBody>
+      </p:sp>
+      <mc:AlternateContent xmlns:mc="http://schemas.openxmlformats.org/markup-compatibility/2006" xmlns:a14="http://schemas.microsoft.com/office/drawing/2010/main">
+        <mc:Choice Requires="a14">
+          <p:sp>
+            <p:nvSpPr>
+              <p:cNvPr id="3" name="コンテンツ プレースホルダー 2"/>
+              <p:cNvSpPr>
+                <a:spLocks noGrp="1"/>
+              </p:cNvSpPr>
+              <p:nvPr>
+                <p:ph idx="1"/>
+              </p:nvPr>
+            </p:nvSpPr>
+            <p:spPr/>
+            <p:txBody>
+              <a:bodyPr/>
+              <a:lstStyle/>
+              <a:p>
+                <a:r>
+                  <a:rPr kumimoji="1" lang="en-US" altLang="ja-JP" dirty="0" smtClean="0"/>
+                  <a:t>cell</a:t>
+                </a:r>
+                <a:r>
+                  <a:rPr kumimoji="1" lang="ja-JP" altLang="en-US" dirty="0" smtClean="0"/>
+                  <a:t>の大きさ</a:t>
+                </a:r>
+                <a:r>
+                  <a:rPr lang="ja-JP" altLang="en-US" dirty="0" smtClean="0"/>
+                  <a:t> </a:t>
+                </a:r>
+                <a:r>
+                  <a:rPr lang="en-US" altLang="ja-JP" dirty="0" smtClean="0"/>
+                  <a:t>= </a:t>
+                </a:r>
+                <a14:m>
+                  <m:oMath xmlns:m="http://schemas.openxmlformats.org/officeDocument/2006/math">
+                    <m:d>
+                      <m:dPr>
+                        <m:ctrlPr>
+                          <a:rPr lang="en-US" altLang="ja-JP" b="0" i="1" smtClean="0">
+                            <a:latin typeface="Cambria Math"/>
+                          </a:rPr>
+                        </m:ctrlPr>
+                      </m:dPr>
+                      <m:e>
+                        <m:f>
+                          <m:fPr>
+                            <m:ctrlPr>
+                              <a:rPr lang="en-US" altLang="ja-JP" b="0" i="1" smtClean="0">
+                                <a:latin typeface="Cambria Math"/>
+                              </a:rPr>
+                            </m:ctrlPr>
+                          </m:fPr>
+                          <m:num>
+                            <m:r>
+                              <a:rPr lang="en-US" altLang="ja-JP" b="0" i="1" smtClean="0">
+                                <a:latin typeface="Cambria Math"/>
+                              </a:rPr>
+                              <m:t>606</m:t>
+                            </m:r>
+                          </m:num>
+                          <m:den>
+                            <m:r>
+                              <a:rPr lang="en-US" altLang="ja-JP" b="0" i="1" smtClean="0">
+                                <a:latin typeface="Cambria Math"/>
+                              </a:rPr>
+                              <m:t>108</m:t>
+                            </m:r>
+                          </m:den>
+                        </m:f>
+                        <m:r>
+                          <a:rPr lang="en-US" altLang="ja-JP" b="0" i="1" smtClean="0">
+                            <a:latin typeface="Cambria Math"/>
+                          </a:rPr>
+                          <m:t>,</m:t>
+                        </m:r>
+                        <m:f>
+                          <m:fPr>
+                            <m:ctrlPr>
+                              <a:rPr lang="en-US" altLang="ja-JP" b="0" i="1" smtClean="0">
+                                <a:latin typeface="Cambria Math"/>
+                              </a:rPr>
+                            </m:ctrlPr>
+                          </m:fPr>
+                          <m:num>
+                            <m:r>
+                              <a:rPr lang="en-US" altLang="ja-JP" b="0" i="1" smtClean="0">
+                                <a:latin typeface="Cambria Math"/>
+                              </a:rPr>
+                              <m:t>808</m:t>
+                            </m:r>
+                          </m:num>
+                          <m:den>
+                            <m:r>
+                              <a:rPr lang="en-US" altLang="ja-JP" b="0" i="1" smtClean="0">
+                                <a:latin typeface="Cambria Math"/>
+                              </a:rPr>
+                              <m:t>144</m:t>
+                            </m:r>
+                          </m:den>
+                        </m:f>
+                      </m:e>
+                    </m:d>
+                  </m:oMath>
+                </a14:m>
+                <a:endParaRPr lang="en-US" altLang="ja-JP" b="0" dirty="0" smtClean="0"/>
+              </a:p>
+              <a:p>
+                <a:r>
+                  <a:rPr lang="en-US" altLang="ja-JP" dirty="0" smtClean="0"/>
+                  <a:t>cell</a:t>
+                </a:r>
+                <a:r>
+                  <a:rPr lang="ja-JP" altLang="en-US" dirty="0" smtClean="0"/>
+                  <a:t>上で 位置</a:t>
+                </a:r>
+                <a:r>
+                  <a:rPr lang="en-US" altLang="ja-JP" dirty="0" smtClean="0"/>
+                  <a:t>(46,9), </a:t>
+                </a:r>
+                <a:r>
+                  <a:rPr lang="ja-JP" altLang="en-US" dirty="0" smtClean="0"/>
+                  <a:t>大きさ</a:t>
+                </a:r>
+                <a:r>
+                  <a:rPr lang="en-US" altLang="ja-JP" dirty="0" smtClean="0"/>
+                  <a:t>(4,3)</a:t>
+                </a:r>
+                <a:r>
+                  <a:rPr lang="ja-JP" altLang="en-US" dirty="0" smtClean="0"/>
+                  <a:t>の場合</a:t>
+                </a:r>
+                <a:endParaRPr lang="en-US" altLang="ja-JP" dirty="0" smtClean="0"/>
+              </a:p>
+              <a:p>
+                <a:pPr lvl="1"/>
+                <a:r>
+                  <a:rPr lang="ja-JP" altLang="en-US" dirty="0" smtClean="0"/>
+                  <a:t>画面上での位置</a:t>
+                </a:r>
+                <a:r>
+                  <a:rPr lang="en-US" altLang="ja-JP" dirty="0" smtClean="0"/>
+                  <a:t>(map</a:t>
+                </a:r>
+                <a:r>
+                  <a:rPr lang="ja-JP" altLang="en-US" dirty="0" smtClean="0"/>
+                  <a:t>左上からの相対位置）</a:t>
+                </a:r>
+                <a:endParaRPr lang="en-US" altLang="ja-JP" dirty="0" smtClean="0"/>
+              </a:p>
+              <a:p>
+                <a:pPr lvl="2"/>
+                <a:r>
+                  <a:rPr lang="en-US" altLang="ja-JP" dirty="0" smtClean="0"/>
+                  <a:t> </a:t>
+                </a:r>
+                <a14:m>
+                  <m:oMath xmlns:m="http://schemas.openxmlformats.org/officeDocument/2006/math">
+                    <m:d>
+                      <m:dPr>
+                        <m:ctrlPr>
+                          <a:rPr lang="en-US" altLang="ja-JP" b="0" i="1" smtClean="0">
+                            <a:latin typeface="Cambria Math"/>
+                          </a:rPr>
+                        </m:ctrlPr>
+                      </m:dPr>
+                      <m:e>
+                        <m:d>
+                          <m:dPr>
+                            <m:begChr m:val="⌊"/>
+                            <m:endChr m:val="⌋"/>
+                            <m:ctrlPr>
+                              <a:rPr lang="en-US" altLang="ja-JP" b="0" i="1" smtClean="0">
+                                <a:latin typeface="Cambria Math"/>
+                              </a:rPr>
+                            </m:ctrlPr>
+                          </m:dPr>
+                          <m:e>
+                            <m:f>
+                              <m:fPr>
+                                <m:ctrlPr>
+                                  <a:rPr lang="en-US" altLang="ja-JP" i="1">
+                                    <a:latin typeface="Cambria Math"/>
+                                  </a:rPr>
+                                </m:ctrlPr>
+                              </m:fPr>
+                              <m:num>
+                                <m:r>
+                                  <a:rPr lang="en-US" altLang="ja-JP" i="1">
+                                    <a:latin typeface="Cambria Math"/>
+                                  </a:rPr>
+                                  <m:t>606∗46 </m:t>
+                                </m:r>
+                              </m:num>
+                              <m:den>
+                                <m:r>
+                                  <a:rPr lang="en-US" altLang="ja-JP" i="1">
+                                    <a:latin typeface="Cambria Math"/>
+                                  </a:rPr>
+                                  <m:t>108</m:t>
+                                </m:r>
+                              </m:den>
+                            </m:f>
+                          </m:e>
+                        </m:d>
+                        <m:r>
+                          <a:rPr lang="en-US" altLang="ja-JP" b="0" i="0" smtClean="0">
+                            <a:latin typeface="Cambria Math"/>
+                          </a:rPr>
+                          <m:t>,</m:t>
+                        </m:r>
+                        <m:d>
+                          <m:dPr>
+                            <m:begChr m:val="⌊"/>
+                            <m:endChr m:val="⌋"/>
+                            <m:ctrlPr>
+                              <a:rPr lang="en-US" altLang="ja-JP" b="0" i="1" smtClean="0">
+                                <a:latin typeface="Cambria Math"/>
+                              </a:rPr>
+                            </m:ctrlPr>
+                          </m:dPr>
+                          <m:e>
+                            <m:f>
+                              <m:fPr>
+                                <m:ctrlPr>
+                                  <a:rPr lang="en-US" altLang="ja-JP" i="1">
+                                    <a:latin typeface="Cambria Math"/>
+                                  </a:rPr>
+                                </m:ctrlPr>
+                              </m:fPr>
+                              <m:num>
+                                <m:r>
+                                  <a:rPr lang="en-US" altLang="ja-JP">
+                                    <a:latin typeface="Cambria Math"/>
+                                  </a:rPr>
+                                  <m:t>808∗9</m:t>
+                                </m:r>
+                              </m:num>
+                              <m:den>
+                                <m:r>
+                                  <a:rPr lang="en-US" altLang="ja-JP">
+                                    <a:latin typeface="Cambria Math"/>
+                                  </a:rPr>
+                                  <m:t>14</m:t>
+                                </m:r>
+                                <m:r>
+                                  <a:rPr lang="en-US" altLang="ja-JP" b="0" i="1" smtClean="0">
+                                    <a:latin typeface="Cambria Math"/>
+                                  </a:rPr>
+                                  <m:t>4</m:t>
+                                </m:r>
+                              </m:den>
+                            </m:f>
+                          </m:e>
+                        </m:d>
+                      </m:e>
+                    </m:d>
+                    <m:r>
+                      <a:rPr lang="en-US" altLang="ja-JP" b="0" i="1" smtClean="0">
+                        <a:latin typeface="Cambria Math"/>
+                      </a:rPr>
+                      <m:t>=</m:t>
+                    </m:r>
+                    <m:d>
+                      <m:dPr>
+                        <m:ctrlPr>
+                          <a:rPr lang="en-US" altLang="ja-JP" b="0" i="1" smtClean="0">
+                            <a:latin typeface="Cambria Math"/>
+                          </a:rPr>
+                        </m:ctrlPr>
+                      </m:dPr>
+                      <m:e>
+                        <m:r>
+                          <a:rPr lang="en-US" altLang="ja-JP" b="0" i="1" smtClean="0">
+                            <a:latin typeface="Cambria Math"/>
+                          </a:rPr>
+                          <m:t>258, 50</m:t>
+                        </m:r>
+                      </m:e>
+                    </m:d>
+                  </m:oMath>
+                </a14:m>
+                <a:endParaRPr kumimoji="1" lang="en-US" altLang="ja-JP" dirty="0" smtClean="0"/>
+              </a:p>
+              <a:p>
+                <a:pPr lvl="1"/>
+                <a:r>
+                  <a:rPr lang="ja-JP" altLang="en-US" dirty="0" smtClean="0"/>
+                  <a:t>大きさ</a:t>
+                </a:r>
+                <a:endParaRPr lang="en-US" altLang="ja-JP" dirty="0" smtClean="0"/>
+              </a:p>
+              <a:p>
+                <a:pPr lvl="2"/>
+                <a14:m>
+                  <m:oMath xmlns:m="http://schemas.openxmlformats.org/officeDocument/2006/math">
+                    <m:d>
+                      <m:dPr>
+                        <m:ctrlPr>
+                          <a:rPr kumimoji="1" lang="en-US" altLang="ja-JP" b="0" i="1" smtClean="0">
+                            <a:latin typeface="Cambria Math"/>
+                          </a:rPr>
+                        </m:ctrlPr>
+                      </m:dPr>
+                      <m:e>
+                        <m:d>
+                          <m:dPr>
+                            <m:begChr m:val="⌈"/>
+                            <m:endChr m:val="⌉"/>
+                            <m:ctrlPr>
+                              <a:rPr kumimoji="1" lang="en-US" altLang="ja-JP" b="0" i="1" smtClean="0">
+                                <a:latin typeface="Cambria Math"/>
+                              </a:rPr>
+                            </m:ctrlPr>
+                          </m:dPr>
+                          <m:e>
+                            <m:f>
+                              <m:fPr>
+                                <m:ctrlPr>
+                                  <a:rPr lang="en-US" altLang="ja-JP" i="1">
+                                    <a:latin typeface="Cambria Math"/>
+                                  </a:rPr>
+                                </m:ctrlPr>
+                              </m:fPr>
+                              <m:num>
+                                <m:r>
+                                  <a:rPr lang="en-US" altLang="ja-JP" i="1">
+                                    <a:latin typeface="Cambria Math"/>
+                                  </a:rPr>
+                                  <m:t>606∗4</m:t>
+                                </m:r>
+                              </m:num>
+                              <m:den>
+                                <m:r>
+                                  <a:rPr lang="en-US" altLang="ja-JP" i="1">
+                                    <a:latin typeface="Cambria Math"/>
+                                  </a:rPr>
+                                  <m:t>108</m:t>
+                                </m:r>
+                              </m:den>
+                            </m:f>
+                          </m:e>
+                        </m:d>
+                        <m:r>
+                          <a:rPr kumimoji="1" lang="en-US" altLang="ja-JP" b="0" i="1" smtClean="0">
+                            <a:latin typeface="Cambria Math"/>
+                          </a:rPr>
+                          <m:t>,</m:t>
+                        </m:r>
+                        <m:d>
+                          <m:dPr>
+                            <m:begChr m:val="⌈"/>
+                            <m:endChr m:val="⌉"/>
+                            <m:ctrlPr>
+                              <a:rPr kumimoji="1" lang="en-US" altLang="ja-JP" b="0" i="1" smtClean="0">
+                                <a:latin typeface="Cambria Math"/>
+                              </a:rPr>
+                            </m:ctrlPr>
+                          </m:dPr>
+                          <m:e>
+                            <m:f>
+                              <m:fPr>
+                                <m:ctrlPr>
+                                  <a:rPr lang="en-US" altLang="ja-JP" i="1">
+                                    <a:latin typeface="Cambria Math"/>
+                                  </a:rPr>
+                                </m:ctrlPr>
+                              </m:fPr>
+                              <m:num>
+                                <m:r>
+                                  <a:rPr lang="en-US" altLang="ja-JP" i="1">
+                                    <a:latin typeface="Cambria Math"/>
+                                  </a:rPr>
+                                  <m:t>808∗3</m:t>
+                                </m:r>
+                              </m:num>
+                              <m:den>
+                                <m:r>
+                                  <a:rPr lang="en-US" altLang="ja-JP" i="1">
+                                    <a:latin typeface="Cambria Math"/>
+                                  </a:rPr>
+                                  <m:t>144</m:t>
+                                </m:r>
+                              </m:den>
+                            </m:f>
+                          </m:e>
+                        </m:d>
+                      </m:e>
+                    </m:d>
+                    <m:r>
+                      <a:rPr kumimoji="1" lang="en-US" altLang="ja-JP" b="0" i="1" smtClean="0">
+                        <a:latin typeface="Cambria Math"/>
+                      </a:rPr>
+                      <m:t>=(23,17)</m:t>
+                    </m:r>
+                  </m:oMath>
+                </a14:m>
+                <a:endParaRPr kumimoji="1" lang="en-US" altLang="ja-JP" dirty="0" smtClean="0"/>
+              </a:p>
+            </p:txBody>
+          </p:sp>
+        </mc:Choice>
+        <mc:Fallback xmlns="">
+          <p:sp>
+            <p:nvSpPr>
+              <p:cNvPr id="3" name="コンテンツ プレースホルダー 2"/>
+              <p:cNvSpPr>
+                <a:spLocks noGrp="1" noRot="1" noChangeAspect="1" noMove="1" noResize="1" noEditPoints="1" noAdjustHandles="1" noChangeArrowheads="1" noChangeShapeType="1" noTextEdit="1"/>
+              </p:cNvSpPr>
+              <p:nvPr>
+                <p:ph idx="1"/>
+              </p:nvPr>
+            </p:nvSpPr>
+            <p:spPr>
+              <a:blipFill rotWithShape="1">
+                <a:blip r:embed="rId2"/>
+                <a:stretch>
+                  <a:fillRect l="-1630"/>
+                </a:stretch>
+              </a:blipFill>
+            </p:spPr>
+            <p:txBody>
+              <a:bodyPr/>
+              <a:lstStyle/>
+              <a:p>
+                <a:r>
+                  <a:rPr lang="ja-JP" altLang="en-US">
+                    <a:noFill/>
+                  </a:rPr>
+                  <a:t> </a:t>
+                </a:r>
+              </a:p>
+            </p:txBody>
+          </p:sp>
+        </mc:Fallback>
+      </mc:AlternateContent>
+    </p:spTree>
+    <p:extLst>
+      <p:ext uri="{BB962C8B-B14F-4D97-AF65-F5344CB8AC3E}">
+        <p14:creationId xmlns:p14="http://schemas.microsoft.com/office/powerpoint/2010/main" val="3485869779"/>
+      </p:ext>
+    </p:extLst>
+  </p:cSld>
+  <p:clrMapOvr>
+    <a:masterClrMapping/>
+  </p:clrMapOvr>
+</p:sld>
+</file>
+
+<file path=ppt/slides/slide9.xml><?xml version="1.0" encoding="utf-8"?>
+<p:sld xmlns:a="http://schemas.openxmlformats.org/drawingml/2006/main" xmlns:r="http://schemas.openxmlformats.org/officeDocument/2006/relationships" xmlns:p="http://schemas.openxmlformats.org/presentationml/2006/main">
+  <p:cSld>
+    <p:spTree>
+      <p:nvGrpSpPr>
+        <p:cNvPr id="1" name=""/>
+        <p:cNvGrpSpPr/>
+        <p:nvPr/>
+      </p:nvGrpSpPr>
+      <p:grpSpPr>
+        <a:xfrm>
+          <a:off x="0" y="0"/>
+          <a:ext cx="0" cy="0"/>
+          <a:chOff x="0" y="0"/>
+          <a:chExt cx="0" cy="0"/>
+        </a:xfrm>
+      </p:grpSpPr>
+      <p:sp>
+        <p:nvSpPr>
+          <p:cNvPr id="2" name="タイトル 1"/>
+          <p:cNvSpPr>
+            <a:spLocks noGrp="1"/>
+          </p:cNvSpPr>
+          <p:nvPr>
+            <p:ph type="title"/>
+          </p:nvPr>
+        </p:nvSpPr>
+        <p:spPr/>
+        <p:txBody>
+          <a:bodyPr>
+            <a:normAutofit/>
+          </a:bodyPr>
+          <a:lstStyle/>
+          <a:p>
+            <a:r>
+              <a:rPr kumimoji="1" lang="en-US" altLang="ja-JP" dirty="0" smtClean="0"/>
+              <a:t>pending</a:t>
+            </a:r>
+            <a:endParaRPr kumimoji="1" lang="ja-JP" altLang="en-US" dirty="0"/>
+          </a:p>
+        </p:txBody>
+      </p:sp>
+      <p:sp>
+        <p:nvSpPr>
+          <p:cNvPr id="3" name="コンテンツ プレースホルダー 2"/>
+          <p:cNvSpPr>
+            <a:spLocks noGrp="1"/>
+          </p:cNvSpPr>
+          <p:nvPr>
+            <p:ph idx="1"/>
+          </p:nvPr>
+        </p:nvSpPr>
+        <p:spPr/>
+        <p:txBody>
+          <a:bodyPr/>
+          <a:lstStyle/>
+          <a:p>
+            <a:endParaRPr kumimoji="1" lang="ja-JP" altLang="en-US"/>
+          </a:p>
+        </p:txBody>
+      </p:sp>
+    </p:spTree>
+    <p:extLst>
+      <p:ext uri="{BB962C8B-B14F-4D97-AF65-F5344CB8AC3E}">
+        <p14:creationId xmlns:p14="http://schemas.microsoft.com/office/powerpoint/2010/main" val="1509940126"/>
       </p:ext>
     </p:extLst>
   </p:cSld>

--- a/レイアウトに関する要求.pptx
+++ b/レイアウトに関する要求.pptx
@@ -16,6 +16,7 @@
     <p:sldId id="267" r:id="rId10"/>
     <p:sldId id="268" r:id="rId11"/>
     <p:sldId id="269" r:id="rId12"/>
+    <p:sldId id="270" r:id="rId13"/>
   </p:sldIdLst>
   <p:sldSz cx="9144000" cy="6858000" type="screen4x3"/>
   <p:notesSz cx="6858000" cy="9144000"/>
@@ -114,6 +115,22 @@
       </a:defRPr>
     </a:lvl9pPr>
   </p:defaultTextStyle>
+  <p:extLst>
+    <p:ext uri="{EFAFB233-063F-42B5-8137-9DF3F51BA10A}">
+      <p15:sldGuideLst xmlns:p15="http://schemas.microsoft.com/office/powerpoint/2012/main">
+        <p15:guide id="1" orient="horz" pos="2160">
+          <p15:clr>
+            <a:srgbClr val="A4A3A4"/>
+          </p15:clr>
+        </p15:guide>
+        <p15:guide id="2" pos="2880">
+          <p15:clr>
+            <a:srgbClr val="A4A3A4"/>
+          </p15:clr>
+        </p15:guide>
+      </p15:sldGuideLst>
+    </p:ext>
+  </p:extLst>
 </p:presentation>
 </file>
 
@@ -298,7 +315,7 @@
           <a:p>
             <a:fld id="{7A1FBF97-49B3-4E6A-898C-633B299F43F7}" type="datetimeFigureOut">
               <a:rPr kumimoji="1" lang="ja-JP" altLang="en-US" smtClean="0"/>
-              <a:t>2014/10/19</a:t>
+              <a:t>2014/10/27</a:t>
             </a:fld>
             <a:endParaRPr kumimoji="1" lang="ja-JP" altLang="en-US"/>
           </a:p>
@@ -500,7 +517,7 @@
           <a:p>
             <a:fld id="{7A1FBF97-49B3-4E6A-898C-633B299F43F7}" type="datetimeFigureOut">
               <a:rPr kumimoji="1" lang="ja-JP" altLang="en-US" smtClean="0"/>
-              <a:t>2014/10/19</a:t>
+              <a:t>2014/10/27</a:t>
             </a:fld>
             <a:endParaRPr kumimoji="1" lang="ja-JP" altLang="en-US"/>
           </a:p>
@@ -712,7 +729,7 @@
           <a:p>
             <a:fld id="{7A1FBF97-49B3-4E6A-898C-633B299F43F7}" type="datetimeFigureOut">
               <a:rPr kumimoji="1" lang="ja-JP" altLang="en-US" smtClean="0"/>
-              <a:t>2014/10/19</a:t>
+              <a:t>2014/10/27</a:t>
             </a:fld>
             <a:endParaRPr kumimoji="1" lang="ja-JP" altLang="en-US"/>
           </a:p>
@@ -914,7 +931,7 @@
           <a:p>
             <a:fld id="{7A1FBF97-49B3-4E6A-898C-633B299F43F7}" type="datetimeFigureOut">
               <a:rPr kumimoji="1" lang="ja-JP" altLang="en-US" smtClean="0"/>
-              <a:t>2014/10/19</a:t>
+              <a:t>2014/10/27</a:t>
             </a:fld>
             <a:endParaRPr kumimoji="1" lang="ja-JP" altLang="en-US"/>
           </a:p>
@@ -1160,7 +1177,7 @@
           <a:p>
             <a:fld id="{7A1FBF97-49B3-4E6A-898C-633B299F43F7}" type="datetimeFigureOut">
               <a:rPr kumimoji="1" lang="ja-JP" altLang="en-US" smtClean="0"/>
-              <a:t>2014/10/19</a:t>
+              <a:t>2014/10/27</a:t>
             </a:fld>
             <a:endParaRPr kumimoji="1" lang="ja-JP" altLang="en-US"/>
           </a:p>
@@ -1512,7 +1529,7 @@
           <a:p>
             <a:fld id="{7A1FBF97-49B3-4E6A-898C-633B299F43F7}" type="datetimeFigureOut">
               <a:rPr kumimoji="1" lang="ja-JP" altLang="en-US" smtClean="0"/>
-              <a:t>2014/10/19</a:t>
+              <a:t>2014/10/27</a:t>
             </a:fld>
             <a:endParaRPr kumimoji="1" lang="ja-JP" altLang="en-US"/>
           </a:p>
@@ -1998,7 +2015,7 @@
           <a:p>
             <a:fld id="{7A1FBF97-49B3-4E6A-898C-633B299F43F7}" type="datetimeFigureOut">
               <a:rPr kumimoji="1" lang="ja-JP" altLang="en-US" smtClean="0"/>
-              <a:t>2014/10/19</a:t>
+              <a:t>2014/10/27</a:t>
             </a:fld>
             <a:endParaRPr kumimoji="1" lang="ja-JP" altLang="en-US"/>
           </a:p>
@@ -2116,7 +2133,7 @@
           <a:p>
             <a:fld id="{7A1FBF97-49B3-4E6A-898C-633B299F43F7}" type="datetimeFigureOut">
               <a:rPr kumimoji="1" lang="ja-JP" altLang="en-US" smtClean="0"/>
-              <a:t>2014/10/19</a:t>
+              <a:t>2014/10/27</a:t>
             </a:fld>
             <a:endParaRPr kumimoji="1" lang="ja-JP" altLang="en-US"/>
           </a:p>
@@ -2211,7 +2228,7 @@
           <a:p>
             <a:fld id="{7A1FBF97-49B3-4E6A-898C-633B299F43F7}" type="datetimeFigureOut">
               <a:rPr kumimoji="1" lang="ja-JP" altLang="en-US" smtClean="0"/>
-              <a:t>2014/10/19</a:t>
+              <a:t>2014/10/27</a:t>
             </a:fld>
             <a:endParaRPr kumimoji="1" lang="ja-JP" altLang="en-US"/>
           </a:p>
@@ -2520,7 +2537,7 @@
           <a:p>
             <a:fld id="{7A1FBF97-49B3-4E6A-898C-633B299F43F7}" type="datetimeFigureOut">
               <a:rPr kumimoji="1" lang="ja-JP" altLang="en-US" smtClean="0"/>
-              <a:t>2014/10/19</a:t>
+              <a:t>2014/10/27</a:t>
             </a:fld>
             <a:endParaRPr kumimoji="1" lang="ja-JP" altLang="en-US"/>
           </a:p>
@@ -2773,7 +2790,7 @@
           <a:p>
             <a:fld id="{7A1FBF97-49B3-4E6A-898C-633B299F43F7}" type="datetimeFigureOut">
               <a:rPr kumimoji="1" lang="ja-JP" altLang="en-US" smtClean="0"/>
-              <a:t>2014/10/19</a:t>
+              <a:t>2014/10/27</a:t>
             </a:fld>
             <a:endParaRPr kumimoji="1" lang="ja-JP" altLang="en-US"/>
           </a:p>
@@ -3018,7 +3035,7 @@
           <a:p>
             <a:fld id="{7A1FBF97-49B3-4E6A-898C-633B299F43F7}" type="datetimeFigureOut">
               <a:rPr kumimoji="1" lang="ja-JP" altLang="en-US" smtClean="0"/>
-              <a:t>2014/10/19</a:t>
+              <a:t>2014/10/27</a:t>
             </a:fld>
             <a:endParaRPr kumimoji="1" lang="ja-JP" altLang="en-US"/>
           </a:p>
@@ -3742,11 +3759,7 @@
           <a:p>
             <a:r>
               <a:rPr kumimoji="1" lang="en-US" altLang="ja-JP" dirty="0" smtClean="0"/>
-              <a:t>960</a:t>
-            </a:r>
-            <a:r>
-              <a:rPr kumimoji="1" lang="en-US" altLang="ja-JP" dirty="0" smtClean="0"/>
-              <a:t> </a:t>
+              <a:t>960 </a:t>
             </a:r>
             <a:r>
               <a:rPr kumimoji="1" lang="en-US" altLang="ja-JP" dirty="0" err="1" smtClean="0"/>
@@ -4247,11 +4260,7 @@
             </a:r>
             <a:r>
               <a:rPr lang="ja-JP" altLang="en-US" dirty="0" smtClean="0"/>
-              <a:t>と</a:t>
-            </a:r>
-            <a:r>
-              <a:rPr lang="ja-JP" altLang="en-US" dirty="0" smtClean="0"/>
-              <a:t>する</a:t>
+              <a:t>とする</a:t>
             </a:r>
             <a:endParaRPr lang="en-US" altLang="ja-JP" dirty="0" smtClean="0"/>
           </a:p>
@@ -4266,11 +4275,7 @@
             </a:r>
             <a:r>
               <a:rPr lang="en-US" altLang="ja-JP" dirty="0" smtClean="0"/>
-              <a:t>γ = </a:t>
-            </a:r>
-            <a:r>
-              <a:rPr lang="en-US" altLang="ja-JP" dirty="0" smtClean="0"/>
-              <a:t>5px </a:t>
+              <a:t>γ = 5px </a:t>
             </a:r>
             <a:r>
               <a:rPr lang="ja-JP" altLang="en-US" dirty="0" smtClean="0"/>
@@ -4377,15 +4382,7 @@
             </a:r>
             <a:r>
               <a:rPr lang="en-US" altLang="ja-JP" dirty="0" smtClean="0"/>
-              <a:t>= min{floor((960 – </a:t>
-            </a:r>
-            <a:r>
-              <a:rPr lang="en-US" altLang="ja-JP" dirty="0" smtClean="0"/>
-              <a:t>160)/</a:t>
-            </a:r>
-            <a:r>
-              <a:rPr lang="en-US" altLang="ja-JP" dirty="0" smtClean="0"/>
-              <a:t>4)*4, </a:t>
+              <a:t>= min{floor((960 – 160)/4)*4, </a:t>
             </a:r>
             <a:br>
               <a:rPr lang="en-US" altLang="ja-JP" dirty="0" smtClean="0"/>
@@ -4399,15 +4396,7 @@
             </a:br>
             <a:r>
               <a:rPr lang="en-US" altLang="ja-JP" dirty="0" smtClean="0"/>
-              <a:t>                    = </a:t>
-            </a:r>
-            <a:r>
-              <a:rPr lang="en-US" altLang="ja-JP" dirty="0" smtClean="0"/>
-              <a:t>min{800, </a:t>
-            </a:r>
-            <a:r>
-              <a:rPr lang="en-US" altLang="ja-JP" dirty="0" smtClean="0"/>
-              <a:t>800}</a:t>
+              <a:t>                    = min{800, 800}</a:t>
             </a:r>
           </a:p>
           <a:p>
@@ -5228,6 +5217,97 @@
 </p:sld>
 </file>
 
+<file path=ppt/slides/slide12.xml><?xml version="1.0" encoding="utf-8"?>
+<p:sld xmlns:a="http://schemas.openxmlformats.org/drawingml/2006/main" xmlns:r="http://schemas.openxmlformats.org/officeDocument/2006/relationships" xmlns:p="http://schemas.openxmlformats.org/presentationml/2006/main">
+  <p:cSld>
+    <p:spTree>
+      <p:nvGrpSpPr>
+        <p:cNvPr id="1" name=""/>
+        <p:cNvGrpSpPr/>
+        <p:nvPr/>
+      </p:nvGrpSpPr>
+      <p:grpSpPr>
+        <a:xfrm>
+          <a:off x="0" y="0"/>
+          <a:ext cx="0" cy="0"/>
+          <a:chOff x="0" y="0"/>
+          <a:chExt cx="0" cy="0"/>
+        </a:xfrm>
+      </p:grpSpPr>
+      <p:sp>
+        <p:nvSpPr>
+          <p:cNvPr id="2" name="タイトル 1"/>
+          <p:cNvSpPr>
+            <a:spLocks noGrp="1"/>
+          </p:cNvSpPr>
+          <p:nvPr>
+            <p:ph type="title"/>
+          </p:nvPr>
+        </p:nvSpPr>
+        <p:spPr/>
+        <p:txBody>
+          <a:bodyPr/>
+          <a:lstStyle/>
+          <a:p>
+            <a:r>
+              <a:rPr kumimoji="1" lang="ja-JP" altLang="en-US" dirty="0" smtClean="0"/>
+              <a:t>対応する端末</a:t>
+            </a:r>
+            <a:endParaRPr kumimoji="1" lang="ja-JP" altLang="en-US" dirty="0"/>
+          </a:p>
+        </p:txBody>
+      </p:sp>
+      <p:sp>
+        <p:nvSpPr>
+          <p:cNvPr id="3" name="コンテンツ プレースホルダー 2"/>
+          <p:cNvSpPr>
+            <a:spLocks noGrp="1"/>
+          </p:cNvSpPr>
+          <p:nvPr>
+            <p:ph idx="1"/>
+          </p:nvPr>
+        </p:nvSpPr>
+        <p:spPr/>
+        <p:txBody>
+          <a:bodyPr/>
+          <a:lstStyle/>
+          <a:p>
+            <a:r>
+              <a:rPr lang="en-US" altLang="ja-JP" dirty="0" smtClean="0"/>
+              <a:t>iPhone 4, 5, 6</a:t>
+            </a:r>
+          </a:p>
+          <a:p>
+            <a:r>
+              <a:rPr kumimoji="1" lang="en-US" altLang="ja-JP" dirty="0" smtClean="0"/>
+              <a:t>Nexus 7 (2013)</a:t>
+            </a:r>
+          </a:p>
+          <a:p>
+            <a:r>
+              <a:rPr lang="en-US" altLang="ja-JP" dirty="0" err="1" smtClean="0"/>
+              <a:t>Xperia</a:t>
+            </a:r>
+            <a:r>
+              <a:rPr lang="en-US" altLang="ja-JP" dirty="0" smtClean="0"/>
+              <a:t> A</a:t>
+            </a:r>
+          </a:p>
+        </p:txBody>
+      </p:sp>
+    </p:spTree>
+    <p:extLst>
+      <p:ext uri="{BB962C8B-B14F-4D97-AF65-F5344CB8AC3E}">
+        <p14:creationId xmlns:p14="http://schemas.microsoft.com/office/powerpoint/2010/main" val="305978747"/>
+      </p:ext>
+    </p:extLst>
+  </p:cSld>
+  <p:clrMapOvr>
+    <a:masterClrMapping/>
+  </p:clrMapOvr>
+</p:sld>
+</file>
+
 <file path=ppt/slides/slide2.xml><?xml version="1.0" encoding="utf-8"?>
 <p:sld xmlns:a="http://schemas.openxmlformats.org/drawingml/2006/main" xmlns:r="http://schemas.openxmlformats.org/officeDocument/2006/relationships" xmlns:p="http://schemas.openxmlformats.org/presentationml/2006/main">
   <p:cSld>
@@ -5688,8 +5768,8 @@
           </a:p>
         </p:txBody>
       </p:sp>
-      <mc:AlternateContent xmlns:mc="http://schemas.openxmlformats.org/markup-compatibility/2006">
-        <mc:Choice xmlns:a14="http://schemas.microsoft.com/office/drawing/2010/main" Requires="a14">
+      <mc:AlternateContent xmlns:mc="http://schemas.openxmlformats.org/markup-compatibility/2006" xmlns:a14="http://schemas.microsoft.com/office/drawing/2010/main">
+        <mc:Choice Requires="a14">
           <p:sp>
             <p:nvSpPr>
               <p:cNvPr id="12" name="テキスト ボックス 11"/>
@@ -5977,7 +6057,7 @@
                         <m:endChr m:val="⌋"/>
                         <m:ctrlPr>
                           <a:rPr lang="en-US" altLang="ja-JP" i="1" dirty="0" smtClean="0">
-                            <a:latin typeface="Cambria Math"/>
+                            <a:latin typeface="Cambria Math" panose="02040503050406030204" pitchFamily="18" charset="0"/>
                           </a:rPr>
                         </m:ctrlPr>
                       </m:dPr>
@@ -5986,7 +6066,7 @@
                           <m:fPr>
                             <m:ctrlPr>
                               <a:rPr lang="en-US" altLang="ja-JP" b="0" i="1" dirty="0" smtClean="0">
-                                <a:latin typeface="Cambria Math"/>
+                                <a:latin typeface="Cambria Math" panose="02040503050406030204" pitchFamily="18" charset="0"/>
                               </a:rPr>
                             </m:ctrlPr>
                           </m:fPr>
@@ -6007,7 +6087,7 @@
                               <m:dPr>
                                 <m:ctrlPr>
                                   <a:rPr lang="en-US" altLang="ja-JP" i="1" dirty="0">
-                                    <a:latin typeface="Cambria Math"/>
+                                    <a:latin typeface="Cambria Math" panose="02040503050406030204" pitchFamily="18" charset="0"/>
                                   </a:rPr>
                                 </m:ctrlPr>
                               </m:dPr>
@@ -6074,7 +6154,7 @@
                         <m:endChr m:val="⌋"/>
                         <m:ctrlPr>
                           <a:rPr lang="en-US" altLang="ja-JP" i="1" dirty="0" smtClean="0">
-                            <a:latin typeface="Cambria Math"/>
+                            <a:latin typeface="Cambria Math" panose="02040503050406030204" pitchFamily="18" charset="0"/>
                           </a:rPr>
                         </m:ctrlPr>
                       </m:dPr>
@@ -6083,7 +6163,7 @@
                           <m:fPr>
                             <m:ctrlPr>
                               <a:rPr lang="en-US" altLang="ja-JP" b="0" i="1" dirty="0" smtClean="0">
-                                <a:latin typeface="Cambria Math"/>
+                                <a:latin typeface="Cambria Math" panose="02040503050406030204" pitchFamily="18" charset="0"/>
                               </a:rPr>
                             </m:ctrlPr>
                           </m:fPr>
@@ -6184,7 +6264,7 @@
             </p:txBody>
           </p:sp>
         </mc:Choice>
-        <mc:Fallback>
+        <mc:Fallback xmlns="">
           <p:sp>
             <p:nvSpPr>
               <p:cNvPr id="12" name="テキスト ボックス 11"/>
@@ -7091,11 +7171,7 @@
             </a:r>
             <a:r>
               <a:rPr lang="en-US" altLang="ja-JP" dirty="0" smtClean="0"/>
-              <a:t>α = </a:t>
-            </a:r>
-            <a:r>
-              <a:rPr lang="en-US" altLang="ja-JP" dirty="0" smtClean="0"/>
-              <a:t>32px </a:t>
+              <a:t>α = 32px </a:t>
             </a:r>
             <a:r>
               <a:rPr lang="ja-JP" altLang="en-US" dirty="0" smtClean="0"/>
@@ -7110,19 +7186,11 @@
             </a:r>
             <a:r>
               <a:rPr lang="en-US" altLang="ja-JP" dirty="0" smtClean="0"/>
-              <a:t>β = </a:t>
-            </a:r>
-            <a:r>
-              <a:rPr lang="en-US" altLang="ja-JP" dirty="0" smtClean="0"/>
-              <a:t>48px</a:t>
+              <a:t>β = 48px</a:t>
             </a:r>
             <a:r>
               <a:rPr lang="ja-JP" altLang="en-US" dirty="0" smtClean="0"/>
-              <a:t>と</a:t>
-            </a:r>
-            <a:r>
-              <a:rPr lang="ja-JP" altLang="en-US" dirty="0" smtClean="0"/>
-              <a:t>する</a:t>
+              <a:t>とする</a:t>
             </a:r>
             <a:endParaRPr lang="en-US" altLang="ja-JP" dirty="0" smtClean="0"/>
           </a:p>
@@ -7278,11 +7346,7 @@
             </a:r>
             <a:r>
               <a:rPr lang="en-US" altLang="ja-JP" dirty="0" smtClean="0"/>
-              <a:t>= min{ floor</a:t>
-            </a:r>
-            <a:r>
-              <a:rPr lang="en-US" altLang="ja-JP" dirty="0" smtClean="0"/>
-              <a:t>((480 </a:t>
+              <a:t>= min{ floor((480 </a:t>
             </a:r>
             <a:r>
               <a:rPr lang="en-US" altLang="ja-JP" dirty="0"/>
@@ -7290,11 +7354,7 @@
             </a:r>
             <a:r>
               <a:rPr lang="en-US" altLang="ja-JP" dirty="0" smtClean="0"/>
-              <a:t>100) </a:t>
-            </a:r>
-            <a:r>
-              <a:rPr lang="en-US" altLang="ja-JP" dirty="0" smtClean="0"/>
-              <a:t>/ </a:t>
+              <a:t>100) / </a:t>
             </a:r>
             <a:r>
               <a:rPr lang="en-US" altLang="ja-JP" dirty="0"/>
@@ -7309,28 +7369,15 @@
             </a:br>
             <a:r>
               <a:rPr lang="en-US" altLang="ja-JP" dirty="0" smtClean="0"/>
-              <a:t>		</a:t>
-            </a:r>
-            <a:r>
-              <a:rPr lang="en-US" altLang="ja-JP" dirty="0" smtClean="0"/>
-              <a:t>floor(320/6</a:t>
-            </a:r>
-            <a:r>
-              <a:rPr lang="en-US" altLang="ja-JP" dirty="0" smtClean="0"/>
-              <a:t>)*8}</a:t>
+              <a:t>		floor(320/6)*8}</a:t>
             </a:r>
             <a:br>
               <a:rPr lang="en-US" altLang="ja-JP" dirty="0" smtClean="0"/>
             </a:br>
             <a:r>
               <a:rPr lang="en-US" altLang="ja-JP" dirty="0" smtClean="0"/>
-              <a:t>                    = </a:t>
-            </a:r>
-            <a:r>
-              <a:rPr lang="en-US" altLang="ja-JP" dirty="0" smtClean="0"/>
-              <a:t>min{380, 424}</a:t>
-            </a:r>
-            <a:endParaRPr lang="en-US" altLang="ja-JP" dirty="0" smtClean="0"/>
+              <a:t>                    = min{380, 424}</a:t>
+            </a:r>
           </a:p>
           <a:p>
             <a:pPr marL="0" lvl="1"/>
@@ -7340,13 +7387,8 @@
             </a:r>
             <a:r>
               <a:rPr lang="en-US" altLang="ja-JP" dirty="0" smtClean="0"/>
-              <a:t>                   = </a:t>
-            </a:r>
-            <a:r>
-              <a:rPr lang="en-US" altLang="ja-JP" dirty="0" smtClean="0"/>
-              <a:t>380</a:t>
-            </a:r>
-            <a:endParaRPr lang="en-US" altLang="ja-JP" dirty="0" smtClean="0"/>
+              <a:t>                   = 380</a:t>
+            </a:r>
           </a:p>
           <a:p>
             <a:pPr marL="0" lvl="1"/>
@@ -7360,19 +7402,7 @@
             </a:r>
             <a:r>
               <a:rPr lang="en-US" altLang="ja-JP" dirty="0" smtClean="0"/>
-              <a:t>= </a:t>
-            </a:r>
-            <a:r>
-              <a:rPr lang="en-US" altLang="ja-JP" dirty="0" smtClean="0"/>
-              <a:t>380 </a:t>
-            </a:r>
-            <a:r>
-              <a:rPr lang="en-US" altLang="ja-JP" dirty="0" smtClean="0"/>
-              <a:t>* 3 / 4 = </a:t>
-            </a:r>
-            <a:r>
-              <a:rPr lang="en-US" altLang="ja-JP" dirty="0" smtClean="0"/>
-              <a:t>285</a:t>
+              <a:t>= 380 * 3 / 4 = 285</a:t>
             </a:r>
             <a:endParaRPr lang="en-US" altLang="ja-JP" dirty="0"/>
           </a:p>
@@ -7570,15 +7600,7 @@
                 <a:ea typeface="メイリオ" panose="020B0604030504040204" pitchFamily="50" charset="-128"/>
                 <a:cs typeface="メイリオ" panose="020B0604030504040204" pitchFamily="50" charset="-128"/>
               </a:rPr>
-              <a:t>iPhone </a:t>
-            </a:r>
-            <a:r>
-              <a:rPr lang="en-US" altLang="ja-JP" sz="3200" dirty="0" smtClean="0">
-                <a:latin typeface="メイリオ" panose="020B0604030504040204" pitchFamily="50" charset="-128"/>
-                <a:ea typeface="メイリオ" panose="020B0604030504040204" pitchFamily="50" charset="-128"/>
-                <a:cs typeface="メイリオ" panose="020B0604030504040204" pitchFamily="50" charset="-128"/>
-              </a:rPr>
-              <a:t>5 (16:9)</a:t>
+              <a:t>iPhone 5 (16:9)</a:t>
             </a:r>
             <a:endParaRPr kumimoji="1" lang="ja-JP" altLang="en-US" sz="3200" dirty="0">
               <a:latin typeface="メイリオ" panose="020B0604030504040204" pitchFamily="50" charset="-128"/>
@@ -7999,11 +8021,7 @@
             </a:r>
             <a:r>
               <a:rPr lang="en-US" altLang="ja-JP" dirty="0" smtClean="0"/>
-              <a:t>α = </a:t>
-            </a:r>
-            <a:r>
-              <a:rPr lang="en-US" altLang="ja-JP" dirty="0" smtClean="0"/>
-              <a:t>32px </a:t>
+              <a:t>α = 32px </a:t>
             </a:r>
             <a:r>
               <a:rPr lang="ja-JP" altLang="en-US" dirty="0" smtClean="0"/>
@@ -8018,19 +8036,11 @@
             </a:r>
             <a:r>
               <a:rPr lang="en-US" altLang="ja-JP" dirty="0" smtClean="0"/>
-              <a:t>β = </a:t>
-            </a:r>
-            <a:r>
-              <a:rPr lang="en-US" altLang="ja-JP" dirty="0" smtClean="0"/>
-              <a:t>48px</a:t>
+              <a:t>β = 48px</a:t>
             </a:r>
             <a:r>
               <a:rPr lang="ja-JP" altLang="en-US" dirty="0" smtClean="0"/>
-              <a:t>と</a:t>
-            </a:r>
-            <a:r>
-              <a:rPr lang="ja-JP" altLang="en-US" dirty="0" smtClean="0"/>
-              <a:t>する</a:t>
+              <a:t>とする</a:t>
             </a:r>
             <a:endParaRPr lang="en-US" altLang="ja-JP" dirty="0" smtClean="0"/>
           </a:p>
@@ -8084,15 +8094,7 @@
             </a:r>
             <a:r>
               <a:rPr lang="en-US" altLang="ja-JP" dirty="0" smtClean="0"/>
-              <a:t>= min{floor</a:t>
-            </a:r>
-            <a:r>
-              <a:rPr lang="en-US" altLang="ja-JP" dirty="0" smtClean="0"/>
-              <a:t>((568-100)/</a:t>
-            </a:r>
-            <a:r>
-              <a:rPr lang="en-US" altLang="ja-JP" dirty="0" smtClean="0"/>
-              <a:t>4)*4},</a:t>
+              <a:t>= min{floor((568-100)/4)*4},</a:t>
             </a:r>
           </a:p>
           <a:p>
@@ -8103,28 +8105,15 @@
             </a:r>
             <a:r>
               <a:rPr lang="en-US" altLang="ja-JP" dirty="0" smtClean="0"/>
-              <a:t>                              </a:t>
-            </a:r>
-            <a:r>
-              <a:rPr lang="en-US" altLang="ja-JP" dirty="0" smtClean="0"/>
-              <a:t>floor(320/6</a:t>
-            </a:r>
-            <a:r>
-              <a:rPr lang="en-US" altLang="ja-JP" dirty="0" smtClean="0"/>
-              <a:t>)*8}</a:t>
+              <a:t>                              floor(320/6)*8}</a:t>
             </a:r>
             <a:br>
               <a:rPr lang="en-US" altLang="ja-JP" dirty="0" smtClean="0"/>
             </a:br>
             <a:r>
               <a:rPr lang="en-US" altLang="ja-JP" dirty="0" smtClean="0"/>
-              <a:t>                    = </a:t>
-            </a:r>
-            <a:r>
-              <a:rPr lang="en-US" altLang="ja-JP" dirty="0" smtClean="0"/>
-              <a:t>min{468, 424}</a:t>
-            </a:r>
-            <a:endParaRPr lang="en-US" altLang="ja-JP" dirty="0" smtClean="0"/>
+              <a:t>                    = min{468, 424}</a:t>
+            </a:r>
           </a:p>
           <a:p>
             <a:pPr marL="0" lvl="1"/>
@@ -8134,13 +8123,8 @@
             </a:r>
             <a:r>
               <a:rPr lang="en-US" altLang="ja-JP" dirty="0" smtClean="0"/>
-              <a:t>                   = </a:t>
-            </a:r>
-            <a:r>
-              <a:rPr lang="en-US" altLang="ja-JP" dirty="0" smtClean="0"/>
-              <a:t>424</a:t>
-            </a:r>
-            <a:endParaRPr lang="en-US" altLang="ja-JP" dirty="0" smtClean="0"/>
+              <a:t>                   = 424</a:t>
+            </a:r>
           </a:p>
           <a:p>
             <a:pPr marL="0" lvl="1"/>
@@ -8150,15 +8134,7 @@
             </a:r>
             <a:r>
               <a:rPr lang="en-US" altLang="ja-JP" dirty="0" smtClean="0"/>
-              <a:t>= </a:t>
-            </a:r>
-            <a:r>
-              <a:rPr lang="en-US" altLang="ja-JP" dirty="0" smtClean="0"/>
-              <a:t>424 </a:t>
-            </a:r>
-            <a:r>
-              <a:rPr lang="en-US" altLang="ja-JP" dirty="0" smtClean="0"/>
-              <a:t>* </a:t>
+              <a:t>= 424 * </a:t>
             </a:r>
             <a:r>
               <a:rPr lang="en-US" altLang="ja-JP" dirty="0"/>
@@ -8166,15 +8142,7 @@
             </a:r>
             <a:r>
               <a:rPr lang="en-US" altLang="ja-JP" dirty="0" smtClean="0"/>
-              <a:t> </a:t>
-            </a:r>
-            <a:r>
-              <a:rPr lang="en-US" altLang="ja-JP" dirty="0" smtClean="0"/>
-              <a:t>/ 4 = </a:t>
-            </a:r>
-            <a:r>
-              <a:rPr lang="en-US" altLang="ja-JP" dirty="0" smtClean="0"/>
-              <a:t>318</a:t>
+              <a:t> / 4 = 318</a:t>
             </a:r>
             <a:endParaRPr lang="en-US" altLang="ja-JP" dirty="0"/>
           </a:p>
@@ -8299,15 +8267,7 @@
                 <a:ea typeface="メイリオ" panose="020B0604030504040204" pitchFamily="50" charset="-128"/>
                 <a:cs typeface="メイリオ" panose="020B0604030504040204" pitchFamily="50" charset="-128"/>
               </a:rPr>
-              <a:t> </a:t>
-            </a:r>
-            <a:r>
-              <a:rPr lang="en-US" altLang="ja-JP" sz="3200" dirty="0" smtClean="0">
-                <a:latin typeface="メイリオ" panose="020B0604030504040204" pitchFamily="50" charset="-128"/>
-                <a:ea typeface="メイリオ" panose="020B0604030504040204" pitchFamily="50" charset="-128"/>
-                <a:cs typeface="メイリオ" panose="020B0604030504040204" pitchFamily="50" charset="-128"/>
-              </a:rPr>
-              <a:t>UL SOL22 (16:9)</a:t>
+              <a:t> UL SOL22 (16:9)</a:t>
             </a:r>
             <a:endParaRPr kumimoji="1" lang="ja-JP" altLang="en-US" sz="3200" dirty="0">
               <a:latin typeface="メイリオ" panose="020B0604030504040204" pitchFamily="50" charset="-128"/>
@@ -8752,7 +8712,6 @@
               <a:rPr lang="ja-JP" altLang="en-US" dirty="0"/>
               <a:t>とする</a:t>
             </a:r>
-            <a:endParaRPr lang="ja-JP" altLang="en-US" dirty="0"/>
           </a:p>
         </p:txBody>
       </p:sp>
@@ -8785,15 +8744,7 @@
             </a:r>
             <a:r>
               <a:rPr lang="en-US" altLang="ja-JP" dirty="0" smtClean="0"/>
-              <a:t>= min{floor</a:t>
-            </a:r>
-            <a:r>
-              <a:rPr lang="en-US" altLang="ja-JP" dirty="0" smtClean="0"/>
-              <a:t>((640-100)/</a:t>
-            </a:r>
-            <a:r>
-              <a:rPr lang="en-US" altLang="ja-JP" dirty="0" smtClean="0"/>
-              <a:t>4)*4},</a:t>
+              <a:t>= min{floor((640-100)/4)*4},</a:t>
             </a:r>
           </a:p>
           <a:p>
@@ -8804,28 +8755,15 @@
             </a:r>
             <a:r>
               <a:rPr lang="en-US" altLang="ja-JP" dirty="0" smtClean="0"/>
-              <a:t>                              </a:t>
-            </a:r>
-            <a:r>
-              <a:rPr lang="en-US" altLang="ja-JP" dirty="0" smtClean="0"/>
-              <a:t>floor(360/6</a:t>
-            </a:r>
-            <a:r>
-              <a:rPr lang="en-US" altLang="ja-JP" dirty="0" smtClean="0"/>
-              <a:t>)*8}</a:t>
+              <a:t>                              floor(360/6)*8}</a:t>
             </a:r>
             <a:br>
               <a:rPr lang="en-US" altLang="ja-JP" dirty="0" smtClean="0"/>
             </a:br>
             <a:r>
               <a:rPr lang="en-US" altLang="ja-JP" dirty="0" smtClean="0"/>
-              <a:t>                    = </a:t>
-            </a:r>
-            <a:r>
-              <a:rPr lang="en-US" altLang="ja-JP" dirty="0" smtClean="0"/>
-              <a:t>min{540, 480}</a:t>
-            </a:r>
-            <a:endParaRPr lang="en-US" altLang="ja-JP" dirty="0" smtClean="0"/>
+              <a:t>                    = min{540, 480}</a:t>
+            </a:r>
           </a:p>
           <a:p>
             <a:pPr marL="0" lvl="1"/>
@@ -8835,13 +8773,8 @@
             </a:r>
             <a:r>
               <a:rPr lang="en-US" altLang="ja-JP" dirty="0" smtClean="0"/>
-              <a:t>                   = </a:t>
-            </a:r>
-            <a:r>
-              <a:rPr lang="en-US" altLang="ja-JP" dirty="0" smtClean="0"/>
-              <a:t>480</a:t>
-            </a:r>
-            <a:endParaRPr lang="en-US" altLang="ja-JP" dirty="0" smtClean="0"/>
+              <a:t>                   = 480</a:t>
+            </a:r>
           </a:p>
           <a:p>
             <a:pPr marL="0" lvl="1"/>
@@ -8851,19 +8784,7 @@
             </a:r>
             <a:r>
               <a:rPr lang="en-US" altLang="ja-JP" dirty="0" smtClean="0"/>
-              <a:t>= </a:t>
-            </a:r>
-            <a:r>
-              <a:rPr lang="en-US" altLang="ja-JP" dirty="0" smtClean="0"/>
-              <a:t>480 </a:t>
-            </a:r>
-            <a:r>
-              <a:rPr lang="en-US" altLang="ja-JP" dirty="0" smtClean="0"/>
-              <a:t>* 3 / 4 = </a:t>
-            </a:r>
-            <a:r>
-              <a:rPr lang="en-US" altLang="ja-JP" dirty="0" smtClean="0"/>
-              <a:t>360</a:t>
+              <a:t>= 480 * 3 / 4 = 360</a:t>
             </a:r>
             <a:endParaRPr lang="en-US" altLang="ja-JP" dirty="0"/>
           </a:p>
@@ -9221,7 +9142,7 @@
                       <m:sSubPr>
                         <m:ctrlPr>
                           <a:rPr kumimoji="1" lang="en-US" altLang="ja-JP" b="0" i="1" smtClean="0">
-                            <a:latin typeface="Cambria Math"/>
+                            <a:latin typeface="Cambria Math" panose="02040503050406030204" pitchFamily="18" charset="0"/>
                           </a:rPr>
                         </m:ctrlPr>
                       </m:sSubPr>
@@ -9252,7 +9173,7 @@
                       <m:fPr>
                         <m:ctrlPr>
                           <a:rPr kumimoji="1" lang="en-US" altLang="ja-JP" b="0" i="1" smtClean="0">
-                            <a:latin typeface="Cambria Math"/>
+                            <a:latin typeface="Cambria Math" panose="02040503050406030204" pitchFamily="18" charset="0"/>
                           </a:rPr>
                         </m:ctrlPr>
                       </m:fPr>
@@ -9305,7 +9226,7 @@
                       <m:sSubPr>
                         <m:ctrlPr>
                           <a:rPr lang="en-US" altLang="ja-JP" i="1">
-                            <a:latin typeface="Cambria Math"/>
+                            <a:latin typeface="Cambria Math" panose="02040503050406030204" pitchFamily="18" charset="0"/>
                           </a:rPr>
                         </m:ctrlPr>
                       </m:sSubPr>
@@ -9336,7 +9257,7 @@
                       <m:fPr>
                         <m:ctrlPr>
                           <a:rPr lang="en-US" altLang="ja-JP" b="0" i="1" smtClean="0">
-                            <a:latin typeface="Cambria Math"/>
+                            <a:latin typeface="Cambria Math" panose="02040503050406030204" pitchFamily="18" charset="0"/>
                           </a:rPr>
                         </m:ctrlPr>
                       </m:fPr>
@@ -9467,7 +9388,7 @@
                         <m:endChr m:val="⌋"/>
                         <m:ctrlPr>
                           <a:rPr lang="en-US" altLang="ja-JP" b="0" i="1" smtClean="0">
-                            <a:latin typeface="Cambria Math"/>
+                            <a:latin typeface="Cambria Math" panose="02040503050406030204" pitchFamily="18" charset="0"/>
                           </a:rPr>
                         </m:ctrlPr>
                       </m:dPr>
@@ -9494,7 +9415,7 @@
                           <m:sSubPr>
                             <m:ctrlPr>
                               <a:rPr lang="en-US" altLang="ja-JP" i="1">
-                                <a:latin typeface="Cambria Math"/>
+                                <a:latin typeface="Cambria Math" panose="02040503050406030204" pitchFamily="18" charset="0"/>
                               </a:rPr>
                             </m:ctrlPr>
                           </m:sSubPr>
@@ -9529,7 +9450,7 @@
                         <m:endChr m:val="⌋"/>
                         <m:ctrlPr>
                           <a:rPr lang="en-US" altLang="ja-JP" i="1">
-                            <a:latin typeface="Cambria Math"/>
+                            <a:latin typeface="Cambria Math" panose="02040503050406030204" pitchFamily="18" charset="0"/>
                           </a:rPr>
                         </m:ctrlPr>
                       </m:dPr>
@@ -9556,7 +9477,7 @@
                           <m:sSubPr>
                             <m:ctrlPr>
                               <a:rPr lang="en-US" altLang="ja-JP" i="1">
-                                <a:latin typeface="Cambria Math"/>
+                                <a:latin typeface="Cambria Math" panose="02040503050406030204" pitchFamily="18" charset="0"/>
                               </a:rPr>
                             </m:ctrlPr>
                           </m:sSubPr>
@@ -9614,7 +9535,7 @@
                         <m:endChr m:val="⌉"/>
                         <m:ctrlPr>
                           <a:rPr lang="en-US" altLang="ja-JP" b="0" i="1" smtClean="0">
-                            <a:latin typeface="Cambria Math"/>
+                            <a:latin typeface="Cambria Math" panose="02040503050406030204" pitchFamily="18" charset="0"/>
                           </a:rPr>
                         </m:ctrlPr>
                       </m:dPr>
@@ -9641,7 +9562,7 @@
                           <m:sSubPr>
                             <m:ctrlPr>
                               <a:rPr lang="en-US" altLang="ja-JP" b="0" i="1" smtClean="0">
-                                <a:latin typeface="Cambria Math"/>
+                                <a:latin typeface="Cambria Math" panose="02040503050406030204" pitchFamily="18" charset="0"/>
                               </a:rPr>
                             </m:ctrlPr>
                           </m:sSubPr>
@@ -9676,7 +9597,7 @@
                         <m:endChr m:val="⌉"/>
                         <m:ctrlPr>
                           <a:rPr lang="en-US" altLang="ja-JP" i="1">
-                            <a:latin typeface="Cambria Math"/>
+                            <a:latin typeface="Cambria Math" panose="02040503050406030204" pitchFamily="18" charset="0"/>
                           </a:rPr>
                         </m:ctrlPr>
                       </m:dPr>
@@ -9703,7 +9624,7 @@
                           <m:sSubPr>
                             <m:ctrlPr>
                               <a:rPr lang="en-US" altLang="ja-JP" i="1">
-                                <a:latin typeface="Cambria Math"/>
+                                <a:latin typeface="Cambria Math" panose="02040503050406030204" pitchFamily="18" charset="0"/>
                               </a:rPr>
                             </m:ctrlPr>
                           </m:sSubPr>
@@ -9895,7 +9816,7 @@
                       <m:dPr>
                         <m:ctrlPr>
                           <a:rPr lang="en-US" altLang="ja-JP" b="0" i="1" smtClean="0">
-                            <a:latin typeface="Cambria Math"/>
+                            <a:latin typeface="Cambria Math" panose="02040503050406030204" pitchFamily="18" charset="0"/>
                           </a:rPr>
                         </m:ctrlPr>
                       </m:dPr>
@@ -9904,7 +9825,7 @@
                           <m:fPr>
                             <m:ctrlPr>
                               <a:rPr lang="en-US" altLang="ja-JP" b="0" i="1" smtClean="0">
-                                <a:latin typeface="Cambria Math"/>
+                                <a:latin typeface="Cambria Math" panose="02040503050406030204" pitchFamily="18" charset="0"/>
                               </a:rPr>
                             </m:ctrlPr>
                           </m:fPr>
@@ -9935,7 +9856,7 @@
                           <m:fPr>
                             <m:ctrlPr>
                               <a:rPr lang="en-US" altLang="ja-JP" b="0" i="1" smtClean="0">
-                                <a:latin typeface="Cambria Math"/>
+                                <a:latin typeface="Cambria Math" panose="02040503050406030204" pitchFamily="18" charset="0"/>
                               </a:rPr>
                             </m:ctrlPr>
                           </m:fPr>
@@ -10017,7 +9938,7 @@
                       <m:dPr>
                         <m:ctrlPr>
                           <a:rPr lang="en-US" altLang="ja-JP" b="0" i="1" smtClean="0">
-                            <a:latin typeface="Cambria Math"/>
+                            <a:latin typeface="Cambria Math" panose="02040503050406030204" pitchFamily="18" charset="0"/>
                           </a:rPr>
                         </m:ctrlPr>
                       </m:dPr>
@@ -10028,7 +9949,7 @@
                             <m:endChr m:val="⌋"/>
                             <m:ctrlPr>
                               <a:rPr lang="en-US" altLang="ja-JP" b="0" i="1" smtClean="0">
-                                <a:latin typeface="Cambria Math"/>
+                                <a:latin typeface="Cambria Math" panose="02040503050406030204" pitchFamily="18" charset="0"/>
                               </a:rPr>
                             </m:ctrlPr>
                           </m:dPr>
@@ -10037,7 +9958,7 @@
                               <m:fPr>
                                 <m:ctrlPr>
                                   <a:rPr lang="en-US" altLang="ja-JP" i="1">
-                                    <a:latin typeface="Cambria Math"/>
+                                    <a:latin typeface="Cambria Math" panose="02040503050406030204" pitchFamily="18" charset="0"/>
                                   </a:rPr>
                                 </m:ctrlPr>
                               </m:fPr>
@@ -10072,7 +9993,7 @@
                             <m:endChr m:val="⌋"/>
                             <m:ctrlPr>
                               <a:rPr lang="en-US" altLang="ja-JP" b="0" i="1" smtClean="0">
-                                <a:latin typeface="Cambria Math"/>
+                                <a:latin typeface="Cambria Math" panose="02040503050406030204" pitchFamily="18" charset="0"/>
                               </a:rPr>
                             </m:ctrlPr>
                           </m:dPr>
@@ -10081,7 +10002,7 @@
                               <m:fPr>
                                 <m:ctrlPr>
                                   <a:rPr lang="en-US" altLang="ja-JP" i="1">
-                                    <a:latin typeface="Cambria Math"/>
+                                    <a:latin typeface="Cambria Math" panose="02040503050406030204" pitchFamily="18" charset="0"/>
                                   </a:rPr>
                                 </m:ctrlPr>
                               </m:fPr>
@@ -10122,7 +10043,7 @@
                       <m:dPr>
                         <m:ctrlPr>
                           <a:rPr lang="en-US" altLang="ja-JP" b="0" i="1" smtClean="0">
-                            <a:latin typeface="Cambria Math"/>
+                            <a:latin typeface="Cambria Math" panose="02040503050406030204" pitchFamily="18" charset="0"/>
                           </a:rPr>
                         </m:ctrlPr>
                       </m:dPr>
@@ -10155,7 +10076,7 @@
                       <m:dPr>
                         <m:ctrlPr>
                           <a:rPr kumimoji="1" lang="en-US" altLang="ja-JP" b="0" i="1" smtClean="0">
-                            <a:latin typeface="Cambria Math"/>
+                            <a:latin typeface="Cambria Math" panose="02040503050406030204" pitchFamily="18" charset="0"/>
                           </a:rPr>
                         </m:ctrlPr>
                       </m:dPr>
@@ -10166,7 +10087,7 @@
                             <m:endChr m:val="⌉"/>
                             <m:ctrlPr>
                               <a:rPr kumimoji="1" lang="en-US" altLang="ja-JP" b="0" i="1" smtClean="0">
-                                <a:latin typeface="Cambria Math"/>
+                                <a:latin typeface="Cambria Math" panose="02040503050406030204" pitchFamily="18" charset="0"/>
                               </a:rPr>
                             </m:ctrlPr>
                           </m:dPr>
@@ -10175,7 +10096,7 @@
                               <m:fPr>
                                 <m:ctrlPr>
                                   <a:rPr lang="en-US" altLang="ja-JP" i="1">
-                                    <a:latin typeface="Cambria Math"/>
+                                    <a:latin typeface="Cambria Math" panose="02040503050406030204" pitchFamily="18" charset="0"/>
                                   </a:rPr>
                                 </m:ctrlPr>
                               </m:fPr>
@@ -10210,7 +10131,7 @@
                             <m:endChr m:val="⌉"/>
                             <m:ctrlPr>
                               <a:rPr kumimoji="1" lang="en-US" altLang="ja-JP" b="0" i="1" smtClean="0">
-                                <a:latin typeface="Cambria Math"/>
+                                <a:latin typeface="Cambria Math" panose="02040503050406030204" pitchFamily="18" charset="0"/>
                               </a:rPr>
                             </m:ctrlPr>
                           </m:dPr>
@@ -10219,7 +10140,7 @@
                               <m:fPr>
                                 <m:ctrlPr>
                                   <a:rPr lang="en-US" altLang="ja-JP" i="1">
-                                    <a:latin typeface="Cambria Math"/>
+                                    <a:latin typeface="Cambria Math" panose="02040503050406030204" pitchFamily="18" charset="0"/>
                                   </a:rPr>
                                 </m:ctrlPr>
                               </m:fPr>
